--- a/Final project/INFO 5100 Final Project.pptx
+++ b/Final project/INFO 5100 Final Project.pptx
@@ -5,7 +5,7 @@
     <p:sldMasterId id="2147483735" r:id="rId1"/>
   </p:sldMasterIdLst>
   <p:notesMasterIdLst>
-    <p:notesMasterId r:id="rId14"/>
+    <p:notesMasterId r:id="rId18"/>
   </p:notesMasterIdLst>
   <p:sldIdLst>
     <p:sldId id="256" r:id="rId2"/>
@@ -18,8 +18,12 @@
     <p:sldId id="265" r:id="rId9"/>
     <p:sldId id="266" r:id="rId10"/>
     <p:sldId id="268" r:id="rId11"/>
-    <p:sldId id="262" r:id="rId12"/>
+    <p:sldId id="271" r:id="rId12"/>
     <p:sldId id="263" r:id="rId13"/>
+    <p:sldId id="269" r:id="rId14"/>
+    <p:sldId id="272" r:id="rId15"/>
+    <p:sldId id="262" r:id="rId16"/>
+    <p:sldId id="270" r:id="rId17"/>
   </p:sldIdLst>
   <p:sldSz cx="12192000" cy="6858000"/>
   <p:notesSz cx="6858000" cy="9144000"/>
@@ -208,7 +212,7 @@
           <a:p>
             <a:fld id="{BDDBA7D5-3CCB-428D-A29E-6D67FC26471C}" type="datetimeFigureOut">
               <a:rPr lang="zh-TW" altLang="en-US" smtClean="0"/>
-              <a:t>2019/12/5</a:t>
+              <a:t>2019/12/6</a:t>
             </a:fld>
             <a:endParaRPr lang="zh-TW" altLang="en-US"/>
           </a:p>
@@ -1004,7 +1008,7 @@
           <a:p>
             <a:fld id="{6B91597D-BD06-432B-BB0D-D3E16527D949}" type="slidenum">
               <a:rPr lang="zh-TW" altLang="en-US" smtClean="0"/>
-              <a:t>11</a:t>
+              <a:t>15</a:t>
             </a:fld>
             <a:endParaRPr lang="zh-TW" altLang="en-US"/>
           </a:p>
@@ -1249,7 +1253,7 @@
           <a:p>
             <a:fld id="{729CADB2-B548-438E-BB89-14FEC79DBF1E}" type="datetimeFigureOut">
               <a:rPr lang="zh-TW" altLang="en-US" smtClean="0"/>
-              <a:t>2019/12/5</a:t>
+              <a:t>2019/12/6</a:t>
             </a:fld>
             <a:endParaRPr lang="zh-TW" altLang="en-US"/>
           </a:p>
@@ -1457,7 +1461,7 @@
           <a:p>
             <a:fld id="{729CADB2-B548-438E-BB89-14FEC79DBF1E}" type="datetimeFigureOut">
               <a:rPr lang="zh-TW" altLang="en-US" smtClean="0"/>
-              <a:t>2019/12/5</a:t>
+              <a:t>2019/12/6</a:t>
             </a:fld>
             <a:endParaRPr lang="zh-TW" altLang="en-US"/>
           </a:p>
@@ -1713,7 +1717,7 @@
           <a:p>
             <a:fld id="{729CADB2-B548-438E-BB89-14FEC79DBF1E}" type="datetimeFigureOut">
               <a:rPr lang="zh-TW" altLang="en-US" smtClean="0"/>
-              <a:t>2019/12/5</a:t>
+              <a:t>2019/12/6</a:t>
             </a:fld>
             <a:endParaRPr lang="zh-TW" altLang="en-US"/>
           </a:p>
@@ -1887,7 +1891,7 @@
           <a:p>
             <a:fld id="{729CADB2-B548-438E-BB89-14FEC79DBF1E}" type="datetimeFigureOut">
               <a:rPr lang="zh-TW" altLang="en-US" smtClean="0"/>
-              <a:t>2019/12/5</a:t>
+              <a:t>2019/12/6</a:t>
             </a:fld>
             <a:endParaRPr lang="zh-TW" altLang="en-US"/>
           </a:p>
@@ -2230,7 +2234,7 @@
           <a:p>
             <a:fld id="{729CADB2-B548-438E-BB89-14FEC79DBF1E}" type="datetimeFigureOut">
               <a:rPr lang="zh-TW" altLang="en-US" smtClean="0"/>
-              <a:t>2019/12/5</a:t>
+              <a:t>2019/12/6</a:t>
             </a:fld>
             <a:endParaRPr lang="zh-TW" altLang="en-US"/>
           </a:p>
@@ -2505,7 +2509,7 @@
           <a:p>
             <a:fld id="{729CADB2-B548-438E-BB89-14FEC79DBF1E}" type="datetimeFigureOut">
               <a:rPr lang="zh-TW" altLang="en-US" smtClean="0"/>
-              <a:t>2019/12/5</a:t>
+              <a:t>2019/12/6</a:t>
             </a:fld>
             <a:endParaRPr lang="zh-TW" altLang="en-US"/>
           </a:p>
@@ -2884,7 +2888,7 @@
           <a:p>
             <a:fld id="{729CADB2-B548-438E-BB89-14FEC79DBF1E}" type="datetimeFigureOut">
               <a:rPr lang="zh-TW" altLang="en-US" smtClean="0"/>
-              <a:t>2019/12/5</a:t>
+              <a:t>2019/12/6</a:t>
             </a:fld>
             <a:endParaRPr lang="zh-TW" altLang="en-US"/>
           </a:p>
@@ -3002,7 +3006,7 @@
           <a:p>
             <a:fld id="{729CADB2-B548-438E-BB89-14FEC79DBF1E}" type="datetimeFigureOut">
               <a:rPr lang="zh-TW" altLang="en-US" smtClean="0"/>
-              <a:t>2019/12/5</a:t>
+              <a:t>2019/12/6</a:t>
             </a:fld>
             <a:endParaRPr lang="zh-TW" altLang="en-US"/>
           </a:p>
@@ -3173,7 +3177,7 @@
           <a:p>
             <a:fld id="{729CADB2-B548-438E-BB89-14FEC79DBF1E}" type="datetimeFigureOut">
               <a:rPr lang="zh-TW" altLang="en-US" smtClean="0"/>
-              <a:t>2019/12/5</a:t>
+              <a:t>2019/12/6</a:t>
             </a:fld>
             <a:endParaRPr lang="zh-TW" altLang="en-US"/>
           </a:p>
@@ -3527,7 +3531,7 @@
           <a:p>
             <a:fld id="{729CADB2-B548-438E-BB89-14FEC79DBF1E}" type="datetimeFigureOut">
               <a:rPr lang="zh-TW" altLang="en-US" smtClean="0"/>
-              <a:t>2019/12/5</a:t>
+              <a:t>2019/12/6</a:t>
             </a:fld>
             <a:endParaRPr lang="zh-TW" altLang="en-US"/>
           </a:p>
@@ -3909,7 +3913,7 @@
           <a:p>
             <a:fld id="{729CADB2-B548-438E-BB89-14FEC79DBF1E}" type="datetimeFigureOut">
               <a:rPr lang="zh-TW" altLang="en-US" smtClean="0"/>
-              <a:t>2019/12/5</a:t>
+              <a:t>2019/12/6</a:t>
             </a:fld>
             <a:endParaRPr lang="zh-TW" altLang="en-US"/>
           </a:p>
@@ -4196,7 +4200,7 @@
           <a:p>
             <a:fld id="{729CADB2-B548-438E-BB89-14FEC79DBF1E}" type="datetimeFigureOut">
               <a:rPr lang="zh-TW" altLang="en-US" smtClean="0"/>
-              <a:t>2019/12/5</a:t>
+              <a:t>2019/12/6</a:t>
             </a:fld>
             <a:endParaRPr lang="zh-TW" altLang="en-US"/>
           </a:p>
@@ -4915,36 +4919,115 @@
             <p:ph type="title"/>
           </p:nvPr>
         </p:nvSpPr>
-        <p:spPr/>
-        <p:txBody>
-          <a:bodyPr/>
-          <a:lstStyle/>
-          <a:p>
-            <a:endParaRPr lang="zh-TW" altLang="en-US" dirty="0"/>
-          </a:p>
-        </p:txBody>
-      </p:sp>
-      <p:sp>
-        <p:nvSpPr>
-          <p:cNvPr id="3" name="內容版面配置區 2"/>
-          <p:cNvSpPr>
-            <a:spLocks noGrp="1"/>
-          </p:cNvSpPr>
-          <p:nvPr>
-            <p:ph idx="1"/>
-          </p:nvPr>
-        </p:nvSpPr>
-        <p:spPr/>
+        <p:spPr>
+          <a:xfrm>
+            <a:off x="1097280" y="951621"/>
+            <a:ext cx="7007629" cy="627797"/>
+          </a:xfrm>
+        </p:spPr>
         <p:txBody>
           <a:bodyPr>
-            <a:normAutofit/>
+            <a:normAutofit fontScale="90000"/>
           </a:bodyPr>
           <a:lstStyle/>
           <a:p>
-            <a:endParaRPr lang="zh-TW" altLang="en-US" sz="2400" dirty="0"/>
-          </a:p>
-        </p:txBody>
-      </p:sp>
+            <a:r>
+              <a:rPr lang="en-US" altLang="zh-TW" dirty="0" smtClean="0"/>
+              <a:t>Work Request (Room Offer)</a:t>
+            </a:r>
+            <a:endParaRPr lang="zh-TW" altLang="en-US" dirty="0"/>
+          </a:p>
+        </p:txBody>
+      </p:sp>
+      <p:pic>
+        <p:nvPicPr>
+          <p:cNvPr id="8" name="內容版面配置區 7"/>
+          <p:cNvPicPr>
+            <a:picLocks noGrp="1" noChangeAspect="1"/>
+          </p:cNvPicPr>
+          <p:nvPr>
+            <p:ph idx="1"/>
+          </p:nvPr>
+        </p:nvPicPr>
+        <p:blipFill>
+          <a:blip r:embed="rId3">
+            <a:extLst>
+              <a:ext uri="{28A0092B-C50C-407E-A947-70E740481C1C}">
+                <a14:useLocalDpi xmlns:a14="http://schemas.microsoft.com/office/drawing/2010/main" val="0"/>
+              </a:ext>
+            </a:extLst>
+          </a:blip>
+          <a:stretch>
+            <a:fillRect/>
+          </a:stretch>
+        </p:blipFill>
+        <p:spPr>
+          <a:xfrm>
+            <a:off x="1049714" y="455201"/>
+            <a:ext cx="10960806" cy="5814440"/>
+          </a:xfrm>
+        </p:spPr>
+      </p:pic>
+      <p:pic>
+        <p:nvPicPr>
+          <p:cNvPr id="10" name="圖片 9"/>
+          <p:cNvPicPr>
+            <a:picLocks noChangeAspect="1"/>
+          </p:cNvPicPr>
+          <p:nvPr/>
+        </p:nvPicPr>
+        <p:blipFill>
+          <a:blip r:embed="rId4">
+            <a:extLst>
+              <a:ext uri="{28A0092B-C50C-407E-A947-70E740481C1C}">
+                <a14:useLocalDpi xmlns:a14="http://schemas.microsoft.com/office/drawing/2010/main" val="0"/>
+              </a:ext>
+            </a:extLst>
+          </a:blip>
+          <a:stretch>
+            <a:fillRect/>
+          </a:stretch>
+        </p:blipFill>
+        <p:spPr>
+          <a:xfrm>
+            <a:off x="717561" y="455201"/>
+            <a:ext cx="11399520" cy="6057900"/>
+          </a:xfrm>
+          <a:prstGeom prst="rect">
+            <a:avLst/>
+          </a:prstGeom>
+        </p:spPr>
+      </p:pic>
+      <p:pic>
+        <p:nvPicPr>
+          <p:cNvPr id="9" name="圖片 8"/>
+          <p:cNvPicPr>
+            <a:picLocks noChangeAspect="1"/>
+          </p:cNvPicPr>
+          <p:nvPr/>
+        </p:nvPicPr>
+        <p:blipFill>
+          <a:blip r:embed="rId5">
+            <a:extLst>
+              <a:ext uri="{28A0092B-C50C-407E-A947-70E740481C1C}">
+                <a14:useLocalDpi xmlns:a14="http://schemas.microsoft.com/office/drawing/2010/main" val="0"/>
+              </a:ext>
+            </a:extLst>
+          </a:blip>
+          <a:stretch>
+            <a:fillRect/>
+          </a:stretch>
+        </p:blipFill>
+        <p:spPr>
+          <a:xfrm>
+            <a:off x="717561" y="455201"/>
+            <a:ext cx="11399520" cy="6027420"/>
+          </a:xfrm>
+          <a:prstGeom prst="rect">
+            <a:avLst/>
+          </a:prstGeom>
+        </p:spPr>
+      </p:pic>
     </p:spTree>
     <p:extLst>
       <p:ext uri="{BB962C8B-B14F-4D97-AF65-F5344CB8AC3E}">
@@ -4958,7 +5041,273 @@
   <p:timing>
     <p:tnLst>
       <p:par>
-        <p:cTn id="1" dur="indefinite" restart="never" nodeType="tmRoot"/>
+        <p:cTn id="1" dur="indefinite" restart="never" nodeType="tmRoot">
+          <p:childTnLst>
+            <p:seq concurrent="1" nextAc="seek">
+              <p:cTn id="2" dur="indefinite" nodeType="mainSeq">
+                <p:childTnLst>
+                  <p:par>
+                    <p:cTn id="3" fill="hold">
+                      <p:stCondLst>
+                        <p:cond delay="indefinite"/>
+                      </p:stCondLst>
+                      <p:childTnLst>
+                        <p:par>
+                          <p:cTn id="4" fill="hold">
+                            <p:stCondLst>
+                              <p:cond delay="0"/>
+                            </p:stCondLst>
+                            <p:childTnLst>
+                              <p:par>
+                                <p:cTn id="5" presetID="10" presetClass="entr" presetSubtype="0" fill="hold" nodeType="clickEffect">
+                                  <p:stCondLst>
+                                    <p:cond delay="0"/>
+                                  </p:stCondLst>
+                                  <p:childTnLst>
+                                    <p:set>
+                                      <p:cBhvr>
+                                        <p:cTn id="6" dur="1" fill="hold">
+                                          <p:stCondLst>
+                                            <p:cond delay="0"/>
+                                          </p:stCondLst>
+                                        </p:cTn>
+                                        <p:tgtEl>
+                                          <p:spTgt spid="8"/>
+                                        </p:tgtEl>
+                                        <p:attrNameLst>
+                                          <p:attrName>style.visibility</p:attrName>
+                                        </p:attrNameLst>
+                                      </p:cBhvr>
+                                      <p:to>
+                                        <p:strVal val="visible"/>
+                                      </p:to>
+                                    </p:set>
+                                    <p:animEffect transition="in" filter="fade">
+                                      <p:cBhvr>
+                                        <p:cTn id="7" dur="500"/>
+                                        <p:tgtEl>
+                                          <p:spTgt spid="8"/>
+                                        </p:tgtEl>
+                                      </p:cBhvr>
+                                    </p:animEffect>
+                                  </p:childTnLst>
+                                </p:cTn>
+                              </p:par>
+                            </p:childTnLst>
+                          </p:cTn>
+                        </p:par>
+                      </p:childTnLst>
+                    </p:cTn>
+                  </p:par>
+                  <p:par>
+                    <p:cTn id="8" fill="hold">
+                      <p:stCondLst>
+                        <p:cond delay="indefinite"/>
+                      </p:stCondLst>
+                      <p:childTnLst>
+                        <p:par>
+                          <p:cTn id="9" fill="hold">
+                            <p:stCondLst>
+                              <p:cond delay="0"/>
+                            </p:stCondLst>
+                            <p:childTnLst>
+                              <p:par>
+                                <p:cTn id="10" presetID="2" presetClass="entr" presetSubtype="4" fill="hold" nodeType="clickEffect">
+                                  <p:stCondLst>
+                                    <p:cond delay="0"/>
+                                  </p:stCondLst>
+                                  <p:childTnLst>
+                                    <p:set>
+                                      <p:cBhvr>
+                                        <p:cTn id="11" dur="1" fill="hold">
+                                          <p:stCondLst>
+                                            <p:cond delay="0"/>
+                                          </p:stCondLst>
+                                        </p:cTn>
+                                        <p:tgtEl>
+                                          <p:spTgt spid="10"/>
+                                        </p:tgtEl>
+                                        <p:attrNameLst>
+                                          <p:attrName>style.visibility</p:attrName>
+                                        </p:attrNameLst>
+                                      </p:cBhvr>
+                                      <p:to>
+                                        <p:strVal val="visible"/>
+                                      </p:to>
+                                    </p:set>
+                                    <p:anim calcmode="lin" valueType="num">
+                                      <p:cBhvr additive="base">
+                                        <p:cTn id="12" dur="500" fill="hold"/>
+                                        <p:tgtEl>
+                                          <p:spTgt spid="10"/>
+                                        </p:tgtEl>
+                                        <p:attrNameLst>
+                                          <p:attrName>ppt_x</p:attrName>
+                                        </p:attrNameLst>
+                                      </p:cBhvr>
+                                      <p:tavLst>
+                                        <p:tav tm="0">
+                                          <p:val>
+                                            <p:strVal val="#ppt_x"/>
+                                          </p:val>
+                                        </p:tav>
+                                        <p:tav tm="100000">
+                                          <p:val>
+                                            <p:strVal val="#ppt_x"/>
+                                          </p:val>
+                                        </p:tav>
+                                      </p:tavLst>
+                                    </p:anim>
+                                    <p:anim calcmode="lin" valueType="num">
+                                      <p:cBhvr additive="base">
+                                        <p:cTn id="13" dur="500" fill="hold"/>
+                                        <p:tgtEl>
+                                          <p:spTgt spid="10"/>
+                                        </p:tgtEl>
+                                        <p:attrNameLst>
+                                          <p:attrName>ppt_y</p:attrName>
+                                        </p:attrNameLst>
+                                      </p:cBhvr>
+                                      <p:tavLst>
+                                        <p:tav tm="0">
+                                          <p:val>
+                                            <p:strVal val="1+#ppt_h/2"/>
+                                          </p:val>
+                                        </p:tav>
+                                        <p:tav tm="100000">
+                                          <p:val>
+                                            <p:strVal val="#ppt_y"/>
+                                          </p:val>
+                                        </p:tav>
+                                      </p:tavLst>
+                                    </p:anim>
+                                  </p:childTnLst>
+                                </p:cTn>
+                              </p:par>
+                            </p:childTnLst>
+                          </p:cTn>
+                        </p:par>
+                      </p:childTnLst>
+                    </p:cTn>
+                  </p:par>
+                  <p:par>
+                    <p:cTn id="14" fill="hold">
+                      <p:stCondLst>
+                        <p:cond delay="indefinite"/>
+                      </p:stCondLst>
+                      <p:childTnLst>
+                        <p:par>
+                          <p:cTn id="15" fill="hold">
+                            <p:stCondLst>
+                              <p:cond delay="0"/>
+                            </p:stCondLst>
+                            <p:childTnLst>
+                              <p:par>
+                                <p:cTn id="16" presetID="42" presetClass="entr" presetSubtype="0" fill="hold" nodeType="clickEffect">
+                                  <p:stCondLst>
+                                    <p:cond delay="0"/>
+                                  </p:stCondLst>
+                                  <p:childTnLst>
+                                    <p:set>
+                                      <p:cBhvr>
+                                        <p:cTn id="17" dur="1" fill="hold">
+                                          <p:stCondLst>
+                                            <p:cond delay="0"/>
+                                          </p:stCondLst>
+                                        </p:cTn>
+                                        <p:tgtEl>
+                                          <p:spTgt spid="9"/>
+                                        </p:tgtEl>
+                                        <p:attrNameLst>
+                                          <p:attrName>style.visibility</p:attrName>
+                                        </p:attrNameLst>
+                                      </p:cBhvr>
+                                      <p:to>
+                                        <p:strVal val="visible"/>
+                                      </p:to>
+                                    </p:set>
+                                    <p:animEffect transition="in" filter="fade">
+                                      <p:cBhvr>
+                                        <p:cTn id="18" dur="1000"/>
+                                        <p:tgtEl>
+                                          <p:spTgt spid="9"/>
+                                        </p:tgtEl>
+                                      </p:cBhvr>
+                                    </p:animEffect>
+                                    <p:anim calcmode="lin" valueType="num">
+                                      <p:cBhvr>
+                                        <p:cTn id="19" dur="1000" fill="hold"/>
+                                        <p:tgtEl>
+                                          <p:spTgt spid="9"/>
+                                        </p:tgtEl>
+                                        <p:attrNameLst>
+                                          <p:attrName>ppt_x</p:attrName>
+                                        </p:attrNameLst>
+                                      </p:cBhvr>
+                                      <p:tavLst>
+                                        <p:tav tm="0">
+                                          <p:val>
+                                            <p:strVal val="#ppt_x"/>
+                                          </p:val>
+                                        </p:tav>
+                                        <p:tav tm="100000">
+                                          <p:val>
+                                            <p:strVal val="#ppt_x"/>
+                                          </p:val>
+                                        </p:tav>
+                                      </p:tavLst>
+                                    </p:anim>
+                                    <p:anim calcmode="lin" valueType="num">
+                                      <p:cBhvr>
+                                        <p:cTn id="20" dur="1000" fill="hold"/>
+                                        <p:tgtEl>
+                                          <p:spTgt spid="9"/>
+                                        </p:tgtEl>
+                                        <p:attrNameLst>
+                                          <p:attrName>ppt_y</p:attrName>
+                                        </p:attrNameLst>
+                                      </p:cBhvr>
+                                      <p:tavLst>
+                                        <p:tav tm="0">
+                                          <p:val>
+                                            <p:strVal val="#ppt_y+.1"/>
+                                          </p:val>
+                                        </p:tav>
+                                        <p:tav tm="100000">
+                                          <p:val>
+                                            <p:strVal val="#ppt_y"/>
+                                          </p:val>
+                                        </p:tav>
+                                      </p:tavLst>
+                                    </p:anim>
+                                  </p:childTnLst>
+                                </p:cTn>
+                              </p:par>
+                            </p:childTnLst>
+                          </p:cTn>
+                        </p:par>
+                      </p:childTnLst>
+                    </p:cTn>
+                  </p:par>
+                </p:childTnLst>
+              </p:cTn>
+              <p:prevCondLst>
+                <p:cond evt="onPrev" delay="0">
+                  <p:tgtEl>
+                    <p:sldTgt/>
+                  </p:tgtEl>
+                </p:cond>
+              </p:prevCondLst>
+              <p:nextCondLst>
+                <p:cond evt="onNext" delay="0">
+                  <p:tgtEl>
+                    <p:sldTgt/>
+                  </p:tgtEl>
+                </p:cond>
+              </p:nextCondLst>
+            </p:seq>
+          </p:childTnLst>
+        </p:cTn>
       </p:par>
     </p:tnLst>
   </p:timing>
@@ -4999,7 +5348,7 @@
           <a:p>
             <a:r>
               <a:rPr lang="en-US" altLang="zh-TW" dirty="0" smtClean="0"/>
-              <a:t>Global Level</a:t>
+              <a:t>Work flow of room:</a:t>
             </a:r>
             <a:endParaRPr lang="zh-TW" altLang="en-US" dirty="0"/>
           </a:p>
@@ -5017,44 +5366,138 @@
         </p:nvSpPr>
         <p:spPr/>
         <p:txBody>
-          <a:bodyPr>
-            <a:normAutofit/>
-          </a:bodyPr>
+          <a:bodyPr/>
           <a:lstStyle/>
           <a:p>
             <a:pPr>
               <a:buFont typeface="Wingdings" panose="05000000000000000000" pitchFamily="2" charset="2"/>
-              <a:buChar char="u"/>
+              <a:buChar char="l"/>
             </a:pPr>
-            <a:r>
-              <a:rPr lang="en-US" altLang="zh-TW" sz="2400" dirty="0" smtClean="0"/>
-              <a:t>Global companies like Google, Facebook, Apple, they can be the funding enterprises. </a:t>
-            </a:r>
+            <a:endParaRPr lang="en-US" altLang="zh-TW" dirty="0" smtClean="0"/>
           </a:p>
           <a:p>
             <a:pPr>
               <a:buFont typeface="Wingdings" panose="05000000000000000000" pitchFamily="2" charset="2"/>
-              <a:buChar char="u"/>
+              <a:buChar char="l"/>
+            </a:pPr>
+            <a:r>
+              <a:rPr lang="en-US" altLang="zh-TW" dirty="0" smtClean="0"/>
+              <a:t> </a:t>
+            </a:r>
+            <a:r>
+              <a:rPr lang="en-US" altLang="zh-TW" sz="2400" dirty="0" smtClean="0"/>
+              <a:t>Company/ Person offers room. (Status: Under review)</a:t>
+            </a:r>
+          </a:p>
+          <a:p>
+            <a:pPr>
+              <a:buFont typeface="Wingdings" panose="05000000000000000000" pitchFamily="2" charset="2"/>
+              <a:buChar char="l"/>
+            </a:pPr>
+            <a:endParaRPr lang="en-US" altLang="zh-TW" sz="2400" dirty="0" smtClean="0"/>
+          </a:p>
+          <a:p>
+            <a:pPr>
+              <a:buFont typeface="Wingdings" panose="05000000000000000000" pitchFamily="2" charset="2"/>
+              <a:buChar char="l"/>
             </a:pPr>
             <a:endParaRPr lang="en-US" altLang="zh-TW" sz="2400" dirty="0"/>
           </a:p>
           <a:p>
             <a:pPr>
               <a:buFont typeface="Wingdings" panose="05000000000000000000" pitchFamily="2" charset="2"/>
-              <a:buChar char="u"/>
+              <a:buChar char="l"/>
             </a:pPr>
             <a:r>
               <a:rPr lang="en-US" altLang="zh-TW" sz="2400" dirty="0" smtClean="0"/>
-              <a:t>With the help of local coordinate enterprises, this system can be spread around the world. </a:t>
-            </a:r>
-            <a:endParaRPr lang="zh-TW" altLang="en-US" sz="2400" dirty="0"/>
-          </a:p>
-        </p:txBody>
-      </p:sp>
+              <a:t> Room organization can approve the rooms offered.</a:t>
+            </a:r>
+          </a:p>
+          <a:p>
+            <a:pPr>
+              <a:buFont typeface="Wingdings" panose="05000000000000000000" pitchFamily="2" charset="2"/>
+              <a:buChar char="l"/>
+            </a:pPr>
+            <a:endParaRPr lang="en-US" altLang="zh-TW" sz="2400" dirty="0" smtClean="0"/>
+          </a:p>
+          <a:p>
+            <a:pPr>
+              <a:buFont typeface="Wingdings" panose="05000000000000000000" pitchFamily="2" charset="2"/>
+              <a:buChar char="l"/>
+            </a:pPr>
+            <a:endParaRPr lang="en-US" altLang="zh-TW" sz="2400" dirty="0"/>
+          </a:p>
+          <a:p>
+            <a:pPr>
+              <a:buFont typeface="Wingdings" panose="05000000000000000000" pitchFamily="2" charset="2"/>
+              <a:buChar char="l"/>
+            </a:pPr>
+            <a:r>
+              <a:rPr lang="en-US" altLang="zh-TW" sz="2400" dirty="0" smtClean="0"/>
+              <a:t> Company/ Person offered room status becomes approved.</a:t>
+            </a:r>
+          </a:p>
+          <a:p>
+            <a:pPr>
+              <a:buFont typeface="Wingdings" panose="05000000000000000000" pitchFamily="2" charset="2"/>
+              <a:buChar char="l"/>
+            </a:pPr>
+            <a:endParaRPr lang="en-US" altLang="zh-TW" dirty="0" smtClean="0"/>
+          </a:p>
+        </p:txBody>
+      </p:sp>
+      <p:pic>
+        <p:nvPicPr>
+          <p:cNvPr id="6" name="圖片 5"/>
+          <p:cNvPicPr>
+            <a:picLocks noChangeAspect="1"/>
+          </p:cNvPicPr>
+          <p:nvPr/>
+        </p:nvPicPr>
+        <p:blipFill>
+          <a:blip r:embed="rId2"/>
+          <a:stretch>
+            <a:fillRect/>
+          </a:stretch>
+        </p:blipFill>
+        <p:spPr>
+          <a:xfrm>
+            <a:off x="3386528" y="4397243"/>
+            <a:ext cx="238212" cy="943683"/>
+          </a:xfrm>
+          <a:prstGeom prst="rect">
+            <a:avLst/>
+          </a:prstGeom>
+        </p:spPr>
+      </p:pic>
+      <p:pic>
+        <p:nvPicPr>
+          <p:cNvPr id="8" name="圖片 7"/>
+          <p:cNvPicPr>
+            <a:picLocks noChangeAspect="1"/>
+          </p:cNvPicPr>
+          <p:nvPr/>
+        </p:nvPicPr>
+        <p:blipFill>
+          <a:blip r:embed="rId3"/>
+          <a:stretch>
+            <a:fillRect/>
+          </a:stretch>
+        </p:blipFill>
+        <p:spPr>
+          <a:xfrm>
+            <a:off x="3391774" y="2908757"/>
+            <a:ext cx="237765" cy="926672"/>
+          </a:xfrm>
+          <a:prstGeom prst="rect">
+            <a:avLst/>
+          </a:prstGeom>
+        </p:spPr>
+      </p:pic>
     </p:spTree>
     <p:extLst>
       <p:ext uri="{BB962C8B-B14F-4D97-AF65-F5344CB8AC3E}">
-        <p14:creationId xmlns:p14="http://schemas.microsoft.com/office/powerpoint/2010/main" val="2145514096"/>
+        <p14:creationId xmlns:p14="http://schemas.microsoft.com/office/powerpoint/2010/main" val="3801108601"/>
       </p:ext>
     </p:extLst>
   </p:cSld>
@@ -5103,33 +5546,1510 @@
           <a:bodyPr/>
           <a:lstStyle/>
           <a:p>
+            <a:r>
+              <a:rPr lang="en-US" altLang="zh-TW" dirty="0" smtClean="0"/>
+              <a:t>Work Requests (client book a room)</a:t>
+            </a:r>
             <a:endParaRPr lang="zh-TW" altLang="en-US" dirty="0"/>
           </a:p>
         </p:txBody>
       </p:sp>
-      <p:sp>
-        <p:nvSpPr>
-          <p:cNvPr id="3" name="內容版面配置區 2"/>
-          <p:cNvSpPr>
-            <a:spLocks noGrp="1"/>
-          </p:cNvSpPr>
+      <p:pic>
+        <p:nvPicPr>
+          <p:cNvPr id="4" name="內容版面配置區 3"/>
+          <p:cNvPicPr>
+            <a:picLocks noGrp="1" noChangeAspect="1"/>
+          </p:cNvPicPr>
           <p:nvPr>
             <p:ph idx="1"/>
           </p:nvPr>
-        </p:nvSpPr>
-        <p:spPr/>
-        <p:txBody>
-          <a:bodyPr/>
+        </p:nvPicPr>
+        <p:blipFill>
+          <a:blip r:embed="rId2">
+            <a:extLst>
+              <a:ext uri="{28A0092B-C50C-407E-A947-70E740481C1C}">
+                <a14:useLocalDpi xmlns:a14="http://schemas.microsoft.com/office/drawing/2010/main" val="0"/>
+              </a:ext>
+            </a:extLst>
+          </a:blip>
+          <a:stretch>
+            <a:fillRect/>
+          </a:stretch>
+        </p:blipFill>
+        <p:spPr>
+          <a:xfrm>
+            <a:off x="1066891" y="498764"/>
+            <a:ext cx="10088789" cy="5382491"/>
+          </a:xfrm>
+        </p:spPr>
+      </p:pic>
+      <p:pic>
+        <p:nvPicPr>
+          <p:cNvPr id="5" name="圖片 4"/>
+          <p:cNvPicPr>
+            <a:picLocks noChangeAspect="1"/>
+          </p:cNvPicPr>
+          <p:nvPr/>
+        </p:nvPicPr>
+        <p:blipFill>
+          <a:blip r:embed="rId3">
+            <a:extLst>
+              <a:ext uri="{28A0092B-C50C-407E-A947-70E740481C1C}">
+                <a14:useLocalDpi xmlns:a14="http://schemas.microsoft.com/office/drawing/2010/main" val="0"/>
+              </a:ext>
+            </a:extLst>
+          </a:blip>
+          <a:stretch>
+            <a:fillRect/>
+          </a:stretch>
+        </p:blipFill>
+        <p:spPr>
+          <a:xfrm>
+            <a:off x="612025" y="176299"/>
+            <a:ext cx="11361420" cy="6027420"/>
+          </a:xfrm>
+          <a:prstGeom prst="rect">
+            <a:avLst/>
+          </a:prstGeom>
+        </p:spPr>
+      </p:pic>
+      <p:pic>
+        <p:nvPicPr>
+          <p:cNvPr id="6" name="圖片 5"/>
+          <p:cNvPicPr>
+            <a:picLocks noChangeAspect="1"/>
+          </p:cNvPicPr>
+          <p:nvPr/>
+        </p:nvPicPr>
+        <p:blipFill>
+          <a:blip r:embed="rId4">
+            <a:extLst>
+              <a:ext uri="{28A0092B-C50C-407E-A947-70E740481C1C}">
+                <a14:useLocalDpi xmlns:a14="http://schemas.microsoft.com/office/drawing/2010/main" val="0"/>
+              </a:ext>
+            </a:extLst>
+          </a:blip>
+          <a:stretch>
+            <a:fillRect/>
+          </a:stretch>
+        </p:blipFill>
+        <p:spPr>
+          <a:xfrm>
+            <a:off x="320032" y="176299"/>
+            <a:ext cx="11505873" cy="6128212"/>
+          </a:xfrm>
+          <a:prstGeom prst="rect">
+            <a:avLst/>
+          </a:prstGeom>
+        </p:spPr>
+      </p:pic>
+      <p:sp>
+        <p:nvSpPr>
+          <p:cNvPr id="10" name="矩形 9"/>
+          <p:cNvSpPr/>
+          <p:nvPr/>
+        </p:nvSpPr>
+        <p:spPr>
+          <a:xfrm>
+            <a:off x="6265718" y="1922318"/>
+            <a:ext cx="665018" cy="249382"/>
+          </a:xfrm>
+          <a:prstGeom prst="rect">
+            <a:avLst/>
+          </a:prstGeom>
+          <a:noFill/>
+          <a:ln>
+            <a:solidFill>
+              <a:srgbClr val="FF0000"/>
+            </a:solidFill>
+          </a:ln>
+        </p:spPr>
+        <p:style>
+          <a:lnRef idx="2">
+            <a:schemeClr val="accent1">
+              <a:shade val="50000"/>
+            </a:schemeClr>
+          </a:lnRef>
+          <a:fillRef idx="1">
+            <a:schemeClr val="accent1"/>
+          </a:fillRef>
+          <a:effectRef idx="0">
+            <a:schemeClr val="accent1"/>
+          </a:effectRef>
+          <a:fontRef idx="minor">
+            <a:schemeClr val="lt1"/>
+          </a:fontRef>
+        </p:style>
+        <p:txBody>
+          <a:bodyPr rtlCol="0" anchor="ctr"/>
           <a:lstStyle/>
           <a:p>
+            <a:pPr algn="ctr"/>
             <a:endParaRPr lang="zh-TW" altLang="en-US"/>
           </a:p>
         </p:txBody>
       </p:sp>
+      <p:pic>
+        <p:nvPicPr>
+          <p:cNvPr id="7" name="圖片 6"/>
+          <p:cNvPicPr>
+            <a:picLocks noChangeAspect="1"/>
+          </p:cNvPicPr>
+          <p:nvPr/>
+        </p:nvPicPr>
+        <p:blipFill>
+          <a:blip r:embed="rId5">
+            <a:extLst>
+              <a:ext uri="{28A0092B-C50C-407E-A947-70E740481C1C}">
+                <a14:useLocalDpi xmlns:a14="http://schemas.microsoft.com/office/drawing/2010/main" val="0"/>
+              </a:ext>
+            </a:extLst>
+          </a:blip>
+          <a:stretch>
+            <a:fillRect/>
+          </a:stretch>
+        </p:blipFill>
+        <p:spPr>
+          <a:xfrm>
+            <a:off x="316846" y="137317"/>
+            <a:ext cx="11875154" cy="6286846"/>
+          </a:xfrm>
+          <a:prstGeom prst="rect">
+            <a:avLst/>
+          </a:prstGeom>
+        </p:spPr>
+      </p:pic>
+      <p:pic>
+        <p:nvPicPr>
+          <p:cNvPr id="8" name="圖片 7"/>
+          <p:cNvPicPr>
+            <a:picLocks noChangeAspect="1"/>
+          </p:cNvPicPr>
+          <p:nvPr/>
+        </p:nvPicPr>
+        <p:blipFill>
+          <a:blip r:embed="rId6">
+            <a:extLst>
+              <a:ext uri="{28A0092B-C50C-407E-A947-70E740481C1C}">
+                <a14:useLocalDpi xmlns:a14="http://schemas.microsoft.com/office/drawing/2010/main" val="0"/>
+              </a:ext>
+            </a:extLst>
+          </a:blip>
+          <a:stretch>
+            <a:fillRect/>
+          </a:stretch>
+        </p:blipFill>
+        <p:spPr>
+          <a:xfrm>
+            <a:off x="246597" y="77915"/>
+            <a:ext cx="11945403" cy="6324979"/>
+          </a:xfrm>
+          <a:prstGeom prst="rect">
+            <a:avLst/>
+          </a:prstGeom>
+        </p:spPr>
+      </p:pic>
     </p:spTree>
     <p:extLst>
       <p:ext uri="{BB962C8B-B14F-4D97-AF65-F5344CB8AC3E}">
         <p14:creationId xmlns:p14="http://schemas.microsoft.com/office/powerpoint/2010/main" val="3572626006"/>
+      </p:ext>
+    </p:extLst>
+  </p:cSld>
+  <p:clrMapOvr>
+    <a:masterClrMapping/>
+  </p:clrMapOvr>
+  <p:timing>
+    <p:tnLst>
+      <p:par>
+        <p:cTn id="1" dur="indefinite" restart="never" nodeType="tmRoot">
+          <p:childTnLst>
+            <p:seq concurrent="1" nextAc="seek">
+              <p:cTn id="2" dur="indefinite" nodeType="mainSeq">
+                <p:childTnLst>
+                  <p:par>
+                    <p:cTn id="3" fill="hold">
+                      <p:stCondLst>
+                        <p:cond delay="indefinite"/>
+                      </p:stCondLst>
+                      <p:childTnLst>
+                        <p:par>
+                          <p:cTn id="4" fill="hold">
+                            <p:stCondLst>
+                              <p:cond delay="0"/>
+                            </p:stCondLst>
+                            <p:childTnLst>
+                              <p:par>
+                                <p:cTn id="5" presetID="10" presetClass="entr" presetSubtype="0" fill="hold" nodeType="clickEffect">
+                                  <p:stCondLst>
+                                    <p:cond delay="0"/>
+                                  </p:stCondLst>
+                                  <p:childTnLst>
+                                    <p:set>
+                                      <p:cBhvr>
+                                        <p:cTn id="6" dur="1" fill="hold">
+                                          <p:stCondLst>
+                                            <p:cond delay="0"/>
+                                          </p:stCondLst>
+                                        </p:cTn>
+                                        <p:tgtEl>
+                                          <p:spTgt spid="4"/>
+                                        </p:tgtEl>
+                                        <p:attrNameLst>
+                                          <p:attrName>style.visibility</p:attrName>
+                                        </p:attrNameLst>
+                                      </p:cBhvr>
+                                      <p:to>
+                                        <p:strVal val="visible"/>
+                                      </p:to>
+                                    </p:set>
+                                    <p:animEffect transition="in" filter="fade">
+                                      <p:cBhvr>
+                                        <p:cTn id="7" dur="500"/>
+                                        <p:tgtEl>
+                                          <p:spTgt spid="4"/>
+                                        </p:tgtEl>
+                                      </p:cBhvr>
+                                    </p:animEffect>
+                                  </p:childTnLst>
+                                </p:cTn>
+                              </p:par>
+                            </p:childTnLst>
+                          </p:cTn>
+                        </p:par>
+                      </p:childTnLst>
+                    </p:cTn>
+                  </p:par>
+                  <p:par>
+                    <p:cTn id="8" fill="hold">
+                      <p:stCondLst>
+                        <p:cond delay="indefinite"/>
+                      </p:stCondLst>
+                      <p:childTnLst>
+                        <p:par>
+                          <p:cTn id="9" fill="hold">
+                            <p:stCondLst>
+                              <p:cond delay="0"/>
+                            </p:stCondLst>
+                            <p:childTnLst>
+                              <p:par>
+                                <p:cTn id="10" presetID="2" presetClass="entr" presetSubtype="4" fill="hold" nodeType="clickEffect">
+                                  <p:stCondLst>
+                                    <p:cond delay="0"/>
+                                  </p:stCondLst>
+                                  <p:childTnLst>
+                                    <p:set>
+                                      <p:cBhvr>
+                                        <p:cTn id="11" dur="1" fill="hold">
+                                          <p:stCondLst>
+                                            <p:cond delay="0"/>
+                                          </p:stCondLst>
+                                        </p:cTn>
+                                        <p:tgtEl>
+                                          <p:spTgt spid="5"/>
+                                        </p:tgtEl>
+                                        <p:attrNameLst>
+                                          <p:attrName>style.visibility</p:attrName>
+                                        </p:attrNameLst>
+                                      </p:cBhvr>
+                                      <p:to>
+                                        <p:strVal val="visible"/>
+                                      </p:to>
+                                    </p:set>
+                                    <p:anim calcmode="lin" valueType="num">
+                                      <p:cBhvr additive="base">
+                                        <p:cTn id="12" dur="500" fill="hold"/>
+                                        <p:tgtEl>
+                                          <p:spTgt spid="5"/>
+                                        </p:tgtEl>
+                                        <p:attrNameLst>
+                                          <p:attrName>ppt_x</p:attrName>
+                                        </p:attrNameLst>
+                                      </p:cBhvr>
+                                      <p:tavLst>
+                                        <p:tav tm="0">
+                                          <p:val>
+                                            <p:strVal val="#ppt_x"/>
+                                          </p:val>
+                                        </p:tav>
+                                        <p:tav tm="100000">
+                                          <p:val>
+                                            <p:strVal val="#ppt_x"/>
+                                          </p:val>
+                                        </p:tav>
+                                      </p:tavLst>
+                                    </p:anim>
+                                    <p:anim calcmode="lin" valueType="num">
+                                      <p:cBhvr additive="base">
+                                        <p:cTn id="13" dur="500" fill="hold"/>
+                                        <p:tgtEl>
+                                          <p:spTgt spid="5"/>
+                                        </p:tgtEl>
+                                        <p:attrNameLst>
+                                          <p:attrName>ppt_y</p:attrName>
+                                        </p:attrNameLst>
+                                      </p:cBhvr>
+                                      <p:tavLst>
+                                        <p:tav tm="0">
+                                          <p:val>
+                                            <p:strVal val="1+#ppt_h/2"/>
+                                          </p:val>
+                                        </p:tav>
+                                        <p:tav tm="100000">
+                                          <p:val>
+                                            <p:strVal val="#ppt_y"/>
+                                          </p:val>
+                                        </p:tav>
+                                      </p:tavLst>
+                                    </p:anim>
+                                  </p:childTnLst>
+                                </p:cTn>
+                              </p:par>
+                            </p:childTnLst>
+                          </p:cTn>
+                        </p:par>
+                      </p:childTnLst>
+                    </p:cTn>
+                  </p:par>
+                  <p:par>
+                    <p:cTn id="14" fill="hold">
+                      <p:stCondLst>
+                        <p:cond delay="indefinite"/>
+                      </p:stCondLst>
+                      <p:childTnLst>
+                        <p:par>
+                          <p:cTn id="15" fill="hold">
+                            <p:stCondLst>
+                              <p:cond delay="0"/>
+                            </p:stCondLst>
+                            <p:childTnLst>
+                              <p:par>
+                                <p:cTn id="16" presetID="14" presetClass="entr" presetSubtype="10" fill="hold" nodeType="clickEffect">
+                                  <p:stCondLst>
+                                    <p:cond delay="0"/>
+                                  </p:stCondLst>
+                                  <p:childTnLst>
+                                    <p:set>
+                                      <p:cBhvr>
+                                        <p:cTn id="17" dur="1" fill="hold">
+                                          <p:stCondLst>
+                                            <p:cond delay="0"/>
+                                          </p:stCondLst>
+                                        </p:cTn>
+                                        <p:tgtEl>
+                                          <p:spTgt spid="6"/>
+                                        </p:tgtEl>
+                                        <p:attrNameLst>
+                                          <p:attrName>style.visibility</p:attrName>
+                                        </p:attrNameLst>
+                                      </p:cBhvr>
+                                      <p:to>
+                                        <p:strVal val="visible"/>
+                                      </p:to>
+                                    </p:set>
+                                    <p:animEffect transition="in" filter="randombar(horizontal)">
+                                      <p:cBhvr>
+                                        <p:cTn id="18" dur="500"/>
+                                        <p:tgtEl>
+                                          <p:spTgt spid="6"/>
+                                        </p:tgtEl>
+                                      </p:cBhvr>
+                                    </p:animEffect>
+                                  </p:childTnLst>
+                                </p:cTn>
+                              </p:par>
+                            </p:childTnLst>
+                          </p:cTn>
+                        </p:par>
+                      </p:childTnLst>
+                    </p:cTn>
+                  </p:par>
+                  <p:par>
+                    <p:cTn id="19" fill="hold">
+                      <p:stCondLst>
+                        <p:cond delay="indefinite"/>
+                      </p:stCondLst>
+                      <p:childTnLst>
+                        <p:par>
+                          <p:cTn id="20" fill="hold">
+                            <p:stCondLst>
+                              <p:cond delay="0"/>
+                            </p:stCondLst>
+                            <p:childTnLst>
+                              <p:par>
+                                <p:cTn id="21" presetID="10" presetClass="entr" presetSubtype="0" fill="hold" grpId="0" nodeType="clickEffect">
+                                  <p:stCondLst>
+                                    <p:cond delay="0"/>
+                                  </p:stCondLst>
+                                  <p:childTnLst>
+                                    <p:set>
+                                      <p:cBhvr>
+                                        <p:cTn id="22" dur="1" fill="hold">
+                                          <p:stCondLst>
+                                            <p:cond delay="0"/>
+                                          </p:stCondLst>
+                                        </p:cTn>
+                                        <p:tgtEl>
+                                          <p:spTgt spid="10"/>
+                                        </p:tgtEl>
+                                        <p:attrNameLst>
+                                          <p:attrName>style.visibility</p:attrName>
+                                        </p:attrNameLst>
+                                      </p:cBhvr>
+                                      <p:to>
+                                        <p:strVal val="visible"/>
+                                      </p:to>
+                                    </p:set>
+                                    <p:animEffect transition="in" filter="fade">
+                                      <p:cBhvr>
+                                        <p:cTn id="23" dur="500"/>
+                                        <p:tgtEl>
+                                          <p:spTgt spid="10"/>
+                                        </p:tgtEl>
+                                      </p:cBhvr>
+                                    </p:animEffect>
+                                  </p:childTnLst>
+                                </p:cTn>
+                              </p:par>
+                            </p:childTnLst>
+                          </p:cTn>
+                        </p:par>
+                      </p:childTnLst>
+                    </p:cTn>
+                  </p:par>
+                  <p:par>
+                    <p:cTn id="24" fill="hold">
+                      <p:stCondLst>
+                        <p:cond delay="indefinite"/>
+                      </p:stCondLst>
+                      <p:childTnLst>
+                        <p:par>
+                          <p:cTn id="25" fill="hold">
+                            <p:stCondLst>
+                              <p:cond delay="0"/>
+                            </p:stCondLst>
+                            <p:childTnLst>
+                              <p:par>
+                                <p:cTn id="26" presetID="2" presetClass="entr" presetSubtype="4" fill="hold" nodeType="clickEffect">
+                                  <p:stCondLst>
+                                    <p:cond delay="0"/>
+                                  </p:stCondLst>
+                                  <p:childTnLst>
+                                    <p:set>
+                                      <p:cBhvr>
+                                        <p:cTn id="27" dur="1" fill="hold">
+                                          <p:stCondLst>
+                                            <p:cond delay="0"/>
+                                          </p:stCondLst>
+                                        </p:cTn>
+                                        <p:tgtEl>
+                                          <p:spTgt spid="7"/>
+                                        </p:tgtEl>
+                                        <p:attrNameLst>
+                                          <p:attrName>style.visibility</p:attrName>
+                                        </p:attrNameLst>
+                                      </p:cBhvr>
+                                      <p:to>
+                                        <p:strVal val="visible"/>
+                                      </p:to>
+                                    </p:set>
+                                    <p:anim calcmode="lin" valueType="num">
+                                      <p:cBhvr additive="base">
+                                        <p:cTn id="28" dur="500" fill="hold"/>
+                                        <p:tgtEl>
+                                          <p:spTgt spid="7"/>
+                                        </p:tgtEl>
+                                        <p:attrNameLst>
+                                          <p:attrName>ppt_x</p:attrName>
+                                        </p:attrNameLst>
+                                      </p:cBhvr>
+                                      <p:tavLst>
+                                        <p:tav tm="0">
+                                          <p:val>
+                                            <p:strVal val="#ppt_x"/>
+                                          </p:val>
+                                        </p:tav>
+                                        <p:tav tm="100000">
+                                          <p:val>
+                                            <p:strVal val="#ppt_x"/>
+                                          </p:val>
+                                        </p:tav>
+                                      </p:tavLst>
+                                    </p:anim>
+                                    <p:anim calcmode="lin" valueType="num">
+                                      <p:cBhvr additive="base">
+                                        <p:cTn id="29" dur="500" fill="hold"/>
+                                        <p:tgtEl>
+                                          <p:spTgt spid="7"/>
+                                        </p:tgtEl>
+                                        <p:attrNameLst>
+                                          <p:attrName>ppt_y</p:attrName>
+                                        </p:attrNameLst>
+                                      </p:cBhvr>
+                                      <p:tavLst>
+                                        <p:tav tm="0">
+                                          <p:val>
+                                            <p:strVal val="1+#ppt_h/2"/>
+                                          </p:val>
+                                        </p:tav>
+                                        <p:tav tm="100000">
+                                          <p:val>
+                                            <p:strVal val="#ppt_y"/>
+                                          </p:val>
+                                        </p:tav>
+                                      </p:tavLst>
+                                    </p:anim>
+                                  </p:childTnLst>
+                                </p:cTn>
+                              </p:par>
+                            </p:childTnLst>
+                          </p:cTn>
+                        </p:par>
+                      </p:childTnLst>
+                    </p:cTn>
+                  </p:par>
+                  <p:par>
+                    <p:cTn id="30" fill="hold">
+                      <p:stCondLst>
+                        <p:cond delay="indefinite"/>
+                      </p:stCondLst>
+                      <p:childTnLst>
+                        <p:par>
+                          <p:cTn id="31" fill="hold">
+                            <p:stCondLst>
+                              <p:cond delay="0"/>
+                            </p:stCondLst>
+                            <p:childTnLst>
+                              <p:par>
+                                <p:cTn id="32" presetID="10" presetClass="entr" presetSubtype="0" fill="hold" nodeType="clickEffect">
+                                  <p:stCondLst>
+                                    <p:cond delay="0"/>
+                                  </p:stCondLst>
+                                  <p:childTnLst>
+                                    <p:set>
+                                      <p:cBhvr>
+                                        <p:cTn id="33" dur="1" fill="hold">
+                                          <p:stCondLst>
+                                            <p:cond delay="0"/>
+                                          </p:stCondLst>
+                                        </p:cTn>
+                                        <p:tgtEl>
+                                          <p:spTgt spid="8"/>
+                                        </p:tgtEl>
+                                        <p:attrNameLst>
+                                          <p:attrName>style.visibility</p:attrName>
+                                        </p:attrNameLst>
+                                      </p:cBhvr>
+                                      <p:to>
+                                        <p:strVal val="visible"/>
+                                      </p:to>
+                                    </p:set>
+                                    <p:animEffect transition="in" filter="fade">
+                                      <p:cBhvr>
+                                        <p:cTn id="34" dur="500"/>
+                                        <p:tgtEl>
+                                          <p:spTgt spid="8"/>
+                                        </p:tgtEl>
+                                      </p:cBhvr>
+                                    </p:animEffect>
+                                  </p:childTnLst>
+                                </p:cTn>
+                              </p:par>
+                            </p:childTnLst>
+                          </p:cTn>
+                        </p:par>
+                      </p:childTnLst>
+                    </p:cTn>
+                  </p:par>
+                </p:childTnLst>
+              </p:cTn>
+              <p:prevCondLst>
+                <p:cond evt="onPrev" delay="0">
+                  <p:tgtEl>
+                    <p:sldTgt/>
+                  </p:tgtEl>
+                </p:cond>
+              </p:prevCondLst>
+              <p:nextCondLst>
+                <p:cond evt="onNext" delay="0">
+                  <p:tgtEl>
+                    <p:sldTgt/>
+                  </p:tgtEl>
+                </p:cond>
+              </p:nextCondLst>
+            </p:seq>
+          </p:childTnLst>
+        </p:cTn>
+      </p:par>
+    </p:tnLst>
+    <p:bldLst>
+      <p:bldP spid="10" grpId="0" animBg="1"/>
+    </p:bldLst>
+  </p:timing>
+</p:sld>
+</file>
+
+<file path=ppt/slides/slide13.xml><?xml version="1.0" encoding="utf-8"?>
+<p:sld xmlns:a="http://schemas.openxmlformats.org/drawingml/2006/main" xmlns:r="http://schemas.openxmlformats.org/officeDocument/2006/relationships" xmlns:p="http://schemas.openxmlformats.org/presentationml/2006/main">
+  <p:cSld>
+    <p:spTree>
+      <p:nvGrpSpPr>
+        <p:cNvPr id="1" name=""/>
+        <p:cNvGrpSpPr/>
+        <p:nvPr/>
+      </p:nvGrpSpPr>
+      <p:grpSpPr>
+        <a:xfrm>
+          <a:off x="0" y="0"/>
+          <a:ext cx="0" cy="0"/>
+          <a:chOff x="0" y="0"/>
+          <a:chExt cx="0" cy="0"/>
+        </a:xfrm>
+      </p:grpSpPr>
+      <p:sp>
+        <p:nvSpPr>
+          <p:cNvPr id="2" name="標題 1"/>
+          <p:cNvSpPr>
+            <a:spLocks noGrp="1"/>
+          </p:cNvSpPr>
+          <p:nvPr>
+            <p:ph type="title"/>
+          </p:nvPr>
+        </p:nvSpPr>
+        <p:spPr/>
+        <p:txBody>
+          <a:bodyPr/>
+          <a:lstStyle/>
+          <a:p>
+            <a:r>
+              <a:rPr lang="en-US" altLang="zh-TW" dirty="0" smtClean="0"/>
+              <a:t>Matching Organization:</a:t>
+            </a:r>
+            <a:endParaRPr lang="zh-TW" altLang="en-US" dirty="0"/>
+          </a:p>
+        </p:txBody>
+      </p:sp>
+      <p:pic>
+        <p:nvPicPr>
+          <p:cNvPr id="4" name="內容版面配置區 3"/>
+          <p:cNvPicPr>
+            <a:picLocks noGrp="1" noChangeAspect="1"/>
+          </p:cNvPicPr>
+          <p:nvPr>
+            <p:ph idx="1"/>
+          </p:nvPr>
+        </p:nvPicPr>
+        <p:blipFill>
+          <a:blip r:embed="rId2">
+            <a:extLst>
+              <a:ext uri="{28A0092B-C50C-407E-A947-70E740481C1C}">
+                <a14:useLocalDpi xmlns:a14="http://schemas.microsoft.com/office/drawing/2010/main" val="0"/>
+              </a:ext>
+            </a:extLst>
+          </a:blip>
+          <a:stretch>
+            <a:fillRect/>
+          </a:stretch>
+        </p:blipFill>
+        <p:spPr>
+          <a:xfrm>
+            <a:off x="738258" y="286603"/>
+            <a:ext cx="10955505" cy="5833642"/>
+          </a:xfrm>
+        </p:spPr>
+      </p:pic>
+      <p:pic>
+        <p:nvPicPr>
+          <p:cNvPr id="5" name="圖片 4"/>
+          <p:cNvPicPr>
+            <a:picLocks noChangeAspect="1"/>
+          </p:cNvPicPr>
+          <p:nvPr/>
+        </p:nvPicPr>
+        <p:blipFill>
+          <a:blip r:embed="rId3">
+            <a:extLst>
+              <a:ext uri="{28A0092B-C50C-407E-A947-70E740481C1C}">
+                <a14:useLocalDpi xmlns:a14="http://schemas.microsoft.com/office/drawing/2010/main" val="0"/>
+              </a:ext>
+            </a:extLst>
+          </a:blip>
+          <a:stretch>
+            <a:fillRect/>
+          </a:stretch>
+        </p:blipFill>
+        <p:spPr>
+          <a:xfrm>
+            <a:off x="438150" y="286603"/>
+            <a:ext cx="11376660" cy="6035040"/>
+          </a:xfrm>
+          <a:prstGeom prst="rect">
+            <a:avLst/>
+          </a:prstGeom>
+        </p:spPr>
+      </p:pic>
+      <p:sp>
+        <p:nvSpPr>
+          <p:cNvPr id="11" name="矩形 10"/>
+          <p:cNvSpPr/>
+          <p:nvPr/>
+        </p:nvSpPr>
+        <p:spPr>
+          <a:xfrm>
+            <a:off x="6307283" y="2005445"/>
+            <a:ext cx="509154" cy="218209"/>
+          </a:xfrm>
+          <a:prstGeom prst="rect">
+            <a:avLst/>
+          </a:prstGeom>
+          <a:noFill/>
+          <a:ln>
+            <a:solidFill>
+              <a:srgbClr val="FF0000"/>
+            </a:solidFill>
+          </a:ln>
+        </p:spPr>
+        <p:style>
+          <a:lnRef idx="2">
+            <a:schemeClr val="accent1">
+              <a:shade val="50000"/>
+            </a:schemeClr>
+          </a:lnRef>
+          <a:fillRef idx="1">
+            <a:schemeClr val="accent1"/>
+          </a:fillRef>
+          <a:effectRef idx="0">
+            <a:schemeClr val="accent1"/>
+          </a:effectRef>
+          <a:fontRef idx="minor">
+            <a:schemeClr val="lt1"/>
+          </a:fontRef>
+        </p:style>
+        <p:txBody>
+          <a:bodyPr rtlCol="0" anchor="ctr"/>
+          <a:lstStyle/>
+          <a:p>
+            <a:pPr algn="ctr"/>
+            <a:endParaRPr lang="zh-TW" altLang="en-US"/>
+          </a:p>
+        </p:txBody>
+      </p:sp>
+    </p:spTree>
+    <p:extLst>
+      <p:ext uri="{BB962C8B-B14F-4D97-AF65-F5344CB8AC3E}">
+        <p14:creationId xmlns:p14="http://schemas.microsoft.com/office/powerpoint/2010/main" val="589630548"/>
+      </p:ext>
+    </p:extLst>
+  </p:cSld>
+  <p:clrMapOvr>
+    <a:masterClrMapping/>
+  </p:clrMapOvr>
+  <p:timing>
+    <p:tnLst>
+      <p:par>
+        <p:cTn id="1" dur="indefinite" restart="never" nodeType="tmRoot">
+          <p:childTnLst>
+            <p:seq concurrent="1" nextAc="seek">
+              <p:cTn id="2" dur="indefinite" nodeType="mainSeq">
+                <p:childTnLst>
+                  <p:par>
+                    <p:cTn id="3" fill="hold">
+                      <p:stCondLst>
+                        <p:cond delay="indefinite"/>
+                      </p:stCondLst>
+                      <p:childTnLst>
+                        <p:par>
+                          <p:cTn id="4" fill="hold">
+                            <p:stCondLst>
+                              <p:cond delay="0"/>
+                            </p:stCondLst>
+                            <p:childTnLst>
+                              <p:par>
+                                <p:cTn id="5" presetID="10" presetClass="entr" presetSubtype="0" fill="hold" nodeType="clickEffect">
+                                  <p:stCondLst>
+                                    <p:cond delay="0"/>
+                                  </p:stCondLst>
+                                  <p:childTnLst>
+                                    <p:set>
+                                      <p:cBhvr>
+                                        <p:cTn id="6" dur="1" fill="hold">
+                                          <p:stCondLst>
+                                            <p:cond delay="0"/>
+                                          </p:stCondLst>
+                                        </p:cTn>
+                                        <p:tgtEl>
+                                          <p:spTgt spid="4"/>
+                                        </p:tgtEl>
+                                        <p:attrNameLst>
+                                          <p:attrName>style.visibility</p:attrName>
+                                        </p:attrNameLst>
+                                      </p:cBhvr>
+                                      <p:to>
+                                        <p:strVal val="visible"/>
+                                      </p:to>
+                                    </p:set>
+                                    <p:animEffect transition="in" filter="fade">
+                                      <p:cBhvr>
+                                        <p:cTn id="7" dur="500"/>
+                                        <p:tgtEl>
+                                          <p:spTgt spid="4"/>
+                                        </p:tgtEl>
+                                      </p:cBhvr>
+                                    </p:animEffect>
+                                  </p:childTnLst>
+                                </p:cTn>
+                              </p:par>
+                            </p:childTnLst>
+                          </p:cTn>
+                        </p:par>
+                      </p:childTnLst>
+                    </p:cTn>
+                  </p:par>
+                  <p:par>
+                    <p:cTn id="8" fill="hold">
+                      <p:stCondLst>
+                        <p:cond delay="indefinite"/>
+                      </p:stCondLst>
+                      <p:childTnLst>
+                        <p:par>
+                          <p:cTn id="9" fill="hold">
+                            <p:stCondLst>
+                              <p:cond delay="0"/>
+                            </p:stCondLst>
+                            <p:childTnLst>
+                              <p:par>
+                                <p:cTn id="10" presetID="2" presetClass="entr" presetSubtype="4" fill="hold" nodeType="clickEffect">
+                                  <p:stCondLst>
+                                    <p:cond delay="0"/>
+                                  </p:stCondLst>
+                                  <p:childTnLst>
+                                    <p:set>
+                                      <p:cBhvr>
+                                        <p:cTn id="11" dur="1" fill="hold">
+                                          <p:stCondLst>
+                                            <p:cond delay="0"/>
+                                          </p:stCondLst>
+                                        </p:cTn>
+                                        <p:tgtEl>
+                                          <p:spTgt spid="5"/>
+                                        </p:tgtEl>
+                                        <p:attrNameLst>
+                                          <p:attrName>style.visibility</p:attrName>
+                                        </p:attrNameLst>
+                                      </p:cBhvr>
+                                      <p:to>
+                                        <p:strVal val="visible"/>
+                                      </p:to>
+                                    </p:set>
+                                    <p:anim calcmode="lin" valueType="num">
+                                      <p:cBhvr additive="base">
+                                        <p:cTn id="12" dur="500" fill="hold"/>
+                                        <p:tgtEl>
+                                          <p:spTgt spid="5"/>
+                                        </p:tgtEl>
+                                        <p:attrNameLst>
+                                          <p:attrName>ppt_x</p:attrName>
+                                        </p:attrNameLst>
+                                      </p:cBhvr>
+                                      <p:tavLst>
+                                        <p:tav tm="0">
+                                          <p:val>
+                                            <p:strVal val="#ppt_x"/>
+                                          </p:val>
+                                        </p:tav>
+                                        <p:tav tm="100000">
+                                          <p:val>
+                                            <p:strVal val="#ppt_x"/>
+                                          </p:val>
+                                        </p:tav>
+                                      </p:tavLst>
+                                    </p:anim>
+                                    <p:anim calcmode="lin" valueType="num">
+                                      <p:cBhvr additive="base">
+                                        <p:cTn id="13" dur="500" fill="hold"/>
+                                        <p:tgtEl>
+                                          <p:spTgt spid="5"/>
+                                        </p:tgtEl>
+                                        <p:attrNameLst>
+                                          <p:attrName>ppt_y</p:attrName>
+                                        </p:attrNameLst>
+                                      </p:cBhvr>
+                                      <p:tavLst>
+                                        <p:tav tm="0">
+                                          <p:val>
+                                            <p:strVal val="1+#ppt_h/2"/>
+                                          </p:val>
+                                        </p:tav>
+                                        <p:tav tm="100000">
+                                          <p:val>
+                                            <p:strVal val="#ppt_y"/>
+                                          </p:val>
+                                        </p:tav>
+                                      </p:tavLst>
+                                    </p:anim>
+                                  </p:childTnLst>
+                                </p:cTn>
+                              </p:par>
+                            </p:childTnLst>
+                          </p:cTn>
+                        </p:par>
+                      </p:childTnLst>
+                    </p:cTn>
+                  </p:par>
+                  <p:par>
+                    <p:cTn id="14" fill="hold">
+                      <p:stCondLst>
+                        <p:cond delay="indefinite"/>
+                      </p:stCondLst>
+                      <p:childTnLst>
+                        <p:par>
+                          <p:cTn id="15" fill="hold">
+                            <p:stCondLst>
+                              <p:cond delay="0"/>
+                            </p:stCondLst>
+                            <p:childTnLst>
+                              <p:par>
+                                <p:cTn id="16" presetID="21" presetClass="entr" presetSubtype="1" fill="hold" grpId="0" nodeType="clickEffect">
+                                  <p:stCondLst>
+                                    <p:cond delay="0"/>
+                                  </p:stCondLst>
+                                  <p:childTnLst>
+                                    <p:set>
+                                      <p:cBhvr>
+                                        <p:cTn id="17" dur="1" fill="hold">
+                                          <p:stCondLst>
+                                            <p:cond delay="0"/>
+                                          </p:stCondLst>
+                                        </p:cTn>
+                                        <p:tgtEl>
+                                          <p:spTgt spid="11"/>
+                                        </p:tgtEl>
+                                        <p:attrNameLst>
+                                          <p:attrName>style.visibility</p:attrName>
+                                        </p:attrNameLst>
+                                      </p:cBhvr>
+                                      <p:to>
+                                        <p:strVal val="visible"/>
+                                      </p:to>
+                                    </p:set>
+                                    <p:animEffect transition="in" filter="wheel(1)">
+                                      <p:cBhvr>
+                                        <p:cTn id="18" dur="2000"/>
+                                        <p:tgtEl>
+                                          <p:spTgt spid="11"/>
+                                        </p:tgtEl>
+                                      </p:cBhvr>
+                                    </p:animEffect>
+                                  </p:childTnLst>
+                                </p:cTn>
+                              </p:par>
+                            </p:childTnLst>
+                          </p:cTn>
+                        </p:par>
+                      </p:childTnLst>
+                    </p:cTn>
+                  </p:par>
+                </p:childTnLst>
+              </p:cTn>
+              <p:prevCondLst>
+                <p:cond evt="onPrev" delay="0">
+                  <p:tgtEl>
+                    <p:sldTgt/>
+                  </p:tgtEl>
+                </p:cond>
+              </p:prevCondLst>
+              <p:nextCondLst>
+                <p:cond evt="onNext" delay="0">
+                  <p:tgtEl>
+                    <p:sldTgt/>
+                  </p:tgtEl>
+                </p:cond>
+              </p:nextCondLst>
+            </p:seq>
+          </p:childTnLst>
+        </p:cTn>
+      </p:par>
+    </p:tnLst>
+    <p:bldLst>
+      <p:bldP spid="11" grpId="0" animBg="1"/>
+    </p:bldLst>
+  </p:timing>
+</p:sld>
+</file>
+
+<file path=ppt/slides/slide14.xml><?xml version="1.0" encoding="utf-8"?>
+<p:sld xmlns:a="http://schemas.openxmlformats.org/drawingml/2006/main" xmlns:r="http://schemas.openxmlformats.org/officeDocument/2006/relationships" xmlns:p="http://schemas.openxmlformats.org/presentationml/2006/main">
+  <p:cSld>
+    <p:spTree>
+      <p:nvGrpSpPr>
+        <p:cNvPr id="1" name=""/>
+        <p:cNvGrpSpPr/>
+        <p:nvPr/>
+      </p:nvGrpSpPr>
+      <p:grpSpPr>
+        <a:xfrm>
+          <a:off x="0" y="0"/>
+          <a:ext cx="0" cy="0"/>
+          <a:chOff x="0" y="0"/>
+          <a:chExt cx="0" cy="0"/>
+        </a:xfrm>
+      </p:grpSpPr>
+      <p:sp>
+        <p:nvSpPr>
+          <p:cNvPr id="2" name="標題 1"/>
+          <p:cNvSpPr>
+            <a:spLocks noGrp="1"/>
+          </p:cNvSpPr>
+          <p:nvPr>
+            <p:ph type="title"/>
+          </p:nvPr>
+        </p:nvSpPr>
+        <p:spPr/>
+        <p:txBody>
+          <a:bodyPr/>
+          <a:lstStyle/>
+          <a:p>
+            <a:r>
+              <a:rPr lang="en-US" altLang="zh-TW" dirty="0" smtClean="0"/>
+              <a:t>Work flow of applying a room:</a:t>
+            </a:r>
+            <a:endParaRPr lang="zh-TW" altLang="en-US" dirty="0"/>
+          </a:p>
+        </p:txBody>
+      </p:sp>
+      <p:sp>
+        <p:nvSpPr>
+          <p:cNvPr id="3" name="內容版面配置區 2"/>
+          <p:cNvSpPr>
+            <a:spLocks noGrp="1"/>
+          </p:cNvSpPr>
+          <p:nvPr>
+            <p:ph idx="1"/>
+          </p:nvPr>
+        </p:nvSpPr>
+        <p:spPr>
+          <a:xfrm>
+            <a:off x="1097280" y="2053553"/>
+            <a:ext cx="10058400" cy="4023360"/>
+          </a:xfrm>
+        </p:spPr>
+        <p:txBody>
+          <a:bodyPr/>
+          <a:lstStyle/>
+          <a:p>
+            <a:pPr>
+              <a:buFont typeface="Wingdings" panose="05000000000000000000" pitchFamily="2" charset="2"/>
+              <a:buChar char="l"/>
+            </a:pPr>
+            <a:r>
+              <a:rPr lang="en-US" altLang="zh-TW" dirty="0" smtClean="0"/>
+              <a:t> Client should set up an account first, then apply for a room. (Status : under review)</a:t>
+            </a:r>
+          </a:p>
+          <a:p>
+            <a:pPr>
+              <a:buFont typeface="Wingdings" panose="05000000000000000000" pitchFamily="2" charset="2"/>
+              <a:buChar char="l"/>
+            </a:pPr>
+            <a:endParaRPr lang="en-US" altLang="zh-TW" dirty="0"/>
+          </a:p>
+          <a:p>
+            <a:pPr>
+              <a:buFont typeface="Wingdings" panose="05000000000000000000" pitchFamily="2" charset="2"/>
+              <a:buChar char="l"/>
+            </a:pPr>
+            <a:r>
+              <a:rPr lang="en-US" altLang="zh-TW" dirty="0" smtClean="0"/>
+              <a:t> Patient organization can approve the application of a client.</a:t>
+            </a:r>
+          </a:p>
+          <a:p>
+            <a:pPr>
+              <a:buFont typeface="Wingdings" panose="05000000000000000000" pitchFamily="2" charset="2"/>
+              <a:buChar char="l"/>
+            </a:pPr>
+            <a:endParaRPr lang="en-US" altLang="zh-TW" dirty="0" smtClean="0"/>
+          </a:p>
+          <a:p>
+            <a:pPr>
+              <a:buFont typeface="Wingdings" panose="05000000000000000000" pitchFamily="2" charset="2"/>
+              <a:buChar char="l"/>
+            </a:pPr>
+            <a:r>
+              <a:rPr lang="en-US" altLang="zh-TW" dirty="0"/>
+              <a:t> </a:t>
+            </a:r>
+            <a:r>
+              <a:rPr lang="en-US" altLang="zh-TW" dirty="0" smtClean="0"/>
+              <a:t>Matching organization can match the room and the clients.</a:t>
+            </a:r>
+          </a:p>
+          <a:p>
+            <a:pPr>
+              <a:buFont typeface="Wingdings" panose="05000000000000000000" pitchFamily="2" charset="2"/>
+              <a:buChar char="l"/>
+            </a:pPr>
+            <a:endParaRPr lang="en-US" altLang="zh-TW" dirty="0"/>
+          </a:p>
+          <a:p>
+            <a:pPr>
+              <a:buFont typeface="Wingdings" panose="05000000000000000000" pitchFamily="2" charset="2"/>
+              <a:buChar char="l"/>
+            </a:pPr>
+            <a:r>
+              <a:rPr lang="en-US" altLang="zh-TW" dirty="0" smtClean="0"/>
+              <a:t>When successfully matched, the status becomes approved!</a:t>
+            </a:r>
+            <a:endParaRPr lang="en-US" altLang="zh-TW" dirty="0"/>
+          </a:p>
+          <a:p>
+            <a:pPr>
+              <a:buFont typeface="Wingdings" panose="05000000000000000000" pitchFamily="2" charset="2"/>
+              <a:buChar char="l"/>
+            </a:pPr>
+            <a:endParaRPr lang="en-US" altLang="zh-TW" dirty="0" smtClean="0"/>
+          </a:p>
+          <a:p>
+            <a:pPr>
+              <a:buFont typeface="Wingdings" panose="05000000000000000000" pitchFamily="2" charset="2"/>
+              <a:buChar char="l"/>
+            </a:pPr>
+            <a:endParaRPr lang="en-US" altLang="zh-TW" dirty="0"/>
+          </a:p>
+          <a:p>
+            <a:pPr>
+              <a:buFont typeface="Wingdings" panose="05000000000000000000" pitchFamily="2" charset="2"/>
+              <a:buChar char="l"/>
+            </a:pPr>
+            <a:endParaRPr lang="zh-TW" altLang="en-US" dirty="0"/>
+          </a:p>
+        </p:txBody>
+      </p:sp>
+      <p:cxnSp>
+        <p:nvCxnSpPr>
+          <p:cNvPr id="9" name="直線單箭頭接點 8"/>
+          <p:cNvCxnSpPr/>
+          <p:nvPr/>
+        </p:nvCxnSpPr>
+        <p:spPr>
+          <a:xfrm>
+            <a:off x="3803073" y="2452255"/>
+            <a:ext cx="0" cy="426027"/>
+          </a:xfrm>
+          <a:prstGeom prst="straightConnector1">
+            <a:avLst/>
+          </a:prstGeom>
+          <a:ln>
+            <a:tailEnd type="triangle"/>
+          </a:ln>
+        </p:spPr>
+        <p:style>
+          <a:lnRef idx="1">
+            <a:schemeClr val="accent1"/>
+          </a:lnRef>
+          <a:fillRef idx="0">
+            <a:schemeClr val="accent1"/>
+          </a:fillRef>
+          <a:effectRef idx="0">
+            <a:schemeClr val="accent1"/>
+          </a:effectRef>
+          <a:fontRef idx="minor">
+            <a:schemeClr val="tx1"/>
+          </a:fontRef>
+        </p:style>
+      </p:cxnSp>
+      <p:cxnSp>
+        <p:nvCxnSpPr>
+          <p:cNvPr id="10" name="直線單箭頭接點 9"/>
+          <p:cNvCxnSpPr/>
+          <p:nvPr/>
+        </p:nvCxnSpPr>
+        <p:spPr>
+          <a:xfrm>
+            <a:off x="3803073" y="3352800"/>
+            <a:ext cx="0" cy="426027"/>
+          </a:xfrm>
+          <a:prstGeom prst="straightConnector1">
+            <a:avLst/>
+          </a:prstGeom>
+          <a:ln>
+            <a:tailEnd type="triangle"/>
+          </a:ln>
+        </p:spPr>
+        <p:style>
+          <a:lnRef idx="1">
+            <a:schemeClr val="accent1"/>
+          </a:lnRef>
+          <a:fillRef idx="0">
+            <a:schemeClr val="accent1"/>
+          </a:fillRef>
+          <a:effectRef idx="0">
+            <a:schemeClr val="accent1"/>
+          </a:effectRef>
+          <a:fontRef idx="minor">
+            <a:schemeClr val="tx1"/>
+          </a:fontRef>
+        </p:style>
+      </p:cxnSp>
+      <p:cxnSp>
+        <p:nvCxnSpPr>
+          <p:cNvPr id="11" name="直線單箭頭接點 10"/>
+          <p:cNvCxnSpPr/>
+          <p:nvPr/>
+        </p:nvCxnSpPr>
+        <p:spPr>
+          <a:xfrm>
+            <a:off x="3803073" y="4277591"/>
+            <a:ext cx="0" cy="426027"/>
+          </a:xfrm>
+          <a:prstGeom prst="straightConnector1">
+            <a:avLst/>
+          </a:prstGeom>
+          <a:ln>
+            <a:tailEnd type="triangle"/>
+          </a:ln>
+        </p:spPr>
+        <p:style>
+          <a:lnRef idx="1">
+            <a:schemeClr val="accent1"/>
+          </a:lnRef>
+          <a:fillRef idx="0">
+            <a:schemeClr val="accent1"/>
+          </a:fillRef>
+          <a:effectRef idx="0">
+            <a:schemeClr val="accent1"/>
+          </a:effectRef>
+          <a:fontRef idx="minor">
+            <a:schemeClr val="tx1"/>
+          </a:fontRef>
+        </p:style>
+      </p:cxnSp>
+    </p:spTree>
+    <p:extLst>
+      <p:ext uri="{BB962C8B-B14F-4D97-AF65-F5344CB8AC3E}">
+        <p14:creationId xmlns:p14="http://schemas.microsoft.com/office/powerpoint/2010/main" val="1985207130"/>
+      </p:ext>
+    </p:extLst>
+  </p:cSld>
+  <p:clrMapOvr>
+    <a:masterClrMapping/>
+  </p:clrMapOvr>
+  <p:timing>
+    <p:tnLst>
+      <p:par>
+        <p:cTn id="1" dur="indefinite" restart="never" nodeType="tmRoot"/>
+      </p:par>
+    </p:tnLst>
+  </p:timing>
+</p:sld>
+</file>
+
+<file path=ppt/slides/slide15.xml><?xml version="1.0" encoding="utf-8"?>
+<p:sld xmlns:a="http://schemas.openxmlformats.org/drawingml/2006/main" xmlns:r="http://schemas.openxmlformats.org/officeDocument/2006/relationships" xmlns:p="http://schemas.openxmlformats.org/presentationml/2006/main">
+  <p:cSld>
+    <p:spTree>
+      <p:nvGrpSpPr>
+        <p:cNvPr id="1" name=""/>
+        <p:cNvGrpSpPr/>
+        <p:nvPr/>
+      </p:nvGrpSpPr>
+      <p:grpSpPr>
+        <a:xfrm>
+          <a:off x="0" y="0"/>
+          <a:ext cx="0" cy="0"/>
+          <a:chOff x="0" y="0"/>
+          <a:chExt cx="0" cy="0"/>
+        </a:xfrm>
+      </p:grpSpPr>
+      <p:sp>
+        <p:nvSpPr>
+          <p:cNvPr id="2" name="標題 1"/>
+          <p:cNvSpPr>
+            <a:spLocks noGrp="1"/>
+          </p:cNvSpPr>
+          <p:nvPr>
+            <p:ph type="title"/>
+          </p:nvPr>
+        </p:nvSpPr>
+        <p:spPr/>
+        <p:txBody>
+          <a:bodyPr/>
+          <a:lstStyle/>
+          <a:p>
+            <a:r>
+              <a:rPr lang="en-US" altLang="zh-TW" dirty="0" smtClean="0"/>
+              <a:t>Global Level</a:t>
+            </a:r>
+            <a:endParaRPr lang="zh-TW" altLang="en-US" dirty="0"/>
+          </a:p>
+        </p:txBody>
+      </p:sp>
+      <p:sp>
+        <p:nvSpPr>
+          <p:cNvPr id="3" name="內容版面配置區 2"/>
+          <p:cNvSpPr>
+            <a:spLocks noGrp="1"/>
+          </p:cNvSpPr>
+          <p:nvPr>
+            <p:ph idx="1"/>
+          </p:nvPr>
+        </p:nvSpPr>
+        <p:spPr/>
+        <p:txBody>
+          <a:bodyPr>
+            <a:normAutofit/>
+          </a:bodyPr>
+          <a:lstStyle/>
+          <a:p>
+            <a:pPr>
+              <a:buFont typeface="Wingdings" panose="05000000000000000000" pitchFamily="2" charset="2"/>
+              <a:buChar char="u"/>
+            </a:pPr>
+            <a:r>
+              <a:rPr lang="en-US" altLang="zh-TW" sz="2400" dirty="0" smtClean="0"/>
+              <a:t> Global companies like Google, Facebook, Apple, they can be the funding enterprises. </a:t>
+            </a:r>
+          </a:p>
+          <a:p>
+            <a:pPr>
+              <a:buFont typeface="Wingdings" panose="05000000000000000000" pitchFamily="2" charset="2"/>
+              <a:buChar char="u"/>
+            </a:pPr>
+            <a:endParaRPr lang="en-US" altLang="zh-TW" sz="2400" dirty="0"/>
+          </a:p>
+          <a:p>
+            <a:pPr>
+              <a:buFont typeface="Wingdings" panose="05000000000000000000" pitchFamily="2" charset="2"/>
+              <a:buChar char="u"/>
+            </a:pPr>
+            <a:r>
+              <a:rPr lang="en-US" altLang="zh-TW" sz="2400" dirty="0" smtClean="0"/>
+              <a:t> With the help of local coordinate enterprises, this system can be spread around the world. </a:t>
+            </a:r>
+            <a:endParaRPr lang="zh-TW" altLang="en-US" sz="2400" dirty="0"/>
+          </a:p>
+        </p:txBody>
+      </p:sp>
+    </p:spTree>
+    <p:extLst>
+      <p:ext uri="{BB962C8B-B14F-4D97-AF65-F5344CB8AC3E}">
+        <p14:creationId xmlns:p14="http://schemas.microsoft.com/office/powerpoint/2010/main" val="2145514096"/>
+      </p:ext>
+    </p:extLst>
+  </p:cSld>
+  <p:clrMapOvr>
+    <a:masterClrMapping/>
+  </p:clrMapOvr>
+  <p:timing>
+    <p:tnLst>
+      <p:par>
+        <p:cTn id="1" dur="indefinite" restart="never" nodeType="tmRoot"/>
+      </p:par>
+    </p:tnLst>
+  </p:timing>
+</p:sld>
+</file>
+
+<file path=ppt/slides/slide16.xml><?xml version="1.0" encoding="utf-8"?>
+<p:sld xmlns:a="http://schemas.openxmlformats.org/drawingml/2006/main" xmlns:r="http://schemas.openxmlformats.org/officeDocument/2006/relationships" xmlns:p="http://schemas.openxmlformats.org/presentationml/2006/main">
+  <p:cSld>
+    <p:spTree>
+      <p:nvGrpSpPr>
+        <p:cNvPr id="1" name=""/>
+        <p:cNvGrpSpPr/>
+        <p:nvPr/>
+      </p:nvGrpSpPr>
+      <p:grpSpPr>
+        <a:xfrm>
+          <a:off x="0" y="0"/>
+          <a:ext cx="0" cy="0"/>
+          <a:chOff x="0" y="0"/>
+          <a:chExt cx="0" cy="0"/>
+        </a:xfrm>
+      </p:grpSpPr>
+      <p:sp>
+        <p:nvSpPr>
+          <p:cNvPr id="3" name="內容版面配置區 2"/>
+          <p:cNvSpPr>
+            <a:spLocks noGrp="1"/>
+          </p:cNvSpPr>
+          <p:nvPr>
+            <p:ph idx="1"/>
+          </p:nvPr>
+        </p:nvSpPr>
+        <p:spPr>
+          <a:xfrm>
+            <a:off x="702425" y="2895217"/>
+            <a:ext cx="10058400" cy="398702"/>
+          </a:xfrm>
+        </p:spPr>
+        <p:txBody>
+          <a:bodyPr>
+            <a:noAutofit/>
+          </a:bodyPr>
+          <a:lstStyle/>
+          <a:p>
+            <a:pPr algn="ctr"/>
+            <a:r>
+              <a:rPr lang="en-US" altLang="zh-TW" sz="2600" dirty="0" smtClean="0"/>
+              <a:t>Thanks for your time! </a:t>
+            </a:r>
+            <a:endParaRPr lang="zh-TW" altLang="en-US" sz="2600" dirty="0"/>
+          </a:p>
+        </p:txBody>
+      </p:sp>
+      <p:sp>
+        <p:nvSpPr>
+          <p:cNvPr id="2" name="矩形 1"/>
+          <p:cNvSpPr/>
+          <p:nvPr/>
+        </p:nvSpPr>
+        <p:spPr>
+          <a:xfrm>
+            <a:off x="966355" y="1620982"/>
+            <a:ext cx="10338954" cy="197427"/>
+          </a:xfrm>
+          <a:prstGeom prst="rect">
+            <a:avLst/>
+          </a:prstGeom>
+          <a:solidFill>
+            <a:schemeClr val="bg1"/>
+          </a:solidFill>
+          <a:ln>
+            <a:solidFill>
+              <a:schemeClr val="bg1"/>
+            </a:solidFill>
+          </a:ln>
+        </p:spPr>
+        <p:style>
+          <a:lnRef idx="2">
+            <a:schemeClr val="accent1">
+              <a:shade val="50000"/>
+            </a:schemeClr>
+          </a:lnRef>
+          <a:fillRef idx="1">
+            <a:schemeClr val="accent1"/>
+          </a:fillRef>
+          <a:effectRef idx="0">
+            <a:schemeClr val="accent1"/>
+          </a:effectRef>
+          <a:fontRef idx="minor">
+            <a:schemeClr val="lt1"/>
+          </a:fontRef>
+        </p:style>
+        <p:txBody>
+          <a:bodyPr rtlCol="0" anchor="ctr"/>
+          <a:lstStyle/>
+          <a:p>
+            <a:pPr algn="ctr"/>
+            <a:endParaRPr lang="zh-TW" altLang="en-US"/>
+          </a:p>
+        </p:txBody>
+      </p:sp>
+    </p:spTree>
+    <p:extLst>
+      <p:ext uri="{BB962C8B-B14F-4D97-AF65-F5344CB8AC3E}">
+        <p14:creationId xmlns:p14="http://schemas.microsoft.com/office/powerpoint/2010/main" val="1202176029"/>
       </p:ext>
     </p:extLst>
   </p:cSld>
@@ -5267,11 +7187,7 @@
             </a:pPr>
             <a:r>
               <a:rPr lang="en-US" altLang="zh-TW" sz="2000" dirty="0" smtClean="0"/>
-              <a:t>Enterprises </a:t>
-            </a:r>
-            <a:r>
-              <a:rPr lang="en-US" altLang="zh-TW" sz="2000" dirty="0" smtClean="0"/>
-              <a:t>and Organizations</a:t>
+              <a:t>Enterprises and Organizations</a:t>
             </a:r>
           </a:p>
           <a:p>
@@ -5281,7 +7197,7 @@
             </a:pPr>
             <a:r>
               <a:rPr lang="en-US" altLang="zh-TW" sz="2000" dirty="0" smtClean="0"/>
-              <a:t>Screenshots &amp; work flows</a:t>
+              <a:t>Screenshots &amp; work flows/ work requests</a:t>
             </a:r>
           </a:p>
           <a:p>
@@ -5291,11 +7207,7 @@
             </a:pPr>
             <a:r>
               <a:rPr lang="en-US" altLang="zh-TW" dirty="0" smtClean="0"/>
-              <a:t>Global </a:t>
-            </a:r>
-            <a:r>
-              <a:rPr lang="en-US" altLang="zh-TW" dirty="0" smtClean="0"/>
-              <a:t>level</a:t>
+              <a:t> Global level</a:t>
             </a:r>
           </a:p>
           <a:p>
@@ -5506,20 +7418,29 @@
               <a:buChar char="u"/>
             </a:pPr>
             <a:r>
+              <a:rPr lang="en-US" altLang="zh-TW" sz="2400" dirty="0" smtClean="0"/>
+              <a:t> Ronald McDonald’s House Charities (RMHC) has solved some of the housing problems when people search for medical treatment. However, they did not allow personal housing offered.</a:t>
+            </a:r>
+          </a:p>
+          <a:p>
+            <a:pPr>
+              <a:buFont typeface="Wingdings" panose="05000000000000000000" pitchFamily="2" charset="2"/>
+              <a:buChar char="u"/>
+            </a:pPr>
+            <a:endParaRPr lang="en-US" altLang="zh-TW" sz="2400" dirty="0"/>
+          </a:p>
+          <a:p>
+            <a:pPr>
+              <a:buFont typeface="Wingdings" panose="05000000000000000000" pitchFamily="2" charset="2"/>
+              <a:buChar char="u"/>
+            </a:pPr>
+            <a:r>
               <a:rPr lang="en-US" altLang="zh-TW" sz="2400" dirty="0"/>
               <a:t> </a:t>
             </a:r>
             <a:r>
               <a:rPr lang="en-US" altLang="zh-TW" sz="2400" dirty="0" smtClean="0"/>
-              <a:t>Some companies/ </a:t>
-            </a:r>
-            <a:r>
-              <a:rPr lang="en-US" altLang="zh-TW" sz="2400" dirty="0" smtClean="0"/>
-              <a:t>foundations, or even a kind person </a:t>
-            </a:r>
-            <a:r>
-              <a:rPr lang="en-US" altLang="zh-TW" sz="2400" dirty="0" smtClean="0"/>
-              <a:t>can provide free rooms for those who cannot afford the hotel.</a:t>
+              <a:t>We believe that kind people can also provide free rooms for those who cannot afford the hotel. So we combine the idea of Airbnb and RMHC.</a:t>
             </a:r>
           </a:p>
           <a:p>
@@ -5536,11 +7457,7 @@
             </a:pPr>
             <a:r>
               <a:rPr lang="en-US" altLang="zh-TW" sz="2400" dirty="0" smtClean="0"/>
-              <a:t>With </a:t>
-            </a:r>
-            <a:r>
-              <a:rPr lang="en-US" altLang="zh-TW" sz="2400" dirty="0" smtClean="0"/>
-              <a:t>proper management, we can help a patient/ patient’s family, by providing them a suitable room.</a:t>
+              <a:t> With proper management, we can help a patient/ patient’s family, by providing them a suitable room.</a:t>
             </a:r>
             <a:endParaRPr lang="zh-TW" altLang="en-US" sz="2400" dirty="0"/>
           </a:p>
@@ -5669,12 +7586,8 @@
               <a:buChar char="u"/>
             </a:pPr>
             <a:r>
-              <a:rPr lang="en-US" altLang="zh-TW" sz="2400" dirty="0"/>
-              <a:t>C</a:t>
-            </a:r>
-            <a:r>
               <a:rPr lang="en-US" altLang="zh-TW" sz="2400" dirty="0" smtClean="0"/>
-              <a:t>oordinate enterprise can approved the rooms offered by companies/person,</a:t>
+              <a:t> Coordinate enterprise can approved the rooms offered by companies/person,</a:t>
             </a:r>
           </a:p>
           <a:p>
@@ -5688,6 +7601,16 @@
             <a:r>
               <a:rPr lang="en-US" altLang="zh-TW" sz="2400" dirty="0" smtClean="0"/>
               <a:t>    and the applications from clients/patients.</a:t>
+            </a:r>
+          </a:p>
+          <a:p>
+            <a:pPr>
+              <a:buFont typeface="Wingdings" panose="05000000000000000000" pitchFamily="2" charset="2"/>
+              <a:buChar char="u"/>
+            </a:pPr>
+            <a:r>
+              <a:rPr lang="en-US" altLang="zh-TW" sz="2400" dirty="0" smtClean="0"/>
+              <a:t> Coordinate enterprise can match the rooms for the clients.</a:t>
             </a:r>
           </a:p>
           <a:p>
@@ -5793,7 +7716,7 @@
       </p:sp>
       <p:pic>
         <p:nvPicPr>
-          <p:cNvPr id="4" name="圖片 3"/>
+          <p:cNvPr id="5" name="圖片 4"/>
           <p:cNvPicPr>
             <a:picLocks noChangeAspect="1"/>
           </p:cNvPicPr>
@@ -5813,8 +7736,8 @@
         </p:blipFill>
         <p:spPr>
           <a:xfrm>
-            <a:off x="-1" y="388160"/>
-            <a:ext cx="12967855" cy="6081679"/>
+            <a:off x="374072" y="286603"/>
+            <a:ext cx="12192000" cy="6081679"/>
           </a:xfrm>
           <a:prstGeom prst="rect">
             <a:avLst/>
@@ -5825,6 +7748,1007 @@
     <p:extLst>
       <p:ext uri="{BB962C8B-B14F-4D97-AF65-F5344CB8AC3E}">
         <p14:creationId xmlns:p14="http://schemas.microsoft.com/office/powerpoint/2010/main" val="2943651218"/>
+      </p:ext>
+    </p:extLst>
+  </p:cSld>
+  <p:clrMapOvr>
+    <a:masterClrMapping/>
+  </p:clrMapOvr>
+  <p:timing>
+    <p:tnLst>
+      <p:par>
+        <p:cTn id="1" dur="indefinite" restart="never" nodeType="tmRoot">
+          <p:childTnLst>
+            <p:seq concurrent="1" nextAc="seek">
+              <p:cTn id="2" dur="indefinite" nodeType="mainSeq">
+                <p:childTnLst>
+                  <p:par>
+                    <p:cTn id="3" fill="hold">
+                      <p:stCondLst>
+                        <p:cond delay="indefinite"/>
+                      </p:stCondLst>
+                      <p:childTnLst>
+                        <p:par>
+                          <p:cTn id="4" fill="hold">
+                            <p:stCondLst>
+                              <p:cond delay="0"/>
+                            </p:stCondLst>
+                            <p:childTnLst>
+                              <p:par>
+                                <p:cTn id="5" presetID="10" presetClass="entr" presetSubtype="0" fill="hold" nodeType="clickEffect">
+                                  <p:stCondLst>
+                                    <p:cond delay="0"/>
+                                  </p:stCondLst>
+                                  <p:childTnLst>
+                                    <p:set>
+                                      <p:cBhvr>
+                                        <p:cTn id="6" dur="1" fill="hold">
+                                          <p:stCondLst>
+                                            <p:cond delay="0"/>
+                                          </p:stCondLst>
+                                        </p:cTn>
+                                        <p:tgtEl>
+                                          <p:spTgt spid="5"/>
+                                        </p:tgtEl>
+                                        <p:attrNameLst>
+                                          <p:attrName>style.visibility</p:attrName>
+                                        </p:attrNameLst>
+                                      </p:cBhvr>
+                                      <p:to>
+                                        <p:strVal val="visible"/>
+                                      </p:to>
+                                    </p:set>
+                                    <p:animEffect transition="in" filter="fade">
+                                      <p:cBhvr>
+                                        <p:cTn id="7" dur="500"/>
+                                        <p:tgtEl>
+                                          <p:spTgt spid="5"/>
+                                        </p:tgtEl>
+                                      </p:cBhvr>
+                                    </p:animEffect>
+                                  </p:childTnLst>
+                                </p:cTn>
+                              </p:par>
+                            </p:childTnLst>
+                          </p:cTn>
+                        </p:par>
+                      </p:childTnLst>
+                    </p:cTn>
+                  </p:par>
+                </p:childTnLst>
+              </p:cTn>
+              <p:prevCondLst>
+                <p:cond evt="onPrev" delay="0">
+                  <p:tgtEl>
+                    <p:sldTgt/>
+                  </p:tgtEl>
+                </p:cond>
+              </p:prevCondLst>
+              <p:nextCondLst>
+                <p:cond evt="onNext" delay="0">
+                  <p:tgtEl>
+                    <p:sldTgt/>
+                  </p:tgtEl>
+                </p:cond>
+              </p:nextCondLst>
+            </p:seq>
+          </p:childTnLst>
+        </p:cTn>
+      </p:par>
+    </p:tnLst>
+  </p:timing>
+</p:sld>
+</file>
+
+<file path=ppt/slides/slide7.xml><?xml version="1.0" encoding="utf-8"?>
+<p:sld xmlns:a="http://schemas.openxmlformats.org/drawingml/2006/main" xmlns:r="http://schemas.openxmlformats.org/officeDocument/2006/relationships" xmlns:p="http://schemas.openxmlformats.org/presentationml/2006/main">
+  <p:cSld>
+    <p:spTree>
+      <p:nvGrpSpPr>
+        <p:cNvPr id="1" name=""/>
+        <p:cNvGrpSpPr/>
+        <p:nvPr/>
+      </p:nvGrpSpPr>
+      <p:grpSpPr>
+        <a:xfrm>
+          <a:off x="0" y="0"/>
+          <a:ext cx="0" cy="0"/>
+          <a:chOff x="0" y="0"/>
+          <a:chExt cx="0" cy="0"/>
+        </a:xfrm>
+      </p:grpSpPr>
+      <p:sp>
+        <p:nvSpPr>
+          <p:cNvPr id="2" name="標題 1"/>
+          <p:cNvSpPr>
+            <a:spLocks noGrp="1"/>
+          </p:cNvSpPr>
+          <p:nvPr>
+            <p:ph type="title"/>
+          </p:nvPr>
+        </p:nvSpPr>
+        <p:spPr/>
+        <p:txBody>
+          <a:bodyPr/>
+          <a:lstStyle/>
+          <a:p>
+            <a:r>
+              <a:rPr lang="en-US" altLang="zh-TW" dirty="0" smtClean="0"/>
+              <a:t>Intro to Our Application</a:t>
+            </a:r>
+            <a:endParaRPr lang="zh-TW" altLang="en-US" dirty="0"/>
+          </a:p>
+        </p:txBody>
+      </p:sp>
+      <p:sp>
+        <p:nvSpPr>
+          <p:cNvPr id="3" name="內容版面配置區 2"/>
+          <p:cNvSpPr>
+            <a:spLocks noGrp="1"/>
+          </p:cNvSpPr>
+          <p:nvPr>
+            <p:ph idx="1"/>
+          </p:nvPr>
+        </p:nvSpPr>
+        <p:spPr>
+          <a:xfrm>
+            <a:off x="1097280" y="1737361"/>
+            <a:ext cx="10058400" cy="4476404"/>
+          </a:xfrm>
+        </p:spPr>
+        <p:txBody>
+          <a:bodyPr>
+            <a:normAutofit lnSpcReduction="10000"/>
+          </a:bodyPr>
+          <a:lstStyle/>
+          <a:p>
+            <a:pPr marL="0" indent="0">
+              <a:buNone/>
+            </a:pPr>
+            <a:r>
+              <a:rPr lang="en-US" altLang="zh-TW" sz="2600" b="1" dirty="0" smtClean="0"/>
+              <a:t>  </a:t>
+            </a:r>
+            <a:r>
+              <a:rPr lang="en-US" altLang="zh-TW" sz="2800" b="1" dirty="0" smtClean="0"/>
+              <a:t>Enterprises:</a:t>
+            </a:r>
+          </a:p>
+          <a:p>
+            <a:pPr lvl="1">
+              <a:buFont typeface="Wingdings" panose="05000000000000000000" pitchFamily="2" charset="2"/>
+              <a:buChar char="u"/>
+            </a:pPr>
+            <a:r>
+              <a:rPr lang="en-US" altLang="zh-TW" sz="2400" b="1" dirty="0" smtClean="0"/>
+              <a:t>  </a:t>
+            </a:r>
+            <a:r>
+              <a:rPr lang="en-US" altLang="zh-TW" sz="2400" dirty="0" smtClean="0"/>
+              <a:t>Funding enterprises</a:t>
+            </a:r>
+          </a:p>
+          <a:p>
+            <a:pPr lvl="1">
+              <a:buFont typeface="Wingdings" panose="05000000000000000000" pitchFamily="2" charset="2"/>
+              <a:buChar char="u"/>
+            </a:pPr>
+            <a:r>
+              <a:rPr lang="en-US" altLang="zh-TW" sz="2400" dirty="0" smtClean="0"/>
+              <a:t>  Coordinate enterprises</a:t>
+            </a:r>
+            <a:endParaRPr lang="en-US" altLang="zh-TW" dirty="0" smtClean="0"/>
+          </a:p>
+          <a:p>
+            <a:pPr lvl="1">
+              <a:buFont typeface="Wingdings" panose="05000000000000000000" pitchFamily="2" charset="2"/>
+              <a:buChar char="u"/>
+            </a:pPr>
+            <a:endParaRPr lang="en-US" altLang="zh-TW" sz="2200" dirty="0" smtClean="0"/>
+          </a:p>
+          <a:p>
+            <a:r>
+              <a:rPr lang="en-US" altLang="zh-TW" sz="2800" b="1" dirty="0" smtClean="0"/>
+              <a:t>Organizations: </a:t>
+            </a:r>
+          </a:p>
+          <a:p>
+            <a:pPr lvl="1">
+              <a:buFont typeface="Wingdings" panose="05000000000000000000" pitchFamily="2" charset="2"/>
+              <a:buChar char="u"/>
+            </a:pPr>
+            <a:r>
+              <a:rPr lang="en-US" altLang="zh-TW" sz="2400" dirty="0" smtClean="0"/>
+              <a:t>  Patients/ Rooms qualified organization</a:t>
+            </a:r>
+            <a:endParaRPr lang="en-US" altLang="zh-TW" sz="2400" dirty="0"/>
+          </a:p>
+          <a:p>
+            <a:pPr lvl="1">
+              <a:buFont typeface="Wingdings" panose="05000000000000000000" pitchFamily="2" charset="2"/>
+              <a:buChar char="u"/>
+            </a:pPr>
+            <a:r>
+              <a:rPr lang="en-US" altLang="zh-TW" sz="2400" dirty="0" smtClean="0"/>
+              <a:t>  Clients organization</a:t>
+            </a:r>
+          </a:p>
+          <a:p>
+            <a:pPr lvl="1">
+              <a:buFont typeface="Wingdings" panose="05000000000000000000" pitchFamily="2" charset="2"/>
+              <a:buChar char="u"/>
+            </a:pPr>
+            <a:r>
+              <a:rPr lang="en-US" altLang="zh-TW" sz="2400" dirty="0" smtClean="0"/>
+              <a:t>  Matching organization</a:t>
+            </a:r>
+          </a:p>
+          <a:p>
+            <a:pPr lvl="1">
+              <a:buFont typeface="Wingdings" panose="05000000000000000000" pitchFamily="2" charset="2"/>
+              <a:buChar char="u"/>
+            </a:pPr>
+            <a:r>
+              <a:rPr lang="en-US" altLang="zh-TW" sz="2400" dirty="0" smtClean="0"/>
+              <a:t>  Personal housing offers organization</a:t>
+            </a:r>
+          </a:p>
+          <a:p>
+            <a:pPr lvl="1">
+              <a:buFont typeface="Wingdings" panose="05000000000000000000" pitchFamily="2" charset="2"/>
+              <a:buChar char="u"/>
+            </a:pPr>
+            <a:r>
+              <a:rPr lang="en-US" altLang="zh-TW" sz="2400" dirty="0" smtClean="0"/>
+              <a:t>  Company housing offers organization</a:t>
+            </a:r>
+          </a:p>
+          <a:p>
+            <a:pPr lvl="1">
+              <a:buFont typeface="Wingdings" panose="05000000000000000000" pitchFamily="2" charset="2"/>
+              <a:buChar char="u"/>
+            </a:pPr>
+            <a:r>
+              <a:rPr lang="en-US" altLang="zh-TW" sz="2400" dirty="0" smtClean="0"/>
+              <a:t>  Admin organization</a:t>
+            </a:r>
+          </a:p>
+        </p:txBody>
+      </p:sp>
+    </p:spTree>
+    <p:extLst>
+      <p:ext uri="{BB962C8B-B14F-4D97-AF65-F5344CB8AC3E}">
+        <p14:creationId xmlns:p14="http://schemas.microsoft.com/office/powerpoint/2010/main" val="2876827958"/>
+      </p:ext>
+    </p:extLst>
+  </p:cSld>
+  <p:clrMapOvr>
+    <a:masterClrMapping/>
+  </p:clrMapOvr>
+  <p:timing>
+    <p:tnLst>
+      <p:par>
+        <p:cTn id="1" dur="indefinite" restart="never" nodeType="tmRoot"/>
+      </p:par>
+    </p:tnLst>
+  </p:timing>
+</p:sld>
+</file>
+
+<file path=ppt/slides/slide8.xml><?xml version="1.0" encoding="utf-8"?>
+<p:sld xmlns:a="http://schemas.openxmlformats.org/drawingml/2006/main" xmlns:r="http://schemas.openxmlformats.org/officeDocument/2006/relationships" xmlns:p="http://schemas.openxmlformats.org/presentationml/2006/main">
+  <p:cSld>
+    <p:spTree>
+      <p:nvGrpSpPr>
+        <p:cNvPr id="1" name=""/>
+        <p:cNvGrpSpPr/>
+        <p:nvPr/>
+      </p:nvGrpSpPr>
+      <p:grpSpPr>
+        <a:xfrm>
+          <a:off x="0" y="0"/>
+          <a:ext cx="0" cy="0"/>
+          <a:chOff x="0" y="0"/>
+          <a:chExt cx="0" cy="0"/>
+        </a:xfrm>
+      </p:grpSpPr>
+      <p:sp>
+        <p:nvSpPr>
+          <p:cNvPr id="2" name="標題 1"/>
+          <p:cNvSpPr>
+            <a:spLocks noGrp="1"/>
+          </p:cNvSpPr>
+          <p:nvPr>
+            <p:ph type="title"/>
+          </p:nvPr>
+        </p:nvSpPr>
+        <p:spPr/>
+        <p:txBody>
+          <a:bodyPr/>
+          <a:lstStyle/>
+          <a:p>
+            <a:r>
+              <a:rPr lang="en-US" altLang="zh-TW" dirty="0" smtClean="0"/>
+              <a:t>Intro to Our Application</a:t>
+            </a:r>
+            <a:endParaRPr lang="zh-TW" altLang="en-US" dirty="0"/>
+          </a:p>
+        </p:txBody>
+      </p:sp>
+      <p:sp>
+        <p:nvSpPr>
+          <p:cNvPr id="3" name="內容版面配置區 2"/>
+          <p:cNvSpPr>
+            <a:spLocks noGrp="1"/>
+          </p:cNvSpPr>
+          <p:nvPr>
+            <p:ph idx="1"/>
+          </p:nvPr>
+        </p:nvSpPr>
+        <p:spPr/>
+        <p:txBody>
+          <a:bodyPr>
+            <a:normAutofit/>
+          </a:bodyPr>
+          <a:lstStyle/>
+          <a:p>
+            <a:r>
+              <a:rPr lang="en-US" altLang="zh-TW" sz="2400" dirty="0" smtClean="0"/>
+              <a:t>Key screenshots &amp; work flows/ work requests:</a:t>
+            </a:r>
+            <a:endParaRPr lang="zh-TW" altLang="en-US" sz="2400" dirty="0"/>
+          </a:p>
+        </p:txBody>
+      </p:sp>
+      <p:pic>
+        <p:nvPicPr>
+          <p:cNvPr id="5" name="圖片 4"/>
+          <p:cNvPicPr>
+            <a:picLocks noChangeAspect="1"/>
+          </p:cNvPicPr>
+          <p:nvPr/>
+        </p:nvPicPr>
+        <p:blipFill>
+          <a:blip r:embed="rId2">
+            <a:extLst>
+              <a:ext uri="{28A0092B-C50C-407E-A947-70E740481C1C}">
+                <a14:useLocalDpi xmlns:a14="http://schemas.microsoft.com/office/drawing/2010/main" val="0"/>
+              </a:ext>
+            </a:extLst>
+          </a:blip>
+          <a:stretch>
+            <a:fillRect/>
+          </a:stretch>
+        </p:blipFill>
+        <p:spPr>
+          <a:xfrm>
+            <a:off x="1256517" y="245917"/>
+            <a:ext cx="9885666" cy="5230092"/>
+          </a:xfrm>
+          <a:prstGeom prst="rect">
+            <a:avLst/>
+          </a:prstGeom>
+        </p:spPr>
+      </p:pic>
+      <p:pic>
+        <p:nvPicPr>
+          <p:cNvPr id="6" name="圖片 5"/>
+          <p:cNvPicPr>
+            <a:picLocks noChangeAspect="1"/>
+          </p:cNvPicPr>
+          <p:nvPr/>
+        </p:nvPicPr>
+        <p:blipFill>
+          <a:blip r:embed="rId3">
+            <a:extLst>
+              <a:ext uri="{28A0092B-C50C-407E-A947-70E740481C1C}">
+                <a14:useLocalDpi xmlns:a14="http://schemas.microsoft.com/office/drawing/2010/main" val="0"/>
+              </a:ext>
+            </a:extLst>
+          </a:blip>
+          <a:stretch>
+            <a:fillRect/>
+          </a:stretch>
+        </p:blipFill>
+        <p:spPr>
+          <a:xfrm>
+            <a:off x="1132620" y="301686"/>
+            <a:ext cx="10133460" cy="5385948"/>
+          </a:xfrm>
+          <a:prstGeom prst="rect">
+            <a:avLst/>
+          </a:prstGeom>
+        </p:spPr>
+      </p:pic>
+      <p:pic>
+        <p:nvPicPr>
+          <p:cNvPr id="7" name="圖片 6"/>
+          <p:cNvPicPr>
+            <a:picLocks noChangeAspect="1"/>
+          </p:cNvPicPr>
+          <p:nvPr/>
+        </p:nvPicPr>
+        <p:blipFill>
+          <a:blip r:embed="rId4">
+            <a:extLst>
+              <a:ext uri="{28A0092B-C50C-407E-A947-70E740481C1C}">
+                <a14:useLocalDpi xmlns:a14="http://schemas.microsoft.com/office/drawing/2010/main" val="0"/>
+              </a:ext>
+            </a:extLst>
+          </a:blip>
+          <a:stretch>
+            <a:fillRect/>
+          </a:stretch>
+        </p:blipFill>
+        <p:spPr>
+          <a:xfrm>
+            <a:off x="1146117" y="245917"/>
+            <a:ext cx="10119963" cy="5172872"/>
+          </a:xfrm>
+          <a:prstGeom prst="rect">
+            <a:avLst/>
+          </a:prstGeom>
+        </p:spPr>
+      </p:pic>
+      <p:pic>
+        <p:nvPicPr>
+          <p:cNvPr id="8" name="圖片 7"/>
+          <p:cNvPicPr>
+            <a:picLocks noChangeAspect="1"/>
+          </p:cNvPicPr>
+          <p:nvPr/>
+        </p:nvPicPr>
+        <p:blipFill>
+          <a:blip r:embed="rId5">
+            <a:extLst>
+              <a:ext uri="{28A0092B-C50C-407E-A947-70E740481C1C}">
+                <a14:useLocalDpi xmlns:a14="http://schemas.microsoft.com/office/drawing/2010/main" val="0"/>
+              </a:ext>
+            </a:extLst>
+          </a:blip>
+          <a:stretch>
+            <a:fillRect/>
+          </a:stretch>
+        </p:blipFill>
+        <p:spPr>
+          <a:xfrm>
+            <a:off x="1035606" y="174099"/>
+            <a:ext cx="10327488" cy="5513535"/>
+          </a:xfrm>
+          <a:prstGeom prst="rect">
+            <a:avLst/>
+          </a:prstGeom>
+        </p:spPr>
+      </p:pic>
+      <p:pic>
+        <p:nvPicPr>
+          <p:cNvPr id="4" name="圖片 3"/>
+          <p:cNvPicPr>
+            <a:picLocks noChangeAspect="1"/>
+          </p:cNvPicPr>
+          <p:nvPr/>
+        </p:nvPicPr>
+        <p:blipFill>
+          <a:blip r:embed="rId6">
+            <a:extLst>
+              <a:ext uri="{28A0092B-C50C-407E-A947-70E740481C1C}">
+                <a14:useLocalDpi xmlns:a14="http://schemas.microsoft.com/office/drawing/2010/main" val="0"/>
+              </a:ext>
+            </a:extLst>
+          </a:blip>
+          <a:stretch>
+            <a:fillRect/>
+          </a:stretch>
+        </p:blipFill>
+        <p:spPr>
+          <a:xfrm>
+            <a:off x="643197" y="174099"/>
+            <a:ext cx="11361420" cy="6103620"/>
+          </a:xfrm>
+          <a:prstGeom prst="rect">
+            <a:avLst/>
+          </a:prstGeom>
+        </p:spPr>
+      </p:pic>
+    </p:spTree>
+    <p:extLst>
+      <p:ext uri="{BB962C8B-B14F-4D97-AF65-F5344CB8AC3E}">
+        <p14:creationId xmlns:p14="http://schemas.microsoft.com/office/powerpoint/2010/main" val="818231863"/>
+      </p:ext>
+    </p:extLst>
+  </p:cSld>
+  <p:clrMapOvr>
+    <a:masterClrMapping/>
+  </p:clrMapOvr>
+  <p:timing>
+    <p:tnLst>
+      <p:par>
+        <p:cTn id="1" dur="indefinite" restart="never" nodeType="tmRoot">
+          <p:childTnLst>
+            <p:seq concurrent="1" nextAc="seek">
+              <p:cTn id="2" dur="indefinite" nodeType="mainSeq">
+                <p:childTnLst>
+                  <p:par>
+                    <p:cTn id="3" fill="hold">
+                      <p:stCondLst>
+                        <p:cond delay="indefinite"/>
+                      </p:stCondLst>
+                      <p:childTnLst>
+                        <p:par>
+                          <p:cTn id="4" fill="hold">
+                            <p:stCondLst>
+                              <p:cond delay="0"/>
+                            </p:stCondLst>
+                            <p:childTnLst>
+                              <p:par>
+                                <p:cTn id="5" presetID="10" presetClass="entr" presetSubtype="0" fill="hold" nodeType="clickEffect">
+                                  <p:stCondLst>
+                                    <p:cond delay="0"/>
+                                  </p:stCondLst>
+                                  <p:childTnLst>
+                                    <p:set>
+                                      <p:cBhvr>
+                                        <p:cTn id="6" dur="1" fill="hold">
+                                          <p:stCondLst>
+                                            <p:cond delay="0"/>
+                                          </p:stCondLst>
+                                        </p:cTn>
+                                        <p:tgtEl>
+                                          <p:spTgt spid="5"/>
+                                        </p:tgtEl>
+                                        <p:attrNameLst>
+                                          <p:attrName>style.visibility</p:attrName>
+                                        </p:attrNameLst>
+                                      </p:cBhvr>
+                                      <p:to>
+                                        <p:strVal val="visible"/>
+                                      </p:to>
+                                    </p:set>
+                                    <p:animEffect transition="in" filter="fade">
+                                      <p:cBhvr>
+                                        <p:cTn id="7" dur="500"/>
+                                        <p:tgtEl>
+                                          <p:spTgt spid="5"/>
+                                        </p:tgtEl>
+                                      </p:cBhvr>
+                                    </p:animEffect>
+                                  </p:childTnLst>
+                                </p:cTn>
+                              </p:par>
+                            </p:childTnLst>
+                          </p:cTn>
+                        </p:par>
+                      </p:childTnLst>
+                    </p:cTn>
+                  </p:par>
+                  <p:par>
+                    <p:cTn id="8" fill="hold">
+                      <p:stCondLst>
+                        <p:cond delay="indefinite"/>
+                      </p:stCondLst>
+                      <p:childTnLst>
+                        <p:par>
+                          <p:cTn id="9" fill="hold">
+                            <p:stCondLst>
+                              <p:cond delay="0"/>
+                            </p:stCondLst>
+                            <p:childTnLst>
+                              <p:par>
+                                <p:cTn id="10" presetID="42" presetClass="entr" presetSubtype="0" fill="hold" nodeType="clickEffect">
+                                  <p:stCondLst>
+                                    <p:cond delay="0"/>
+                                  </p:stCondLst>
+                                  <p:childTnLst>
+                                    <p:set>
+                                      <p:cBhvr>
+                                        <p:cTn id="11" dur="1" fill="hold">
+                                          <p:stCondLst>
+                                            <p:cond delay="0"/>
+                                          </p:stCondLst>
+                                        </p:cTn>
+                                        <p:tgtEl>
+                                          <p:spTgt spid="6"/>
+                                        </p:tgtEl>
+                                        <p:attrNameLst>
+                                          <p:attrName>style.visibility</p:attrName>
+                                        </p:attrNameLst>
+                                      </p:cBhvr>
+                                      <p:to>
+                                        <p:strVal val="visible"/>
+                                      </p:to>
+                                    </p:set>
+                                    <p:animEffect transition="in" filter="fade">
+                                      <p:cBhvr>
+                                        <p:cTn id="12" dur="1000"/>
+                                        <p:tgtEl>
+                                          <p:spTgt spid="6"/>
+                                        </p:tgtEl>
+                                      </p:cBhvr>
+                                    </p:animEffect>
+                                    <p:anim calcmode="lin" valueType="num">
+                                      <p:cBhvr>
+                                        <p:cTn id="13" dur="1000" fill="hold"/>
+                                        <p:tgtEl>
+                                          <p:spTgt spid="6"/>
+                                        </p:tgtEl>
+                                        <p:attrNameLst>
+                                          <p:attrName>ppt_x</p:attrName>
+                                        </p:attrNameLst>
+                                      </p:cBhvr>
+                                      <p:tavLst>
+                                        <p:tav tm="0">
+                                          <p:val>
+                                            <p:strVal val="#ppt_x"/>
+                                          </p:val>
+                                        </p:tav>
+                                        <p:tav tm="100000">
+                                          <p:val>
+                                            <p:strVal val="#ppt_x"/>
+                                          </p:val>
+                                        </p:tav>
+                                      </p:tavLst>
+                                    </p:anim>
+                                    <p:anim calcmode="lin" valueType="num">
+                                      <p:cBhvr>
+                                        <p:cTn id="14" dur="1000" fill="hold"/>
+                                        <p:tgtEl>
+                                          <p:spTgt spid="6"/>
+                                        </p:tgtEl>
+                                        <p:attrNameLst>
+                                          <p:attrName>ppt_y</p:attrName>
+                                        </p:attrNameLst>
+                                      </p:cBhvr>
+                                      <p:tavLst>
+                                        <p:tav tm="0">
+                                          <p:val>
+                                            <p:strVal val="#ppt_y+.1"/>
+                                          </p:val>
+                                        </p:tav>
+                                        <p:tav tm="100000">
+                                          <p:val>
+                                            <p:strVal val="#ppt_y"/>
+                                          </p:val>
+                                        </p:tav>
+                                      </p:tavLst>
+                                    </p:anim>
+                                  </p:childTnLst>
+                                </p:cTn>
+                              </p:par>
+                            </p:childTnLst>
+                          </p:cTn>
+                        </p:par>
+                      </p:childTnLst>
+                    </p:cTn>
+                  </p:par>
+                  <p:par>
+                    <p:cTn id="15" fill="hold">
+                      <p:stCondLst>
+                        <p:cond delay="indefinite"/>
+                      </p:stCondLst>
+                      <p:childTnLst>
+                        <p:par>
+                          <p:cTn id="16" fill="hold">
+                            <p:stCondLst>
+                              <p:cond delay="0"/>
+                            </p:stCondLst>
+                            <p:childTnLst>
+                              <p:par>
+                                <p:cTn id="17" presetID="16" presetClass="entr" presetSubtype="21" fill="hold" nodeType="clickEffect">
+                                  <p:stCondLst>
+                                    <p:cond delay="0"/>
+                                  </p:stCondLst>
+                                  <p:childTnLst>
+                                    <p:set>
+                                      <p:cBhvr>
+                                        <p:cTn id="18" dur="1" fill="hold">
+                                          <p:stCondLst>
+                                            <p:cond delay="0"/>
+                                          </p:stCondLst>
+                                        </p:cTn>
+                                        <p:tgtEl>
+                                          <p:spTgt spid="7"/>
+                                        </p:tgtEl>
+                                        <p:attrNameLst>
+                                          <p:attrName>style.visibility</p:attrName>
+                                        </p:attrNameLst>
+                                      </p:cBhvr>
+                                      <p:to>
+                                        <p:strVal val="visible"/>
+                                      </p:to>
+                                    </p:set>
+                                    <p:animEffect transition="in" filter="barn(inVertical)">
+                                      <p:cBhvr>
+                                        <p:cTn id="19" dur="500"/>
+                                        <p:tgtEl>
+                                          <p:spTgt spid="7"/>
+                                        </p:tgtEl>
+                                      </p:cBhvr>
+                                    </p:animEffect>
+                                  </p:childTnLst>
+                                </p:cTn>
+                              </p:par>
+                            </p:childTnLst>
+                          </p:cTn>
+                        </p:par>
+                      </p:childTnLst>
+                    </p:cTn>
+                  </p:par>
+                  <p:par>
+                    <p:cTn id="20" fill="hold">
+                      <p:stCondLst>
+                        <p:cond delay="indefinite"/>
+                      </p:stCondLst>
+                      <p:childTnLst>
+                        <p:par>
+                          <p:cTn id="21" fill="hold">
+                            <p:stCondLst>
+                              <p:cond delay="0"/>
+                            </p:stCondLst>
+                            <p:childTnLst>
+                              <p:par>
+                                <p:cTn id="22" presetID="2" presetClass="entr" presetSubtype="4" fill="hold" nodeType="clickEffect">
+                                  <p:stCondLst>
+                                    <p:cond delay="0"/>
+                                  </p:stCondLst>
+                                  <p:childTnLst>
+                                    <p:set>
+                                      <p:cBhvr>
+                                        <p:cTn id="23" dur="1" fill="hold">
+                                          <p:stCondLst>
+                                            <p:cond delay="0"/>
+                                          </p:stCondLst>
+                                        </p:cTn>
+                                        <p:tgtEl>
+                                          <p:spTgt spid="8"/>
+                                        </p:tgtEl>
+                                        <p:attrNameLst>
+                                          <p:attrName>style.visibility</p:attrName>
+                                        </p:attrNameLst>
+                                      </p:cBhvr>
+                                      <p:to>
+                                        <p:strVal val="visible"/>
+                                      </p:to>
+                                    </p:set>
+                                    <p:anim calcmode="lin" valueType="num">
+                                      <p:cBhvr additive="base">
+                                        <p:cTn id="24" dur="500" fill="hold"/>
+                                        <p:tgtEl>
+                                          <p:spTgt spid="8"/>
+                                        </p:tgtEl>
+                                        <p:attrNameLst>
+                                          <p:attrName>ppt_x</p:attrName>
+                                        </p:attrNameLst>
+                                      </p:cBhvr>
+                                      <p:tavLst>
+                                        <p:tav tm="0">
+                                          <p:val>
+                                            <p:strVal val="#ppt_x"/>
+                                          </p:val>
+                                        </p:tav>
+                                        <p:tav tm="100000">
+                                          <p:val>
+                                            <p:strVal val="#ppt_x"/>
+                                          </p:val>
+                                        </p:tav>
+                                      </p:tavLst>
+                                    </p:anim>
+                                    <p:anim calcmode="lin" valueType="num">
+                                      <p:cBhvr additive="base">
+                                        <p:cTn id="25" dur="500" fill="hold"/>
+                                        <p:tgtEl>
+                                          <p:spTgt spid="8"/>
+                                        </p:tgtEl>
+                                        <p:attrNameLst>
+                                          <p:attrName>ppt_y</p:attrName>
+                                        </p:attrNameLst>
+                                      </p:cBhvr>
+                                      <p:tavLst>
+                                        <p:tav tm="0">
+                                          <p:val>
+                                            <p:strVal val="1+#ppt_h/2"/>
+                                          </p:val>
+                                        </p:tav>
+                                        <p:tav tm="100000">
+                                          <p:val>
+                                            <p:strVal val="#ppt_y"/>
+                                          </p:val>
+                                        </p:tav>
+                                      </p:tavLst>
+                                    </p:anim>
+                                  </p:childTnLst>
+                                </p:cTn>
+                              </p:par>
+                            </p:childTnLst>
+                          </p:cTn>
+                        </p:par>
+                      </p:childTnLst>
+                    </p:cTn>
+                  </p:par>
+                  <p:par>
+                    <p:cTn id="26" fill="hold">
+                      <p:stCondLst>
+                        <p:cond delay="indefinite"/>
+                      </p:stCondLst>
+                      <p:childTnLst>
+                        <p:par>
+                          <p:cTn id="27" fill="hold">
+                            <p:stCondLst>
+                              <p:cond delay="0"/>
+                            </p:stCondLst>
+                            <p:childTnLst>
+                              <p:par>
+                                <p:cTn id="28" presetID="2" presetClass="entr" presetSubtype="4" fill="hold" nodeType="clickEffect">
+                                  <p:stCondLst>
+                                    <p:cond delay="0"/>
+                                  </p:stCondLst>
+                                  <p:childTnLst>
+                                    <p:set>
+                                      <p:cBhvr>
+                                        <p:cTn id="29" dur="1" fill="hold">
+                                          <p:stCondLst>
+                                            <p:cond delay="0"/>
+                                          </p:stCondLst>
+                                        </p:cTn>
+                                        <p:tgtEl>
+                                          <p:spTgt spid="4"/>
+                                        </p:tgtEl>
+                                        <p:attrNameLst>
+                                          <p:attrName>style.visibility</p:attrName>
+                                        </p:attrNameLst>
+                                      </p:cBhvr>
+                                      <p:to>
+                                        <p:strVal val="visible"/>
+                                      </p:to>
+                                    </p:set>
+                                    <p:anim calcmode="lin" valueType="num">
+                                      <p:cBhvr additive="base">
+                                        <p:cTn id="30" dur="500" fill="hold"/>
+                                        <p:tgtEl>
+                                          <p:spTgt spid="4"/>
+                                        </p:tgtEl>
+                                        <p:attrNameLst>
+                                          <p:attrName>ppt_x</p:attrName>
+                                        </p:attrNameLst>
+                                      </p:cBhvr>
+                                      <p:tavLst>
+                                        <p:tav tm="0">
+                                          <p:val>
+                                            <p:strVal val="#ppt_x"/>
+                                          </p:val>
+                                        </p:tav>
+                                        <p:tav tm="100000">
+                                          <p:val>
+                                            <p:strVal val="#ppt_x"/>
+                                          </p:val>
+                                        </p:tav>
+                                      </p:tavLst>
+                                    </p:anim>
+                                    <p:anim calcmode="lin" valueType="num">
+                                      <p:cBhvr additive="base">
+                                        <p:cTn id="31" dur="500" fill="hold"/>
+                                        <p:tgtEl>
+                                          <p:spTgt spid="4"/>
+                                        </p:tgtEl>
+                                        <p:attrNameLst>
+                                          <p:attrName>ppt_y</p:attrName>
+                                        </p:attrNameLst>
+                                      </p:cBhvr>
+                                      <p:tavLst>
+                                        <p:tav tm="0">
+                                          <p:val>
+                                            <p:strVal val="1+#ppt_h/2"/>
+                                          </p:val>
+                                        </p:tav>
+                                        <p:tav tm="100000">
+                                          <p:val>
+                                            <p:strVal val="#ppt_y"/>
+                                          </p:val>
+                                        </p:tav>
+                                      </p:tavLst>
+                                    </p:anim>
+                                  </p:childTnLst>
+                                </p:cTn>
+                              </p:par>
+                            </p:childTnLst>
+                          </p:cTn>
+                        </p:par>
+                      </p:childTnLst>
+                    </p:cTn>
+                  </p:par>
+                </p:childTnLst>
+              </p:cTn>
+              <p:prevCondLst>
+                <p:cond evt="onPrev" delay="0">
+                  <p:tgtEl>
+                    <p:sldTgt/>
+                  </p:tgtEl>
+                </p:cond>
+              </p:prevCondLst>
+              <p:nextCondLst>
+                <p:cond evt="onNext" delay="0">
+                  <p:tgtEl>
+                    <p:sldTgt/>
+                  </p:tgtEl>
+                </p:cond>
+              </p:nextCondLst>
+            </p:seq>
+          </p:childTnLst>
+        </p:cTn>
+      </p:par>
+    </p:tnLst>
+  </p:timing>
+</p:sld>
+</file>
+
+<file path=ppt/slides/slide9.xml><?xml version="1.0" encoding="utf-8"?>
+<p:sld xmlns:a="http://schemas.openxmlformats.org/drawingml/2006/main" xmlns:r="http://schemas.openxmlformats.org/officeDocument/2006/relationships" xmlns:p="http://schemas.openxmlformats.org/presentationml/2006/main">
+  <p:cSld>
+    <p:spTree>
+      <p:nvGrpSpPr>
+        <p:cNvPr id="1" name=""/>
+        <p:cNvGrpSpPr/>
+        <p:nvPr/>
+      </p:nvGrpSpPr>
+      <p:grpSpPr>
+        <a:xfrm>
+          <a:off x="0" y="0"/>
+          <a:ext cx="0" cy="0"/>
+          <a:chOff x="0" y="0"/>
+          <a:chExt cx="0" cy="0"/>
+        </a:xfrm>
+      </p:grpSpPr>
+      <p:sp>
+        <p:nvSpPr>
+          <p:cNvPr id="2" name="標題 1"/>
+          <p:cNvSpPr>
+            <a:spLocks noGrp="1"/>
+          </p:cNvSpPr>
+          <p:nvPr>
+            <p:ph type="title"/>
+          </p:nvPr>
+        </p:nvSpPr>
+        <p:spPr/>
+        <p:txBody>
+          <a:bodyPr/>
+          <a:lstStyle/>
+          <a:p>
+            <a:endParaRPr lang="zh-TW" altLang="en-US" dirty="0"/>
+          </a:p>
+        </p:txBody>
+      </p:sp>
+      <p:pic>
+        <p:nvPicPr>
+          <p:cNvPr id="4" name="內容版面配置區 3"/>
+          <p:cNvPicPr>
+            <a:picLocks noGrp="1" noChangeAspect="1"/>
+          </p:cNvPicPr>
+          <p:nvPr>
+            <p:ph idx="1"/>
+          </p:nvPr>
+        </p:nvPicPr>
+        <p:blipFill>
+          <a:blip r:embed="rId3">
+            <a:extLst>
+              <a:ext uri="{28A0092B-C50C-407E-A947-70E740481C1C}">
+                <a14:useLocalDpi xmlns:a14="http://schemas.microsoft.com/office/drawing/2010/main" val="0"/>
+              </a:ext>
+            </a:extLst>
+          </a:blip>
+          <a:stretch>
+            <a:fillRect/>
+          </a:stretch>
+        </p:blipFill>
+        <p:spPr>
+          <a:xfrm>
+            <a:off x="1097280" y="384464"/>
+            <a:ext cx="10588974" cy="5652654"/>
+          </a:xfrm>
+        </p:spPr>
+      </p:pic>
+    </p:spTree>
+    <p:extLst>
+      <p:ext uri="{BB962C8B-B14F-4D97-AF65-F5344CB8AC3E}">
+        <p14:creationId xmlns:p14="http://schemas.microsoft.com/office/powerpoint/2010/main" val="142804169"/>
       </p:ext>
     </p:extLst>
   </p:cSld>
@@ -5911,363 +8835,6 @@
             </p:seq>
           </p:childTnLst>
         </p:cTn>
-      </p:par>
-    </p:tnLst>
-  </p:timing>
-</p:sld>
-</file>
-
-<file path=ppt/slides/slide7.xml><?xml version="1.0" encoding="utf-8"?>
-<p:sld xmlns:a="http://schemas.openxmlformats.org/drawingml/2006/main" xmlns:r="http://schemas.openxmlformats.org/officeDocument/2006/relationships" xmlns:p="http://schemas.openxmlformats.org/presentationml/2006/main">
-  <p:cSld>
-    <p:spTree>
-      <p:nvGrpSpPr>
-        <p:cNvPr id="1" name=""/>
-        <p:cNvGrpSpPr/>
-        <p:nvPr/>
-      </p:nvGrpSpPr>
-      <p:grpSpPr>
-        <a:xfrm>
-          <a:off x="0" y="0"/>
-          <a:ext cx="0" cy="0"/>
-          <a:chOff x="0" y="0"/>
-          <a:chExt cx="0" cy="0"/>
-        </a:xfrm>
-      </p:grpSpPr>
-      <p:sp>
-        <p:nvSpPr>
-          <p:cNvPr id="2" name="標題 1"/>
-          <p:cNvSpPr>
-            <a:spLocks noGrp="1"/>
-          </p:cNvSpPr>
-          <p:nvPr>
-            <p:ph type="title"/>
-          </p:nvPr>
-        </p:nvSpPr>
-        <p:spPr/>
-        <p:txBody>
-          <a:bodyPr/>
-          <a:lstStyle/>
-          <a:p>
-            <a:r>
-              <a:rPr lang="en-US" altLang="zh-TW" dirty="0" smtClean="0"/>
-              <a:t>Intro to Our Application</a:t>
-            </a:r>
-            <a:endParaRPr lang="zh-TW" altLang="en-US" dirty="0"/>
-          </a:p>
-        </p:txBody>
-      </p:sp>
-      <p:sp>
-        <p:nvSpPr>
-          <p:cNvPr id="3" name="內容版面配置區 2"/>
-          <p:cNvSpPr>
-            <a:spLocks noGrp="1"/>
-          </p:cNvSpPr>
-          <p:nvPr>
-            <p:ph idx="1"/>
-          </p:nvPr>
-        </p:nvSpPr>
-        <p:spPr>
-          <a:xfrm>
-            <a:off x="1097280" y="1737361"/>
-            <a:ext cx="10058400" cy="4476404"/>
-          </a:xfrm>
-        </p:spPr>
-        <p:txBody>
-          <a:bodyPr>
-            <a:normAutofit lnSpcReduction="10000"/>
-          </a:bodyPr>
-          <a:lstStyle/>
-          <a:p>
-            <a:pPr marL="0" indent="0">
-              <a:buNone/>
-            </a:pPr>
-            <a:r>
-              <a:rPr lang="en-US" altLang="zh-TW" sz="2600" b="1" dirty="0" smtClean="0"/>
-              <a:t>  </a:t>
-            </a:r>
-            <a:r>
-              <a:rPr lang="en-US" altLang="zh-TW" sz="2800" b="1" dirty="0" smtClean="0"/>
-              <a:t>Enterprises:</a:t>
-            </a:r>
-          </a:p>
-          <a:p>
-            <a:pPr lvl="1">
-              <a:buFont typeface="Wingdings" panose="05000000000000000000" pitchFamily="2" charset="2"/>
-              <a:buChar char="u"/>
-            </a:pPr>
-            <a:r>
-              <a:rPr lang="en-US" altLang="zh-TW" sz="2400" b="1" dirty="0" smtClean="0"/>
-              <a:t> </a:t>
-            </a:r>
-            <a:r>
-              <a:rPr lang="en-US" altLang="zh-TW" sz="2400" dirty="0" smtClean="0"/>
-              <a:t>Funding enterprises</a:t>
-            </a:r>
-          </a:p>
-          <a:p>
-            <a:pPr lvl="1">
-              <a:buFont typeface="Wingdings" panose="05000000000000000000" pitchFamily="2" charset="2"/>
-              <a:buChar char="u"/>
-            </a:pPr>
-            <a:r>
-              <a:rPr lang="en-US" altLang="zh-TW" sz="2400" dirty="0" smtClean="0"/>
-              <a:t>  Coordinate enterprises</a:t>
-            </a:r>
-            <a:endParaRPr lang="en-US" altLang="zh-TW" dirty="0" smtClean="0"/>
-          </a:p>
-          <a:p>
-            <a:pPr lvl="1">
-              <a:buFont typeface="Wingdings" panose="05000000000000000000" pitchFamily="2" charset="2"/>
-              <a:buChar char="u"/>
-            </a:pPr>
-            <a:endParaRPr lang="en-US" altLang="zh-TW" sz="2200" dirty="0" smtClean="0"/>
-          </a:p>
-          <a:p>
-            <a:r>
-              <a:rPr lang="en-US" altLang="zh-TW" sz="2800" b="1" dirty="0" smtClean="0"/>
-              <a:t>Organizations: </a:t>
-            </a:r>
-          </a:p>
-          <a:p>
-            <a:pPr lvl="1">
-              <a:buFont typeface="Wingdings" panose="05000000000000000000" pitchFamily="2" charset="2"/>
-              <a:buChar char="u"/>
-            </a:pPr>
-            <a:r>
-              <a:rPr lang="en-US" altLang="zh-TW" sz="2400" dirty="0" smtClean="0"/>
-              <a:t> Patients/ Rooms qualified organization</a:t>
-            </a:r>
-            <a:endParaRPr lang="en-US" altLang="zh-TW" sz="2400" dirty="0"/>
-          </a:p>
-          <a:p>
-            <a:pPr lvl="1">
-              <a:buFont typeface="Wingdings" panose="05000000000000000000" pitchFamily="2" charset="2"/>
-              <a:buChar char="u"/>
-            </a:pPr>
-            <a:r>
-              <a:rPr lang="en-US" altLang="zh-TW" sz="2400" dirty="0" smtClean="0"/>
-              <a:t> Clients organization</a:t>
-            </a:r>
-          </a:p>
-          <a:p>
-            <a:pPr lvl="1">
-              <a:buFont typeface="Wingdings" panose="05000000000000000000" pitchFamily="2" charset="2"/>
-              <a:buChar char="u"/>
-            </a:pPr>
-            <a:r>
-              <a:rPr lang="en-US" altLang="zh-TW" sz="2400" dirty="0" smtClean="0"/>
-              <a:t> Matching organization</a:t>
-            </a:r>
-          </a:p>
-          <a:p>
-            <a:pPr lvl="1">
-              <a:buFont typeface="Wingdings" panose="05000000000000000000" pitchFamily="2" charset="2"/>
-              <a:buChar char="u"/>
-            </a:pPr>
-            <a:r>
-              <a:rPr lang="en-US" altLang="zh-TW" sz="2400" dirty="0" smtClean="0"/>
-              <a:t> Personal housing offers organization</a:t>
-            </a:r>
-          </a:p>
-          <a:p>
-            <a:pPr lvl="1">
-              <a:buFont typeface="Wingdings" panose="05000000000000000000" pitchFamily="2" charset="2"/>
-              <a:buChar char="u"/>
-            </a:pPr>
-            <a:r>
-              <a:rPr lang="en-US" altLang="zh-TW" sz="2400" dirty="0" smtClean="0"/>
-              <a:t> Company housing offers organization</a:t>
-            </a:r>
-          </a:p>
-          <a:p>
-            <a:pPr lvl="1">
-              <a:buFont typeface="Wingdings" panose="05000000000000000000" pitchFamily="2" charset="2"/>
-              <a:buChar char="u"/>
-            </a:pPr>
-            <a:r>
-              <a:rPr lang="en-US" altLang="zh-TW" sz="2400" dirty="0" smtClean="0"/>
-              <a:t> Admin organization</a:t>
-            </a:r>
-          </a:p>
-        </p:txBody>
-      </p:sp>
-    </p:spTree>
-    <p:extLst>
-      <p:ext uri="{BB962C8B-B14F-4D97-AF65-F5344CB8AC3E}">
-        <p14:creationId xmlns:p14="http://schemas.microsoft.com/office/powerpoint/2010/main" val="2876827958"/>
-      </p:ext>
-    </p:extLst>
-  </p:cSld>
-  <p:clrMapOvr>
-    <a:masterClrMapping/>
-  </p:clrMapOvr>
-  <p:timing>
-    <p:tnLst>
-      <p:par>
-        <p:cTn id="1" dur="indefinite" restart="never" nodeType="tmRoot"/>
-      </p:par>
-    </p:tnLst>
-  </p:timing>
-</p:sld>
-</file>
-
-<file path=ppt/slides/slide8.xml><?xml version="1.0" encoding="utf-8"?>
-<p:sld xmlns:a="http://schemas.openxmlformats.org/drawingml/2006/main" xmlns:r="http://schemas.openxmlformats.org/officeDocument/2006/relationships" xmlns:p="http://schemas.openxmlformats.org/presentationml/2006/main">
-  <p:cSld>
-    <p:spTree>
-      <p:nvGrpSpPr>
-        <p:cNvPr id="1" name=""/>
-        <p:cNvGrpSpPr/>
-        <p:nvPr/>
-      </p:nvGrpSpPr>
-      <p:grpSpPr>
-        <a:xfrm>
-          <a:off x="0" y="0"/>
-          <a:ext cx="0" cy="0"/>
-          <a:chOff x="0" y="0"/>
-          <a:chExt cx="0" cy="0"/>
-        </a:xfrm>
-      </p:grpSpPr>
-      <p:sp>
-        <p:nvSpPr>
-          <p:cNvPr id="2" name="標題 1"/>
-          <p:cNvSpPr>
-            <a:spLocks noGrp="1"/>
-          </p:cNvSpPr>
-          <p:nvPr>
-            <p:ph type="title"/>
-          </p:nvPr>
-        </p:nvSpPr>
-        <p:spPr/>
-        <p:txBody>
-          <a:bodyPr/>
-          <a:lstStyle/>
-          <a:p>
-            <a:r>
-              <a:rPr lang="en-US" altLang="zh-TW" dirty="0" smtClean="0"/>
-              <a:t>Intro to Our Application</a:t>
-            </a:r>
-            <a:endParaRPr lang="zh-TW" altLang="en-US" dirty="0"/>
-          </a:p>
-        </p:txBody>
-      </p:sp>
-      <p:sp>
-        <p:nvSpPr>
-          <p:cNvPr id="3" name="內容版面配置區 2"/>
-          <p:cNvSpPr>
-            <a:spLocks noGrp="1"/>
-          </p:cNvSpPr>
-          <p:nvPr>
-            <p:ph idx="1"/>
-          </p:nvPr>
-        </p:nvSpPr>
-        <p:spPr/>
-        <p:txBody>
-          <a:bodyPr>
-            <a:normAutofit/>
-          </a:bodyPr>
-          <a:lstStyle/>
-          <a:p>
-            <a:r>
-              <a:rPr lang="en-US" altLang="zh-TW" sz="2400" dirty="0" smtClean="0"/>
-              <a:t>Key screenshots &amp; work flows:</a:t>
-            </a:r>
-            <a:endParaRPr lang="zh-TW" altLang="en-US" sz="2400" dirty="0"/>
-          </a:p>
-        </p:txBody>
-      </p:sp>
-    </p:spTree>
-    <p:extLst>
-      <p:ext uri="{BB962C8B-B14F-4D97-AF65-F5344CB8AC3E}">
-        <p14:creationId xmlns:p14="http://schemas.microsoft.com/office/powerpoint/2010/main" val="818231863"/>
-      </p:ext>
-    </p:extLst>
-  </p:cSld>
-  <p:clrMapOvr>
-    <a:masterClrMapping/>
-  </p:clrMapOvr>
-  <p:timing>
-    <p:tnLst>
-      <p:par>
-        <p:cTn id="1" dur="indefinite" restart="never" nodeType="tmRoot"/>
-      </p:par>
-    </p:tnLst>
-  </p:timing>
-</p:sld>
-</file>
-
-<file path=ppt/slides/slide9.xml><?xml version="1.0" encoding="utf-8"?>
-<p:sld xmlns:a="http://schemas.openxmlformats.org/drawingml/2006/main" xmlns:r="http://schemas.openxmlformats.org/officeDocument/2006/relationships" xmlns:p="http://schemas.openxmlformats.org/presentationml/2006/main">
-  <p:cSld>
-    <p:spTree>
-      <p:nvGrpSpPr>
-        <p:cNvPr id="1" name=""/>
-        <p:cNvGrpSpPr/>
-        <p:nvPr/>
-      </p:nvGrpSpPr>
-      <p:grpSpPr>
-        <a:xfrm>
-          <a:off x="0" y="0"/>
-          <a:ext cx="0" cy="0"/>
-          <a:chOff x="0" y="0"/>
-          <a:chExt cx="0" cy="0"/>
-        </a:xfrm>
-      </p:grpSpPr>
-      <p:sp>
-        <p:nvSpPr>
-          <p:cNvPr id="2" name="標題 1"/>
-          <p:cNvSpPr>
-            <a:spLocks noGrp="1"/>
-          </p:cNvSpPr>
-          <p:nvPr>
-            <p:ph type="title"/>
-          </p:nvPr>
-        </p:nvSpPr>
-        <p:spPr/>
-        <p:txBody>
-          <a:bodyPr/>
-          <a:lstStyle/>
-          <a:p>
-            <a:endParaRPr lang="zh-TW" altLang="en-US" dirty="0"/>
-          </a:p>
-        </p:txBody>
-      </p:sp>
-      <p:sp>
-        <p:nvSpPr>
-          <p:cNvPr id="3" name="內容版面配置區 2"/>
-          <p:cNvSpPr>
-            <a:spLocks noGrp="1"/>
-          </p:cNvSpPr>
-          <p:nvPr>
-            <p:ph idx="1"/>
-          </p:nvPr>
-        </p:nvSpPr>
-        <p:spPr/>
-        <p:txBody>
-          <a:bodyPr>
-            <a:normAutofit/>
-          </a:bodyPr>
-          <a:lstStyle/>
-          <a:p>
-            <a:endParaRPr lang="zh-TW" altLang="en-US" sz="2400" dirty="0"/>
-          </a:p>
-        </p:txBody>
-      </p:sp>
-    </p:spTree>
-    <p:extLst>
-      <p:ext uri="{BB962C8B-B14F-4D97-AF65-F5344CB8AC3E}">
-        <p14:creationId xmlns:p14="http://schemas.microsoft.com/office/powerpoint/2010/main" val="142804169"/>
-      </p:ext>
-    </p:extLst>
-  </p:cSld>
-  <p:clrMapOvr>
-    <a:masterClrMapping/>
-  </p:clrMapOvr>
-  <p:timing>
-    <p:tnLst>
-      <p:par>
-        <p:cTn id="1" dur="indefinite" restart="never" nodeType="tmRoot"/>
       </p:par>
     </p:tnLst>
   </p:timing>

--- a/Final project/INFO 5100 Final Project.pptx
+++ b/Final project/INFO 5100 Final Project.pptx
@@ -276,38 +276,37 @@
           <a:p>
             <a:pPr lvl="0"/>
             <a:r>
-              <a:rPr lang="zh-TW" altLang="en-US" smtClean="0"/>
+              <a:rPr lang="zh-TW" altLang="en-US"/>
               <a:t>編輯母片文字樣式</a:t>
             </a:r>
           </a:p>
           <a:p>
             <a:pPr lvl="1"/>
             <a:r>
-              <a:rPr lang="zh-TW" altLang="en-US" smtClean="0"/>
+              <a:rPr lang="zh-TW" altLang="en-US"/>
               <a:t>第二層</a:t>
             </a:r>
           </a:p>
           <a:p>
             <a:pPr lvl="2"/>
             <a:r>
-              <a:rPr lang="zh-TW" altLang="en-US" smtClean="0"/>
+              <a:rPr lang="zh-TW" altLang="en-US"/>
               <a:t>第三層</a:t>
             </a:r>
           </a:p>
           <a:p>
             <a:pPr lvl="3"/>
             <a:r>
-              <a:rPr lang="zh-TW" altLang="en-US" smtClean="0"/>
+              <a:rPr lang="zh-TW" altLang="en-US"/>
               <a:t>第四層</a:t>
             </a:r>
           </a:p>
           <a:p>
             <a:pPr lvl="4"/>
             <a:r>
-              <a:rPr lang="zh-TW" altLang="en-US" smtClean="0"/>
+              <a:rPr lang="zh-TW" altLang="en-US"/>
               <a:t>第五層</a:t>
             </a:r>
-            <a:endParaRPr lang="zh-TW" altLang="en-US"/>
           </a:p>
         </p:txBody>
       </p:sp>
@@ -777,7 +776,7 @@
           <a:lstStyle/>
           <a:p>
             <a:r>
-              <a:rPr lang="en-US" altLang="zh-TW" dirty="0" smtClean="0"/>
+              <a:rPr lang="en-US" altLang="zh-TW" dirty="0"/>
               <a:t>screenshots</a:t>
             </a:r>
             <a:endParaRPr lang="zh-TW" altLang="en-US" dirty="0"/>
@@ -865,7 +864,7 @@
           <a:lstStyle/>
           <a:p>
             <a:r>
-              <a:rPr lang="en-US" altLang="zh-TW" dirty="0" smtClean="0"/>
+              <a:rPr lang="en-US" altLang="zh-TW" dirty="0"/>
               <a:t>screenshots</a:t>
             </a:r>
             <a:endParaRPr lang="zh-TW" altLang="en-US" dirty="0"/>
@@ -953,11 +952,11 @@
           <a:lstStyle/>
           <a:p>
             <a:r>
-              <a:rPr lang="en-US" altLang="zh-TW" dirty="0" smtClean="0"/>
+              <a:rPr lang="en-US" altLang="zh-TW" dirty="0"/>
               <a:t>And why would a global</a:t>
             </a:r>
             <a:r>
-              <a:rPr lang="en-US" altLang="zh-TW" baseline="0" dirty="0" smtClean="0"/>
+              <a:rPr lang="en-US" altLang="zh-TW" baseline="0" dirty="0"/>
               <a:t> company do it for free? </a:t>
             </a:r>
           </a:p>
@@ -966,7 +965,7 @@
               <a:buAutoNum type="arabicPeriod"/>
             </a:pPr>
             <a:r>
-              <a:rPr lang="en-US" altLang="zh-TW" baseline="0" dirty="0" smtClean="0"/>
+              <a:rPr lang="en-US" altLang="zh-TW" baseline="0" dirty="0"/>
               <a:t>It can improve the reputation of the company.</a:t>
             </a:r>
           </a:p>
@@ -975,7 +974,7 @@
               <a:buAutoNum type="arabicPeriod"/>
             </a:pPr>
             <a:r>
-              <a:rPr lang="en-US" altLang="zh-TW" baseline="0" dirty="0" smtClean="0"/>
+              <a:rPr lang="en-US" altLang="zh-TW" baseline="0" dirty="0"/>
               <a:t>They can give back to the society.</a:t>
             </a:r>
           </a:p>
@@ -984,7 +983,7 @@
               <a:buAutoNum type="arabicPeriod"/>
             </a:pPr>
             <a:r>
-              <a:rPr lang="en-US" altLang="zh-TW" baseline="0" dirty="0" smtClean="0"/>
+              <a:rPr lang="en-US" altLang="zh-TW" baseline="0" dirty="0"/>
               <a:t>It will definitely bring a great commercial effect. Maybe the money they save on advertising is less than the money they help the charity.</a:t>
             </a:r>
             <a:endParaRPr lang="zh-TW" altLang="en-US" dirty="0"/>
@@ -1157,7 +1156,7 @@
           </a:lstStyle>
           <a:p>
             <a:r>
-              <a:rPr lang="zh-TW" altLang="en-US" smtClean="0"/>
+              <a:rPr lang="zh-TW" altLang="en-US"/>
               <a:t>按一下以編輯母片標題樣式</a:t>
             </a:r>
             <a:endParaRPr lang="en-US" dirty="0"/>
@@ -1229,7 +1228,7 @@
           </a:lstStyle>
           <a:p>
             <a:r>
-              <a:rPr lang="zh-TW" altLang="en-US" smtClean="0"/>
+              <a:rPr lang="zh-TW" altLang="en-US"/>
               <a:t>按一下以編輯母片副標題樣式</a:t>
             </a:r>
             <a:endParaRPr lang="en-US" dirty="0"/>
@@ -1385,7 +1384,7 @@
           <a:lstStyle/>
           <a:p>
             <a:r>
-              <a:rPr lang="zh-TW" altLang="en-US" smtClean="0"/>
+              <a:rPr lang="zh-TW" altLang="en-US"/>
               <a:t>按一下以編輯母片標題樣式</a:t>
             </a:r>
             <a:endParaRPr lang="en-US" dirty="0"/>
@@ -1409,35 +1408,35 @@
           <a:p>
             <a:pPr lvl="0"/>
             <a:r>
-              <a:rPr lang="zh-TW" altLang="en-US" smtClean="0"/>
+              <a:rPr lang="zh-TW" altLang="en-US"/>
               <a:t>編輯母片文字樣式</a:t>
             </a:r>
           </a:p>
           <a:p>
             <a:pPr lvl="1"/>
             <a:r>
-              <a:rPr lang="zh-TW" altLang="en-US" smtClean="0"/>
+              <a:rPr lang="zh-TW" altLang="en-US"/>
               <a:t>第二層</a:t>
             </a:r>
           </a:p>
           <a:p>
             <a:pPr lvl="2"/>
             <a:r>
-              <a:rPr lang="zh-TW" altLang="en-US" smtClean="0"/>
+              <a:rPr lang="zh-TW" altLang="en-US"/>
               <a:t>第三層</a:t>
             </a:r>
           </a:p>
           <a:p>
             <a:pPr lvl="3"/>
             <a:r>
-              <a:rPr lang="zh-TW" altLang="en-US" smtClean="0"/>
+              <a:rPr lang="zh-TW" altLang="en-US"/>
               <a:t>第四層</a:t>
             </a:r>
           </a:p>
           <a:p>
             <a:pPr lvl="4"/>
             <a:r>
-              <a:rPr lang="zh-TW" altLang="en-US" smtClean="0"/>
+              <a:rPr lang="zh-TW" altLang="en-US"/>
               <a:t>第五層</a:t>
             </a:r>
             <a:endParaRPr lang="en-US" dirty="0"/>
@@ -1636,7 +1635,7 @@
           <a:lstStyle/>
           <a:p>
             <a:r>
-              <a:rPr lang="zh-TW" altLang="en-US" smtClean="0"/>
+              <a:rPr lang="zh-TW" altLang="en-US"/>
               <a:t>按一下以編輯母片標題樣式</a:t>
             </a:r>
             <a:endParaRPr lang="en-US" dirty="0"/>
@@ -1665,35 +1664,35 @@
           <a:p>
             <a:pPr lvl="0"/>
             <a:r>
-              <a:rPr lang="zh-TW" altLang="en-US" smtClean="0"/>
+              <a:rPr lang="zh-TW" altLang="en-US"/>
               <a:t>編輯母片文字樣式</a:t>
             </a:r>
           </a:p>
           <a:p>
             <a:pPr lvl="1"/>
             <a:r>
-              <a:rPr lang="zh-TW" altLang="en-US" smtClean="0"/>
+              <a:rPr lang="zh-TW" altLang="en-US"/>
               <a:t>第二層</a:t>
             </a:r>
           </a:p>
           <a:p>
             <a:pPr lvl="2"/>
             <a:r>
-              <a:rPr lang="zh-TW" altLang="en-US" smtClean="0"/>
+              <a:rPr lang="zh-TW" altLang="en-US"/>
               <a:t>第三層</a:t>
             </a:r>
           </a:p>
           <a:p>
             <a:pPr lvl="3"/>
             <a:r>
-              <a:rPr lang="zh-TW" altLang="en-US" smtClean="0"/>
+              <a:rPr lang="zh-TW" altLang="en-US"/>
               <a:t>第四層</a:t>
             </a:r>
           </a:p>
           <a:p>
             <a:pPr lvl="4"/>
             <a:r>
-              <a:rPr lang="zh-TW" altLang="en-US" smtClean="0"/>
+              <a:rPr lang="zh-TW" altLang="en-US"/>
               <a:t>第五層</a:t>
             </a:r>
             <a:endParaRPr lang="en-US" dirty="0"/>
@@ -1815,7 +1814,7 @@
           </a:lstStyle>
           <a:p>
             <a:r>
-              <a:rPr lang="zh-TW" altLang="en-US" smtClean="0"/>
+              <a:rPr lang="zh-TW" altLang="en-US"/>
               <a:t>按一下以編輯母片標題樣式</a:t>
             </a:r>
             <a:endParaRPr lang="en-US" dirty="0"/>
@@ -1839,35 +1838,35 @@
           <a:p>
             <a:pPr lvl="0"/>
             <a:r>
-              <a:rPr lang="zh-TW" altLang="en-US" smtClean="0"/>
+              <a:rPr lang="zh-TW" altLang="en-US"/>
               <a:t>編輯母片文字樣式</a:t>
             </a:r>
           </a:p>
           <a:p>
             <a:pPr lvl="1"/>
             <a:r>
-              <a:rPr lang="zh-TW" altLang="en-US" smtClean="0"/>
+              <a:rPr lang="zh-TW" altLang="en-US"/>
               <a:t>第二層</a:t>
             </a:r>
           </a:p>
           <a:p>
             <a:pPr lvl="2"/>
             <a:r>
-              <a:rPr lang="zh-TW" altLang="en-US" smtClean="0"/>
+              <a:rPr lang="zh-TW" altLang="en-US"/>
               <a:t>第三層</a:t>
             </a:r>
           </a:p>
           <a:p>
             <a:pPr lvl="3"/>
             <a:r>
-              <a:rPr lang="zh-TW" altLang="en-US" smtClean="0"/>
+              <a:rPr lang="zh-TW" altLang="en-US"/>
               <a:t>第四層</a:t>
             </a:r>
           </a:p>
           <a:p>
             <a:pPr lvl="4"/>
             <a:r>
-              <a:rPr lang="zh-TW" altLang="en-US" smtClean="0"/>
+              <a:rPr lang="zh-TW" altLang="en-US"/>
               <a:t>第五層</a:t>
             </a:r>
             <a:endParaRPr lang="en-US" dirty="0"/>
@@ -2090,7 +2089,7 @@
           </a:lstStyle>
           <a:p>
             <a:r>
-              <a:rPr lang="zh-TW" altLang="en-US" smtClean="0"/>
+              <a:rPr lang="zh-TW" altLang="en-US"/>
               <a:t>按一下以編輯母片標題樣式</a:t>
             </a:r>
             <a:endParaRPr lang="en-US" dirty="0"/>
@@ -2211,7 +2210,7 @@
           <a:p>
             <a:pPr lvl="0"/>
             <a:r>
-              <a:rPr lang="zh-TW" altLang="en-US" smtClean="0"/>
+              <a:rPr lang="zh-TW" altLang="en-US"/>
               <a:t>編輯母片文字樣式</a:t>
             </a:r>
           </a:p>
@@ -2371,7 +2370,7 @@
           <a:lstStyle/>
           <a:p>
             <a:r>
-              <a:rPr lang="zh-TW" altLang="en-US" smtClean="0"/>
+              <a:rPr lang="zh-TW" altLang="en-US"/>
               <a:t>按一下以編輯母片標題樣式</a:t>
             </a:r>
             <a:endParaRPr lang="en-US" dirty="0"/>
@@ -2400,35 +2399,35 @@
           <a:p>
             <a:pPr lvl="0"/>
             <a:r>
-              <a:rPr lang="zh-TW" altLang="en-US" smtClean="0"/>
+              <a:rPr lang="zh-TW" altLang="en-US"/>
               <a:t>編輯母片文字樣式</a:t>
             </a:r>
           </a:p>
           <a:p>
             <a:pPr lvl="1"/>
             <a:r>
-              <a:rPr lang="zh-TW" altLang="en-US" smtClean="0"/>
+              <a:rPr lang="zh-TW" altLang="en-US"/>
               <a:t>第二層</a:t>
             </a:r>
           </a:p>
           <a:p>
             <a:pPr lvl="2"/>
             <a:r>
-              <a:rPr lang="zh-TW" altLang="en-US" smtClean="0"/>
+              <a:rPr lang="zh-TW" altLang="en-US"/>
               <a:t>第三層</a:t>
             </a:r>
           </a:p>
           <a:p>
             <a:pPr lvl="3"/>
             <a:r>
-              <a:rPr lang="zh-TW" altLang="en-US" smtClean="0"/>
+              <a:rPr lang="zh-TW" altLang="en-US"/>
               <a:t>第四層</a:t>
             </a:r>
           </a:p>
           <a:p>
             <a:pPr lvl="4"/>
             <a:r>
-              <a:rPr lang="zh-TW" altLang="en-US" smtClean="0"/>
+              <a:rPr lang="zh-TW" altLang="en-US"/>
               <a:t>第五層</a:t>
             </a:r>
             <a:endParaRPr lang="en-US" dirty="0"/>
@@ -2457,35 +2456,35 @@
           <a:p>
             <a:pPr lvl="0"/>
             <a:r>
-              <a:rPr lang="zh-TW" altLang="en-US" smtClean="0"/>
+              <a:rPr lang="zh-TW" altLang="en-US"/>
               <a:t>編輯母片文字樣式</a:t>
             </a:r>
           </a:p>
           <a:p>
             <a:pPr lvl="1"/>
             <a:r>
-              <a:rPr lang="zh-TW" altLang="en-US" smtClean="0"/>
+              <a:rPr lang="zh-TW" altLang="en-US"/>
               <a:t>第二層</a:t>
             </a:r>
           </a:p>
           <a:p>
             <a:pPr lvl="2"/>
             <a:r>
-              <a:rPr lang="zh-TW" altLang="en-US" smtClean="0"/>
+              <a:rPr lang="zh-TW" altLang="en-US"/>
               <a:t>第三層</a:t>
             </a:r>
           </a:p>
           <a:p>
             <a:pPr lvl="3"/>
             <a:r>
-              <a:rPr lang="zh-TW" altLang="en-US" smtClean="0"/>
+              <a:rPr lang="zh-TW" altLang="en-US"/>
               <a:t>第四層</a:t>
             </a:r>
           </a:p>
           <a:p>
             <a:pPr lvl="4"/>
             <a:r>
-              <a:rPr lang="zh-TW" altLang="en-US" smtClean="0"/>
+              <a:rPr lang="zh-TW" altLang="en-US"/>
               <a:t>第五層</a:t>
             </a:r>
             <a:endParaRPr lang="en-US" dirty="0"/>
@@ -2608,7 +2607,7 @@
           <a:lstStyle/>
           <a:p>
             <a:r>
-              <a:rPr lang="zh-TW" altLang="en-US" smtClean="0"/>
+              <a:rPr lang="zh-TW" altLang="en-US"/>
               <a:t>按一下以編輯母片標題樣式</a:t>
             </a:r>
             <a:endParaRPr lang="en-US" dirty="0"/>
@@ -2680,7 +2679,7 @@
           <a:p>
             <a:pPr lvl="0"/>
             <a:r>
-              <a:rPr lang="zh-TW" altLang="en-US" smtClean="0"/>
+              <a:rPr lang="zh-TW" altLang="en-US"/>
               <a:t>編輯母片文字樣式</a:t>
             </a:r>
           </a:p>
@@ -2708,35 +2707,35 @@
           <a:p>
             <a:pPr lvl="0"/>
             <a:r>
-              <a:rPr lang="zh-TW" altLang="en-US" smtClean="0"/>
+              <a:rPr lang="zh-TW" altLang="en-US"/>
               <a:t>編輯母片文字樣式</a:t>
             </a:r>
           </a:p>
           <a:p>
             <a:pPr lvl="1"/>
             <a:r>
-              <a:rPr lang="zh-TW" altLang="en-US" smtClean="0"/>
+              <a:rPr lang="zh-TW" altLang="en-US"/>
               <a:t>第二層</a:t>
             </a:r>
           </a:p>
           <a:p>
             <a:pPr lvl="2"/>
             <a:r>
-              <a:rPr lang="zh-TW" altLang="en-US" smtClean="0"/>
+              <a:rPr lang="zh-TW" altLang="en-US"/>
               <a:t>第三層</a:t>
             </a:r>
           </a:p>
           <a:p>
             <a:pPr lvl="3"/>
             <a:r>
-              <a:rPr lang="zh-TW" altLang="en-US" smtClean="0"/>
+              <a:rPr lang="zh-TW" altLang="en-US"/>
               <a:t>第四層</a:t>
             </a:r>
           </a:p>
           <a:p>
             <a:pPr lvl="4"/>
             <a:r>
-              <a:rPr lang="zh-TW" altLang="en-US" smtClean="0"/>
+              <a:rPr lang="zh-TW" altLang="en-US"/>
               <a:t>第五層</a:t>
             </a:r>
             <a:endParaRPr lang="en-US" dirty="0"/>
@@ -2808,7 +2807,7 @@
           <a:p>
             <a:pPr lvl="0"/>
             <a:r>
-              <a:rPr lang="zh-TW" altLang="en-US" smtClean="0"/>
+              <a:rPr lang="zh-TW" altLang="en-US"/>
               <a:t>編輯母片文字樣式</a:t>
             </a:r>
           </a:p>
@@ -2836,35 +2835,35 @@
           <a:p>
             <a:pPr lvl="0"/>
             <a:r>
-              <a:rPr lang="zh-TW" altLang="en-US" smtClean="0"/>
+              <a:rPr lang="zh-TW" altLang="en-US"/>
               <a:t>編輯母片文字樣式</a:t>
             </a:r>
           </a:p>
           <a:p>
             <a:pPr lvl="1"/>
             <a:r>
-              <a:rPr lang="zh-TW" altLang="en-US" smtClean="0"/>
+              <a:rPr lang="zh-TW" altLang="en-US"/>
               <a:t>第二層</a:t>
             </a:r>
           </a:p>
           <a:p>
             <a:pPr lvl="2"/>
             <a:r>
-              <a:rPr lang="zh-TW" altLang="en-US" smtClean="0"/>
+              <a:rPr lang="zh-TW" altLang="en-US"/>
               <a:t>第三層</a:t>
             </a:r>
           </a:p>
           <a:p>
             <a:pPr lvl="3"/>
             <a:r>
-              <a:rPr lang="zh-TW" altLang="en-US" smtClean="0"/>
+              <a:rPr lang="zh-TW" altLang="en-US"/>
               <a:t>第四層</a:t>
             </a:r>
           </a:p>
           <a:p>
             <a:pPr lvl="4"/>
             <a:r>
-              <a:rPr lang="zh-TW" altLang="en-US" smtClean="0"/>
+              <a:rPr lang="zh-TW" altLang="en-US"/>
               <a:t>第五層</a:t>
             </a:r>
             <a:endParaRPr lang="en-US" dirty="0"/>
@@ -2982,7 +2981,7 @@
           <a:lstStyle/>
           <a:p>
             <a:r>
-              <a:rPr lang="zh-TW" altLang="en-US" smtClean="0"/>
+              <a:rPr lang="zh-TW" altLang="en-US"/>
               <a:t>按一下以編輯母片標題樣式</a:t>
             </a:r>
             <a:endParaRPr lang="en-US" dirty="0"/>
@@ -3370,7 +3369,7 @@
           </a:lstStyle>
           <a:p>
             <a:r>
-              <a:rPr lang="zh-TW" altLang="en-US" smtClean="0"/>
+              <a:rPr lang="zh-TW" altLang="en-US"/>
               <a:t>按一下以編輯母片標題樣式</a:t>
             </a:r>
             <a:endParaRPr lang="en-US" dirty="0"/>
@@ -3399,35 +3398,35 @@
           <a:p>
             <a:pPr lvl="0"/>
             <a:r>
-              <a:rPr lang="zh-TW" altLang="en-US" smtClean="0"/>
+              <a:rPr lang="zh-TW" altLang="en-US"/>
               <a:t>編輯母片文字樣式</a:t>
             </a:r>
           </a:p>
           <a:p>
             <a:pPr lvl="1"/>
             <a:r>
-              <a:rPr lang="zh-TW" altLang="en-US" smtClean="0"/>
+              <a:rPr lang="zh-TW" altLang="en-US"/>
               <a:t>第二層</a:t>
             </a:r>
           </a:p>
           <a:p>
             <a:pPr lvl="2"/>
             <a:r>
-              <a:rPr lang="zh-TW" altLang="en-US" smtClean="0"/>
+              <a:rPr lang="zh-TW" altLang="en-US"/>
               <a:t>第三層</a:t>
             </a:r>
           </a:p>
           <a:p>
             <a:pPr lvl="3"/>
             <a:r>
-              <a:rPr lang="zh-TW" altLang="en-US" smtClean="0"/>
+              <a:rPr lang="zh-TW" altLang="en-US"/>
               <a:t>第四層</a:t>
             </a:r>
           </a:p>
           <a:p>
             <a:pPr lvl="4"/>
             <a:r>
-              <a:rPr lang="zh-TW" altLang="en-US" smtClean="0"/>
+              <a:rPr lang="zh-TW" altLang="en-US"/>
               <a:t>第五層</a:t>
             </a:r>
             <a:endParaRPr lang="en-US" dirty="0"/>
@@ -3499,7 +3498,7 @@
           <a:p>
             <a:pPr lvl="0"/>
             <a:r>
-              <a:rPr lang="zh-TW" altLang="en-US" smtClean="0"/>
+              <a:rPr lang="zh-TW" altLang="en-US"/>
               <a:t>編輯母片文字樣式</a:t>
             </a:r>
           </a:p>
@@ -3737,7 +3736,7 @@
           </a:lstStyle>
           <a:p>
             <a:r>
-              <a:rPr lang="zh-TW" altLang="en-US" smtClean="0"/>
+              <a:rPr lang="zh-TW" altLang="en-US"/>
               <a:t>按一下以編輯母片標題樣式</a:t>
             </a:r>
             <a:endParaRPr lang="en-US" dirty="0"/>
@@ -3812,7 +3811,7 @@
           </a:lstStyle>
           <a:p>
             <a:r>
-              <a:rPr lang="zh-TW" altLang="en-US" smtClean="0"/>
+              <a:rPr lang="zh-TW" altLang="en-US"/>
               <a:t>按一下圖示以新增圖片</a:t>
             </a:r>
             <a:endParaRPr lang="en-US" dirty="0"/>
@@ -3890,7 +3889,7 @@
           <a:p>
             <a:pPr lvl="0"/>
             <a:r>
-              <a:rPr lang="zh-TW" altLang="en-US" smtClean="0"/>
+              <a:rPr lang="zh-TW" altLang="en-US"/>
               <a:t>編輯母片文字樣式</a:t>
             </a:r>
           </a:p>
@@ -4098,7 +4097,7 @@
           <a:lstStyle/>
           <a:p>
             <a:r>
-              <a:rPr lang="zh-TW" altLang="en-US" smtClean="0"/>
+              <a:rPr lang="zh-TW" altLang="en-US"/>
               <a:t>按一下以編輯母片標題樣式</a:t>
             </a:r>
             <a:endParaRPr lang="en-US" dirty="0"/>
@@ -4132,35 +4131,35 @@
           <a:p>
             <a:pPr lvl="0"/>
             <a:r>
-              <a:rPr lang="zh-TW" altLang="en-US" smtClean="0"/>
+              <a:rPr lang="zh-TW" altLang="en-US"/>
               <a:t>編輯母片文字樣式</a:t>
             </a:r>
           </a:p>
           <a:p>
             <a:pPr lvl="1"/>
             <a:r>
-              <a:rPr lang="zh-TW" altLang="en-US" smtClean="0"/>
+              <a:rPr lang="zh-TW" altLang="en-US"/>
               <a:t>第二層</a:t>
             </a:r>
           </a:p>
           <a:p>
             <a:pPr lvl="2"/>
             <a:r>
-              <a:rPr lang="zh-TW" altLang="en-US" smtClean="0"/>
+              <a:rPr lang="zh-TW" altLang="en-US"/>
               <a:t>第三層</a:t>
             </a:r>
           </a:p>
           <a:p>
             <a:pPr lvl="3"/>
             <a:r>
-              <a:rPr lang="zh-TW" altLang="en-US" smtClean="0"/>
+              <a:rPr lang="zh-TW" altLang="en-US"/>
               <a:t>第四層</a:t>
             </a:r>
           </a:p>
           <a:p>
             <a:pPr lvl="4"/>
             <a:r>
-              <a:rPr lang="zh-TW" altLang="en-US" smtClean="0"/>
+              <a:rPr lang="zh-TW" altLang="en-US"/>
               <a:t>第五層</a:t>
             </a:r>
             <a:endParaRPr lang="en-US" dirty="0"/>
@@ -4745,7 +4744,7 @@
           <a:lstStyle/>
           <a:p>
             <a:r>
-              <a:rPr lang="en-US" altLang="zh-TW" dirty="0" smtClean="0"/>
+              <a:rPr lang="en-US" altLang="zh-TW" dirty="0"/>
               <a:t>INFO5100 Final Project</a:t>
             </a:r>
             <a:endParaRPr lang="zh-TW" altLang="en-US" dirty="0"/>
@@ -4775,14 +4774,14 @@
           <a:lstStyle/>
           <a:p>
             <a:r>
-              <a:rPr lang="en-US" altLang="zh-TW" dirty="0" smtClean="0"/>
+              <a:rPr lang="en-US" altLang="zh-TW" dirty="0"/>
               <a:t>Team Name: </a:t>
             </a:r>
             <a:r>
-              <a:rPr lang="en-US" altLang="zh-TW" dirty="0" err="1" smtClean="0"/>
+              <a:rPr lang="en-US" altLang="zh-TW" dirty="0" err="1"/>
               <a:t>TeamName</a:t>
             </a:r>
-            <a:endParaRPr lang="en-US" altLang="zh-TW" dirty="0" smtClean="0"/>
+            <a:endParaRPr lang="en-US" altLang="zh-TW" dirty="0"/>
           </a:p>
         </p:txBody>
       </p:sp>
@@ -4809,63 +4808,55 @@
           <a:lstStyle/>
           <a:p>
             <a:r>
-              <a:rPr lang="en-US" altLang="zh-TW" dirty="0" err="1" smtClean="0"/>
+              <a:rPr lang="en-US" altLang="zh-TW" dirty="0" err="1"/>
               <a:t>Memebers</a:t>
             </a:r>
             <a:r>
-              <a:rPr lang="en-US" altLang="zh-TW" dirty="0" smtClean="0"/>
+              <a:rPr lang="en-US" altLang="zh-TW" dirty="0"/>
               <a:t>: Lin, </a:t>
             </a:r>
             <a:r>
-              <a:rPr lang="en-US" altLang="zh-TW" dirty="0" err="1" smtClean="0"/>
+              <a:rPr lang="en-US" altLang="zh-TW" dirty="0" err="1"/>
               <a:t>LiangYen</a:t>
             </a:r>
             <a:r>
-              <a:rPr lang="en-US" altLang="zh-TW" dirty="0" smtClean="0"/>
+              <a:rPr lang="en-US" altLang="zh-TW" dirty="0"/>
               <a:t>/  001304148</a:t>
             </a:r>
           </a:p>
           <a:p>
             <a:r>
               <a:rPr lang="en-US" altLang="zh-TW" dirty="0"/>
-              <a:t>	</a:t>
-            </a:r>
-            <a:r>
-              <a:rPr lang="en-US" altLang="zh-TW" dirty="0" smtClean="0"/>
-              <a:t>	    Tsai, </a:t>
-            </a:r>
-            <a:r>
-              <a:rPr lang="en-US" altLang="zh-TW" dirty="0" err="1" smtClean="0"/>
+              <a:t>		    Tsai, </a:t>
+            </a:r>
+            <a:r>
+              <a:rPr lang="en-US" altLang="zh-TW" dirty="0" err="1"/>
               <a:t>YuTing</a:t>
             </a:r>
             <a:r>
-              <a:rPr lang="en-US" altLang="zh-TW" dirty="0" smtClean="0"/>
+              <a:rPr lang="en-US" altLang="zh-TW" dirty="0"/>
               <a:t> /   001304955</a:t>
             </a:r>
           </a:p>
           <a:p>
             <a:r>
               <a:rPr lang="en-US" altLang="zh-TW" dirty="0"/>
-              <a:t>	</a:t>
-            </a:r>
-            <a:r>
-              <a:rPr lang="en-US" altLang="zh-TW" dirty="0" smtClean="0"/>
-              <a:t>	    </a:t>
-            </a:r>
-            <a:r>
-              <a:rPr lang="en-US" altLang="zh-TW" dirty="0" err="1" smtClean="0"/>
+              <a:t>		    </a:t>
+            </a:r>
+            <a:r>
+              <a:rPr lang="en-US" altLang="zh-TW" dirty="0" err="1"/>
               <a:t>Kuo</a:t>
             </a:r>
             <a:r>
-              <a:rPr lang="en-US" altLang="zh-TW" dirty="0" smtClean="0"/>
+              <a:rPr lang="en-US" altLang="zh-TW" dirty="0"/>
               <a:t>, </a:t>
             </a:r>
             <a:r>
-              <a:rPr lang="en-US" altLang="zh-TW" dirty="0" err="1" smtClean="0"/>
+              <a:rPr lang="en-US" altLang="zh-TW" dirty="0" err="1"/>
               <a:t>DahWei</a:t>
             </a:r>
             <a:r>
-              <a:rPr lang="en-US" altLang="zh-TW" dirty="0" smtClean="0"/>
+              <a:rPr lang="en-US" altLang="zh-TW" dirty="0"/>
               <a:t>/  001372878</a:t>
             </a:r>
             <a:endParaRPr lang="zh-TW" altLang="en-US" dirty="0"/>
@@ -4882,13 +4873,6 @@
   <p:clrMapOvr>
     <a:masterClrMapping/>
   </p:clrMapOvr>
-  <p:timing>
-    <p:tnLst>
-      <p:par>
-        <p:cTn id="1" dur="indefinite" restart="never" nodeType="tmRoot"/>
-      </p:par>
-    </p:tnLst>
-  </p:timing>
 </p:sld>
 </file>
 
@@ -4932,7 +4916,7 @@
           <a:lstStyle/>
           <a:p>
             <a:r>
-              <a:rPr lang="en-US" altLang="zh-TW" dirty="0" smtClean="0"/>
+              <a:rPr lang="en-US" altLang="zh-TW" dirty="0"/>
               <a:t>Work Request (Room Offer)</a:t>
             </a:r>
             <a:endParaRPr lang="zh-TW" altLang="en-US" dirty="0"/>
@@ -5347,7 +5331,7 @@
           <a:lstStyle/>
           <a:p>
             <a:r>
-              <a:rPr lang="en-US" altLang="zh-TW" dirty="0" smtClean="0"/>
+              <a:rPr lang="en-US" altLang="zh-TW" dirty="0"/>
               <a:t>Work flow of room:</a:t>
             </a:r>
             <a:endParaRPr lang="zh-TW" altLang="en-US" dirty="0"/>
@@ -5373,7 +5357,7 @@
               <a:buFont typeface="Wingdings" panose="05000000000000000000" pitchFamily="2" charset="2"/>
               <a:buChar char="l"/>
             </a:pPr>
-            <a:endParaRPr lang="en-US" altLang="zh-TW" dirty="0" smtClean="0"/>
+            <a:endParaRPr lang="en-US" altLang="zh-TW" dirty="0"/>
           </a:p>
           <a:p>
             <a:pPr>
@@ -5381,20 +5365,13 @@
               <a:buChar char="l"/>
             </a:pPr>
             <a:r>
-              <a:rPr lang="en-US" altLang="zh-TW" dirty="0" smtClean="0"/>
+              <a:rPr lang="en-US" altLang="zh-TW" dirty="0"/>
               <a:t> </a:t>
             </a:r>
             <a:r>
-              <a:rPr lang="en-US" altLang="zh-TW" sz="2400" dirty="0" smtClean="0"/>
+              <a:rPr lang="en-US" altLang="zh-TW" sz="2400" dirty="0"/>
               <a:t>Company/ Person offers room. (Status: Under review)</a:t>
             </a:r>
-          </a:p>
-          <a:p>
-            <a:pPr>
-              <a:buFont typeface="Wingdings" panose="05000000000000000000" pitchFamily="2" charset="2"/>
-              <a:buChar char="l"/>
-            </a:pPr>
-            <a:endParaRPr lang="en-US" altLang="zh-TW" sz="2400" dirty="0" smtClean="0"/>
           </a:p>
           <a:p>
             <a:pPr>
@@ -5408,17 +5385,17 @@
               <a:buFont typeface="Wingdings" panose="05000000000000000000" pitchFamily="2" charset="2"/>
               <a:buChar char="l"/>
             </a:pPr>
-            <a:r>
-              <a:rPr lang="en-US" altLang="zh-TW" sz="2400" dirty="0" smtClean="0"/>
-              <a:t> Room organization can approve the rooms offered.</a:t>
-            </a:r>
+            <a:endParaRPr lang="en-US" altLang="zh-TW" sz="2400" dirty="0"/>
           </a:p>
           <a:p>
             <a:pPr>
               <a:buFont typeface="Wingdings" panose="05000000000000000000" pitchFamily="2" charset="2"/>
               <a:buChar char="l"/>
             </a:pPr>
-            <a:endParaRPr lang="en-US" altLang="zh-TW" sz="2400" dirty="0" smtClean="0"/>
+            <a:r>
+              <a:rPr lang="en-US" altLang="zh-TW" sz="2400" dirty="0"/>
+              <a:t> Room organization can approve the rooms offered.</a:t>
+            </a:r>
           </a:p>
           <a:p>
             <a:pPr>
@@ -5432,17 +5409,24 @@
               <a:buFont typeface="Wingdings" panose="05000000000000000000" pitchFamily="2" charset="2"/>
               <a:buChar char="l"/>
             </a:pPr>
-            <a:r>
-              <a:rPr lang="en-US" altLang="zh-TW" sz="2400" dirty="0" smtClean="0"/>
-              <a:t> Company/ Person offered room status becomes approved.</a:t>
-            </a:r>
+            <a:endParaRPr lang="en-US" altLang="zh-TW" sz="2400" dirty="0"/>
           </a:p>
           <a:p>
             <a:pPr>
               <a:buFont typeface="Wingdings" panose="05000000000000000000" pitchFamily="2" charset="2"/>
               <a:buChar char="l"/>
             </a:pPr>
-            <a:endParaRPr lang="en-US" altLang="zh-TW" dirty="0" smtClean="0"/>
+            <a:r>
+              <a:rPr lang="en-US" altLang="zh-TW" sz="2400" dirty="0"/>
+              <a:t> Company/ Person offered room status becomes approved.</a:t>
+            </a:r>
+          </a:p>
+          <a:p>
+            <a:pPr>
+              <a:buFont typeface="Wingdings" panose="05000000000000000000" pitchFamily="2" charset="2"/>
+              <a:buChar char="l"/>
+            </a:pPr>
+            <a:endParaRPr lang="en-US" altLang="zh-TW" dirty="0"/>
           </a:p>
         </p:txBody>
       </p:sp>
@@ -5504,13 +5488,6 @@
   <p:clrMapOvr>
     <a:masterClrMapping/>
   </p:clrMapOvr>
-  <p:timing>
-    <p:tnLst>
-      <p:par>
-        <p:cTn id="1" dur="indefinite" restart="never" nodeType="tmRoot"/>
-      </p:par>
-    </p:tnLst>
-  </p:timing>
 </p:sld>
 </file>
 
@@ -5547,7 +5524,7 @@
           <a:lstStyle/>
           <a:p>
             <a:r>
-              <a:rPr lang="en-US" altLang="zh-TW" dirty="0" smtClean="0"/>
+              <a:rPr lang="en-US" altLang="zh-TW" dirty="0"/>
               <a:t>Work Requests (client book a room)</a:t>
             </a:r>
             <a:endParaRPr lang="zh-TW" altLang="en-US" dirty="0"/>
@@ -6222,7 +6199,7 @@
           <a:lstStyle/>
           <a:p>
             <a:r>
-              <a:rPr lang="en-US" altLang="zh-TW" dirty="0" smtClean="0"/>
+              <a:rPr lang="en-US" altLang="zh-TW" dirty="0"/>
               <a:t>Matching Organization:</a:t>
             </a:r>
             <a:endParaRPr lang="zh-TW" altLang="en-US" dirty="0"/>
@@ -6610,7 +6587,7 @@
           <a:lstStyle/>
           <a:p>
             <a:r>
-              <a:rPr lang="en-US" altLang="zh-TW" dirty="0" smtClean="0"/>
+              <a:rPr lang="en-US" altLang="zh-TW" dirty="0"/>
               <a:t>Work flow of applying a room:</a:t>
             </a:r>
             <a:endParaRPr lang="zh-TW" altLang="en-US" dirty="0"/>
@@ -6642,7 +6619,7 @@
               <a:buChar char="l"/>
             </a:pPr>
             <a:r>
-              <a:rPr lang="en-US" altLang="zh-TW" dirty="0" smtClean="0"/>
+              <a:rPr lang="en-US" altLang="zh-TW" dirty="0"/>
               <a:t> Client should set up an account first, then apply for a room. (Status : under review)</a:t>
             </a:r>
           </a:p>
@@ -6659,29 +6636,8 @@
               <a:buChar char="l"/>
             </a:pPr>
             <a:r>
-              <a:rPr lang="en-US" altLang="zh-TW" dirty="0" smtClean="0"/>
+              <a:rPr lang="en-US" altLang="zh-TW" dirty="0"/>
               <a:t> Patient organization can approve the application of a client.</a:t>
-            </a:r>
-          </a:p>
-          <a:p>
-            <a:pPr>
-              <a:buFont typeface="Wingdings" panose="05000000000000000000" pitchFamily="2" charset="2"/>
-              <a:buChar char="l"/>
-            </a:pPr>
-            <a:endParaRPr lang="en-US" altLang="zh-TW" dirty="0" smtClean="0"/>
-          </a:p>
-          <a:p>
-            <a:pPr>
-              <a:buFont typeface="Wingdings" panose="05000000000000000000" pitchFamily="2" charset="2"/>
-              <a:buChar char="l"/>
-            </a:pPr>
-            <a:r>
-              <a:rPr lang="en-US" altLang="zh-TW" dirty="0"/>
-              <a:t> </a:t>
-            </a:r>
-            <a:r>
-              <a:rPr lang="en-US" altLang="zh-TW" dirty="0" smtClean="0"/>
-              <a:t>Matching organization can match the room and the clients.</a:t>
             </a:r>
           </a:p>
           <a:p>
@@ -6697,17 +6653,33 @@
               <a:buChar char="l"/>
             </a:pPr>
             <a:r>
-              <a:rPr lang="en-US" altLang="zh-TW" dirty="0" smtClean="0"/>
-              <a:t>When successfully matched, the status becomes approved!</a:t>
-            </a:r>
-            <a:endParaRPr lang="en-US" altLang="zh-TW" dirty="0"/>
+              <a:rPr lang="en-US" altLang="zh-TW" dirty="0"/>
+              <a:t> Matching organization can match the room and the clients.</a:t>
+            </a:r>
           </a:p>
           <a:p>
             <a:pPr>
               <a:buFont typeface="Wingdings" panose="05000000000000000000" pitchFamily="2" charset="2"/>
               <a:buChar char="l"/>
             </a:pPr>
-            <a:endParaRPr lang="en-US" altLang="zh-TW" dirty="0" smtClean="0"/>
+            <a:endParaRPr lang="en-US" altLang="zh-TW" dirty="0"/>
+          </a:p>
+          <a:p>
+            <a:pPr>
+              <a:buFont typeface="Wingdings" panose="05000000000000000000" pitchFamily="2" charset="2"/>
+              <a:buChar char="l"/>
+            </a:pPr>
+            <a:r>
+              <a:rPr lang="en-US" altLang="zh-TW" dirty="0"/>
+              <a:t>When successfully matched, the status becomes approved!</a:t>
+            </a:r>
+          </a:p>
+          <a:p>
+            <a:pPr>
+              <a:buFont typeface="Wingdings" panose="05000000000000000000" pitchFamily="2" charset="2"/>
+              <a:buChar char="l"/>
+            </a:pPr>
+            <a:endParaRPr lang="en-US" altLang="zh-TW" dirty="0"/>
           </a:p>
           <a:p>
             <a:pPr>
@@ -6834,13 +6806,6 @@
   <p:clrMapOvr>
     <a:masterClrMapping/>
   </p:clrMapOvr>
-  <p:timing>
-    <p:tnLst>
-      <p:par>
-        <p:cTn id="1" dur="indefinite" restart="never" nodeType="tmRoot"/>
-      </p:par>
-    </p:tnLst>
-  </p:timing>
 </p:sld>
 </file>
 
@@ -6877,7 +6842,7 @@
           <a:lstStyle/>
           <a:p>
             <a:r>
-              <a:rPr lang="en-US" altLang="zh-TW" dirty="0" smtClean="0"/>
+              <a:rPr lang="en-US" altLang="zh-TW" dirty="0"/>
               <a:t>Global Level</a:t>
             </a:r>
             <a:endParaRPr lang="zh-TW" altLang="en-US" dirty="0"/>
@@ -6906,7 +6871,7 @@
               <a:buChar char="u"/>
             </a:pPr>
             <a:r>
-              <a:rPr lang="en-US" altLang="zh-TW" sz="2400" dirty="0" smtClean="0"/>
+              <a:rPr lang="en-US" altLang="zh-TW" sz="2400" dirty="0"/>
               <a:t> Global companies like Google, Facebook, Apple, they can be the funding enterprises. </a:t>
             </a:r>
           </a:p>
@@ -6923,7 +6888,7 @@
               <a:buChar char="u"/>
             </a:pPr>
             <a:r>
-              <a:rPr lang="en-US" altLang="zh-TW" sz="2400" dirty="0" smtClean="0"/>
+              <a:rPr lang="en-US" altLang="zh-TW" sz="2400" dirty="0"/>
               <a:t> With the help of local coordinate enterprises, this system can be spread around the world. </a:t>
             </a:r>
             <a:endParaRPr lang="zh-TW" altLang="en-US" sz="2400" dirty="0"/>
@@ -6940,13 +6905,6 @@
   <p:clrMapOvr>
     <a:masterClrMapping/>
   </p:clrMapOvr>
-  <p:timing>
-    <p:tnLst>
-      <p:par>
-        <p:cTn id="1" dur="indefinite" restart="never" nodeType="tmRoot"/>
-      </p:par>
-    </p:tnLst>
-  </p:timing>
 </p:sld>
 </file>
 
@@ -6991,7 +6949,7 @@
           <a:p>
             <a:pPr algn="ctr"/>
             <a:r>
-              <a:rPr lang="en-US" altLang="zh-TW" sz="2600" dirty="0" smtClean="0"/>
+              <a:rPr lang="en-US" altLang="zh-TW" sz="2600" dirty="0"/>
               <a:t>Thanks for your time! </a:t>
             </a:r>
             <a:endParaRPr lang="zh-TW" altLang="en-US" sz="2600" dirty="0"/>
@@ -7056,13 +7014,6 @@
   <p:clrMapOvr>
     <a:masterClrMapping/>
   </p:clrMapOvr>
-  <p:timing>
-    <p:tnLst>
-      <p:par>
-        <p:cTn id="1" dur="indefinite" restart="never" nodeType="tmRoot"/>
-      </p:par>
-    </p:tnLst>
-  </p:timing>
 </p:sld>
 </file>
 
@@ -7099,7 +7050,7 @@
           <a:lstStyle/>
           <a:p>
             <a:r>
-              <a:rPr lang="en-US" altLang="zh-TW" dirty="0" smtClean="0"/>
+              <a:rPr lang="en-US" altLang="zh-TW" dirty="0"/>
               <a:t>Outline</a:t>
             </a:r>
             <a:endParaRPr lang="zh-TW" altLang="en-US" dirty="0"/>
@@ -7131,14 +7082,14 @@
               <a:buChar char="ü"/>
             </a:pPr>
             <a:r>
-              <a:rPr lang="en-US" altLang="zh-TW" dirty="0" smtClean="0"/>
+              <a:rPr lang="en-US" altLang="zh-TW" dirty="0"/>
               <a:t> </a:t>
             </a:r>
             <a:r>
-              <a:rPr lang="en-US" altLang="zh-TW" dirty="0" err="1" smtClean="0"/>
+              <a:rPr lang="en-US" altLang="zh-TW" dirty="0" err="1"/>
               <a:t>Prolem</a:t>
             </a:r>
-            <a:endParaRPr lang="en-US" altLang="zh-TW" dirty="0" smtClean="0"/>
+            <a:endParaRPr lang="en-US" altLang="zh-TW" dirty="0"/>
           </a:p>
           <a:p>
             <a:pPr>
@@ -7146,7 +7097,7 @@
               <a:buChar char="ü"/>
             </a:pPr>
             <a:r>
-              <a:rPr lang="en-US" altLang="zh-TW" dirty="0" smtClean="0"/>
+              <a:rPr lang="en-US" altLang="zh-TW" dirty="0"/>
               <a:t> Solution</a:t>
             </a:r>
           </a:p>
@@ -7156,7 +7107,7 @@
               <a:buChar char="ü"/>
             </a:pPr>
             <a:r>
-              <a:rPr lang="en-US" altLang="zh-TW" dirty="0" smtClean="0"/>
+              <a:rPr lang="en-US" altLang="zh-TW" dirty="0"/>
               <a:t> Intro to Our Application : </a:t>
             </a:r>
           </a:p>
@@ -7176,7 +7127,7 @@
               <a:buChar char="•"/>
             </a:pPr>
             <a:r>
-              <a:rPr lang="en-US" altLang="zh-TW" sz="2000" dirty="0" smtClean="0"/>
+              <a:rPr lang="en-US" altLang="zh-TW" sz="2000" dirty="0"/>
               <a:t>Architecture</a:t>
             </a:r>
           </a:p>
@@ -7186,7 +7137,7 @@
               <a:buChar char="•"/>
             </a:pPr>
             <a:r>
-              <a:rPr lang="en-US" altLang="zh-TW" sz="2000" dirty="0" smtClean="0"/>
+              <a:rPr lang="en-US" altLang="zh-TW" sz="2000" dirty="0"/>
               <a:t>Enterprises and Organizations</a:t>
             </a:r>
           </a:p>
@@ -7196,7 +7147,7 @@
               <a:buChar char="•"/>
             </a:pPr>
             <a:r>
-              <a:rPr lang="en-US" altLang="zh-TW" sz="2000" dirty="0" smtClean="0"/>
+              <a:rPr lang="en-US" altLang="zh-TW" sz="2000" dirty="0"/>
               <a:t>Screenshots &amp; work flows/ work requests</a:t>
             </a:r>
           </a:p>
@@ -7206,7 +7157,7 @@
               <a:buChar char="ü"/>
             </a:pPr>
             <a:r>
-              <a:rPr lang="en-US" altLang="zh-TW" dirty="0" smtClean="0"/>
+              <a:rPr lang="en-US" altLang="zh-TW" dirty="0"/>
               <a:t> Global level</a:t>
             </a:r>
           </a:p>
@@ -7216,12 +7167,12 @@
               <a:buChar char="ü"/>
             </a:pPr>
             <a:r>
-              <a:rPr lang="en-US" altLang="zh-TW" dirty="0" smtClean="0"/>
+              <a:rPr lang="en-US" altLang="zh-TW" dirty="0"/>
               <a:t> Demo</a:t>
             </a:r>
           </a:p>
           <a:p>
-            <a:endParaRPr lang="en-US" altLang="zh-TW" dirty="0" smtClean="0"/>
+            <a:endParaRPr lang="en-US" altLang="zh-TW" dirty="0"/>
           </a:p>
         </p:txBody>
       </p:sp>
@@ -7235,13 +7186,6 @@
   <p:clrMapOvr>
     <a:masterClrMapping/>
   </p:clrMapOvr>
-  <p:timing>
-    <p:tnLst>
-      <p:par>
-        <p:cTn id="1" dur="indefinite" restart="never" nodeType="tmRoot"/>
-      </p:par>
-    </p:tnLst>
-  </p:timing>
 </p:sld>
 </file>
 
@@ -7278,7 +7222,7 @@
           <a:lstStyle/>
           <a:p>
             <a:r>
-              <a:rPr lang="en-US" altLang="zh-TW" dirty="0" smtClean="0"/>
+              <a:rPr lang="en-US" altLang="zh-TW" dirty="0"/>
               <a:t>Problem</a:t>
             </a:r>
             <a:endParaRPr lang="zh-TW" altLang="en-US" dirty="0"/>
@@ -7312,7 +7256,7 @@
               <a:buChar char="u"/>
             </a:pPr>
             <a:r>
-              <a:rPr lang="en-US" altLang="zh-TW" sz="2400" dirty="0" smtClean="0"/>
+              <a:rPr lang="en-US" altLang="zh-TW" sz="2400" dirty="0"/>
               <a:t>Due to resource inequality, people live in remote area  cannot receive proper         medical treatment.</a:t>
             </a:r>
           </a:p>
@@ -7329,7 +7273,7 @@
               <a:buChar char="u"/>
             </a:pPr>
             <a:r>
-              <a:rPr lang="en-US" altLang="zh-TW" sz="2400" dirty="0" smtClean="0"/>
+              <a:rPr lang="en-US" altLang="zh-TW" sz="2400" dirty="0"/>
               <a:t>People who are poor can’t afford medical treatment fee, even if they can, most of them cannot afford the hotel fee when they search for a better medical treatment in a big city.</a:t>
             </a:r>
             <a:endParaRPr lang="zh-TW" altLang="en-US" sz="2400" dirty="0"/>
@@ -7346,13 +7290,6 @@
   <p:clrMapOvr>
     <a:masterClrMapping/>
   </p:clrMapOvr>
-  <p:timing>
-    <p:tnLst>
-      <p:par>
-        <p:cTn id="1" dur="indefinite" restart="never" nodeType="tmRoot"/>
-      </p:par>
-    </p:tnLst>
-  </p:timing>
 </p:sld>
 </file>
 
@@ -7389,7 +7326,7 @@
           <a:lstStyle/>
           <a:p>
             <a:r>
-              <a:rPr lang="en-US" altLang="zh-TW" dirty="0" smtClean="0"/>
+              <a:rPr lang="en-US" altLang="zh-TW" dirty="0"/>
               <a:t>Solution</a:t>
             </a:r>
             <a:endParaRPr lang="zh-TW" altLang="en-US" dirty="0"/>
@@ -7418,7 +7355,7 @@
               <a:buChar char="u"/>
             </a:pPr>
             <a:r>
-              <a:rPr lang="en-US" altLang="zh-TW" sz="2400" dirty="0" smtClean="0"/>
+              <a:rPr lang="en-US" altLang="zh-TW" sz="2400" dirty="0"/>
               <a:t> Ronald McDonald’s House Charities (RMHC) has solved some of the housing problems when people search for medical treatment. However, they did not allow personal housing offered.</a:t>
             </a:r>
           </a:p>
@@ -7436,11 +7373,7 @@
             </a:pPr>
             <a:r>
               <a:rPr lang="en-US" altLang="zh-TW" sz="2400" dirty="0"/>
-              <a:t> </a:t>
-            </a:r>
-            <a:r>
-              <a:rPr lang="en-US" altLang="zh-TW" sz="2400" dirty="0" smtClean="0"/>
-              <a:t>We believe that kind people can also provide free rooms for those who cannot afford the hotel. So we combine the idea of Airbnb and RMHC.</a:t>
+              <a:t> We believe that kind people can also provide free rooms for those who cannot afford the hotel. So we combine the idea of Airbnb and RMHC.</a:t>
             </a:r>
           </a:p>
           <a:p>
@@ -7448,7 +7381,7 @@
               <a:buFont typeface="Wingdings" panose="05000000000000000000" pitchFamily="2" charset="2"/>
               <a:buChar char="u"/>
             </a:pPr>
-            <a:endParaRPr lang="en-US" altLang="zh-TW" sz="2400" dirty="0" smtClean="0"/>
+            <a:endParaRPr lang="en-US" altLang="zh-TW" sz="2400" dirty="0"/>
           </a:p>
           <a:p>
             <a:pPr>
@@ -7456,7 +7389,7 @@
               <a:buChar char="u"/>
             </a:pPr>
             <a:r>
-              <a:rPr lang="en-US" altLang="zh-TW" sz="2400" dirty="0" smtClean="0"/>
+              <a:rPr lang="en-US" altLang="zh-TW" sz="2400" dirty="0"/>
               <a:t> With proper management, we can help a patient/ patient’s family, by providing them a suitable room.</a:t>
             </a:r>
             <a:endParaRPr lang="zh-TW" altLang="en-US" sz="2400" dirty="0"/>
@@ -7473,13 +7406,6 @@
   <p:clrMapOvr>
     <a:masterClrMapping/>
   </p:clrMapOvr>
-  <p:timing>
-    <p:tnLst>
-      <p:par>
-        <p:cTn id="1" dur="indefinite" restart="never" nodeType="tmRoot"/>
-      </p:par>
-    </p:tnLst>
-  </p:timing>
 </p:sld>
 </file>
 
@@ -7516,7 +7442,7 @@
           <a:lstStyle/>
           <a:p>
             <a:r>
-              <a:rPr lang="en-US" altLang="zh-TW" dirty="0" smtClean="0"/>
+              <a:rPr lang="en-US" altLang="zh-TW" dirty="0"/>
               <a:t>Intro to Our Application</a:t>
             </a:r>
             <a:endParaRPr lang="zh-TW" altLang="en-US" dirty="0"/>
@@ -7541,7 +7467,7 @@
           <a:lstStyle/>
           <a:p>
             <a:r>
-              <a:rPr lang="en-US" altLang="zh-TW" sz="2400" dirty="0" smtClean="0"/>
+              <a:rPr lang="en-US" altLang="zh-TW" sz="2400" dirty="0"/>
               <a:t>Basic concept of the system:</a:t>
             </a:r>
           </a:p>
@@ -7554,16 +7480,8 @@
               <a:buChar char="u"/>
             </a:pPr>
             <a:r>
-              <a:rPr lang="en-US" altLang="zh-TW" sz="2400" dirty="0" smtClean="0"/>
-              <a:t> </a:t>
-            </a:r>
-            <a:r>
               <a:rPr lang="en-US" altLang="zh-TW" sz="2400" dirty="0"/>
-              <a:t>A</a:t>
-            </a:r>
-            <a:r>
-              <a:rPr lang="en-US" altLang="zh-TW" sz="2400" dirty="0" smtClean="0"/>
-              <a:t>llows people or company to offer their rooms for people who need it.</a:t>
+              <a:t> Allows people or company to offer their rooms for people who need it.</a:t>
             </a:r>
           </a:p>
           <a:p>
@@ -7573,11 +7491,7 @@
             </a:pPr>
             <a:r>
               <a:rPr lang="en-US" altLang="zh-TW" sz="2400" dirty="0"/>
-              <a:t> </a:t>
-            </a:r>
-            <a:r>
-              <a:rPr lang="en-US" altLang="zh-TW" sz="2400" dirty="0" smtClean="0"/>
-              <a:t>Allows people who need it to apply for a room.</a:t>
+              <a:t> Allows people who need it to apply for a room.</a:t>
             </a:r>
           </a:p>
           <a:p>
@@ -7586,7 +7500,7 @@
               <a:buChar char="u"/>
             </a:pPr>
             <a:r>
-              <a:rPr lang="en-US" altLang="zh-TW" sz="2400" dirty="0" smtClean="0"/>
+              <a:rPr lang="en-US" altLang="zh-TW" sz="2400" dirty="0"/>
               <a:t> Coordinate enterprise can approved the rooms offered by companies/person,</a:t>
             </a:r>
           </a:p>
@@ -7596,11 +7510,7 @@
             </a:pPr>
             <a:r>
               <a:rPr lang="en-US" altLang="zh-TW" sz="2400" dirty="0"/>
-              <a:t> </a:t>
-            </a:r>
-            <a:r>
-              <a:rPr lang="en-US" altLang="zh-TW" sz="2400" dirty="0" smtClean="0"/>
-              <a:t>    and the applications from clients/patients.</a:t>
+              <a:t>     and the applications from clients/patients.</a:t>
             </a:r>
           </a:p>
           <a:p>
@@ -7609,7 +7519,7 @@
               <a:buChar char="u"/>
             </a:pPr>
             <a:r>
-              <a:rPr lang="en-US" altLang="zh-TW" sz="2400" dirty="0" smtClean="0"/>
+              <a:rPr lang="en-US" altLang="zh-TW" sz="2400" dirty="0"/>
               <a:t> Coordinate enterprise can match the rooms for the clients.</a:t>
             </a:r>
           </a:p>
@@ -7618,7 +7528,7 @@
               <a:buFont typeface="Wingdings" panose="05000000000000000000" pitchFamily="2" charset="2"/>
               <a:buChar char="u"/>
             </a:pPr>
-            <a:endParaRPr lang="en-US" altLang="zh-TW" sz="2400" dirty="0" smtClean="0"/>
+            <a:endParaRPr lang="en-US" altLang="zh-TW" sz="2400" dirty="0"/>
           </a:p>
           <a:p>
             <a:pPr>
@@ -7639,13 +7549,6 @@
   <p:clrMapOvr>
     <a:masterClrMapping/>
   </p:clrMapOvr>
-  <p:timing>
-    <p:tnLst>
-      <p:par>
-        <p:cTn id="1" dur="indefinite" restart="never" nodeType="tmRoot"/>
-      </p:par>
-    </p:tnLst>
-  </p:timing>
 </p:sld>
 </file>
 
@@ -7682,7 +7585,7 @@
           <a:lstStyle/>
           <a:p>
             <a:r>
-              <a:rPr lang="en-US" altLang="zh-TW" dirty="0" smtClean="0"/>
+              <a:rPr lang="en-US" altLang="zh-TW" dirty="0"/>
               <a:t>Intro to Our Application</a:t>
             </a:r>
             <a:endParaRPr lang="zh-TW" altLang="en-US" dirty="0"/>
@@ -7707,7 +7610,7 @@
           <a:lstStyle/>
           <a:p>
             <a:r>
-              <a:rPr lang="en-US" altLang="zh-TW" sz="2400" dirty="0" smtClean="0"/>
+              <a:rPr lang="en-US" altLang="zh-TW" sz="2400" dirty="0"/>
               <a:t>Architecture:</a:t>
             </a:r>
             <a:endParaRPr lang="zh-TW" altLang="en-US" sz="2400" dirty="0"/>
@@ -7716,7 +7619,13 @@
       </p:sp>
       <p:pic>
         <p:nvPicPr>
-          <p:cNvPr id="5" name="圖片 4"/>
+          <p:cNvPr id="6" name="圖片 5">
+            <a:extLst>
+              <a:ext uri="{FF2B5EF4-FFF2-40B4-BE49-F238E27FC236}">
+                <a16:creationId xmlns:a16="http://schemas.microsoft.com/office/drawing/2014/main" id="{0CA3FC67-4C86-455F-880D-37F984F185B7}"/>
+              </a:ext>
+            </a:extLst>
+          </p:cNvPr>
           <p:cNvPicPr>
             <a:picLocks noChangeAspect="1"/>
           </p:cNvPicPr>
@@ -7736,8 +7645,8 @@
         </p:blipFill>
         <p:spPr>
           <a:xfrm>
-            <a:off x="374072" y="286603"/>
-            <a:ext cx="12192000" cy="6081679"/>
+            <a:off x="785660" y="74606"/>
+            <a:ext cx="11511443" cy="6216472"/>
           </a:xfrm>
           <a:prstGeom prst="rect">
             <a:avLst/>
@@ -7754,89 +7663,6 @@
   <p:clrMapOvr>
     <a:masterClrMapping/>
   </p:clrMapOvr>
-  <p:timing>
-    <p:tnLst>
-      <p:par>
-        <p:cTn id="1" dur="indefinite" restart="never" nodeType="tmRoot">
-          <p:childTnLst>
-            <p:seq concurrent="1" nextAc="seek">
-              <p:cTn id="2" dur="indefinite" nodeType="mainSeq">
-                <p:childTnLst>
-                  <p:par>
-                    <p:cTn id="3" fill="hold">
-                      <p:stCondLst>
-                        <p:cond delay="indefinite"/>
-                      </p:stCondLst>
-                      <p:childTnLst>
-                        <p:par>
-                          <p:cTn id="4" fill="hold">
-                            <p:stCondLst>
-                              <p:cond delay="0"/>
-                            </p:stCondLst>
-                            <p:childTnLst>
-                              <p:par>
-                                <p:cTn id="5" presetID="10" presetClass="entr" presetSubtype="0" fill="hold" nodeType="clickEffect">
-                                  <p:stCondLst>
-                                    <p:cond delay="0"/>
-                                  </p:stCondLst>
-                                  <p:childTnLst>
-                                    <p:set>
-                                      <p:cBhvr>
-                                        <p:cTn id="6" dur="1" fill="hold">
-                                          <p:stCondLst>
-                                            <p:cond delay="0"/>
-                                          </p:stCondLst>
-                                        </p:cTn>
-                                        <p:tgtEl>
-                                          <p:spTgt spid="5"/>
-                                        </p:tgtEl>
-                                        <p:attrNameLst>
-                                          <p:attrName>style.visibility</p:attrName>
-                                        </p:attrNameLst>
-                                      </p:cBhvr>
-                                      <p:to>
-                                        <p:strVal val="visible"/>
-                                      </p:to>
-                                    </p:set>
-                                    <p:animEffect transition="in" filter="fade">
-                                      <p:cBhvr>
-                                        <p:cTn id="7" dur="500"/>
-                                        <p:tgtEl>
-                                          <p:spTgt spid="5"/>
-                                        </p:tgtEl>
-                                      </p:cBhvr>
-                                    </p:animEffect>
-                                  </p:childTnLst>
-                                </p:cTn>
-                              </p:par>
-                            </p:childTnLst>
-                          </p:cTn>
-                        </p:par>
-                      </p:childTnLst>
-                    </p:cTn>
-                  </p:par>
-                </p:childTnLst>
-              </p:cTn>
-              <p:prevCondLst>
-                <p:cond evt="onPrev" delay="0">
-                  <p:tgtEl>
-                    <p:sldTgt/>
-                  </p:tgtEl>
-                </p:cond>
-              </p:prevCondLst>
-              <p:nextCondLst>
-                <p:cond evt="onNext" delay="0">
-                  <p:tgtEl>
-                    <p:sldTgt/>
-                  </p:tgtEl>
-                </p:cond>
-              </p:nextCondLst>
-            </p:seq>
-          </p:childTnLst>
-        </p:cTn>
-      </p:par>
-    </p:tnLst>
-  </p:timing>
 </p:sld>
 </file>
 
@@ -7873,7 +7699,7 @@
           <a:lstStyle/>
           <a:p>
             <a:r>
-              <a:rPr lang="en-US" altLang="zh-TW" dirty="0" smtClean="0"/>
+              <a:rPr lang="en-US" altLang="zh-TW" dirty="0"/>
               <a:t>Intro to Our Application</a:t>
             </a:r>
             <a:endParaRPr lang="zh-TW" altLang="en-US" dirty="0"/>
@@ -7906,11 +7732,11 @@
               <a:buNone/>
             </a:pPr>
             <a:r>
-              <a:rPr lang="en-US" altLang="zh-TW" sz="2600" b="1" dirty="0" smtClean="0"/>
+              <a:rPr lang="en-US" altLang="zh-TW" sz="2600" b="1" dirty="0"/>
               <a:t>  </a:t>
             </a:r>
             <a:r>
-              <a:rPr lang="en-US" altLang="zh-TW" sz="2800" b="1" dirty="0" smtClean="0"/>
+              <a:rPr lang="en-US" altLang="zh-TW" sz="2800" b="1" dirty="0"/>
               <a:t>Enterprises:</a:t>
             </a:r>
           </a:p>
@@ -7920,11 +7746,11 @@
               <a:buChar char="u"/>
             </a:pPr>
             <a:r>
-              <a:rPr lang="en-US" altLang="zh-TW" sz="2400" b="1" dirty="0" smtClean="0"/>
+              <a:rPr lang="en-US" altLang="zh-TW" sz="2400" b="1" dirty="0"/>
               <a:t>  </a:t>
             </a:r>
             <a:r>
-              <a:rPr lang="en-US" altLang="zh-TW" sz="2400" dirty="0" smtClean="0"/>
+              <a:rPr lang="en-US" altLang="zh-TW" sz="2400" dirty="0"/>
               <a:t>Funding enterprises</a:t>
             </a:r>
           </a:p>
@@ -7934,21 +7760,21 @@
               <a:buChar char="u"/>
             </a:pPr>
             <a:r>
-              <a:rPr lang="en-US" altLang="zh-TW" sz="2400" dirty="0" smtClean="0"/>
+              <a:rPr lang="en-US" altLang="zh-TW" sz="2400" dirty="0"/>
               <a:t>  Coordinate enterprises</a:t>
             </a:r>
-            <a:endParaRPr lang="en-US" altLang="zh-TW" dirty="0" smtClean="0"/>
+            <a:endParaRPr lang="en-US" altLang="zh-TW" dirty="0"/>
           </a:p>
           <a:p>
             <a:pPr lvl="1">
               <a:buFont typeface="Wingdings" panose="05000000000000000000" pitchFamily="2" charset="2"/>
               <a:buChar char="u"/>
             </a:pPr>
-            <a:endParaRPr lang="en-US" altLang="zh-TW" sz="2200" dirty="0" smtClean="0"/>
-          </a:p>
-          <a:p>
-            <a:r>
-              <a:rPr lang="en-US" altLang="zh-TW" sz="2800" b="1" dirty="0" smtClean="0"/>
+            <a:endParaRPr lang="en-US" altLang="zh-TW" sz="2200" dirty="0"/>
+          </a:p>
+          <a:p>
+            <a:r>
+              <a:rPr lang="en-US" altLang="zh-TW" sz="2800" b="1" dirty="0"/>
               <a:t>Organizations: </a:t>
             </a:r>
           </a:p>
@@ -7958,10 +7784,9 @@
               <a:buChar char="u"/>
             </a:pPr>
             <a:r>
-              <a:rPr lang="en-US" altLang="zh-TW" sz="2400" dirty="0" smtClean="0"/>
+              <a:rPr lang="en-US" altLang="zh-TW" sz="2400" dirty="0"/>
               <a:t>  Patients/ Rooms qualified organization</a:t>
             </a:r>
-            <a:endParaRPr lang="en-US" altLang="zh-TW" sz="2400" dirty="0"/>
           </a:p>
           <a:p>
             <a:pPr lvl="1">
@@ -7969,7 +7794,7 @@
               <a:buChar char="u"/>
             </a:pPr>
             <a:r>
-              <a:rPr lang="en-US" altLang="zh-TW" sz="2400" dirty="0" smtClean="0"/>
+              <a:rPr lang="en-US" altLang="zh-TW" sz="2400" dirty="0"/>
               <a:t>  Clients organization</a:t>
             </a:r>
           </a:p>
@@ -7979,7 +7804,7 @@
               <a:buChar char="u"/>
             </a:pPr>
             <a:r>
-              <a:rPr lang="en-US" altLang="zh-TW" sz="2400" dirty="0" smtClean="0"/>
+              <a:rPr lang="en-US" altLang="zh-TW" sz="2400" dirty="0"/>
               <a:t>  Matching organization</a:t>
             </a:r>
           </a:p>
@@ -7989,7 +7814,7 @@
               <a:buChar char="u"/>
             </a:pPr>
             <a:r>
-              <a:rPr lang="en-US" altLang="zh-TW" sz="2400" dirty="0" smtClean="0"/>
+              <a:rPr lang="en-US" altLang="zh-TW" sz="2400" dirty="0"/>
               <a:t>  Personal housing offers organization</a:t>
             </a:r>
           </a:p>
@@ -7999,7 +7824,7 @@
               <a:buChar char="u"/>
             </a:pPr>
             <a:r>
-              <a:rPr lang="en-US" altLang="zh-TW" sz="2400" dirty="0" smtClean="0"/>
+              <a:rPr lang="en-US" altLang="zh-TW" sz="2400" dirty="0"/>
               <a:t>  Company housing offers organization</a:t>
             </a:r>
           </a:p>
@@ -8009,7 +7834,7 @@
               <a:buChar char="u"/>
             </a:pPr>
             <a:r>
-              <a:rPr lang="en-US" altLang="zh-TW" sz="2400" dirty="0" smtClean="0"/>
+              <a:rPr lang="en-US" altLang="zh-TW" sz="2400" dirty="0"/>
               <a:t>  Admin organization</a:t>
             </a:r>
           </a:p>
@@ -8025,13 +7850,6 @@
   <p:clrMapOvr>
     <a:masterClrMapping/>
   </p:clrMapOvr>
-  <p:timing>
-    <p:tnLst>
-      <p:par>
-        <p:cTn id="1" dur="indefinite" restart="never" nodeType="tmRoot"/>
-      </p:par>
-    </p:tnLst>
-  </p:timing>
 </p:sld>
 </file>
 
@@ -8068,7 +7886,7 @@
           <a:lstStyle/>
           <a:p>
             <a:r>
-              <a:rPr lang="en-US" altLang="zh-TW" dirty="0" smtClean="0"/>
+              <a:rPr lang="en-US" altLang="zh-TW" dirty="0"/>
               <a:t>Intro to Our Application</a:t>
             </a:r>
             <a:endParaRPr lang="zh-TW" altLang="en-US" dirty="0"/>
@@ -8093,7 +7911,7 @@
           <a:lstStyle/>
           <a:p>
             <a:r>
-              <a:rPr lang="en-US" altLang="zh-TW" sz="2400" dirty="0" smtClean="0"/>
+              <a:rPr lang="en-US" altLang="zh-TW" sz="2400" dirty="0"/>
               <a:t>Key screenshots &amp; work flows/ work requests:</a:t>
             </a:r>
             <a:endParaRPr lang="zh-TW" altLang="en-US" sz="2400" dirty="0"/>

--- a/Final project/INFO 5100 Final Project.pptx
+++ b/Final project/INFO 5100 Final Project.pptx
@@ -5,7 +5,7 @@
     <p:sldMasterId id="2147483735" r:id="rId1"/>
   </p:sldMasterIdLst>
   <p:notesMasterIdLst>
-    <p:notesMasterId r:id="rId18"/>
+    <p:notesMasterId r:id="rId20"/>
   </p:notesMasterIdLst>
   <p:sldIdLst>
     <p:sldId id="256" r:id="rId2"/>
@@ -18,12 +18,14 @@
     <p:sldId id="265" r:id="rId9"/>
     <p:sldId id="266" r:id="rId10"/>
     <p:sldId id="268" r:id="rId11"/>
-    <p:sldId id="271" r:id="rId12"/>
-    <p:sldId id="263" r:id="rId13"/>
-    <p:sldId id="269" r:id="rId14"/>
-    <p:sldId id="272" r:id="rId15"/>
-    <p:sldId id="262" r:id="rId16"/>
-    <p:sldId id="270" r:id="rId17"/>
+    <p:sldId id="274" r:id="rId12"/>
+    <p:sldId id="271" r:id="rId13"/>
+    <p:sldId id="263" r:id="rId14"/>
+    <p:sldId id="269" r:id="rId15"/>
+    <p:sldId id="273" r:id="rId16"/>
+    <p:sldId id="272" r:id="rId17"/>
+    <p:sldId id="262" r:id="rId18"/>
+    <p:sldId id="270" r:id="rId19"/>
   </p:sldIdLst>
   <p:sldSz cx="12192000" cy="6858000"/>
   <p:notesSz cx="6858000" cy="9144000"/>
@@ -212,7 +214,7 @@
           <a:p>
             <a:fld id="{BDDBA7D5-3CCB-428D-A29E-6D67FC26471C}" type="datetimeFigureOut">
               <a:rPr lang="zh-TW" altLang="en-US" smtClean="0"/>
-              <a:t>2019/12/6</a:t>
+              <a:t>2019/12/7</a:t>
             </a:fld>
             <a:endParaRPr lang="zh-TW" altLang="en-US"/>
           </a:p>
@@ -276,37 +278,38 @@
           <a:p>
             <a:pPr lvl="0"/>
             <a:r>
-              <a:rPr lang="zh-TW" altLang="en-US"/>
+              <a:rPr lang="zh-TW" altLang="en-US" smtClean="0"/>
               <a:t>編輯母片文字樣式</a:t>
             </a:r>
           </a:p>
           <a:p>
             <a:pPr lvl="1"/>
             <a:r>
-              <a:rPr lang="zh-TW" altLang="en-US"/>
+              <a:rPr lang="zh-TW" altLang="en-US" smtClean="0"/>
               <a:t>第二層</a:t>
             </a:r>
           </a:p>
           <a:p>
             <a:pPr lvl="2"/>
             <a:r>
-              <a:rPr lang="zh-TW" altLang="en-US"/>
+              <a:rPr lang="zh-TW" altLang="en-US" smtClean="0"/>
               <a:t>第三層</a:t>
             </a:r>
           </a:p>
           <a:p>
             <a:pPr lvl="3"/>
             <a:r>
-              <a:rPr lang="zh-TW" altLang="en-US"/>
+              <a:rPr lang="zh-TW" altLang="en-US" smtClean="0"/>
               <a:t>第四層</a:t>
             </a:r>
           </a:p>
           <a:p>
             <a:pPr lvl="4"/>
             <a:r>
-              <a:rPr lang="zh-TW" altLang="en-US"/>
+              <a:rPr lang="zh-TW" altLang="en-US" smtClean="0"/>
               <a:t>第五層</a:t>
             </a:r>
+            <a:endParaRPr lang="zh-TW" altLang="en-US"/>
           </a:p>
         </p:txBody>
       </p:sp>
@@ -776,7 +779,7 @@
           <a:lstStyle/>
           <a:p>
             <a:r>
-              <a:rPr lang="en-US" altLang="zh-TW" dirty="0"/>
+              <a:rPr lang="en-US" altLang="zh-TW" dirty="0" smtClean="0"/>
               <a:t>screenshots</a:t>
             </a:r>
             <a:endParaRPr lang="zh-TW" altLang="en-US" dirty="0"/>
@@ -863,10 +866,6 @@
           <a:bodyPr/>
           <a:lstStyle/>
           <a:p>
-            <a:r>
-              <a:rPr lang="en-US" altLang="zh-TW" dirty="0"/>
-              <a:t>screenshots</a:t>
-            </a:r>
             <a:endParaRPr lang="zh-TW" altLang="en-US" dirty="0"/>
           </a:p>
         </p:txBody>
@@ -952,11 +951,103 @@
           <a:lstStyle/>
           <a:p>
             <a:r>
-              <a:rPr lang="en-US" altLang="zh-TW" dirty="0"/>
+              <a:rPr lang="zh-TW" altLang="en-US" dirty="0" smtClean="0"/>
+              <a:t>***要加</a:t>
+            </a:r>
+            <a:r>
+              <a:rPr lang="en-US" altLang="zh-TW" dirty="0" smtClean="0"/>
+              <a:t>match  &amp; check out</a:t>
+            </a:r>
+            <a:endParaRPr lang="zh-TW" altLang="en-US" dirty="0"/>
+          </a:p>
+        </p:txBody>
+      </p:sp>
+      <p:sp>
+        <p:nvSpPr>
+          <p:cNvPr id="4" name="投影片編號版面配置區 3"/>
+          <p:cNvSpPr>
+            <a:spLocks noGrp="1"/>
+          </p:cNvSpPr>
+          <p:nvPr>
+            <p:ph type="sldNum" sz="quarter" idx="10"/>
+          </p:nvPr>
+        </p:nvSpPr>
+        <p:spPr/>
+        <p:txBody>
+          <a:bodyPr/>
+          <a:lstStyle/>
+          <a:p>
+            <a:fld id="{6B91597D-BD06-432B-BB0D-D3E16527D949}" type="slidenum">
+              <a:rPr lang="zh-TW" altLang="en-US" smtClean="0"/>
+              <a:t>14</a:t>
+            </a:fld>
+            <a:endParaRPr lang="zh-TW" altLang="en-US"/>
+          </a:p>
+        </p:txBody>
+      </p:sp>
+    </p:spTree>
+    <p:extLst>
+      <p:ext uri="{BB962C8B-B14F-4D97-AF65-F5344CB8AC3E}">
+        <p14:creationId xmlns:p14="http://schemas.microsoft.com/office/powerpoint/2010/main" val="4222188910"/>
+      </p:ext>
+    </p:extLst>
+  </p:cSld>
+  <p:clrMapOvr>
+    <a:masterClrMapping/>
+  </p:clrMapOvr>
+</p:notes>
+</file>
+
+<file path=ppt/notesSlides/notesSlide7.xml><?xml version="1.0" encoding="utf-8"?>
+<p:notes xmlns:a="http://schemas.openxmlformats.org/drawingml/2006/main" xmlns:r="http://schemas.openxmlformats.org/officeDocument/2006/relationships" xmlns:p="http://schemas.openxmlformats.org/presentationml/2006/main">
+  <p:cSld>
+    <p:spTree>
+      <p:nvGrpSpPr>
+        <p:cNvPr id="1" name=""/>
+        <p:cNvGrpSpPr/>
+        <p:nvPr/>
+      </p:nvGrpSpPr>
+      <p:grpSpPr>
+        <a:xfrm>
+          <a:off x="0" y="0"/>
+          <a:ext cx="0" cy="0"/>
+          <a:chOff x="0" y="0"/>
+          <a:chExt cx="0" cy="0"/>
+        </a:xfrm>
+      </p:grpSpPr>
+      <p:sp>
+        <p:nvSpPr>
+          <p:cNvPr id="2" name="投影片圖像版面配置區 1"/>
+          <p:cNvSpPr>
+            <a:spLocks noGrp="1" noRot="1" noChangeAspect="1"/>
+          </p:cNvSpPr>
+          <p:nvPr>
+            <p:ph type="sldImg"/>
+          </p:nvPr>
+        </p:nvSpPr>
+        <p:spPr/>
+      </p:sp>
+      <p:sp>
+        <p:nvSpPr>
+          <p:cNvPr id="3" name="備忘稿版面配置區 2"/>
+          <p:cNvSpPr>
+            <a:spLocks noGrp="1"/>
+          </p:cNvSpPr>
+          <p:nvPr>
+            <p:ph type="body" idx="1"/>
+          </p:nvPr>
+        </p:nvSpPr>
+        <p:spPr/>
+        <p:txBody>
+          <a:bodyPr/>
+          <a:lstStyle/>
+          <a:p>
+            <a:r>
+              <a:rPr lang="en-US" altLang="zh-TW" dirty="0" smtClean="0"/>
               <a:t>And why would a global</a:t>
             </a:r>
             <a:r>
-              <a:rPr lang="en-US" altLang="zh-TW" baseline="0" dirty="0"/>
+              <a:rPr lang="en-US" altLang="zh-TW" baseline="0" dirty="0" smtClean="0"/>
               <a:t> company do it for free? </a:t>
             </a:r>
           </a:p>
@@ -965,7 +1056,7 @@
               <a:buAutoNum type="arabicPeriod"/>
             </a:pPr>
             <a:r>
-              <a:rPr lang="en-US" altLang="zh-TW" baseline="0" dirty="0"/>
+              <a:rPr lang="en-US" altLang="zh-TW" baseline="0" dirty="0" smtClean="0"/>
               <a:t>It can improve the reputation of the company.</a:t>
             </a:r>
           </a:p>
@@ -974,7 +1065,7 @@
               <a:buAutoNum type="arabicPeriod"/>
             </a:pPr>
             <a:r>
-              <a:rPr lang="en-US" altLang="zh-TW" baseline="0" dirty="0"/>
+              <a:rPr lang="en-US" altLang="zh-TW" baseline="0" dirty="0" smtClean="0"/>
               <a:t>They can give back to the society.</a:t>
             </a:r>
           </a:p>
@@ -983,7 +1074,7 @@
               <a:buAutoNum type="arabicPeriod"/>
             </a:pPr>
             <a:r>
-              <a:rPr lang="en-US" altLang="zh-TW" baseline="0" dirty="0"/>
+              <a:rPr lang="en-US" altLang="zh-TW" baseline="0" dirty="0" smtClean="0"/>
               <a:t>It will definitely bring a great commercial effect. Maybe the money they save on advertising is less than the money they help the charity.</a:t>
             </a:r>
             <a:endParaRPr lang="zh-TW" altLang="en-US" dirty="0"/>
@@ -1007,7 +1098,7 @@
           <a:p>
             <a:fld id="{6B91597D-BD06-432B-BB0D-D3E16527D949}" type="slidenum">
               <a:rPr lang="zh-TW" altLang="en-US" smtClean="0"/>
-              <a:t>15</a:t>
+              <a:t>17</a:t>
             </a:fld>
             <a:endParaRPr lang="zh-TW" altLang="en-US"/>
           </a:p>
@@ -1156,7 +1247,7 @@
           </a:lstStyle>
           <a:p>
             <a:r>
-              <a:rPr lang="zh-TW" altLang="en-US"/>
+              <a:rPr lang="zh-TW" altLang="en-US" smtClean="0"/>
               <a:t>按一下以編輯母片標題樣式</a:t>
             </a:r>
             <a:endParaRPr lang="en-US" dirty="0"/>
@@ -1228,7 +1319,7 @@
           </a:lstStyle>
           <a:p>
             <a:r>
-              <a:rPr lang="zh-TW" altLang="en-US"/>
+              <a:rPr lang="zh-TW" altLang="en-US" smtClean="0"/>
               <a:t>按一下以編輯母片副標題樣式</a:t>
             </a:r>
             <a:endParaRPr lang="en-US" dirty="0"/>
@@ -1252,7 +1343,7 @@
           <a:p>
             <a:fld id="{729CADB2-B548-438E-BB89-14FEC79DBF1E}" type="datetimeFigureOut">
               <a:rPr lang="zh-TW" altLang="en-US" smtClean="0"/>
-              <a:t>2019/12/6</a:t>
+              <a:t>2019/12/7</a:t>
             </a:fld>
             <a:endParaRPr lang="zh-TW" altLang="en-US"/>
           </a:p>
@@ -1384,7 +1475,7 @@
           <a:lstStyle/>
           <a:p>
             <a:r>
-              <a:rPr lang="zh-TW" altLang="en-US"/>
+              <a:rPr lang="zh-TW" altLang="en-US" smtClean="0"/>
               <a:t>按一下以編輯母片標題樣式</a:t>
             </a:r>
             <a:endParaRPr lang="en-US" dirty="0"/>
@@ -1408,35 +1499,35 @@
           <a:p>
             <a:pPr lvl="0"/>
             <a:r>
-              <a:rPr lang="zh-TW" altLang="en-US"/>
+              <a:rPr lang="zh-TW" altLang="en-US" smtClean="0"/>
               <a:t>編輯母片文字樣式</a:t>
             </a:r>
           </a:p>
           <a:p>
             <a:pPr lvl="1"/>
             <a:r>
-              <a:rPr lang="zh-TW" altLang="en-US"/>
+              <a:rPr lang="zh-TW" altLang="en-US" smtClean="0"/>
               <a:t>第二層</a:t>
             </a:r>
           </a:p>
           <a:p>
             <a:pPr lvl="2"/>
             <a:r>
-              <a:rPr lang="zh-TW" altLang="en-US"/>
+              <a:rPr lang="zh-TW" altLang="en-US" smtClean="0"/>
               <a:t>第三層</a:t>
             </a:r>
           </a:p>
           <a:p>
             <a:pPr lvl="3"/>
             <a:r>
-              <a:rPr lang="zh-TW" altLang="en-US"/>
+              <a:rPr lang="zh-TW" altLang="en-US" smtClean="0"/>
               <a:t>第四層</a:t>
             </a:r>
           </a:p>
           <a:p>
             <a:pPr lvl="4"/>
             <a:r>
-              <a:rPr lang="zh-TW" altLang="en-US"/>
+              <a:rPr lang="zh-TW" altLang="en-US" smtClean="0"/>
               <a:t>第五層</a:t>
             </a:r>
             <a:endParaRPr lang="en-US" dirty="0"/>
@@ -1460,7 +1551,7 @@
           <a:p>
             <a:fld id="{729CADB2-B548-438E-BB89-14FEC79DBF1E}" type="datetimeFigureOut">
               <a:rPr lang="zh-TW" altLang="en-US" smtClean="0"/>
-              <a:t>2019/12/6</a:t>
+              <a:t>2019/12/7</a:t>
             </a:fld>
             <a:endParaRPr lang="zh-TW" altLang="en-US"/>
           </a:p>
@@ -1635,7 +1726,7 @@
           <a:lstStyle/>
           <a:p>
             <a:r>
-              <a:rPr lang="zh-TW" altLang="en-US"/>
+              <a:rPr lang="zh-TW" altLang="en-US" smtClean="0"/>
               <a:t>按一下以編輯母片標題樣式</a:t>
             </a:r>
             <a:endParaRPr lang="en-US" dirty="0"/>
@@ -1664,35 +1755,35 @@
           <a:p>
             <a:pPr lvl="0"/>
             <a:r>
-              <a:rPr lang="zh-TW" altLang="en-US"/>
+              <a:rPr lang="zh-TW" altLang="en-US" smtClean="0"/>
               <a:t>編輯母片文字樣式</a:t>
             </a:r>
           </a:p>
           <a:p>
             <a:pPr lvl="1"/>
             <a:r>
-              <a:rPr lang="zh-TW" altLang="en-US"/>
+              <a:rPr lang="zh-TW" altLang="en-US" smtClean="0"/>
               <a:t>第二層</a:t>
             </a:r>
           </a:p>
           <a:p>
             <a:pPr lvl="2"/>
             <a:r>
-              <a:rPr lang="zh-TW" altLang="en-US"/>
+              <a:rPr lang="zh-TW" altLang="en-US" smtClean="0"/>
               <a:t>第三層</a:t>
             </a:r>
           </a:p>
           <a:p>
             <a:pPr lvl="3"/>
             <a:r>
-              <a:rPr lang="zh-TW" altLang="en-US"/>
+              <a:rPr lang="zh-TW" altLang="en-US" smtClean="0"/>
               <a:t>第四層</a:t>
             </a:r>
           </a:p>
           <a:p>
             <a:pPr lvl="4"/>
             <a:r>
-              <a:rPr lang="zh-TW" altLang="en-US"/>
+              <a:rPr lang="zh-TW" altLang="en-US" smtClean="0"/>
               <a:t>第五層</a:t>
             </a:r>
             <a:endParaRPr lang="en-US" dirty="0"/>
@@ -1716,7 +1807,7 @@
           <a:p>
             <a:fld id="{729CADB2-B548-438E-BB89-14FEC79DBF1E}" type="datetimeFigureOut">
               <a:rPr lang="zh-TW" altLang="en-US" smtClean="0"/>
-              <a:t>2019/12/6</a:t>
+              <a:t>2019/12/7</a:t>
             </a:fld>
             <a:endParaRPr lang="zh-TW" altLang="en-US"/>
           </a:p>
@@ -1814,7 +1905,7 @@
           </a:lstStyle>
           <a:p>
             <a:r>
-              <a:rPr lang="zh-TW" altLang="en-US"/>
+              <a:rPr lang="zh-TW" altLang="en-US" smtClean="0"/>
               <a:t>按一下以編輯母片標題樣式</a:t>
             </a:r>
             <a:endParaRPr lang="en-US" dirty="0"/>
@@ -1838,35 +1929,35 @@
           <a:p>
             <a:pPr lvl="0"/>
             <a:r>
-              <a:rPr lang="zh-TW" altLang="en-US"/>
+              <a:rPr lang="zh-TW" altLang="en-US" smtClean="0"/>
               <a:t>編輯母片文字樣式</a:t>
             </a:r>
           </a:p>
           <a:p>
             <a:pPr lvl="1"/>
             <a:r>
-              <a:rPr lang="zh-TW" altLang="en-US"/>
+              <a:rPr lang="zh-TW" altLang="en-US" smtClean="0"/>
               <a:t>第二層</a:t>
             </a:r>
           </a:p>
           <a:p>
             <a:pPr lvl="2"/>
             <a:r>
-              <a:rPr lang="zh-TW" altLang="en-US"/>
+              <a:rPr lang="zh-TW" altLang="en-US" smtClean="0"/>
               <a:t>第三層</a:t>
             </a:r>
           </a:p>
           <a:p>
             <a:pPr lvl="3"/>
             <a:r>
-              <a:rPr lang="zh-TW" altLang="en-US"/>
+              <a:rPr lang="zh-TW" altLang="en-US" smtClean="0"/>
               <a:t>第四層</a:t>
             </a:r>
           </a:p>
           <a:p>
             <a:pPr lvl="4"/>
             <a:r>
-              <a:rPr lang="zh-TW" altLang="en-US"/>
+              <a:rPr lang="zh-TW" altLang="en-US" smtClean="0"/>
               <a:t>第五層</a:t>
             </a:r>
             <a:endParaRPr lang="en-US" dirty="0"/>
@@ -1890,7 +1981,7 @@
           <a:p>
             <a:fld id="{729CADB2-B548-438E-BB89-14FEC79DBF1E}" type="datetimeFigureOut">
               <a:rPr lang="zh-TW" altLang="en-US" smtClean="0"/>
-              <a:t>2019/12/6</a:t>
+              <a:t>2019/12/7</a:t>
             </a:fld>
             <a:endParaRPr lang="zh-TW" altLang="en-US"/>
           </a:p>
@@ -2089,7 +2180,7 @@
           </a:lstStyle>
           <a:p>
             <a:r>
-              <a:rPr lang="zh-TW" altLang="en-US"/>
+              <a:rPr lang="zh-TW" altLang="en-US" smtClean="0"/>
               <a:t>按一下以編輯母片標題樣式</a:t>
             </a:r>
             <a:endParaRPr lang="en-US" dirty="0"/>
@@ -2210,7 +2301,7 @@
           <a:p>
             <a:pPr lvl="0"/>
             <a:r>
-              <a:rPr lang="zh-TW" altLang="en-US"/>
+              <a:rPr lang="zh-TW" altLang="en-US" smtClean="0"/>
               <a:t>編輯母片文字樣式</a:t>
             </a:r>
           </a:p>
@@ -2233,7 +2324,7 @@
           <a:p>
             <a:fld id="{729CADB2-B548-438E-BB89-14FEC79DBF1E}" type="datetimeFigureOut">
               <a:rPr lang="zh-TW" altLang="en-US" smtClean="0"/>
-              <a:t>2019/12/6</a:t>
+              <a:t>2019/12/7</a:t>
             </a:fld>
             <a:endParaRPr lang="zh-TW" altLang="en-US"/>
           </a:p>
@@ -2370,7 +2461,7 @@
           <a:lstStyle/>
           <a:p>
             <a:r>
-              <a:rPr lang="zh-TW" altLang="en-US"/>
+              <a:rPr lang="zh-TW" altLang="en-US" smtClean="0"/>
               <a:t>按一下以編輯母片標題樣式</a:t>
             </a:r>
             <a:endParaRPr lang="en-US" dirty="0"/>
@@ -2399,35 +2490,35 @@
           <a:p>
             <a:pPr lvl="0"/>
             <a:r>
-              <a:rPr lang="zh-TW" altLang="en-US"/>
+              <a:rPr lang="zh-TW" altLang="en-US" smtClean="0"/>
               <a:t>編輯母片文字樣式</a:t>
             </a:r>
           </a:p>
           <a:p>
             <a:pPr lvl="1"/>
             <a:r>
-              <a:rPr lang="zh-TW" altLang="en-US"/>
+              <a:rPr lang="zh-TW" altLang="en-US" smtClean="0"/>
               <a:t>第二層</a:t>
             </a:r>
           </a:p>
           <a:p>
             <a:pPr lvl="2"/>
             <a:r>
-              <a:rPr lang="zh-TW" altLang="en-US"/>
+              <a:rPr lang="zh-TW" altLang="en-US" smtClean="0"/>
               <a:t>第三層</a:t>
             </a:r>
           </a:p>
           <a:p>
             <a:pPr lvl="3"/>
             <a:r>
-              <a:rPr lang="zh-TW" altLang="en-US"/>
+              <a:rPr lang="zh-TW" altLang="en-US" smtClean="0"/>
               <a:t>第四層</a:t>
             </a:r>
           </a:p>
           <a:p>
             <a:pPr lvl="4"/>
             <a:r>
-              <a:rPr lang="zh-TW" altLang="en-US"/>
+              <a:rPr lang="zh-TW" altLang="en-US" smtClean="0"/>
               <a:t>第五層</a:t>
             </a:r>
             <a:endParaRPr lang="en-US" dirty="0"/>
@@ -2456,35 +2547,35 @@
           <a:p>
             <a:pPr lvl="0"/>
             <a:r>
-              <a:rPr lang="zh-TW" altLang="en-US"/>
+              <a:rPr lang="zh-TW" altLang="en-US" smtClean="0"/>
               <a:t>編輯母片文字樣式</a:t>
             </a:r>
           </a:p>
           <a:p>
             <a:pPr lvl="1"/>
             <a:r>
-              <a:rPr lang="zh-TW" altLang="en-US"/>
+              <a:rPr lang="zh-TW" altLang="en-US" smtClean="0"/>
               <a:t>第二層</a:t>
             </a:r>
           </a:p>
           <a:p>
             <a:pPr lvl="2"/>
             <a:r>
-              <a:rPr lang="zh-TW" altLang="en-US"/>
+              <a:rPr lang="zh-TW" altLang="en-US" smtClean="0"/>
               <a:t>第三層</a:t>
             </a:r>
           </a:p>
           <a:p>
             <a:pPr lvl="3"/>
             <a:r>
-              <a:rPr lang="zh-TW" altLang="en-US"/>
+              <a:rPr lang="zh-TW" altLang="en-US" smtClean="0"/>
               <a:t>第四層</a:t>
             </a:r>
           </a:p>
           <a:p>
             <a:pPr lvl="4"/>
             <a:r>
-              <a:rPr lang="zh-TW" altLang="en-US"/>
+              <a:rPr lang="zh-TW" altLang="en-US" smtClean="0"/>
               <a:t>第五層</a:t>
             </a:r>
             <a:endParaRPr lang="en-US" dirty="0"/>
@@ -2508,7 +2599,7 @@
           <a:p>
             <a:fld id="{729CADB2-B548-438E-BB89-14FEC79DBF1E}" type="datetimeFigureOut">
               <a:rPr lang="zh-TW" altLang="en-US" smtClean="0"/>
-              <a:t>2019/12/6</a:t>
+              <a:t>2019/12/7</a:t>
             </a:fld>
             <a:endParaRPr lang="zh-TW" altLang="en-US"/>
           </a:p>
@@ -2607,7 +2698,7 @@
           <a:lstStyle/>
           <a:p>
             <a:r>
-              <a:rPr lang="zh-TW" altLang="en-US"/>
+              <a:rPr lang="zh-TW" altLang="en-US" smtClean="0"/>
               <a:t>按一下以編輯母片標題樣式</a:t>
             </a:r>
             <a:endParaRPr lang="en-US" dirty="0"/>
@@ -2679,7 +2770,7 @@
           <a:p>
             <a:pPr lvl="0"/>
             <a:r>
-              <a:rPr lang="zh-TW" altLang="en-US"/>
+              <a:rPr lang="zh-TW" altLang="en-US" smtClean="0"/>
               <a:t>編輯母片文字樣式</a:t>
             </a:r>
           </a:p>
@@ -2707,35 +2798,35 @@
           <a:p>
             <a:pPr lvl="0"/>
             <a:r>
-              <a:rPr lang="zh-TW" altLang="en-US"/>
+              <a:rPr lang="zh-TW" altLang="en-US" smtClean="0"/>
               <a:t>編輯母片文字樣式</a:t>
             </a:r>
           </a:p>
           <a:p>
             <a:pPr lvl="1"/>
             <a:r>
-              <a:rPr lang="zh-TW" altLang="en-US"/>
+              <a:rPr lang="zh-TW" altLang="en-US" smtClean="0"/>
               <a:t>第二層</a:t>
             </a:r>
           </a:p>
           <a:p>
             <a:pPr lvl="2"/>
             <a:r>
-              <a:rPr lang="zh-TW" altLang="en-US"/>
+              <a:rPr lang="zh-TW" altLang="en-US" smtClean="0"/>
               <a:t>第三層</a:t>
             </a:r>
           </a:p>
           <a:p>
             <a:pPr lvl="3"/>
             <a:r>
-              <a:rPr lang="zh-TW" altLang="en-US"/>
+              <a:rPr lang="zh-TW" altLang="en-US" smtClean="0"/>
               <a:t>第四層</a:t>
             </a:r>
           </a:p>
           <a:p>
             <a:pPr lvl="4"/>
             <a:r>
-              <a:rPr lang="zh-TW" altLang="en-US"/>
+              <a:rPr lang="zh-TW" altLang="en-US" smtClean="0"/>
               <a:t>第五層</a:t>
             </a:r>
             <a:endParaRPr lang="en-US" dirty="0"/>
@@ -2807,7 +2898,7 @@
           <a:p>
             <a:pPr lvl="0"/>
             <a:r>
-              <a:rPr lang="zh-TW" altLang="en-US"/>
+              <a:rPr lang="zh-TW" altLang="en-US" smtClean="0"/>
               <a:t>編輯母片文字樣式</a:t>
             </a:r>
           </a:p>
@@ -2835,35 +2926,35 @@
           <a:p>
             <a:pPr lvl="0"/>
             <a:r>
-              <a:rPr lang="zh-TW" altLang="en-US"/>
+              <a:rPr lang="zh-TW" altLang="en-US" smtClean="0"/>
               <a:t>編輯母片文字樣式</a:t>
             </a:r>
           </a:p>
           <a:p>
             <a:pPr lvl="1"/>
             <a:r>
-              <a:rPr lang="zh-TW" altLang="en-US"/>
+              <a:rPr lang="zh-TW" altLang="en-US" smtClean="0"/>
               <a:t>第二層</a:t>
             </a:r>
           </a:p>
           <a:p>
             <a:pPr lvl="2"/>
             <a:r>
-              <a:rPr lang="zh-TW" altLang="en-US"/>
+              <a:rPr lang="zh-TW" altLang="en-US" smtClean="0"/>
               <a:t>第三層</a:t>
             </a:r>
           </a:p>
           <a:p>
             <a:pPr lvl="3"/>
             <a:r>
-              <a:rPr lang="zh-TW" altLang="en-US"/>
+              <a:rPr lang="zh-TW" altLang="en-US" smtClean="0"/>
               <a:t>第四層</a:t>
             </a:r>
           </a:p>
           <a:p>
             <a:pPr lvl="4"/>
             <a:r>
-              <a:rPr lang="zh-TW" altLang="en-US"/>
+              <a:rPr lang="zh-TW" altLang="en-US" smtClean="0"/>
               <a:t>第五層</a:t>
             </a:r>
             <a:endParaRPr lang="en-US" dirty="0"/>
@@ -2887,7 +2978,7 @@
           <a:p>
             <a:fld id="{729CADB2-B548-438E-BB89-14FEC79DBF1E}" type="datetimeFigureOut">
               <a:rPr lang="zh-TW" altLang="en-US" smtClean="0"/>
-              <a:t>2019/12/6</a:t>
+              <a:t>2019/12/7</a:t>
             </a:fld>
             <a:endParaRPr lang="zh-TW" altLang="en-US"/>
           </a:p>
@@ -2981,7 +3072,7 @@
           <a:lstStyle/>
           <a:p>
             <a:r>
-              <a:rPr lang="zh-TW" altLang="en-US"/>
+              <a:rPr lang="zh-TW" altLang="en-US" smtClean="0"/>
               <a:t>按一下以編輯母片標題樣式</a:t>
             </a:r>
             <a:endParaRPr lang="en-US" dirty="0"/>
@@ -3005,7 +3096,7 @@
           <a:p>
             <a:fld id="{729CADB2-B548-438E-BB89-14FEC79DBF1E}" type="datetimeFigureOut">
               <a:rPr lang="zh-TW" altLang="en-US" smtClean="0"/>
-              <a:t>2019/12/6</a:t>
+              <a:t>2019/12/7</a:t>
             </a:fld>
             <a:endParaRPr lang="zh-TW" altLang="en-US"/>
           </a:p>
@@ -3176,7 +3267,7 @@
           <a:p>
             <a:fld id="{729CADB2-B548-438E-BB89-14FEC79DBF1E}" type="datetimeFigureOut">
               <a:rPr lang="zh-TW" altLang="en-US" smtClean="0"/>
-              <a:t>2019/12/6</a:t>
+              <a:t>2019/12/7</a:t>
             </a:fld>
             <a:endParaRPr lang="zh-TW" altLang="en-US"/>
           </a:p>
@@ -3369,7 +3460,7 @@
           </a:lstStyle>
           <a:p>
             <a:r>
-              <a:rPr lang="zh-TW" altLang="en-US"/>
+              <a:rPr lang="zh-TW" altLang="en-US" smtClean="0"/>
               <a:t>按一下以編輯母片標題樣式</a:t>
             </a:r>
             <a:endParaRPr lang="en-US" dirty="0"/>
@@ -3398,35 +3489,35 @@
           <a:p>
             <a:pPr lvl="0"/>
             <a:r>
-              <a:rPr lang="zh-TW" altLang="en-US"/>
+              <a:rPr lang="zh-TW" altLang="en-US" smtClean="0"/>
               <a:t>編輯母片文字樣式</a:t>
             </a:r>
           </a:p>
           <a:p>
             <a:pPr lvl="1"/>
             <a:r>
-              <a:rPr lang="zh-TW" altLang="en-US"/>
+              <a:rPr lang="zh-TW" altLang="en-US" smtClean="0"/>
               <a:t>第二層</a:t>
             </a:r>
           </a:p>
           <a:p>
             <a:pPr lvl="2"/>
             <a:r>
-              <a:rPr lang="zh-TW" altLang="en-US"/>
+              <a:rPr lang="zh-TW" altLang="en-US" smtClean="0"/>
               <a:t>第三層</a:t>
             </a:r>
           </a:p>
           <a:p>
             <a:pPr lvl="3"/>
             <a:r>
-              <a:rPr lang="zh-TW" altLang="en-US"/>
+              <a:rPr lang="zh-TW" altLang="en-US" smtClean="0"/>
               <a:t>第四層</a:t>
             </a:r>
           </a:p>
           <a:p>
             <a:pPr lvl="4"/>
             <a:r>
-              <a:rPr lang="zh-TW" altLang="en-US"/>
+              <a:rPr lang="zh-TW" altLang="en-US" smtClean="0"/>
               <a:t>第五層</a:t>
             </a:r>
             <a:endParaRPr lang="en-US" dirty="0"/>
@@ -3498,7 +3589,7 @@
           <a:p>
             <a:pPr lvl="0"/>
             <a:r>
-              <a:rPr lang="zh-TW" altLang="en-US"/>
+              <a:rPr lang="zh-TW" altLang="en-US" smtClean="0"/>
               <a:t>編輯母片文字樣式</a:t>
             </a:r>
           </a:p>
@@ -3530,7 +3621,7 @@
           <a:p>
             <a:fld id="{729CADB2-B548-438E-BB89-14FEC79DBF1E}" type="datetimeFigureOut">
               <a:rPr lang="zh-TW" altLang="en-US" smtClean="0"/>
-              <a:t>2019/12/6</a:t>
+              <a:t>2019/12/7</a:t>
             </a:fld>
             <a:endParaRPr lang="zh-TW" altLang="en-US"/>
           </a:p>
@@ -3736,7 +3827,7 @@
           </a:lstStyle>
           <a:p>
             <a:r>
-              <a:rPr lang="zh-TW" altLang="en-US"/>
+              <a:rPr lang="zh-TW" altLang="en-US" smtClean="0"/>
               <a:t>按一下以編輯母片標題樣式</a:t>
             </a:r>
             <a:endParaRPr lang="en-US" dirty="0"/>
@@ -3811,7 +3902,7 @@
           </a:lstStyle>
           <a:p>
             <a:r>
-              <a:rPr lang="zh-TW" altLang="en-US"/>
+              <a:rPr lang="zh-TW" altLang="en-US" smtClean="0"/>
               <a:t>按一下圖示以新增圖片</a:t>
             </a:r>
             <a:endParaRPr lang="en-US" dirty="0"/>
@@ -3889,7 +3980,7 @@
           <a:p>
             <a:pPr lvl="0"/>
             <a:r>
-              <a:rPr lang="zh-TW" altLang="en-US"/>
+              <a:rPr lang="zh-TW" altLang="en-US" smtClean="0"/>
               <a:t>編輯母片文字樣式</a:t>
             </a:r>
           </a:p>
@@ -3912,7 +4003,7 @@
           <a:p>
             <a:fld id="{729CADB2-B548-438E-BB89-14FEC79DBF1E}" type="datetimeFigureOut">
               <a:rPr lang="zh-TW" altLang="en-US" smtClean="0"/>
-              <a:t>2019/12/6</a:t>
+              <a:t>2019/12/7</a:t>
             </a:fld>
             <a:endParaRPr lang="zh-TW" altLang="en-US"/>
           </a:p>
@@ -4097,7 +4188,7 @@
           <a:lstStyle/>
           <a:p>
             <a:r>
-              <a:rPr lang="zh-TW" altLang="en-US"/>
+              <a:rPr lang="zh-TW" altLang="en-US" smtClean="0"/>
               <a:t>按一下以編輯母片標題樣式</a:t>
             </a:r>
             <a:endParaRPr lang="en-US" dirty="0"/>
@@ -4131,35 +4222,35 @@
           <a:p>
             <a:pPr lvl="0"/>
             <a:r>
-              <a:rPr lang="zh-TW" altLang="en-US"/>
+              <a:rPr lang="zh-TW" altLang="en-US" smtClean="0"/>
               <a:t>編輯母片文字樣式</a:t>
             </a:r>
           </a:p>
           <a:p>
             <a:pPr lvl="1"/>
             <a:r>
-              <a:rPr lang="zh-TW" altLang="en-US"/>
+              <a:rPr lang="zh-TW" altLang="en-US" smtClean="0"/>
               <a:t>第二層</a:t>
             </a:r>
           </a:p>
           <a:p>
             <a:pPr lvl="2"/>
             <a:r>
-              <a:rPr lang="zh-TW" altLang="en-US"/>
+              <a:rPr lang="zh-TW" altLang="en-US" smtClean="0"/>
               <a:t>第三層</a:t>
             </a:r>
           </a:p>
           <a:p>
             <a:pPr lvl="3"/>
             <a:r>
-              <a:rPr lang="zh-TW" altLang="en-US"/>
+              <a:rPr lang="zh-TW" altLang="en-US" smtClean="0"/>
               <a:t>第四層</a:t>
             </a:r>
           </a:p>
           <a:p>
             <a:pPr lvl="4"/>
             <a:r>
-              <a:rPr lang="zh-TW" altLang="en-US"/>
+              <a:rPr lang="zh-TW" altLang="en-US" smtClean="0"/>
               <a:t>第五層</a:t>
             </a:r>
             <a:endParaRPr lang="en-US" dirty="0"/>
@@ -4199,7 +4290,7 @@
           <a:p>
             <a:fld id="{729CADB2-B548-438E-BB89-14FEC79DBF1E}" type="datetimeFigureOut">
               <a:rPr lang="zh-TW" altLang="en-US" smtClean="0"/>
-              <a:t>2019/12/6</a:t>
+              <a:t>2019/12/7</a:t>
             </a:fld>
             <a:endParaRPr lang="zh-TW" altLang="en-US"/>
           </a:p>
@@ -4744,7 +4835,7 @@
           <a:lstStyle/>
           <a:p>
             <a:r>
-              <a:rPr lang="en-US" altLang="zh-TW" dirty="0"/>
+              <a:rPr lang="en-US" altLang="zh-TW" dirty="0" smtClean="0"/>
               <a:t>INFO5100 Final Project</a:t>
             </a:r>
             <a:endParaRPr lang="zh-TW" altLang="en-US" dirty="0"/>
@@ -4774,14 +4865,14 @@
           <a:lstStyle/>
           <a:p>
             <a:r>
-              <a:rPr lang="en-US" altLang="zh-TW" dirty="0"/>
+              <a:rPr lang="en-US" altLang="zh-TW" dirty="0" smtClean="0"/>
               <a:t>Team Name: </a:t>
             </a:r>
             <a:r>
-              <a:rPr lang="en-US" altLang="zh-TW" dirty="0" err="1"/>
+              <a:rPr lang="en-US" altLang="zh-TW" dirty="0" err="1" smtClean="0"/>
               <a:t>TeamName</a:t>
             </a:r>
-            <a:endParaRPr lang="en-US" altLang="zh-TW" dirty="0"/>
+            <a:endParaRPr lang="en-US" altLang="zh-TW" dirty="0" smtClean="0"/>
           </a:p>
         </p:txBody>
       </p:sp>
@@ -4808,55 +4899,63 @@
           <a:lstStyle/>
           <a:p>
             <a:r>
-              <a:rPr lang="en-US" altLang="zh-TW" dirty="0" err="1"/>
+              <a:rPr lang="en-US" altLang="zh-TW" dirty="0" err="1" smtClean="0"/>
               <a:t>Memebers</a:t>
             </a:r>
             <a:r>
+              <a:rPr lang="en-US" altLang="zh-TW" dirty="0" smtClean="0"/>
+              <a:t>: Lin, </a:t>
+            </a:r>
+            <a:r>
+              <a:rPr lang="en-US" altLang="zh-TW" dirty="0" err="1" smtClean="0"/>
+              <a:t>LiangYen</a:t>
+            </a:r>
+            <a:r>
+              <a:rPr lang="en-US" altLang="zh-TW" dirty="0" smtClean="0"/>
+              <a:t>/  001304148</a:t>
+            </a:r>
+          </a:p>
+          <a:p>
+            <a:r>
               <a:rPr lang="en-US" altLang="zh-TW" dirty="0"/>
-              <a:t>: Lin, </a:t>
-            </a:r>
-            <a:r>
-              <a:rPr lang="en-US" altLang="zh-TW" dirty="0" err="1"/>
-              <a:t>LiangYen</a:t>
-            </a:r>
+              <a:t>	</a:t>
+            </a:r>
+            <a:r>
+              <a:rPr lang="en-US" altLang="zh-TW" dirty="0" smtClean="0"/>
+              <a:t>	    Tsai, </a:t>
+            </a:r>
+            <a:r>
+              <a:rPr lang="en-US" altLang="zh-TW" dirty="0" err="1" smtClean="0"/>
+              <a:t>YuTing</a:t>
+            </a:r>
+            <a:r>
+              <a:rPr lang="en-US" altLang="zh-TW" dirty="0" smtClean="0"/>
+              <a:t> /   001304955</a:t>
+            </a:r>
+          </a:p>
+          <a:p>
             <a:r>
               <a:rPr lang="en-US" altLang="zh-TW" dirty="0"/>
-              <a:t>/  001304148</a:t>
-            </a:r>
-          </a:p>
-          <a:p>
-            <a:r>
-              <a:rPr lang="en-US" altLang="zh-TW" dirty="0"/>
-              <a:t>		    Tsai, </a:t>
-            </a:r>
-            <a:r>
-              <a:rPr lang="en-US" altLang="zh-TW" dirty="0" err="1"/>
-              <a:t>YuTing</a:t>
-            </a:r>
-            <a:r>
-              <a:rPr lang="en-US" altLang="zh-TW" dirty="0"/>
-              <a:t> /   001304955</a:t>
-            </a:r>
-          </a:p>
-          <a:p>
-            <a:r>
-              <a:rPr lang="en-US" altLang="zh-TW" dirty="0"/>
-              <a:t>		    </a:t>
-            </a:r>
-            <a:r>
-              <a:rPr lang="en-US" altLang="zh-TW" dirty="0" err="1"/>
+              <a:t>	</a:t>
+            </a:r>
+            <a:r>
+              <a:rPr lang="en-US" altLang="zh-TW" dirty="0" smtClean="0"/>
+              <a:t>	    </a:t>
+            </a:r>
+            <a:r>
+              <a:rPr lang="en-US" altLang="zh-TW" dirty="0" err="1" smtClean="0"/>
               <a:t>Kuo</a:t>
             </a:r>
             <a:r>
-              <a:rPr lang="en-US" altLang="zh-TW" dirty="0"/>
+              <a:rPr lang="en-US" altLang="zh-TW" dirty="0" smtClean="0"/>
               <a:t>, </a:t>
             </a:r>
             <a:r>
-              <a:rPr lang="en-US" altLang="zh-TW" dirty="0" err="1"/>
+              <a:rPr lang="en-US" altLang="zh-TW" dirty="0" err="1" smtClean="0"/>
               <a:t>DahWei</a:t>
             </a:r>
             <a:r>
-              <a:rPr lang="en-US" altLang="zh-TW" dirty="0"/>
+              <a:rPr lang="en-US" altLang="zh-TW" dirty="0" smtClean="0"/>
               <a:t>/  001372878</a:t>
             </a:r>
             <a:endParaRPr lang="zh-TW" altLang="en-US" dirty="0"/>
@@ -4873,6 +4972,13 @@
   <p:clrMapOvr>
     <a:masterClrMapping/>
   </p:clrMapOvr>
+  <p:timing>
+    <p:tnLst>
+      <p:par>
+        <p:cTn id="1" dur="indefinite" restart="never" nodeType="tmRoot"/>
+      </p:par>
+    </p:tnLst>
+  </p:timing>
 </p:sld>
 </file>
 
@@ -4916,7 +5022,7 @@
           <a:lstStyle/>
           <a:p>
             <a:r>
-              <a:rPr lang="en-US" altLang="zh-TW" dirty="0"/>
+              <a:rPr lang="en-US" altLang="zh-TW" dirty="0" smtClean="0"/>
               <a:t>Work Request (Room Offer)</a:t>
             </a:r>
             <a:endParaRPr lang="zh-TW" altLang="en-US" dirty="0"/>
@@ -5331,7 +5437,422 @@
           <a:lstStyle/>
           <a:p>
             <a:r>
-              <a:rPr lang="en-US" altLang="zh-TW" dirty="0"/>
+              <a:rPr lang="en-US" altLang="zh-TW" dirty="0" smtClean="0"/>
+              <a:t>Personal Room Offer</a:t>
+            </a:r>
+            <a:endParaRPr lang="zh-TW" altLang="en-US" dirty="0"/>
+          </a:p>
+        </p:txBody>
+      </p:sp>
+      <p:pic>
+        <p:nvPicPr>
+          <p:cNvPr id="4" name="內容版面配置區 3"/>
+          <p:cNvPicPr>
+            <a:picLocks noGrp="1" noChangeAspect="1"/>
+          </p:cNvPicPr>
+          <p:nvPr>
+            <p:ph idx="1"/>
+          </p:nvPr>
+        </p:nvPicPr>
+        <p:blipFill>
+          <a:blip r:embed="rId2">
+            <a:extLst>
+              <a:ext uri="{28A0092B-C50C-407E-A947-70E740481C1C}">
+                <a14:useLocalDpi xmlns:a14="http://schemas.microsoft.com/office/drawing/2010/main" val="0"/>
+              </a:ext>
+            </a:extLst>
+          </a:blip>
+          <a:stretch>
+            <a:fillRect/>
+          </a:stretch>
+        </p:blipFill>
+        <p:spPr>
+          <a:xfrm>
+            <a:off x="1097280" y="509451"/>
+            <a:ext cx="10058400" cy="5359537"/>
+          </a:xfrm>
+        </p:spPr>
+      </p:pic>
+      <p:pic>
+        <p:nvPicPr>
+          <p:cNvPr id="5" name="圖片 4"/>
+          <p:cNvPicPr>
+            <a:picLocks noChangeAspect="1"/>
+          </p:cNvPicPr>
+          <p:nvPr/>
+        </p:nvPicPr>
+        <p:blipFill>
+          <a:blip r:embed="rId3">
+            <a:extLst>
+              <a:ext uri="{28A0092B-C50C-407E-A947-70E740481C1C}">
+                <a14:useLocalDpi xmlns:a14="http://schemas.microsoft.com/office/drawing/2010/main" val="0"/>
+              </a:ext>
+            </a:extLst>
+          </a:blip>
+          <a:stretch>
+            <a:fillRect/>
+          </a:stretch>
+        </p:blipFill>
+        <p:spPr>
+          <a:xfrm>
+            <a:off x="1097280" y="507855"/>
+            <a:ext cx="10401300" cy="5780610"/>
+          </a:xfrm>
+          <a:prstGeom prst="rect">
+            <a:avLst/>
+          </a:prstGeom>
+        </p:spPr>
+      </p:pic>
+      <p:pic>
+        <p:nvPicPr>
+          <p:cNvPr id="6" name="圖片 5"/>
+          <p:cNvPicPr>
+            <a:picLocks noChangeAspect="1"/>
+          </p:cNvPicPr>
+          <p:nvPr/>
+        </p:nvPicPr>
+        <p:blipFill>
+          <a:blip r:embed="rId4">
+            <a:extLst>
+              <a:ext uri="{28A0092B-C50C-407E-A947-70E740481C1C}">
+                <a14:useLocalDpi xmlns:a14="http://schemas.microsoft.com/office/drawing/2010/main" val="0"/>
+              </a:ext>
+            </a:extLst>
+          </a:blip>
+          <a:stretch>
+            <a:fillRect/>
+          </a:stretch>
+        </p:blipFill>
+        <p:spPr>
+          <a:xfrm>
+            <a:off x="1097280" y="507855"/>
+            <a:ext cx="10401300" cy="5780610"/>
+          </a:xfrm>
+          <a:prstGeom prst="rect">
+            <a:avLst/>
+          </a:prstGeom>
+        </p:spPr>
+      </p:pic>
+    </p:spTree>
+    <p:extLst>
+      <p:ext uri="{BB962C8B-B14F-4D97-AF65-F5344CB8AC3E}">
+        <p14:creationId xmlns:p14="http://schemas.microsoft.com/office/powerpoint/2010/main" val="3425347820"/>
+      </p:ext>
+    </p:extLst>
+  </p:cSld>
+  <p:clrMapOvr>
+    <a:masterClrMapping/>
+  </p:clrMapOvr>
+  <p:timing>
+    <p:tnLst>
+      <p:par>
+        <p:cTn id="1" dur="indefinite" restart="never" nodeType="tmRoot">
+          <p:childTnLst>
+            <p:seq concurrent="1" nextAc="seek">
+              <p:cTn id="2" dur="indefinite" nodeType="mainSeq">
+                <p:childTnLst>
+                  <p:par>
+                    <p:cTn id="3" fill="hold">
+                      <p:stCondLst>
+                        <p:cond delay="indefinite"/>
+                      </p:stCondLst>
+                      <p:childTnLst>
+                        <p:par>
+                          <p:cTn id="4" fill="hold">
+                            <p:stCondLst>
+                              <p:cond delay="0"/>
+                            </p:stCondLst>
+                            <p:childTnLst>
+                              <p:par>
+                                <p:cTn id="5" presetID="10" presetClass="entr" presetSubtype="0" fill="hold" nodeType="clickEffect">
+                                  <p:stCondLst>
+                                    <p:cond delay="0"/>
+                                  </p:stCondLst>
+                                  <p:childTnLst>
+                                    <p:set>
+                                      <p:cBhvr>
+                                        <p:cTn id="6" dur="1" fill="hold">
+                                          <p:stCondLst>
+                                            <p:cond delay="0"/>
+                                          </p:stCondLst>
+                                        </p:cTn>
+                                        <p:tgtEl>
+                                          <p:spTgt spid="4"/>
+                                        </p:tgtEl>
+                                        <p:attrNameLst>
+                                          <p:attrName>style.visibility</p:attrName>
+                                        </p:attrNameLst>
+                                      </p:cBhvr>
+                                      <p:to>
+                                        <p:strVal val="visible"/>
+                                      </p:to>
+                                    </p:set>
+                                    <p:animEffect transition="in" filter="fade">
+                                      <p:cBhvr>
+                                        <p:cTn id="7" dur="500"/>
+                                        <p:tgtEl>
+                                          <p:spTgt spid="4"/>
+                                        </p:tgtEl>
+                                      </p:cBhvr>
+                                    </p:animEffect>
+                                  </p:childTnLst>
+                                </p:cTn>
+                              </p:par>
+                            </p:childTnLst>
+                          </p:cTn>
+                        </p:par>
+                      </p:childTnLst>
+                    </p:cTn>
+                  </p:par>
+                  <p:par>
+                    <p:cTn id="8" fill="hold">
+                      <p:stCondLst>
+                        <p:cond delay="indefinite"/>
+                      </p:stCondLst>
+                      <p:childTnLst>
+                        <p:par>
+                          <p:cTn id="9" fill="hold">
+                            <p:stCondLst>
+                              <p:cond delay="0"/>
+                            </p:stCondLst>
+                            <p:childTnLst>
+                              <p:par>
+                                <p:cTn id="10" presetID="2" presetClass="entr" presetSubtype="4" fill="hold" nodeType="clickEffect">
+                                  <p:stCondLst>
+                                    <p:cond delay="0"/>
+                                  </p:stCondLst>
+                                  <p:childTnLst>
+                                    <p:set>
+                                      <p:cBhvr>
+                                        <p:cTn id="11" dur="1" fill="hold">
+                                          <p:stCondLst>
+                                            <p:cond delay="0"/>
+                                          </p:stCondLst>
+                                        </p:cTn>
+                                        <p:tgtEl>
+                                          <p:spTgt spid="5"/>
+                                        </p:tgtEl>
+                                        <p:attrNameLst>
+                                          <p:attrName>style.visibility</p:attrName>
+                                        </p:attrNameLst>
+                                      </p:cBhvr>
+                                      <p:to>
+                                        <p:strVal val="visible"/>
+                                      </p:to>
+                                    </p:set>
+                                    <p:anim calcmode="lin" valueType="num">
+                                      <p:cBhvr additive="base">
+                                        <p:cTn id="12" dur="500" fill="hold"/>
+                                        <p:tgtEl>
+                                          <p:spTgt spid="5"/>
+                                        </p:tgtEl>
+                                        <p:attrNameLst>
+                                          <p:attrName>ppt_x</p:attrName>
+                                        </p:attrNameLst>
+                                      </p:cBhvr>
+                                      <p:tavLst>
+                                        <p:tav tm="0">
+                                          <p:val>
+                                            <p:strVal val="#ppt_x"/>
+                                          </p:val>
+                                        </p:tav>
+                                        <p:tav tm="100000">
+                                          <p:val>
+                                            <p:strVal val="#ppt_x"/>
+                                          </p:val>
+                                        </p:tav>
+                                      </p:tavLst>
+                                    </p:anim>
+                                    <p:anim calcmode="lin" valueType="num">
+                                      <p:cBhvr additive="base">
+                                        <p:cTn id="13" dur="500" fill="hold"/>
+                                        <p:tgtEl>
+                                          <p:spTgt spid="5"/>
+                                        </p:tgtEl>
+                                        <p:attrNameLst>
+                                          <p:attrName>ppt_y</p:attrName>
+                                        </p:attrNameLst>
+                                      </p:cBhvr>
+                                      <p:tavLst>
+                                        <p:tav tm="0">
+                                          <p:val>
+                                            <p:strVal val="1+#ppt_h/2"/>
+                                          </p:val>
+                                        </p:tav>
+                                        <p:tav tm="100000">
+                                          <p:val>
+                                            <p:strVal val="#ppt_y"/>
+                                          </p:val>
+                                        </p:tav>
+                                      </p:tavLst>
+                                    </p:anim>
+                                  </p:childTnLst>
+                                </p:cTn>
+                              </p:par>
+                            </p:childTnLst>
+                          </p:cTn>
+                        </p:par>
+                      </p:childTnLst>
+                    </p:cTn>
+                  </p:par>
+                  <p:par>
+                    <p:cTn id="14" fill="hold">
+                      <p:stCondLst>
+                        <p:cond delay="indefinite"/>
+                      </p:stCondLst>
+                      <p:childTnLst>
+                        <p:par>
+                          <p:cTn id="15" fill="hold">
+                            <p:stCondLst>
+                              <p:cond delay="0"/>
+                            </p:stCondLst>
+                            <p:childTnLst>
+                              <p:par>
+                                <p:cTn id="16" presetID="42" presetClass="entr" presetSubtype="0" fill="hold" nodeType="clickEffect">
+                                  <p:stCondLst>
+                                    <p:cond delay="0"/>
+                                  </p:stCondLst>
+                                  <p:childTnLst>
+                                    <p:set>
+                                      <p:cBhvr>
+                                        <p:cTn id="17" dur="1" fill="hold">
+                                          <p:stCondLst>
+                                            <p:cond delay="0"/>
+                                          </p:stCondLst>
+                                        </p:cTn>
+                                        <p:tgtEl>
+                                          <p:spTgt spid="6"/>
+                                        </p:tgtEl>
+                                        <p:attrNameLst>
+                                          <p:attrName>style.visibility</p:attrName>
+                                        </p:attrNameLst>
+                                      </p:cBhvr>
+                                      <p:to>
+                                        <p:strVal val="visible"/>
+                                      </p:to>
+                                    </p:set>
+                                    <p:animEffect transition="in" filter="fade">
+                                      <p:cBhvr>
+                                        <p:cTn id="18" dur="1000"/>
+                                        <p:tgtEl>
+                                          <p:spTgt spid="6"/>
+                                        </p:tgtEl>
+                                      </p:cBhvr>
+                                    </p:animEffect>
+                                    <p:anim calcmode="lin" valueType="num">
+                                      <p:cBhvr>
+                                        <p:cTn id="19" dur="1000" fill="hold"/>
+                                        <p:tgtEl>
+                                          <p:spTgt spid="6"/>
+                                        </p:tgtEl>
+                                        <p:attrNameLst>
+                                          <p:attrName>ppt_x</p:attrName>
+                                        </p:attrNameLst>
+                                      </p:cBhvr>
+                                      <p:tavLst>
+                                        <p:tav tm="0">
+                                          <p:val>
+                                            <p:strVal val="#ppt_x"/>
+                                          </p:val>
+                                        </p:tav>
+                                        <p:tav tm="100000">
+                                          <p:val>
+                                            <p:strVal val="#ppt_x"/>
+                                          </p:val>
+                                        </p:tav>
+                                      </p:tavLst>
+                                    </p:anim>
+                                    <p:anim calcmode="lin" valueType="num">
+                                      <p:cBhvr>
+                                        <p:cTn id="20" dur="1000" fill="hold"/>
+                                        <p:tgtEl>
+                                          <p:spTgt spid="6"/>
+                                        </p:tgtEl>
+                                        <p:attrNameLst>
+                                          <p:attrName>ppt_y</p:attrName>
+                                        </p:attrNameLst>
+                                      </p:cBhvr>
+                                      <p:tavLst>
+                                        <p:tav tm="0">
+                                          <p:val>
+                                            <p:strVal val="#ppt_y+.1"/>
+                                          </p:val>
+                                        </p:tav>
+                                        <p:tav tm="100000">
+                                          <p:val>
+                                            <p:strVal val="#ppt_y"/>
+                                          </p:val>
+                                        </p:tav>
+                                      </p:tavLst>
+                                    </p:anim>
+                                  </p:childTnLst>
+                                </p:cTn>
+                              </p:par>
+                            </p:childTnLst>
+                          </p:cTn>
+                        </p:par>
+                      </p:childTnLst>
+                    </p:cTn>
+                  </p:par>
+                </p:childTnLst>
+              </p:cTn>
+              <p:prevCondLst>
+                <p:cond evt="onPrev" delay="0">
+                  <p:tgtEl>
+                    <p:sldTgt/>
+                  </p:tgtEl>
+                </p:cond>
+              </p:prevCondLst>
+              <p:nextCondLst>
+                <p:cond evt="onNext" delay="0">
+                  <p:tgtEl>
+                    <p:sldTgt/>
+                  </p:tgtEl>
+                </p:cond>
+              </p:nextCondLst>
+            </p:seq>
+          </p:childTnLst>
+        </p:cTn>
+      </p:par>
+    </p:tnLst>
+  </p:timing>
+</p:sld>
+</file>
+
+<file path=ppt/slides/slide12.xml><?xml version="1.0" encoding="utf-8"?>
+<p:sld xmlns:a="http://schemas.openxmlformats.org/drawingml/2006/main" xmlns:r="http://schemas.openxmlformats.org/officeDocument/2006/relationships" xmlns:p="http://schemas.openxmlformats.org/presentationml/2006/main">
+  <p:cSld>
+    <p:spTree>
+      <p:nvGrpSpPr>
+        <p:cNvPr id="1" name=""/>
+        <p:cNvGrpSpPr/>
+        <p:nvPr/>
+      </p:nvGrpSpPr>
+      <p:grpSpPr>
+        <a:xfrm>
+          <a:off x="0" y="0"/>
+          <a:ext cx="0" cy="0"/>
+          <a:chOff x="0" y="0"/>
+          <a:chExt cx="0" cy="0"/>
+        </a:xfrm>
+      </p:grpSpPr>
+      <p:sp>
+        <p:nvSpPr>
+          <p:cNvPr id="2" name="標題 1"/>
+          <p:cNvSpPr>
+            <a:spLocks noGrp="1"/>
+          </p:cNvSpPr>
+          <p:nvPr>
+            <p:ph type="title"/>
+          </p:nvPr>
+        </p:nvSpPr>
+        <p:spPr/>
+        <p:txBody>
+          <a:bodyPr/>
+          <a:lstStyle/>
+          <a:p>
+            <a:r>
+              <a:rPr lang="en-US" altLang="zh-TW" dirty="0" smtClean="0"/>
               <a:t>Work flow of room:</a:t>
             </a:r>
             <a:endParaRPr lang="zh-TW" altLang="en-US" dirty="0"/>
@@ -5357,7 +5878,7 @@
               <a:buFont typeface="Wingdings" panose="05000000000000000000" pitchFamily="2" charset="2"/>
               <a:buChar char="l"/>
             </a:pPr>
-            <a:endParaRPr lang="en-US" altLang="zh-TW" dirty="0"/>
+            <a:endParaRPr lang="en-US" altLang="zh-TW" dirty="0" smtClean="0"/>
           </a:p>
           <a:p>
             <a:pPr>
@@ -5365,13 +5886,20 @@
               <a:buChar char="l"/>
             </a:pPr>
             <a:r>
-              <a:rPr lang="en-US" altLang="zh-TW" dirty="0"/>
+              <a:rPr lang="en-US" altLang="zh-TW" dirty="0" smtClean="0"/>
               <a:t> </a:t>
             </a:r>
             <a:r>
-              <a:rPr lang="en-US" altLang="zh-TW" sz="2400" dirty="0"/>
+              <a:rPr lang="en-US" altLang="zh-TW" sz="2400" dirty="0" smtClean="0"/>
               <a:t>Company/ Person offers room. (Status: Under review)</a:t>
             </a:r>
+          </a:p>
+          <a:p>
+            <a:pPr>
+              <a:buFont typeface="Wingdings" panose="05000000000000000000" pitchFamily="2" charset="2"/>
+              <a:buChar char="l"/>
+            </a:pPr>
+            <a:endParaRPr lang="en-US" altLang="zh-TW" sz="2400" dirty="0" smtClean="0"/>
           </a:p>
           <a:p>
             <a:pPr>
@@ -5385,17 +5913,17 @@
               <a:buFont typeface="Wingdings" panose="05000000000000000000" pitchFamily="2" charset="2"/>
               <a:buChar char="l"/>
             </a:pPr>
-            <a:endParaRPr lang="en-US" altLang="zh-TW" sz="2400" dirty="0"/>
+            <a:r>
+              <a:rPr lang="en-US" altLang="zh-TW" sz="2400" dirty="0" smtClean="0"/>
+              <a:t> Room organization can approve the rooms offered.</a:t>
+            </a:r>
           </a:p>
           <a:p>
             <a:pPr>
               <a:buFont typeface="Wingdings" panose="05000000000000000000" pitchFamily="2" charset="2"/>
               <a:buChar char="l"/>
             </a:pPr>
-            <a:r>
-              <a:rPr lang="en-US" altLang="zh-TW" sz="2400" dirty="0"/>
-              <a:t> Room organization can approve the rooms offered.</a:t>
-            </a:r>
+            <a:endParaRPr lang="en-US" altLang="zh-TW" sz="2400" dirty="0" smtClean="0"/>
           </a:p>
           <a:p>
             <a:pPr>
@@ -5409,24 +5937,17 @@
               <a:buFont typeface="Wingdings" panose="05000000000000000000" pitchFamily="2" charset="2"/>
               <a:buChar char="l"/>
             </a:pPr>
-            <a:endParaRPr lang="en-US" altLang="zh-TW" sz="2400" dirty="0"/>
+            <a:r>
+              <a:rPr lang="en-US" altLang="zh-TW" sz="2400" dirty="0" smtClean="0"/>
+              <a:t> Company/ Person offered room status becomes approved.</a:t>
+            </a:r>
           </a:p>
           <a:p>
             <a:pPr>
               <a:buFont typeface="Wingdings" panose="05000000000000000000" pitchFamily="2" charset="2"/>
               <a:buChar char="l"/>
             </a:pPr>
-            <a:r>
-              <a:rPr lang="en-US" altLang="zh-TW" sz="2400" dirty="0"/>
-              <a:t> Company/ Person offered room status becomes approved.</a:t>
-            </a:r>
-          </a:p>
-          <a:p>
-            <a:pPr>
-              <a:buFont typeface="Wingdings" panose="05000000000000000000" pitchFamily="2" charset="2"/>
-              <a:buChar char="l"/>
-            </a:pPr>
-            <a:endParaRPr lang="en-US" altLang="zh-TW" dirty="0"/>
+            <a:endParaRPr lang="en-US" altLang="zh-TW" dirty="0" smtClean="0"/>
           </a:p>
         </p:txBody>
       </p:sp>
@@ -5488,10 +6009,17 @@
   <p:clrMapOvr>
     <a:masterClrMapping/>
   </p:clrMapOvr>
+  <p:timing>
+    <p:tnLst>
+      <p:par>
+        <p:cTn id="1" dur="indefinite" restart="never" nodeType="tmRoot"/>
+      </p:par>
+    </p:tnLst>
+  </p:timing>
 </p:sld>
 </file>
 
-<file path=ppt/slides/slide12.xml><?xml version="1.0" encoding="utf-8"?>
+<file path=ppt/slides/slide13.xml><?xml version="1.0" encoding="utf-8"?>
 <p:sld xmlns:a="http://schemas.openxmlformats.org/drawingml/2006/main" xmlns:r="http://schemas.openxmlformats.org/officeDocument/2006/relationships" xmlns:p="http://schemas.openxmlformats.org/presentationml/2006/main">
   <p:cSld>
     <p:spTree>
@@ -5524,7 +6052,7 @@
           <a:lstStyle/>
           <a:p>
             <a:r>
-              <a:rPr lang="en-US" altLang="zh-TW" dirty="0"/>
+              <a:rPr lang="en-US" altLang="zh-TW" dirty="0" smtClean="0"/>
               <a:t>Work Requests (client book a room)</a:t>
             </a:r>
             <a:endParaRPr lang="zh-TW" altLang="en-US" dirty="0"/>
@@ -5689,7 +6217,7 @@
         <p:spPr>
           <a:xfrm>
             <a:off x="316846" y="137317"/>
-            <a:ext cx="11875154" cy="6286846"/>
+            <a:ext cx="11875154" cy="6066402"/>
           </a:xfrm>
           <a:prstGeom prst="rect">
             <a:avLst/>
@@ -5718,14 +6246,90 @@
         </p:blipFill>
         <p:spPr>
           <a:xfrm>
-            <a:off x="246597" y="77915"/>
-            <a:ext cx="11945403" cy="6324979"/>
+            <a:off x="246597" y="77916"/>
+            <a:ext cx="11945403" cy="6226596"/>
           </a:xfrm>
           <a:prstGeom prst="rect">
             <a:avLst/>
           </a:prstGeom>
         </p:spPr>
       </p:pic>
+      <p:pic>
+        <p:nvPicPr>
+          <p:cNvPr id="13" name="圖片 12"/>
+          <p:cNvPicPr>
+            <a:picLocks noChangeAspect="1"/>
+          </p:cNvPicPr>
+          <p:nvPr/>
+        </p:nvPicPr>
+        <p:blipFill>
+          <a:blip r:embed="rId7">
+            <a:extLst>
+              <a:ext uri="{28A0092B-C50C-407E-A947-70E740481C1C}">
+                <a14:useLocalDpi xmlns:a14="http://schemas.microsoft.com/office/drawing/2010/main" val="0"/>
+              </a:ext>
+            </a:extLst>
+          </a:blip>
+          <a:stretch>
+            <a:fillRect/>
+          </a:stretch>
+        </p:blipFill>
+        <p:spPr>
+          <a:xfrm>
+            <a:off x="246596" y="0"/>
+            <a:ext cx="11945403" cy="6295325"/>
+          </a:xfrm>
+          <a:prstGeom prst="rect">
+            <a:avLst/>
+          </a:prstGeom>
+        </p:spPr>
+      </p:pic>
+      <p:sp>
+        <p:nvSpPr>
+          <p:cNvPr id="14" name="矩形 13"/>
+          <p:cNvSpPr/>
+          <p:nvPr/>
+        </p:nvSpPr>
+        <p:spPr>
+          <a:xfrm>
+            <a:off x="6598227" y="1737360"/>
+            <a:ext cx="584893" cy="184958"/>
+          </a:xfrm>
+          <a:prstGeom prst="rect">
+            <a:avLst/>
+          </a:prstGeom>
+          <a:noFill/>
+          <a:ln>
+            <a:solidFill>
+              <a:srgbClr val="FF0000"/>
+            </a:solidFill>
+          </a:ln>
+        </p:spPr>
+        <p:style>
+          <a:lnRef idx="2">
+            <a:schemeClr val="accent1">
+              <a:shade val="50000"/>
+            </a:schemeClr>
+          </a:lnRef>
+          <a:fillRef idx="1">
+            <a:schemeClr val="accent1"/>
+          </a:fillRef>
+          <a:effectRef idx="0">
+            <a:schemeClr val="accent1"/>
+          </a:effectRef>
+          <a:fontRef idx="minor">
+            <a:schemeClr val="lt1"/>
+          </a:fontRef>
+        </p:style>
+        <p:txBody>
+          <a:bodyPr rtlCol="0" anchor="ctr"/>
+          <a:lstStyle/>
+          <a:p>
+            <a:pPr algn="ctr"/>
+            <a:endParaRPr lang="zh-TW" altLang="en-US"/>
+          </a:p>
+        </p:txBody>
+      </p:sp>
     </p:spTree>
     <p:extLst>
       <p:ext uri="{BB962C8B-B14F-4D97-AF65-F5344CB8AC3E}">
@@ -6138,6 +6742,158 @@
                       </p:childTnLst>
                     </p:cTn>
                   </p:par>
+                  <p:par>
+                    <p:cTn id="35" fill="hold">
+                      <p:stCondLst>
+                        <p:cond delay="indefinite"/>
+                      </p:stCondLst>
+                      <p:childTnLst>
+                        <p:par>
+                          <p:cTn id="36" fill="hold">
+                            <p:stCondLst>
+                              <p:cond delay="0"/>
+                            </p:stCondLst>
+                            <p:childTnLst>
+                              <p:par>
+                                <p:cTn id="37" presetID="42" presetClass="entr" presetSubtype="0" fill="hold" nodeType="clickEffect">
+                                  <p:stCondLst>
+                                    <p:cond delay="0"/>
+                                  </p:stCondLst>
+                                  <p:childTnLst>
+                                    <p:set>
+                                      <p:cBhvr>
+                                        <p:cTn id="38" dur="1" fill="hold">
+                                          <p:stCondLst>
+                                            <p:cond delay="0"/>
+                                          </p:stCondLst>
+                                        </p:cTn>
+                                        <p:tgtEl>
+                                          <p:spTgt spid="13"/>
+                                        </p:tgtEl>
+                                        <p:attrNameLst>
+                                          <p:attrName>style.visibility</p:attrName>
+                                        </p:attrNameLst>
+                                      </p:cBhvr>
+                                      <p:to>
+                                        <p:strVal val="visible"/>
+                                      </p:to>
+                                    </p:set>
+                                    <p:animEffect transition="in" filter="fade">
+                                      <p:cBhvr>
+                                        <p:cTn id="39" dur="1000"/>
+                                        <p:tgtEl>
+                                          <p:spTgt spid="13"/>
+                                        </p:tgtEl>
+                                      </p:cBhvr>
+                                    </p:animEffect>
+                                    <p:anim calcmode="lin" valueType="num">
+                                      <p:cBhvr>
+                                        <p:cTn id="40" dur="1000" fill="hold"/>
+                                        <p:tgtEl>
+                                          <p:spTgt spid="13"/>
+                                        </p:tgtEl>
+                                        <p:attrNameLst>
+                                          <p:attrName>ppt_x</p:attrName>
+                                        </p:attrNameLst>
+                                      </p:cBhvr>
+                                      <p:tavLst>
+                                        <p:tav tm="0">
+                                          <p:val>
+                                            <p:strVal val="#ppt_x"/>
+                                          </p:val>
+                                        </p:tav>
+                                        <p:tav tm="100000">
+                                          <p:val>
+                                            <p:strVal val="#ppt_x"/>
+                                          </p:val>
+                                        </p:tav>
+                                      </p:tavLst>
+                                    </p:anim>
+                                    <p:anim calcmode="lin" valueType="num">
+                                      <p:cBhvr>
+                                        <p:cTn id="41" dur="1000" fill="hold"/>
+                                        <p:tgtEl>
+                                          <p:spTgt spid="13"/>
+                                        </p:tgtEl>
+                                        <p:attrNameLst>
+                                          <p:attrName>ppt_y</p:attrName>
+                                        </p:attrNameLst>
+                                      </p:cBhvr>
+                                      <p:tavLst>
+                                        <p:tav tm="0">
+                                          <p:val>
+                                            <p:strVal val="#ppt_y+.1"/>
+                                          </p:val>
+                                        </p:tav>
+                                        <p:tav tm="100000">
+                                          <p:val>
+                                            <p:strVal val="#ppt_y"/>
+                                          </p:val>
+                                        </p:tav>
+                                      </p:tavLst>
+                                    </p:anim>
+                                  </p:childTnLst>
+                                </p:cTn>
+                              </p:par>
+                            </p:childTnLst>
+                          </p:cTn>
+                        </p:par>
+                      </p:childTnLst>
+                    </p:cTn>
+                  </p:par>
+                  <p:par>
+                    <p:cTn id="42" fill="hold">
+                      <p:stCondLst>
+                        <p:cond delay="indefinite"/>
+                      </p:stCondLst>
+                      <p:childTnLst>
+                        <p:par>
+                          <p:cTn id="43" fill="hold">
+                            <p:stCondLst>
+                              <p:cond delay="0"/>
+                            </p:stCondLst>
+                            <p:childTnLst>
+                              <p:par>
+                                <p:cTn id="44" presetID="10" presetClass="entr" presetSubtype="0" fill="hold" grpId="0" nodeType="clickEffect">
+                                  <p:stCondLst>
+                                    <p:cond delay="0"/>
+                                  </p:stCondLst>
+                                  <p:childTnLst>
+                                    <p:set>
+                                      <p:cBhvr>
+                                        <p:cTn id="45" dur="1" fill="hold">
+                                          <p:stCondLst>
+                                            <p:cond delay="0"/>
+                                          </p:stCondLst>
+                                        </p:cTn>
+                                        <p:tgtEl>
+                                          <p:spTgt spid="14"/>
+                                        </p:tgtEl>
+                                        <p:attrNameLst>
+                                          <p:attrName>style.visibility</p:attrName>
+                                        </p:attrNameLst>
+                                      </p:cBhvr>
+                                      <p:to>
+                                        <p:strVal val="visible"/>
+                                      </p:to>
+                                    </p:set>
+                                    <p:animEffect transition="in" filter="fade">
+                                      <p:cBhvr>
+                                        <p:cTn id="46" dur="500"/>
+                                        <p:tgtEl>
+                                          <p:spTgt spid="14"/>
+                                        </p:tgtEl>
+                                      </p:cBhvr>
+                                    </p:animEffect>
+                                  </p:childTnLst>
+                                </p:cTn>
+                              </p:par>
+                            </p:childTnLst>
+                          </p:cTn>
+                        </p:par>
+                      </p:childTnLst>
+                    </p:cTn>
+                  </p:par>
                 </p:childTnLst>
               </p:cTn>
               <p:prevCondLst>
@@ -6161,12 +6917,13 @@
     </p:tnLst>
     <p:bldLst>
       <p:bldP spid="10" grpId="0" animBg="1"/>
+      <p:bldP spid="14" grpId="0" animBg="1"/>
     </p:bldLst>
   </p:timing>
 </p:sld>
 </file>
 
-<file path=ppt/slides/slide13.xml><?xml version="1.0" encoding="utf-8"?>
+<file path=ppt/slides/slide14.xml><?xml version="1.0" encoding="utf-8"?>
 <p:sld xmlns:a="http://schemas.openxmlformats.org/drawingml/2006/main" xmlns:r="http://schemas.openxmlformats.org/officeDocument/2006/relationships" xmlns:p="http://schemas.openxmlformats.org/presentationml/2006/main">
   <p:cSld>
     <p:spTree>
@@ -6199,7 +6956,7 @@
           <a:lstStyle/>
           <a:p>
             <a:r>
-              <a:rPr lang="en-US" altLang="zh-TW" dirty="0"/>
+              <a:rPr lang="en-US" altLang="zh-TW" dirty="0" smtClean="0"/>
               <a:t>Matching Organization:</a:t>
             </a:r>
             <a:endParaRPr lang="zh-TW" altLang="en-US" dirty="0"/>
@@ -6208,40 +6965,13 @@
       </p:sp>
       <p:pic>
         <p:nvPicPr>
-          <p:cNvPr id="4" name="內容版面配置區 3"/>
+          <p:cNvPr id="6" name="內容版面配置區 5"/>
           <p:cNvPicPr>
             <a:picLocks noGrp="1" noChangeAspect="1"/>
           </p:cNvPicPr>
           <p:nvPr>
             <p:ph idx="1"/>
           </p:nvPr>
-        </p:nvPicPr>
-        <p:blipFill>
-          <a:blip r:embed="rId2">
-            <a:extLst>
-              <a:ext uri="{28A0092B-C50C-407E-A947-70E740481C1C}">
-                <a14:useLocalDpi xmlns:a14="http://schemas.microsoft.com/office/drawing/2010/main" val="0"/>
-              </a:ext>
-            </a:extLst>
-          </a:blip>
-          <a:stretch>
-            <a:fillRect/>
-          </a:stretch>
-        </p:blipFill>
-        <p:spPr>
-          <a:xfrm>
-            <a:off x="738258" y="286603"/>
-            <a:ext cx="10955505" cy="5833642"/>
-          </a:xfrm>
-        </p:spPr>
-      </p:pic>
-      <p:pic>
-        <p:nvPicPr>
-          <p:cNvPr id="5" name="圖片 4"/>
-          <p:cNvPicPr>
-            <a:picLocks noChangeAspect="1"/>
-          </p:cNvPicPr>
-          <p:nvPr/>
         </p:nvPicPr>
         <p:blipFill>
           <a:blip r:embed="rId3">
@@ -6257,8 +6987,35 @@
         </p:blipFill>
         <p:spPr>
           <a:xfrm>
-            <a:off x="438150" y="286603"/>
-            <a:ext cx="11376660" cy="6035040"/>
+            <a:off x="1147530" y="486011"/>
+            <a:ext cx="10008149" cy="5329190"/>
+          </a:xfrm>
+        </p:spPr>
+      </p:pic>
+      <p:pic>
+        <p:nvPicPr>
+          <p:cNvPr id="7" name="圖片 6"/>
+          <p:cNvPicPr>
+            <a:picLocks noChangeAspect="1"/>
+          </p:cNvPicPr>
+          <p:nvPr/>
+        </p:nvPicPr>
+        <p:blipFill>
+          <a:blip r:embed="rId4">
+            <a:extLst>
+              <a:ext uri="{28A0092B-C50C-407E-A947-70E740481C1C}">
+                <a14:useLocalDpi xmlns:a14="http://schemas.microsoft.com/office/drawing/2010/main" val="0"/>
+              </a:ext>
+            </a:extLst>
+          </a:blip>
+          <a:stretch>
+            <a:fillRect/>
+          </a:stretch>
+        </p:blipFill>
+        <p:spPr>
+          <a:xfrm>
+            <a:off x="859456" y="486011"/>
+            <a:ext cx="10367343" cy="5541766"/>
           </a:xfrm>
           <a:prstGeom prst="rect">
             <a:avLst/>
@@ -6267,14 +7024,14 @@
       </p:pic>
       <p:sp>
         <p:nvSpPr>
-          <p:cNvPr id="11" name="矩形 10"/>
+          <p:cNvPr id="8" name="矩形 7"/>
           <p:cNvSpPr/>
           <p:nvPr/>
         </p:nvSpPr>
         <p:spPr>
           <a:xfrm>
-            <a:off x="6307283" y="2005445"/>
-            <a:ext cx="509154" cy="218209"/>
+            <a:off x="6390640" y="2052320"/>
+            <a:ext cx="375920" cy="111760"/>
           </a:xfrm>
           <a:prstGeom prst="rect">
             <a:avLst/>
@@ -6311,10 +7068,669 @@
           </a:p>
         </p:txBody>
       </p:sp>
+      <p:pic>
+        <p:nvPicPr>
+          <p:cNvPr id="9" name="圖片 8"/>
+          <p:cNvPicPr>
+            <a:picLocks noChangeAspect="1"/>
+          </p:cNvPicPr>
+          <p:nvPr/>
+        </p:nvPicPr>
+        <p:blipFill>
+          <a:blip r:embed="rId5">
+            <a:extLst>
+              <a:ext uri="{28A0092B-C50C-407E-A947-70E740481C1C}">
+                <a14:useLocalDpi xmlns:a14="http://schemas.microsoft.com/office/drawing/2010/main" val="0"/>
+              </a:ext>
+            </a:extLst>
+          </a:blip>
+          <a:stretch>
+            <a:fillRect/>
+          </a:stretch>
+        </p:blipFill>
+        <p:spPr>
+          <a:xfrm>
+            <a:off x="713105" y="486011"/>
+            <a:ext cx="10826749" cy="5771852"/>
+          </a:xfrm>
+          <a:prstGeom prst="rect">
+            <a:avLst/>
+          </a:prstGeom>
+        </p:spPr>
+      </p:pic>
+      <p:sp>
+        <p:nvSpPr>
+          <p:cNvPr id="12" name="矩形 11"/>
+          <p:cNvSpPr/>
+          <p:nvPr/>
+        </p:nvSpPr>
+        <p:spPr>
+          <a:xfrm>
+            <a:off x="7330440" y="2092960"/>
+            <a:ext cx="335280" cy="142240"/>
+          </a:xfrm>
+          <a:prstGeom prst="rect">
+            <a:avLst/>
+          </a:prstGeom>
+          <a:noFill/>
+          <a:ln>
+            <a:solidFill>
+              <a:srgbClr val="FF0000"/>
+            </a:solidFill>
+          </a:ln>
+        </p:spPr>
+        <p:style>
+          <a:lnRef idx="2">
+            <a:schemeClr val="accent1">
+              <a:shade val="50000"/>
+            </a:schemeClr>
+          </a:lnRef>
+          <a:fillRef idx="1">
+            <a:schemeClr val="accent1"/>
+          </a:fillRef>
+          <a:effectRef idx="0">
+            <a:schemeClr val="accent1"/>
+          </a:effectRef>
+          <a:fontRef idx="minor">
+            <a:schemeClr val="lt1"/>
+          </a:fontRef>
+        </p:style>
+        <p:txBody>
+          <a:bodyPr rtlCol="0" anchor="ctr"/>
+          <a:lstStyle/>
+          <a:p>
+            <a:pPr algn="ctr"/>
+            <a:endParaRPr lang="zh-TW" altLang="en-US"/>
+          </a:p>
+        </p:txBody>
+      </p:sp>
     </p:spTree>
     <p:extLst>
       <p:ext uri="{BB962C8B-B14F-4D97-AF65-F5344CB8AC3E}">
         <p14:creationId xmlns:p14="http://schemas.microsoft.com/office/powerpoint/2010/main" val="589630548"/>
+      </p:ext>
+    </p:extLst>
+  </p:cSld>
+  <p:clrMapOvr>
+    <a:masterClrMapping/>
+  </p:clrMapOvr>
+  <p:timing>
+    <p:tnLst>
+      <p:par>
+        <p:cTn id="1" dur="indefinite" restart="never" nodeType="tmRoot">
+          <p:childTnLst>
+            <p:seq concurrent="1" nextAc="seek">
+              <p:cTn id="2" dur="indefinite" nodeType="mainSeq">
+                <p:childTnLst>
+                  <p:par>
+                    <p:cTn id="3" fill="hold">
+                      <p:stCondLst>
+                        <p:cond delay="indefinite"/>
+                      </p:stCondLst>
+                      <p:childTnLst>
+                        <p:par>
+                          <p:cTn id="4" fill="hold">
+                            <p:stCondLst>
+                              <p:cond delay="0"/>
+                            </p:stCondLst>
+                            <p:childTnLst>
+                              <p:par>
+                                <p:cTn id="5" presetID="22" presetClass="entr" presetSubtype="4" fill="hold" nodeType="clickEffect">
+                                  <p:stCondLst>
+                                    <p:cond delay="0"/>
+                                  </p:stCondLst>
+                                  <p:childTnLst>
+                                    <p:set>
+                                      <p:cBhvr>
+                                        <p:cTn id="6" dur="1" fill="hold">
+                                          <p:stCondLst>
+                                            <p:cond delay="0"/>
+                                          </p:stCondLst>
+                                        </p:cTn>
+                                        <p:tgtEl>
+                                          <p:spTgt spid="6"/>
+                                        </p:tgtEl>
+                                        <p:attrNameLst>
+                                          <p:attrName>style.visibility</p:attrName>
+                                        </p:attrNameLst>
+                                      </p:cBhvr>
+                                      <p:to>
+                                        <p:strVal val="visible"/>
+                                      </p:to>
+                                    </p:set>
+                                    <p:animEffect transition="in" filter="wipe(down)">
+                                      <p:cBhvr>
+                                        <p:cTn id="7" dur="500"/>
+                                        <p:tgtEl>
+                                          <p:spTgt spid="6"/>
+                                        </p:tgtEl>
+                                      </p:cBhvr>
+                                    </p:animEffect>
+                                  </p:childTnLst>
+                                </p:cTn>
+                              </p:par>
+                            </p:childTnLst>
+                          </p:cTn>
+                        </p:par>
+                      </p:childTnLst>
+                    </p:cTn>
+                  </p:par>
+                  <p:par>
+                    <p:cTn id="8" fill="hold">
+                      <p:stCondLst>
+                        <p:cond delay="indefinite"/>
+                      </p:stCondLst>
+                      <p:childTnLst>
+                        <p:par>
+                          <p:cTn id="9" fill="hold">
+                            <p:stCondLst>
+                              <p:cond delay="0"/>
+                            </p:stCondLst>
+                            <p:childTnLst>
+                              <p:par>
+                                <p:cTn id="10" presetID="22" presetClass="entr" presetSubtype="4" fill="hold" nodeType="clickEffect">
+                                  <p:stCondLst>
+                                    <p:cond delay="0"/>
+                                  </p:stCondLst>
+                                  <p:childTnLst>
+                                    <p:set>
+                                      <p:cBhvr>
+                                        <p:cTn id="11" dur="1" fill="hold">
+                                          <p:stCondLst>
+                                            <p:cond delay="0"/>
+                                          </p:stCondLst>
+                                        </p:cTn>
+                                        <p:tgtEl>
+                                          <p:spTgt spid="7"/>
+                                        </p:tgtEl>
+                                        <p:attrNameLst>
+                                          <p:attrName>style.visibility</p:attrName>
+                                        </p:attrNameLst>
+                                      </p:cBhvr>
+                                      <p:to>
+                                        <p:strVal val="visible"/>
+                                      </p:to>
+                                    </p:set>
+                                    <p:animEffect transition="in" filter="wipe(down)">
+                                      <p:cBhvr>
+                                        <p:cTn id="12" dur="500"/>
+                                        <p:tgtEl>
+                                          <p:spTgt spid="7"/>
+                                        </p:tgtEl>
+                                      </p:cBhvr>
+                                    </p:animEffect>
+                                  </p:childTnLst>
+                                </p:cTn>
+                              </p:par>
+                            </p:childTnLst>
+                          </p:cTn>
+                        </p:par>
+                      </p:childTnLst>
+                    </p:cTn>
+                  </p:par>
+                  <p:par>
+                    <p:cTn id="13" fill="hold">
+                      <p:stCondLst>
+                        <p:cond delay="indefinite"/>
+                      </p:stCondLst>
+                      <p:childTnLst>
+                        <p:par>
+                          <p:cTn id="14" fill="hold">
+                            <p:stCondLst>
+                              <p:cond delay="0"/>
+                            </p:stCondLst>
+                            <p:childTnLst>
+                              <p:par>
+                                <p:cTn id="15" presetID="21" presetClass="entr" presetSubtype="1" fill="hold" grpId="0" nodeType="clickEffect">
+                                  <p:stCondLst>
+                                    <p:cond delay="0"/>
+                                  </p:stCondLst>
+                                  <p:childTnLst>
+                                    <p:set>
+                                      <p:cBhvr>
+                                        <p:cTn id="16" dur="1" fill="hold">
+                                          <p:stCondLst>
+                                            <p:cond delay="0"/>
+                                          </p:stCondLst>
+                                        </p:cTn>
+                                        <p:tgtEl>
+                                          <p:spTgt spid="8"/>
+                                        </p:tgtEl>
+                                        <p:attrNameLst>
+                                          <p:attrName>style.visibility</p:attrName>
+                                        </p:attrNameLst>
+                                      </p:cBhvr>
+                                      <p:to>
+                                        <p:strVal val="visible"/>
+                                      </p:to>
+                                    </p:set>
+                                    <p:animEffect transition="in" filter="wheel(1)">
+                                      <p:cBhvr>
+                                        <p:cTn id="17" dur="1000"/>
+                                        <p:tgtEl>
+                                          <p:spTgt spid="8"/>
+                                        </p:tgtEl>
+                                      </p:cBhvr>
+                                    </p:animEffect>
+                                  </p:childTnLst>
+                                </p:cTn>
+                              </p:par>
+                            </p:childTnLst>
+                          </p:cTn>
+                        </p:par>
+                      </p:childTnLst>
+                    </p:cTn>
+                  </p:par>
+                  <p:par>
+                    <p:cTn id="18" fill="hold">
+                      <p:stCondLst>
+                        <p:cond delay="indefinite"/>
+                      </p:stCondLst>
+                      <p:childTnLst>
+                        <p:par>
+                          <p:cTn id="19" fill="hold">
+                            <p:stCondLst>
+                              <p:cond delay="0"/>
+                            </p:stCondLst>
+                            <p:childTnLst>
+                              <p:par>
+                                <p:cTn id="20" presetID="14" presetClass="entr" presetSubtype="10" fill="hold" nodeType="clickEffect">
+                                  <p:stCondLst>
+                                    <p:cond delay="0"/>
+                                  </p:stCondLst>
+                                  <p:childTnLst>
+                                    <p:set>
+                                      <p:cBhvr>
+                                        <p:cTn id="21" dur="1" fill="hold">
+                                          <p:stCondLst>
+                                            <p:cond delay="0"/>
+                                          </p:stCondLst>
+                                        </p:cTn>
+                                        <p:tgtEl>
+                                          <p:spTgt spid="9"/>
+                                        </p:tgtEl>
+                                        <p:attrNameLst>
+                                          <p:attrName>style.visibility</p:attrName>
+                                        </p:attrNameLst>
+                                      </p:cBhvr>
+                                      <p:to>
+                                        <p:strVal val="visible"/>
+                                      </p:to>
+                                    </p:set>
+                                    <p:animEffect transition="in" filter="randombar(horizontal)">
+                                      <p:cBhvr>
+                                        <p:cTn id="22" dur="500"/>
+                                        <p:tgtEl>
+                                          <p:spTgt spid="9"/>
+                                        </p:tgtEl>
+                                      </p:cBhvr>
+                                    </p:animEffect>
+                                  </p:childTnLst>
+                                </p:cTn>
+                              </p:par>
+                            </p:childTnLst>
+                          </p:cTn>
+                        </p:par>
+                      </p:childTnLst>
+                    </p:cTn>
+                  </p:par>
+                  <p:par>
+                    <p:cTn id="23" fill="hold">
+                      <p:stCondLst>
+                        <p:cond delay="indefinite"/>
+                      </p:stCondLst>
+                      <p:childTnLst>
+                        <p:par>
+                          <p:cTn id="24" fill="hold">
+                            <p:stCondLst>
+                              <p:cond delay="0"/>
+                            </p:stCondLst>
+                            <p:childTnLst>
+                              <p:par>
+                                <p:cTn id="25" presetID="21" presetClass="entr" presetSubtype="1" fill="hold" grpId="0" nodeType="clickEffect">
+                                  <p:stCondLst>
+                                    <p:cond delay="0"/>
+                                  </p:stCondLst>
+                                  <p:childTnLst>
+                                    <p:set>
+                                      <p:cBhvr>
+                                        <p:cTn id="26" dur="1" fill="hold">
+                                          <p:stCondLst>
+                                            <p:cond delay="0"/>
+                                          </p:stCondLst>
+                                        </p:cTn>
+                                        <p:tgtEl>
+                                          <p:spTgt spid="12"/>
+                                        </p:tgtEl>
+                                        <p:attrNameLst>
+                                          <p:attrName>style.visibility</p:attrName>
+                                        </p:attrNameLst>
+                                      </p:cBhvr>
+                                      <p:to>
+                                        <p:strVal val="visible"/>
+                                      </p:to>
+                                    </p:set>
+                                    <p:animEffect transition="in" filter="wheel(1)">
+                                      <p:cBhvr>
+                                        <p:cTn id="27" dur="1000"/>
+                                        <p:tgtEl>
+                                          <p:spTgt spid="12"/>
+                                        </p:tgtEl>
+                                      </p:cBhvr>
+                                    </p:animEffect>
+                                  </p:childTnLst>
+                                </p:cTn>
+                              </p:par>
+                            </p:childTnLst>
+                          </p:cTn>
+                        </p:par>
+                      </p:childTnLst>
+                    </p:cTn>
+                  </p:par>
+                </p:childTnLst>
+              </p:cTn>
+              <p:prevCondLst>
+                <p:cond evt="onPrev" delay="0">
+                  <p:tgtEl>
+                    <p:sldTgt/>
+                  </p:tgtEl>
+                </p:cond>
+              </p:prevCondLst>
+              <p:nextCondLst>
+                <p:cond evt="onNext" delay="0">
+                  <p:tgtEl>
+                    <p:sldTgt/>
+                  </p:tgtEl>
+                </p:cond>
+              </p:nextCondLst>
+            </p:seq>
+          </p:childTnLst>
+        </p:cTn>
+      </p:par>
+    </p:tnLst>
+    <p:bldLst>
+      <p:bldP spid="8" grpId="0" animBg="1"/>
+      <p:bldP spid="12" grpId="0" animBg="1"/>
+    </p:bldLst>
+  </p:timing>
+</p:sld>
+</file>
+
+<file path=ppt/slides/slide15.xml><?xml version="1.0" encoding="utf-8"?>
+<p:sld xmlns:a="http://schemas.openxmlformats.org/drawingml/2006/main" xmlns:r="http://schemas.openxmlformats.org/officeDocument/2006/relationships" xmlns:p="http://schemas.openxmlformats.org/presentationml/2006/main">
+  <p:cSld>
+    <p:spTree>
+      <p:nvGrpSpPr>
+        <p:cNvPr id="1" name=""/>
+        <p:cNvGrpSpPr/>
+        <p:nvPr/>
+      </p:nvGrpSpPr>
+      <p:grpSpPr>
+        <a:xfrm>
+          <a:off x="0" y="0"/>
+          <a:ext cx="0" cy="0"/>
+          <a:chOff x="0" y="0"/>
+          <a:chExt cx="0" cy="0"/>
+        </a:xfrm>
+      </p:grpSpPr>
+      <p:sp>
+        <p:nvSpPr>
+          <p:cNvPr id="2" name="標題 1"/>
+          <p:cNvSpPr>
+            <a:spLocks noGrp="1"/>
+          </p:cNvSpPr>
+          <p:nvPr>
+            <p:ph type="title"/>
+          </p:nvPr>
+        </p:nvSpPr>
+        <p:spPr/>
+        <p:txBody>
+          <a:bodyPr/>
+          <a:lstStyle/>
+          <a:p>
+            <a:r>
+              <a:rPr lang="en-US" altLang="zh-TW" dirty="0" smtClean="0"/>
+              <a:t>When a </a:t>
+            </a:r>
+            <a:r>
+              <a:rPr lang="en-US" altLang="zh-TW" dirty="0" smtClean="0"/>
+              <a:t>c</a:t>
+            </a:r>
+            <a:r>
+              <a:rPr lang="en-US" altLang="zh-TW" dirty="0" smtClean="0"/>
+              <a:t>lient check </a:t>
+            </a:r>
+            <a:r>
+              <a:rPr lang="en-US" altLang="zh-TW" dirty="0"/>
+              <a:t>o</a:t>
+            </a:r>
+            <a:r>
+              <a:rPr lang="en-US" altLang="zh-TW" dirty="0" smtClean="0"/>
+              <a:t>ut</a:t>
+            </a:r>
+            <a:r>
+              <a:rPr lang="en-US" altLang="zh-TW" dirty="0" smtClean="0"/>
+              <a:t>:</a:t>
+            </a:r>
+            <a:endParaRPr lang="zh-TW" altLang="en-US" dirty="0"/>
+          </a:p>
+        </p:txBody>
+      </p:sp>
+      <p:pic>
+        <p:nvPicPr>
+          <p:cNvPr id="4" name="內容版面配置區 3"/>
+          <p:cNvPicPr>
+            <a:picLocks noGrp="1" noChangeAspect="1"/>
+          </p:cNvPicPr>
+          <p:nvPr>
+            <p:ph idx="1"/>
+          </p:nvPr>
+        </p:nvPicPr>
+        <p:blipFill>
+          <a:blip r:embed="rId2">
+            <a:extLst>
+              <a:ext uri="{28A0092B-C50C-407E-A947-70E740481C1C}">
+                <a14:useLocalDpi xmlns:a14="http://schemas.microsoft.com/office/drawing/2010/main" val="0"/>
+              </a:ext>
+            </a:extLst>
+          </a:blip>
+          <a:stretch>
+            <a:fillRect/>
+          </a:stretch>
+        </p:blipFill>
+        <p:spPr>
+          <a:xfrm>
+            <a:off x="921972" y="408522"/>
+            <a:ext cx="10409015" cy="5514757"/>
+          </a:xfrm>
+        </p:spPr>
+      </p:pic>
+      <p:pic>
+        <p:nvPicPr>
+          <p:cNvPr id="5" name="圖片 4"/>
+          <p:cNvPicPr>
+            <a:picLocks noChangeAspect="1"/>
+          </p:cNvPicPr>
+          <p:nvPr/>
+        </p:nvPicPr>
+        <p:blipFill>
+          <a:blip r:embed="rId3">
+            <a:extLst>
+              <a:ext uri="{28A0092B-C50C-407E-A947-70E740481C1C}">
+                <a14:useLocalDpi xmlns:a14="http://schemas.microsoft.com/office/drawing/2010/main" val="0"/>
+              </a:ext>
+            </a:extLst>
+          </a:blip>
+          <a:stretch>
+            <a:fillRect/>
+          </a:stretch>
+        </p:blipFill>
+        <p:spPr>
+          <a:xfrm>
+            <a:off x="758189" y="312419"/>
+            <a:ext cx="10736580" cy="5706961"/>
+          </a:xfrm>
+          <a:prstGeom prst="rect">
+            <a:avLst/>
+          </a:prstGeom>
+        </p:spPr>
+      </p:pic>
+      <p:sp>
+        <p:nvSpPr>
+          <p:cNvPr id="6" name="矩形 5"/>
+          <p:cNvSpPr/>
+          <p:nvPr/>
+        </p:nvSpPr>
+        <p:spPr>
+          <a:xfrm>
+            <a:off x="6431280" y="1889760"/>
+            <a:ext cx="447040" cy="162560"/>
+          </a:xfrm>
+          <a:prstGeom prst="rect">
+            <a:avLst/>
+          </a:prstGeom>
+          <a:noFill/>
+          <a:ln>
+            <a:solidFill>
+              <a:srgbClr val="FF0000"/>
+            </a:solidFill>
+          </a:ln>
+        </p:spPr>
+        <p:style>
+          <a:lnRef idx="2">
+            <a:schemeClr val="accent1">
+              <a:shade val="50000"/>
+            </a:schemeClr>
+          </a:lnRef>
+          <a:fillRef idx="1">
+            <a:schemeClr val="accent1"/>
+          </a:fillRef>
+          <a:effectRef idx="0">
+            <a:schemeClr val="accent1"/>
+          </a:effectRef>
+          <a:fontRef idx="minor">
+            <a:schemeClr val="lt1"/>
+          </a:fontRef>
+        </p:style>
+        <p:txBody>
+          <a:bodyPr rtlCol="0" anchor="ctr"/>
+          <a:lstStyle/>
+          <a:p>
+            <a:pPr algn="ctr"/>
+            <a:endParaRPr lang="zh-TW" altLang="en-US"/>
+          </a:p>
+        </p:txBody>
+      </p:sp>
+      <p:pic>
+        <p:nvPicPr>
+          <p:cNvPr id="7" name="圖片 6"/>
+          <p:cNvPicPr>
+            <a:picLocks noChangeAspect="1"/>
+          </p:cNvPicPr>
+          <p:nvPr/>
+        </p:nvPicPr>
+        <p:blipFill>
+          <a:blip r:embed="rId4">
+            <a:extLst>
+              <a:ext uri="{28A0092B-C50C-407E-A947-70E740481C1C}">
+                <a14:useLocalDpi xmlns:a14="http://schemas.microsoft.com/office/drawing/2010/main" val="0"/>
+              </a:ext>
+            </a:extLst>
+          </a:blip>
+          <a:stretch>
+            <a:fillRect/>
+          </a:stretch>
+        </p:blipFill>
+        <p:spPr>
+          <a:xfrm>
+            <a:off x="430530" y="286603"/>
+            <a:ext cx="11064239" cy="5915313"/>
+          </a:xfrm>
+          <a:prstGeom prst="rect">
+            <a:avLst/>
+          </a:prstGeom>
+        </p:spPr>
+      </p:pic>
+      <p:sp>
+        <p:nvSpPr>
+          <p:cNvPr id="9" name="矩形 8"/>
+          <p:cNvSpPr/>
+          <p:nvPr/>
+        </p:nvSpPr>
+        <p:spPr>
+          <a:xfrm>
+            <a:off x="7205979" y="1910080"/>
+            <a:ext cx="406400" cy="193040"/>
+          </a:xfrm>
+          <a:prstGeom prst="rect">
+            <a:avLst/>
+          </a:prstGeom>
+          <a:noFill/>
+          <a:ln>
+            <a:solidFill>
+              <a:srgbClr val="FF0000"/>
+            </a:solidFill>
+          </a:ln>
+        </p:spPr>
+        <p:style>
+          <a:lnRef idx="2">
+            <a:schemeClr val="accent1">
+              <a:shade val="50000"/>
+            </a:schemeClr>
+          </a:lnRef>
+          <a:fillRef idx="1">
+            <a:schemeClr val="accent1"/>
+          </a:fillRef>
+          <a:effectRef idx="0">
+            <a:schemeClr val="accent1"/>
+          </a:effectRef>
+          <a:fontRef idx="minor">
+            <a:schemeClr val="lt1"/>
+          </a:fontRef>
+        </p:style>
+        <p:txBody>
+          <a:bodyPr rtlCol="0" anchor="ctr"/>
+          <a:lstStyle/>
+          <a:p>
+            <a:pPr algn="ctr"/>
+            <a:endParaRPr lang="zh-TW" altLang="en-US"/>
+          </a:p>
+        </p:txBody>
+      </p:sp>
+      <p:pic>
+        <p:nvPicPr>
+          <p:cNvPr id="10" name="圖片 9"/>
+          <p:cNvPicPr>
+            <a:picLocks noChangeAspect="1"/>
+          </p:cNvPicPr>
+          <p:nvPr/>
+        </p:nvPicPr>
+        <p:blipFill>
+          <a:blip r:embed="rId5">
+            <a:extLst>
+              <a:ext uri="{28A0092B-C50C-407E-A947-70E740481C1C}">
+                <a14:useLocalDpi xmlns:a14="http://schemas.microsoft.com/office/drawing/2010/main" val="0"/>
+              </a:ext>
+            </a:extLst>
+          </a:blip>
+          <a:stretch>
+            <a:fillRect/>
+          </a:stretch>
+        </p:blipFill>
+        <p:spPr>
+          <a:xfrm>
+            <a:off x="411479" y="26759"/>
+            <a:ext cx="11083290" cy="6175157"/>
+          </a:xfrm>
+          <a:prstGeom prst="rect">
+            <a:avLst/>
+          </a:prstGeom>
+        </p:spPr>
+      </p:pic>
+    </p:spTree>
+    <p:extLst>
+      <p:ext uri="{BB962C8B-B14F-4D97-AF65-F5344CB8AC3E}">
+        <p14:creationId xmlns:p14="http://schemas.microsoft.com/office/powerpoint/2010/main" val="199649687"/>
       </p:ext>
     </p:extLst>
   </p:cSld>
@@ -6395,7 +7811,7 @@
                             </p:stCondLst>
                             <p:childTnLst>
                               <p:par>
-                                <p:cTn id="10" presetID="2" presetClass="entr" presetSubtype="4" fill="hold" nodeType="clickEffect">
+                                <p:cTn id="10" presetID="16" presetClass="entr" presetSubtype="21" fill="hold" nodeType="clickEffect">
                                   <p:stCondLst>
                                     <p:cond delay="0"/>
                                   </p:stCondLst>
@@ -6418,11 +7834,125 @@
                                         <p:strVal val="visible"/>
                                       </p:to>
                                     </p:set>
-                                    <p:anim calcmode="lin" valueType="num">
-                                      <p:cBhvr additive="base">
-                                        <p:cTn id="12" dur="500" fill="hold"/>
+                                    <p:animEffect transition="in" filter="barn(inVertical)">
+                                      <p:cBhvr>
+                                        <p:cTn id="12" dur="500"/>
                                         <p:tgtEl>
                                           <p:spTgt spid="5"/>
+                                        </p:tgtEl>
+                                      </p:cBhvr>
+                                    </p:animEffect>
+                                  </p:childTnLst>
+                                </p:cTn>
+                              </p:par>
+                            </p:childTnLst>
+                          </p:cTn>
+                        </p:par>
+                      </p:childTnLst>
+                    </p:cTn>
+                  </p:par>
+                  <p:par>
+                    <p:cTn id="13" fill="hold">
+                      <p:stCondLst>
+                        <p:cond delay="indefinite"/>
+                      </p:stCondLst>
+                      <p:childTnLst>
+                        <p:par>
+                          <p:cTn id="14" fill="hold">
+                            <p:stCondLst>
+                              <p:cond delay="0"/>
+                            </p:stCondLst>
+                            <p:childTnLst>
+                              <p:par>
+                                <p:cTn id="15" presetID="10" presetClass="entr" presetSubtype="0" fill="hold" grpId="0" nodeType="clickEffect">
+                                  <p:stCondLst>
+                                    <p:cond delay="0"/>
+                                  </p:stCondLst>
+                                  <p:childTnLst>
+                                    <p:set>
+                                      <p:cBhvr>
+                                        <p:cTn id="16" dur="1" fill="hold">
+                                          <p:stCondLst>
+                                            <p:cond delay="0"/>
+                                          </p:stCondLst>
+                                        </p:cTn>
+                                        <p:tgtEl>
+                                          <p:spTgt spid="6"/>
+                                        </p:tgtEl>
+                                        <p:attrNameLst>
+                                          <p:attrName>style.visibility</p:attrName>
+                                        </p:attrNameLst>
+                                      </p:cBhvr>
+                                      <p:to>
+                                        <p:strVal val="visible"/>
+                                      </p:to>
+                                    </p:set>
+                                    <p:animEffect transition="in" filter="fade">
+                                      <p:cBhvr>
+                                        <p:cTn id="17" dur="500"/>
+                                        <p:tgtEl>
+                                          <p:spTgt spid="6"/>
+                                        </p:tgtEl>
+                                      </p:cBhvr>
+                                    </p:animEffect>
+                                  </p:childTnLst>
+                                </p:cTn>
+                              </p:par>
+                            </p:childTnLst>
+                          </p:cTn>
+                        </p:par>
+                      </p:childTnLst>
+                    </p:cTn>
+                  </p:par>
+                  <p:par>
+                    <p:cTn id="18" fill="hold">
+                      <p:stCondLst>
+                        <p:cond delay="indefinite"/>
+                      </p:stCondLst>
+                      <p:childTnLst>
+                        <p:par>
+                          <p:cTn id="19" fill="hold">
+                            <p:stCondLst>
+                              <p:cond delay="0"/>
+                            </p:stCondLst>
+                            <p:childTnLst>
+                              <p:par>
+                                <p:cTn id="20" presetID="42" presetClass="entr" presetSubtype="0" fill="hold" nodeType="clickEffect">
+                                  <p:stCondLst>
+                                    <p:cond delay="0"/>
+                                  </p:stCondLst>
+                                  <p:childTnLst>
+                                    <p:set>
+                                      <p:cBhvr>
+                                        <p:cTn id="21" dur="1" fill="hold">
+                                          <p:stCondLst>
+                                            <p:cond delay="0"/>
+                                          </p:stCondLst>
+                                        </p:cTn>
+                                        <p:tgtEl>
+                                          <p:spTgt spid="7"/>
+                                        </p:tgtEl>
+                                        <p:attrNameLst>
+                                          <p:attrName>style.visibility</p:attrName>
+                                        </p:attrNameLst>
+                                      </p:cBhvr>
+                                      <p:to>
+                                        <p:strVal val="visible"/>
+                                      </p:to>
+                                    </p:set>
+                                    <p:animEffect transition="in" filter="fade">
+                                      <p:cBhvr>
+                                        <p:cTn id="22" dur="1000"/>
+                                        <p:tgtEl>
+                                          <p:spTgt spid="7"/>
+                                        </p:tgtEl>
+                                      </p:cBhvr>
+                                    </p:animEffect>
+                                    <p:anim calcmode="lin" valueType="num">
+                                      <p:cBhvr>
+                                        <p:cTn id="23" dur="1000" fill="hold"/>
+                                        <p:tgtEl>
+                                          <p:spTgt spid="7"/>
                                         </p:tgtEl>
                                         <p:attrNameLst>
                                           <p:attrName>ppt_x</p:attrName>
@@ -6442,10 +7972,10 @@
                                       </p:tavLst>
                                     </p:anim>
                                     <p:anim calcmode="lin" valueType="num">
-                                      <p:cBhvr additive="base">
-                                        <p:cTn id="13" dur="500" fill="hold"/>
+                                      <p:cBhvr>
+                                        <p:cTn id="24" dur="1000" fill="hold"/>
                                         <p:tgtEl>
-                                          <p:spTgt spid="5"/>
+                                          <p:spTgt spid="7"/>
                                         </p:tgtEl>
                                         <p:attrNameLst>
                                           <p:attrName>ppt_y</p:attrName>
@@ -6454,7 +7984,7 @@
                                       <p:tavLst>
                                         <p:tav tm="0">
                                           <p:val>
-                                            <p:strVal val="1+#ppt_h/2"/>
+                                            <p:strVal val="#ppt_y+.1"/>
                                           </p:val>
                                         </p:tav>
                                         <p:tav tm="100000">
@@ -6474,32 +8004,32 @@
                     </p:cTn>
                   </p:par>
                   <p:par>
-                    <p:cTn id="14" fill="hold">
+                    <p:cTn id="25" fill="hold">
                       <p:stCondLst>
                         <p:cond delay="indefinite"/>
                       </p:stCondLst>
                       <p:childTnLst>
                         <p:par>
-                          <p:cTn id="15" fill="hold">
+                          <p:cTn id="26" fill="hold">
                             <p:stCondLst>
                               <p:cond delay="0"/>
                             </p:stCondLst>
                             <p:childTnLst>
                               <p:par>
-                                <p:cTn id="16" presetID="21" presetClass="entr" presetSubtype="1" fill="hold" grpId="0" nodeType="clickEffect">
+                                <p:cTn id="27" presetID="10" presetClass="entr" presetSubtype="0" fill="hold" grpId="0" nodeType="clickEffect">
                                   <p:stCondLst>
                                     <p:cond delay="0"/>
                                   </p:stCondLst>
                                   <p:childTnLst>
                                     <p:set>
                                       <p:cBhvr>
-                                        <p:cTn id="17" dur="1" fill="hold">
+                                        <p:cTn id="28" dur="1" fill="hold">
                                           <p:stCondLst>
                                             <p:cond delay="0"/>
                                           </p:stCondLst>
                                         </p:cTn>
                                         <p:tgtEl>
-                                          <p:spTgt spid="11"/>
+                                          <p:spTgt spid="9"/>
                                         </p:tgtEl>
                                         <p:attrNameLst>
                                           <p:attrName>style.visibility</p:attrName>
@@ -6509,11 +8039,64 @@
                                         <p:strVal val="visible"/>
                                       </p:to>
                                     </p:set>
-                                    <p:animEffect transition="in" filter="wheel(1)">
+                                    <p:animEffect transition="in" filter="fade">
                                       <p:cBhvr>
-                                        <p:cTn id="18" dur="2000"/>
+                                        <p:cTn id="29" dur="500"/>
                                         <p:tgtEl>
-                                          <p:spTgt spid="11"/>
+                                          <p:spTgt spid="9"/>
+                                        </p:tgtEl>
+                                      </p:cBhvr>
+                                    </p:animEffect>
+                                  </p:childTnLst>
+                                </p:cTn>
+                              </p:par>
+                            </p:childTnLst>
+                          </p:cTn>
+                        </p:par>
+                      </p:childTnLst>
+                    </p:cTn>
+                  </p:par>
+                  <p:par>
+                    <p:cTn id="30" fill="hold">
+                      <p:stCondLst>
+                        <p:cond delay="indefinite"/>
+                      </p:stCondLst>
+                      <p:childTnLst>
+                        <p:par>
+                          <p:cTn id="31" fill="hold">
+                            <p:stCondLst>
+                              <p:cond delay="0"/>
+                            </p:stCondLst>
+                            <p:childTnLst>
+                              <p:par>
+                                <p:cTn id="32" presetID="10" presetClass="entr" presetSubtype="0" fill="hold" nodeType="clickEffect">
+                                  <p:stCondLst>
+                                    <p:cond delay="0"/>
+                                  </p:stCondLst>
+                                  <p:childTnLst>
+                                    <p:set>
+                                      <p:cBhvr>
+                                        <p:cTn id="33" dur="1" fill="hold">
+                                          <p:stCondLst>
+                                            <p:cond delay="0"/>
+                                          </p:stCondLst>
+                                        </p:cTn>
+                                        <p:tgtEl>
+                                          <p:spTgt spid="10"/>
+                                        </p:tgtEl>
+                                        <p:attrNameLst>
+                                          <p:attrName>style.visibility</p:attrName>
+                                        </p:attrNameLst>
+                                      </p:cBhvr>
+                                      <p:to>
+                                        <p:strVal val="visible"/>
+                                      </p:to>
+                                    </p:set>
+                                    <p:animEffect transition="in" filter="fade">
+                                      <p:cBhvr>
+                                        <p:cTn id="34" dur="500"/>
+                                        <p:tgtEl>
+                                          <p:spTgt spid="10"/>
                                         </p:tgtEl>
                                       </p:cBhvr>
                                     </p:animEffect>
@@ -6548,13 +8131,14 @@
       </p:par>
     </p:tnLst>
     <p:bldLst>
-      <p:bldP spid="11" grpId="0" animBg="1"/>
+      <p:bldP spid="6" grpId="0" animBg="1"/>
+      <p:bldP spid="9" grpId="0" animBg="1"/>
     </p:bldLst>
   </p:timing>
 </p:sld>
 </file>
 
-<file path=ppt/slides/slide14.xml><?xml version="1.0" encoding="utf-8"?>
+<file path=ppt/slides/slide16.xml><?xml version="1.0" encoding="utf-8"?>
 <p:sld xmlns:a="http://schemas.openxmlformats.org/drawingml/2006/main" xmlns:r="http://schemas.openxmlformats.org/officeDocument/2006/relationships" xmlns:p="http://schemas.openxmlformats.org/presentationml/2006/main">
   <p:cSld>
     <p:spTree>
@@ -6587,7 +8171,7 @@
           <a:lstStyle/>
           <a:p>
             <a:r>
-              <a:rPr lang="en-US" altLang="zh-TW" dirty="0"/>
+              <a:rPr lang="en-US" altLang="zh-TW" dirty="0" smtClean="0"/>
               <a:t>Work flow of applying a room:</a:t>
             </a:r>
             <a:endParaRPr lang="zh-TW" altLang="en-US" dirty="0"/>
@@ -6619,7 +8203,7 @@
               <a:buChar char="l"/>
             </a:pPr>
             <a:r>
-              <a:rPr lang="en-US" altLang="zh-TW" dirty="0"/>
+              <a:rPr lang="en-US" altLang="zh-TW" dirty="0" smtClean="0"/>
               <a:t> Client should set up an account first, then apply for a room. (Status : under review)</a:t>
             </a:r>
           </a:p>
@@ -6636,8 +8220,29 @@
               <a:buChar char="l"/>
             </a:pPr>
             <a:r>
+              <a:rPr lang="en-US" altLang="zh-TW" dirty="0" smtClean="0"/>
+              <a:t> Patient organization can approve the application of a client.</a:t>
+            </a:r>
+          </a:p>
+          <a:p>
+            <a:pPr>
+              <a:buFont typeface="Wingdings" panose="05000000000000000000" pitchFamily="2" charset="2"/>
+              <a:buChar char="l"/>
+            </a:pPr>
+            <a:endParaRPr lang="en-US" altLang="zh-TW" dirty="0" smtClean="0"/>
+          </a:p>
+          <a:p>
+            <a:pPr>
+              <a:buFont typeface="Wingdings" panose="05000000000000000000" pitchFamily="2" charset="2"/>
+              <a:buChar char="l"/>
+            </a:pPr>
+            <a:r>
               <a:rPr lang="en-US" altLang="zh-TW" dirty="0"/>
-              <a:t> Patient organization can approve the application of a client.</a:t>
+              <a:t> </a:t>
+            </a:r>
+            <a:r>
+              <a:rPr lang="en-US" altLang="zh-TW" dirty="0" smtClean="0"/>
+              <a:t>Matching organization can match the room and the clients.</a:t>
             </a:r>
           </a:p>
           <a:p>
@@ -6653,33 +8258,25 @@
               <a:buChar char="l"/>
             </a:pPr>
             <a:r>
-              <a:rPr lang="en-US" altLang="zh-TW" dirty="0"/>
-              <a:t> Matching organization can match the room and the clients.</a:t>
-            </a:r>
+              <a:rPr lang="en-US" altLang="zh-TW" dirty="0" smtClean="0"/>
+              <a:t>When successfully matched, the status becomes </a:t>
+            </a:r>
+            <a:r>
+              <a:rPr lang="en-US" altLang="zh-TW" dirty="0" smtClean="0"/>
+              <a:t>match</a:t>
+            </a:r>
+            <a:r>
+              <a:rPr lang="en-US" altLang="zh-TW" dirty="0" smtClean="0"/>
+              <a:t>!</a:t>
+            </a:r>
+            <a:endParaRPr lang="en-US" altLang="zh-TW" dirty="0"/>
           </a:p>
           <a:p>
             <a:pPr>
               <a:buFont typeface="Wingdings" panose="05000000000000000000" pitchFamily="2" charset="2"/>
               <a:buChar char="l"/>
             </a:pPr>
-            <a:endParaRPr lang="en-US" altLang="zh-TW" dirty="0"/>
-          </a:p>
-          <a:p>
-            <a:pPr>
-              <a:buFont typeface="Wingdings" panose="05000000000000000000" pitchFamily="2" charset="2"/>
-              <a:buChar char="l"/>
-            </a:pPr>
-            <a:r>
-              <a:rPr lang="en-US" altLang="zh-TW" dirty="0"/>
-              <a:t>When successfully matched, the status becomes approved!</a:t>
-            </a:r>
-          </a:p>
-          <a:p>
-            <a:pPr>
-              <a:buFont typeface="Wingdings" panose="05000000000000000000" pitchFamily="2" charset="2"/>
-              <a:buChar char="l"/>
-            </a:pPr>
-            <a:endParaRPr lang="en-US" altLang="zh-TW" dirty="0"/>
+            <a:endParaRPr lang="en-US" altLang="zh-TW" dirty="0" smtClean="0"/>
           </a:p>
           <a:p>
             <a:pPr>
@@ -6806,10 +8403,17 @@
   <p:clrMapOvr>
     <a:masterClrMapping/>
   </p:clrMapOvr>
+  <p:timing>
+    <p:tnLst>
+      <p:par>
+        <p:cTn id="1" dur="indefinite" restart="never" nodeType="tmRoot"/>
+      </p:par>
+    </p:tnLst>
+  </p:timing>
 </p:sld>
 </file>
 
-<file path=ppt/slides/slide15.xml><?xml version="1.0" encoding="utf-8"?>
+<file path=ppt/slides/slide17.xml><?xml version="1.0" encoding="utf-8"?>
 <p:sld xmlns:a="http://schemas.openxmlformats.org/drawingml/2006/main" xmlns:r="http://schemas.openxmlformats.org/officeDocument/2006/relationships" xmlns:p="http://schemas.openxmlformats.org/presentationml/2006/main">
   <p:cSld>
     <p:spTree>
@@ -6842,7 +8446,7 @@
           <a:lstStyle/>
           <a:p>
             <a:r>
-              <a:rPr lang="en-US" altLang="zh-TW" dirty="0"/>
+              <a:rPr lang="en-US" altLang="zh-TW" dirty="0" smtClean="0"/>
               <a:t>Global Level</a:t>
             </a:r>
             <a:endParaRPr lang="zh-TW" altLang="en-US" dirty="0"/>
@@ -6871,7 +8475,7 @@
               <a:buChar char="u"/>
             </a:pPr>
             <a:r>
-              <a:rPr lang="en-US" altLang="zh-TW" sz="2400" dirty="0"/>
+              <a:rPr lang="en-US" altLang="zh-TW" sz="2400" dirty="0" smtClean="0"/>
               <a:t> Global companies like Google, Facebook, Apple, they can be the funding enterprises. </a:t>
             </a:r>
           </a:p>
@@ -6888,7 +8492,7 @@
               <a:buChar char="u"/>
             </a:pPr>
             <a:r>
-              <a:rPr lang="en-US" altLang="zh-TW" sz="2400" dirty="0"/>
+              <a:rPr lang="en-US" altLang="zh-TW" sz="2400" dirty="0" smtClean="0"/>
               <a:t> With the help of local coordinate enterprises, this system can be spread around the world. </a:t>
             </a:r>
             <a:endParaRPr lang="zh-TW" altLang="en-US" sz="2400" dirty="0"/>
@@ -6905,10 +8509,17 @@
   <p:clrMapOvr>
     <a:masterClrMapping/>
   </p:clrMapOvr>
+  <p:timing>
+    <p:tnLst>
+      <p:par>
+        <p:cTn id="1" dur="indefinite" restart="never" nodeType="tmRoot"/>
+      </p:par>
+    </p:tnLst>
+  </p:timing>
 </p:sld>
 </file>
 
-<file path=ppt/slides/slide16.xml><?xml version="1.0" encoding="utf-8"?>
+<file path=ppt/slides/slide18.xml><?xml version="1.0" encoding="utf-8"?>
 <p:sld xmlns:a="http://schemas.openxmlformats.org/drawingml/2006/main" xmlns:r="http://schemas.openxmlformats.org/officeDocument/2006/relationships" xmlns:p="http://schemas.openxmlformats.org/presentationml/2006/main">
   <p:cSld>
     <p:spTree>
@@ -6949,7 +8560,7 @@
           <a:p>
             <a:pPr algn="ctr"/>
             <a:r>
-              <a:rPr lang="en-US" altLang="zh-TW" sz="2600" dirty="0"/>
+              <a:rPr lang="en-US" altLang="zh-TW" sz="2600" dirty="0" smtClean="0"/>
               <a:t>Thanks for your time! </a:t>
             </a:r>
             <a:endParaRPr lang="zh-TW" altLang="en-US" sz="2600" dirty="0"/>
@@ -7014,6 +8625,13 @@
   <p:clrMapOvr>
     <a:masterClrMapping/>
   </p:clrMapOvr>
+  <p:timing>
+    <p:tnLst>
+      <p:par>
+        <p:cTn id="1" dur="indefinite" restart="never" nodeType="tmRoot"/>
+      </p:par>
+    </p:tnLst>
+  </p:timing>
 </p:sld>
 </file>
 
@@ -7050,7 +8668,7 @@
           <a:lstStyle/>
           <a:p>
             <a:r>
-              <a:rPr lang="en-US" altLang="zh-TW" dirty="0"/>
+              <a:rPr lang="en-US" altLang="zh-TW" dirty="0" smtClean="0"/>
               <a:t>Outline</a:t>
             </a:r>
             <a:endParaRPr lang="zh-TW" altLang="en-US" dirty="0"/>
@@ -7082,14 +8700,9 @@
               <a:buChar char="ü"/>
             </a:pPr>
             <a:r>
-              <a:rPr lang="en-US" altLang="zh-TW" dirty="0"/>
-              <a:t> </a:t>
-            </a:r>
-            <a:r>
-              <a:rPr lang="en-US" altLang="zh-TW" dirty="0" err="1"/>
-              <a:t>Prolem</a:t>
-            </a:r>
-            <a:endParaRPr lang="en-US" altLang="zh-TW" dirty="0"/>
+              <a:rPr lang="en-US" altLang="zh-TW" dirty="0" smtClean="0"/>
+              <a:t> Problem</a:t>
+            </a:r>
           </a:p>
           <a:p>
             <a:pPr>
@@ -7097,7 +8710,7 @@
               <a:buChar char="ü"/>
             </a:pPr>
             <a:r>
-              <a:rPr lang="en-US" altLang="zh-TW" dirty="0"/>
+              <a:rPr lang="en-US" altLang="zh-TW" dirty="0" smtClean="0"/>
               <a:t> Solution</a:t>
             </a:r>
           </a:p>
@@ -7107,7 +8720,7 @@
               <a:buChar char="ü"/>
             </a:pPr>
             <a:r>
-              <a:rPr lang="en-US" altLang="zh-TW" dirty="0"/>
+              <a:rPr lang="en-US" altLang="zh-TW" dirty="0" smtClean="0"/>
               <a:t> Intro to Our Application : </a:t>
             </a:r>
           </a:p>
@@ -7127,7 +8740,7 @@
               <a:buChar char="•"/>
             </a:pPr>
             <a:r>
-              <a:rPr lang="en-US" altLang="zh-TW" sz="2000" dirty="0"/>
+              <a:rPr lang="en-US" altLang="zh-TW" sz="2000" dirty="0" smtClean="0"/>
               <a:t>Architecture</a:t>
             </a:r>
           </a:p>
@@ -7137,7 +8750,7 @@
               <a:buChar char="•"/>
             </a:pPr>
             <a:r>
-              <a:rPr lang="en-US" altLang="zh-TW" sz="2000" dirty="0"/>
+              <a:rPr lang="en-US" altLang="zh-TW" sz="2000" dirty="0" smtClean="0"/>
               <a:t>Enterprises and Organizations</a:t>
             </a:r>
           </a:p>
@@ -7147,7 +8760,7 @@
               <a:buChar char="•"/>
             </a:pPr>
             <a:r>
-              <a:rPr lang="en-US" altLang="zh-TW" sz="2000" dirty="0"/>
+              <a:rPr lang="en-US" altLang="zh-TW" sz="2000" dirty="0" smtClean="0"/>
               <a:t>Screenshots &amp; work flows/ work requests</a:t>
             </a:r>
           </a:p>
@@ -7157,7 +8770,7 @@
               <a:buChar char="ü"/>
             </a:pPr>
             <a:r>
-              <a:rPr lang="en-US" altLang="zh-TW" dirty="0"/>
+              <a:rPr lang="en-US" altLang="zh-TW" dirty="0" smtClean="0"/>
               <a:t> Global level</a:t>
             </a:r>
           </a:p>
@@ -7167,12 +8780,12 @@
               <a:buChar char="ü"/>
             </a:pPr>
             <a:r>
-              <a:rPr lang="en-US" altLang="zh-TW" dirty="0"/>
+              <a:rPr lang="en-US" altLang="zh-TW" dirty="0" smtClean="0"/>
               <a:t> Demo</a:t>
             </a:r>
           </a:p>
           <a:p>
-            <a:endParaRPr lang="en-US" altLang="zh-TW" dirty="0"/>
+            <a:endParaRPr lang="en-US" altLang="zh-TW" dirty="0" smtClean="0"/>
           </a:p>
         </p:txBody>
       </p:sp>
@@ -7186,6 +8799,13 @@
   <p:clrMapOvr>
     <a:masterClrMapping/>
   </p:clrMapOvr>
+  <p:timing>
+    <p:tnLst>
+      <p:par>
+        <p:cTn id="1" dur="indefinite" restart="never" nodeType="tmRoot"/>
+      </p:par>
+    </p:tnLst>
+  </p:timing>
 </p:sld>
 </file>
 
@@ -7222,7 +8842,7 @@
           <a:lstStyle/>
           <a:p>
             <a:r>
-              <a:rPr lang="en-US" altLang="zh-TW" dirty="0"/>
+              <a:rPr lang="en-US" altLang="zh-TW" dirty="0" smtClean="0"/>
               <a:t>Problem</a:t>
             </a:r>
             <a:endParaRPr lang="zh-TW" altLang="en-US" dirty="0"/>
@@ -7242,7 +8862,7 @@
         <p:spPr>
           <a:xfrm>
             <a:off x="1097280" y="2002752"/>
-            <a:ext cx="9820103" cy="4023360"/>
+            <a:ext cx="9983096" cy="4023360"/>
           </a:xfrm>
         </p:spPr>
         <p:txBody>
@@ -7256,9 +8876,22 @@
               <a:buChar char="u"/>
             </a:pPr>
             <a:r>
-              <a:rPr lang="en-US" altLang="zh-TW" sz="2400" dirty="0"/>
-              <a:t>Due to resource inequality, people live in remote area  cannot receive proper         medical treatment.</a:t>
-            </a:r>
+              <a:rPr lang="en-US" altLang="zh-TW" sz="2400" dirty="0" smtClean="0"/>
+              <a:t>Due to resource inequality, </a:t>
+            </a:r>
+            <a:r>
+              <a:rPr lang="en-US" altLang="zh-TW" sz="2400" dirty="0" smtClean="0"/>
+              <a:t>medical resources are grouped in bigger cities, </a:t>
+            </a:r>
+            <a:r>
+              <a:rPr lang="en-US" altLang="zh-TW" sz="2400" dirty="0" smtClean="0"/>
+              <a:t>people live in remote area </a:t>
+            </a:r>
+            <a:r>
+              <a:rPr lang="en-US" altLang="zh-TW" sz="2400" dirty="0" smtClean="0"/>
+              <a:t>need to search for a better medical treatment in a bigger city.</a:t>
+            </a:r>
+            <a:endParaRPr lang="en-US" altLang="zh-TW" sz="2400" dirty="0" smtClean="0"/>
           </a:p>
           <a:p>
             <a:pPr>
@@ -7273,7 +8906,7 @@
               <a:buChar char="u"/>
             </a:pPr>
             <a:r>
-              <a:rPr lang="en-US" altLang="zh-TW" sz="2400" dirty="0"/>
+              <a:rPr lang="en-US" altLang="zh-TW" sz="2400" dirty="0" smtClean="0"/>
               <a:t>People who are poor can’t afford medical treatment fee, even if they can, most of them cannot afford the hotel fee when they search for a better medical treatment in a big city.</a:t>
             </a:r>
             <a:endParaRPr lang="zh-TW" altLang="en-US" sz="2400" dirty="0"/>
@@ -7290,6 +8923,13 @@
   <p:clrMapOvr>
     <a:masterClrMapping/>
   </p:clrMapOvr>
+  <p:timing>
+    <p:tnLst>
+      <p:par>
+        <p:cTn id="1" dur="indefinite" restart="never" nodeType="tmRoot"/>
+      </p:par>
+    </p:tnLst>
+  </p:timing>
 </p:sld>
 </file>
 
@@ -7326,7 +8966,7 @@
           <a:lstStyle/>
           <a:p>
             <a:r>
-              <a:rPr lang="en-US" altLang="zh-TW" dirty="0"/>
+              <a:rPr lang="en-US" altLang="zh-TW" dirty="0" smtClean="0"/>
               <a:t>Solution</a:t>
             </a:r>
             <a:endParaRPr lang="zh-TW" altLang="en-US" dirty="0"/>
@@ -7355,7 +8995,7 @@
               <a:buChar char="u"/>
             </a:pPr>
             <a:r>
-              <a:rPr lang="en-US" altLang="zh-TW" sz="2400" dirty="0"/>
+              <a:rPr lang="en-US" altLang="zh-TW" sz="2400" dirty="0" smtClean="0"/>
               <a:t> Ronald McDonald’s House Charities (RMHC) has solved some of the housing problems when people search for medical treatment. However, they did not allow personal housing offered.</a:t>
             </a:r>
           </a:p>
@@ -7373,7 +9013,11 @@
             </a:pPr>
             <a:r>
               <a:rPr lang="en-US" altLang="zh-TW" sz="2400" dirty="0"/>
-              <a:t> We believe that kind people can also provide free rooms for those who cannot afford the hotel. So we combine the idea of Airbnb and RMHC.</a:t>
+              <a:t> </a:t>
+            </a:r>
+            <a:r>
+              <a:rPr lang="en-US" altLang="zh-TW" sz="2400" dirty="0" smtClean="0"/>
+              <a:t>We believe that kind people can also provide free rooms for those who cannot afford the hotel. So we combine the idea of Airbnb and RMHC.</a:t>
             </a:r>
           </a:p>
           <a:p>
@@ -7381,7 +9025,7 @@
               <a:buFont typeface="Wingdings" panose="05000000000000000000" pitchFamily="2" charset="2"/>
               <a:buChar char="u"/>
             </a:pPr>
-            <a:endParaRPr lang="en-US" altLang="zh-TW" sz="2400" dirty="0"/>
+            <a:endParaRPr lang="en-US" altLang="zh-TW" sz="2400" dirty="0" smtClean="0"/>
           </a:p>
           <a:p>
             <a:pPr>
@@ -7389,7 +9033,7 @@
               <a:buChar char="u"/>
             </a:pPr>
             <a:r>
-              <a:rPr lang="en-US" altLang="zh-TW" sz="2400" dirty="0"/>
+              <a:rPr lang="en-US" altLang="zh-TW" sz="2400" dirty="0" smtClean="0"/>
               <a:t> With proper management, we can help a patient/ patient’s family, by providing them a suitable room.</a:t>
             </a:r>
             <a:endParaRPr lang="zh-TW" altLang="en-US" sz="2400" dirty="0"/>
@@ -7406,6 +9050,13 @@
   <p:clrMapOvr>
     <a:masterClrMapping/>
   </p:clrMapOvr>
+  <p:timing>
+    <p:tnLst>
+      <p:par>
+        <p:cTn id="1" dur="indefinite" restart="never" nodeType="tmRoot"/>
+      </p:par>
+    </p:tnLst>
+  </p:timing>
 </p:sld>
 </file>
 
@@ -7442,7 +9093,7 @@
           <a:lstStyle/>
           <a:p>
             <a:r>
-              <a:rPr lang="en-US" altLang="zh-TW" dirty="0"/>
+              <a:rPr lang="en-US" altLang="zh-TW" dirty="0" smtClean="0"/>
               <a:t>Intro to Our Application</a:t>
             </a:r>
             <a:endParaRPr lang="zh-TW" altLang="en-US" dirty="0"/>
@@ -7467,7 +9118,7 @@
           <a:lstStyle/>
           <a:p>
             <a:r>
-              <a:rPr lang="en-US" altLang="zh-TW" sz="2400" dirty="0"/>
+              <a:rPr lang="en-US" altLang="zh-TW" sz="2400" dirty="0" smtClean="0"/>
               <a:t>Basic concept of the system:</a:t>
             </a:r>
           </a:p>
@@ -7480,8 +9131,16 @@
               <a:buChar char="u"/>
             </a:pPr>
             <a:r>
+              <a:rPr lang="en-US" altLang="zh-TW" sz="2400" dirty="0" smtClean="0"/>
+              <a:t> </a:t>
+            </a:r>
+            <a:r>
               <a:rPr lang="en-US" altLang="zh-TW" sz="2400" dirty="0"/>
-              <a:t> Allows people or company to offer their rooms for people who need it.</a:t>
+              <a:t>A</a:t>
+            </a:r>
+            <a:r>
+              <a:rPr lang="en-US" altLang="zh-TW" sz="2400" dirty="0" smtClean="0"/>
+              <a:t>llows people or company to offer their rooms for people who need it.</a:t>
             </a:r>
           </a:p>
           <a:p>
@@ -7491,7 +9150,11 @@
             </a:pPr>
             <a:r>
               <a:rPr lang="en-US" altLang="zh-TW" sz="2400" dirty="0"/>
-              <a:t> Allows people who need it to apply for a room.</a:t>
+              <a:t> </a:t>
+            </a:r>
+            <a:r>
+              <a:rPr lang="en-US" altLang="zh-TW" sz="2400" dirty="0" smtClean="0"/>
+              <a:t>Allows people who need it to apply for a room.</a:t>
             </a:r>
           </a:p>
           <a:p>
@@ -7500,7 +9163,7 @@
               <a:buChar char="u"/>
             </a:pPr>
             <a:r>
-              <a:rPr lang="en-US" altLang="zh-TW" sz="2400" dirty="0"/>
+              <a:rPr lang="en-US" altLang="zh-TW" sz="2400" dirty="0" smtClean="0"/>
               <a:t> Coordinate enterprise can approved the rooms offered by companies/person,</a:t>
             </a:r>
           </a:p>
@@ -7510,7 +9173,11 @@
             </a:pPr>
             <a:r>
               <a:rPr lang="en-US" altLang="zh-TW" sz="2400" dirty="0"/>
-              <a:t>     and the applications from clients/patients.</a:t>
+              <a:t> </a:t>
+            </a:r>
+            <a:r>
+              <a:rPr lang="en-US" altLang="zh-TW" sz="2400" dirty="0" smtClean="0"/>
+              <a:t>    and the applications from clients/patients.</a:t>
             </a:r>
           </a:p>
           <a:p>
@@ -7519,7 +9186,7 @@
               <a:buChar char="u"/>
             </a:pPr>
             <a:r>
-              <a:rPr lang="en-US" altLang="zh-TW" sz="2400" dirty="0"/>
+              <a:rPr lang="en-US" altLang="zh-TW" sz="2400" dirty="0" smtClean="0"/>
               <a:t> Coordinate enterprise can match the rooms for the clients.</a:t>
             </a:r>
           </a:p>
@@ -7528,7 +9195,7 @@
               <a:buFont typeface="Wingdings" panose="05000000000000000000" pitchFamily="2" charset="2"/>
               <a:buChar char="u"/>
             </a:pPr>
-            <a:endParaRPr lang="en-US" altLang="zh-TW" sz="2400" dirty="0"/>
+            <a:endParaRPr lang="en-US" altLang="zh-TW" sz="2400" dirty="0" smtClean="0"/>
           </a:p>
           <a:p>
             <a:pPr>
@@ -7549,6 +9216,263 @@
   <p:clrMapOvr>
     <a:masterClrMapping/>
   </p:clrMapOvr>
+  <p:timing>
+    <p:tnLst>
+      <p:par>
+        <p:cTn id="1" dur="indefinite" restart="never" nodeType="tmRoot">
+          <p:childTnLst>
+            <p:seq concurrent="1" nextAc="seek">
+              <p:cTn id="2" dur="indefinite" nodeType="mainSeq">
+                <p:childTnLst>
+                  <p:par>
+                    <p:cTn id="3" fill="hold">
+                      <p:stCondLst>
+                        <p:cond delay="indefinite"/>
+                      </p:stCondLst>
+                      <p:childTnLst>
+                        <p:par>
+                          <p:cTn id="4" fill="hold">
+                            <p:stCondLst>
+                              <p:cond delay="0"/>
+                            </p:stCondLst>
+                            <p:childTnLst>
+                              <p:par>
+                                <p:cTn id="5" presetID="1" presetClass="entr" presetSubtype="0" fill="hold" nodeType="clickEffect">
+                                  <p:stCondLst>
+                                    <p:cond delay="0"/>
+                                  </p:stCondLst>
+                                  <p:childTnLst>
+                                    <p:set>
+                                      <p:cBhvr>
+                                        <p:cTn id="6" dur="1" fill="hold">
+                                          <p:stCondLst>
+                                            <p:cond delay="0"/>
+                                          </p:stCondLst>
+                                        </p:cTn>
+                                        <p:tgtEl>
+                                          <p:spTgt spid="3">
+                                            <p:txEl>
+                                              <p:pRg st="2" end="2"/>
+                                            </p:txEl>
+                                          </p:spTgt>
+                                        </p:tgtEl>
+                                        <p:attrNameLst>
+                                          <p:attrName>style.visibility</p:attrName>
+                                        </p:attrNameLst>
+                                      </p:cBhvr>
+                                      <p:to>
+                                        <p:strVal val="visible"/>
+                                      </p:to>
+                                    </p:set>
+                                  </p:childTnLst>
+                                </p:cTn>
+                              </p:par>
+                            </p:childTnLst>
+                          </p:cTn>
+                        </p:par>
+                      </p:childTnLst>
+                    </p:cTn>
+                  </p:par>
+                  <p:par>
+                    <p:cTn id="7" fill="hold">
+                      <p:stCondLst>
+                        <p:cond delay="indefinite"/>
+                      </p:stCondLst>
+                      <p:childTnLst>
+                        <p:par>
+                          <p:cTn id="8" fill="hold">
+                            <p:stCondLst>
+                              <p:cond delay="0"/>
+                            </p:stCondLst>
+                            <p:childTnLst>
+                              <p:par>
+                                <p:cTn id="9" presetID="1" presetClass="entr" presetSubtype="0" fill="hold" nodeType="clickEffect">
+                                  <p:stCondLst>
+                                    <p:cond delay="0"/>
+                                  </p:stCondLst>
+                                  <p:childTnLst>
+                                    <p:set>
+                                      <p:cBhvr>
+                                        <p:cTn id="10" dur="1" fill="hold">
+                                          <p:stCondLst>
+                                            <p:cond delay="0"/>
+                                          </p:stCondLst>
+                                        </p:cTn>
+                                        <p:tgtEl>
+                                          <p:spTgt spid="3">
+                                            <p:txEl>
+                                              <p:pRg st="3" end="3"/>
+                                            </p:txEl>
+                                          </p:spTgt>
+                                        </p:tgtEl>
+                                        <p:attrNameLst>
+                                          <p:attrName>style.visibility</p:attrName>
+                                        </p:attrNameLst>
+                                      </p:cBhvr>
+                                      <p:to>
+                                        <p:strVal val="visible"/>
+                                      </p:to>
+                                    </p:set>
+                                  </p:childTnLst>
+                                </p:cTn>
+                              </p:par>
+                            </p:childTnLst>
+                          </p:cTn>
+                        </p:par>
+                      </p:childTnLst>
+                    </p:cTn>
+                  </p:par>
+                  <p:par>
+                    <p:cTn id="11" fill="hold">
+                      <p:stCondLst>
+                        <p:cond delay="indefinite"/>
+                      </p:stCondLst>
+                      <p:childTnLst>
+                        <p:par>
+                          <p:cTn id="12" fill="hold">
+                            <p:stCondLst>
+                              <p:cond delay="0"/>
+                            </p:stCondLst>
+                            <p:childTnLst>
+                              <p:par>
+                                <p:cTn id="13" presetID="1" presetClass="entr" presetSubtype="0" fill="hold" nodeType="clickEffect">
+                                  <p:stCondLst>
+                                    <p:cond delay="0"/>
+                                  </p:stCondLst>
+                                  <p:childTnLst>
+                                    <p:set>
+                                      <p:cBhvr>
+                                        <p:cTn id="14" dur="1" fill="hold">
+                                          <p:stCondLst>
+                                            <p:cond delay="0"/>
+                                          </p:stCondLst>
+                                        </p:cTn>
+                                        <p:tgtEl>
+                                          <p:spTgt spid="3">
+                                            <p:txEl>
+                                              <p:pRg st="4" end="4"/>
+                                            </p:txEl>
+                                          </p:spTgt>
+                                        </p:tgtEl>
+                                        <p:attrNameLst>
+                                          <p:attrName>style.visibility</p:attrName>
+                                        </p:attrNameLst>
+                                      </p:cBhvr>
+                                      <p:to>
+                                        <p:strVal val="visible"/>
+                                      </p:to>
+                                    </p:set>
+                                  </p:childTnLst>
+                                </p:cTn>
+                              </p:par>
+                              <p:par>
+                                <p:cTn id="15" presetID="1" presetClass="entr" presetSubtype="0" fill="hold" nodeType="withEffect">
+                                  <p:stCondLst>
+                                    <p:cond delay="0"/>
+                                  </p:stCondLst>
+                                  <p:childTnLst>
+                                    <p:set>
+                                      <p:cBhvr>
+                                        <p:cTn id="16" dur="1" fill="hold">
+                                          <p:stCondLst>
+                                            <p:cond delay="0"/>
+                                          </p:stCondLst>
+                                        </p:cTn>
+                                        <p:tgtEl>
+                                          <p:spTgt spid="3">
+                                            <p:txEl>
+                                              <p:pRg st="5" end="5"/>
+                                            </p:txEl>
+                                          </p:spTgt>
+                                        </p:tgtEl>
+                                        <p:attrNameLst>
+                                          <p:attrName>style.visibility</p:attrName>
+                                        </p:attrNameLst>
+                                      </p:cBhvr>
+                                      <p:to>
+                                        <p:strVal val="visible"/>
+                                      </p:to>
+                                    </p:set>
+                                  </p:childTnLst>
+                                </p:cTn>
+                              </p:par>
+                            </p:childTnLst>
+                          </p:cTn>
+                        </p:par>
+                      </p:childTnLst>
+                    </p:cTn>
+                  </p:par>
+                  <p:par>
+                    <p:cTn id="17" fill="hold">
+                      <p:stCondLst>
+                        <p:cond delay="indefinite"/>
+                      </p:stCondLst>
+                      <p:childTnLst>
+                        <p:par>
+                          <p:cTn id="18" fill="hold">
+                            <p:stCondLst>
+                              <p:cond delay="0"/>
+                            </p:stCondLst>
+                            <p:childTnLst>
+                              <p:par>
+                                <p:cTn id="19" presetID="1" presetClass="entr" presetSubtype="0" fill="hold" nodeType="clickEffect">
+                                  <p:stCondLst>
+                                    <p:cond delay="0"/>
+                                  </p:stCondLst>
+                                  <p:childTnLst>
+                                    <p:set>
+                                      <p:cBhvr>
+                                        <p:cTn id="20" dur="1" fill="hold">
+                                          <p:stCondLst>
+                                            <p:cond delay="0"/>
+                                          </p:stCondLst>
+                                        </p:cTn>
+                                        <p:tgtEl>
+                                          <p:spTgt spid="3">
+                                            <p:txEl>
+                                              <p:pRg st="6" end="6"/>
+                                            </p:txEl>
+                                          </p:spTgt>
+                                        </p:tgtEl>
+                                        <p:attrNameLst>
+                                          <p:attrName>style.visibility</p:attrName>
+                                        </p:attrNameLst>
+                                      </p:cBhvr>
+                                      <p:to>
+                                        <p:strVal val="visible"/>
+                                      </p:to>
+                                    </p:set>
+                                  </p:childTnLst>
+                                </p:cTn>
+                              </p:par>
+                            </p:childTnLst>
+                          </p:cTn>
+                        </p:par>
+                      </p:childTnLst>
+                    </p:cTn>
+                  </p:par>
+                </p:childTnLst>
+              </p:cTn>
+              <p:prevCondLst>
+                <p:cond evt="onPrev" delay="0">
+                  <p:tgtEl>
+                    <p:sldTgt/>
+                  </p:tgtEl>
+                </p:cond>
+              </p:prevCondLst>
+              <p:nextCondLst>
+                <p:cond evt="onNext" delay="0">
+                  <p:tgtEl>
+                    <p:sldTgt/>
+                  </p:tgtEl>
+                </p:cond>
+              </p:nextCondLst>
+            </p:seq>
+          </p:childTnLst>
+        </p:cTn>
+      </p:par>
+    </p:tnLst>
+  </p:timing>
 </p:sld>
 </file>
 
@@ -7585,7 +9509,7 @@
           <a:lstStyle/>
           <a:p>
             <a:r>
-              <a:rPr lang="en-US" altLang="zh-TW" dirty="0"/>
+              <a:rPr lang="en-US" altLang="zh-TW" dirty="0" smtClean="0"/>
               <a:t>Intro to Our Application</a:t>
             </a:r>
             <a:endParaRPr lang="zh-TW" altLang="en-US" dirty="0"/>
@@ -7610,7 +9534,7 @@
           <a:lstStyle/>
           <a:p>
             <a:r>
-              <a:rPr lang="en-US" altLang="zh-TW" sz="2400" dirty="0"/>
+              <a:rPr lang="en-US" altLang="zh-TW" sz="2400" dirty="0" smtClean="0"/>
               <a:t>Architecture:</a:t>
             </a:r>
             <a:endParaRPr lang="zh-TW" altLang="en-US" sz="2400" dirty="0"/>
@@ -7619,13 +9543,7 @@
       </p:sp>
       <p:pic>
         <p:nvPicPr>
-          <p:cNvPr id="6" name="圖片 5">
-            <a:extLst>
-              <a:ext uri="{FF2B5EF4-FFF2-40B4-BE49-F238E27FC236}">
-                <a16:creationId xmlns:a16="http://schemas.microsoft.com/office/drawing/2014/main" id="{0CA3FC67-4C86-455F-880D-37F984F185B7}"/>
-              </a:ext>
-            </a:extLst>
-          </p:cNvPr>
+          <p:cNvPr id="4" name="圖片 3"/>
           <p:cNvPicPr>
             <a:picLocks noChangeAspect="1"/>
           </p:cNvPicPr>
@@ -7645,8 +9563,8 @@
         </p:blipFill>
         <p:spPr>
           <a:xfrm>
-            <a:off x="785660" y="74606"/>
-            <a:ext cx="11511443" cy="6216472"/>
+            <a:off x="98540" y="190219"/>
+            <a:ext cx="11994919" cy="6477561"/>
           </a:xfrm>
           <a:prstGeom prst="rect">
             <a:avLst/>
@@ -7663,6 +9581,89 @@
   <p:clrMapOvr>
     <a:masterClrMapping/>
   </p:clrMapOvr>
+  <p:timing>
+    <p:tnLst>
+      <p:par>
+        <p:cTn id="1" dur="indefinite" restart="never" nodeType="tmRoot">
+          <p:childTnLst>
+            <p:seq concurrent="1" nextAc="seek">
+              <p:cTn id="2" dur="indefinite" nodeType="mainSeq">
+                <p:childTnLst>
+                  <p:par>
+                    <p:cTn id="3" fill="hold">
+                      <p:stCondLst>
+                        <p:cond delay="indefinite"/>
+                      </p:stCondLst>
+                      <p:childTnLst>
+                        <p:par>
+                          <p:cTn id="4" fill="hold">
+                            <p:stCondLst>
+                              <p:cond delay="0"/>
+                            </p:stCondLst>
+                            <p:childTnLst>
+                              <p:par>
+                                <p:cTn id="5" presetID="10" presetClass="entr" presetSubtype="0" fill="hold" nodeType="clickEffect">
+                                  <p:stCondLst>
+                                    <p:cond delay="0"/>
+                                  </p:stCondLst>
+                                  <p:childTnLst>
+                                    <p:set>
+                                      <p:cBhvr>
+                                        <p:cTn id="6" dur="1" fill="hold">
+                                          <p:stCondLst>
+                                            <p:cond delay="0"/>
+                                          </p:stCondLst>
+                                        </p:cTn>
+                                        <p:tgtEl>
+                                          <p:spTgt spid="4"/>
+                                        </p:tgtEl>
+                                        <p:attrNameLst>
+                                          <p:attrName>style.visibility</p:attrName>
+                                        </p:attrNameLst>
+                                      </p:cBhvr>
+                                      <p:to>
+                                        <p:strVal val="visible"/>
+                                      </p:to>
+                                    </p:set>
+                                    <p:animEffect transition="in" filter="fade">
+                                      <p:cBhvr>
+                                        <p:cTn id="7" dur="500"/>
+                                        <p:tgtEl>
+                                          <p:spTgt spid="4"/>
+                                        </p:tgtEl>
+                                      </p:cBhvr>
+                                    </p:animEffect>
+                                  </p:childTnLst>
+                                </p:cTn>
+                              </p:par>
+                            </p:childTnLst>
+                          </p:cTn>
+                        </p:par>
+                      </p:childTnLst>
+                    </p:cTn>
+                  </p:par>
+                </p:childTnLst>
+              </p:cTn>
+              <p:prevCondLst>
+                <p:cond evt="onPrev" delay="0">
+                  <p:tgtEl>
+                    <p:sldTgt/>
+                  </p:tgtEl>
+                </p:cond>
+              </p:prevCondLst>
+              <p:nextCondLst>
+                <p:cond evt="onNext" delay="0">
+                  <p:tgtEl>
+                    <p:sldTgt/>
+                  </p:tgtEl>
+                </p:cond>
+              </p:nextCondLst>
+            </p:seq>
+          </p:childTnLst>
+        </p:cTn>
+      </p:par>
+    </p:tnLst>
+  </p:timing>
 </p:sld>
 </file>
 
@@ -7699,7 +9700,7 @@
           <a:lstStyle/>
           <a:p>
             <a:r>
-              <a:rPr lang="en-US" altLang="zh-TW" dirty="0"/>
+              <a:rPr lang="en-US" altLang="zh-TW" dirty="0" smtClean="0"/>
               <a:t>Intro to Our Application</a:t>
             </a:r>
             <a:endParaRPr lang="zh-TW" altLang="en-US" dirty="0"/>
@@ -7732,11 +9733,11 @@
               <a:buNone/>
             </a:pPr>
             <a:r>
-              <a:rPr lang="en-US" altLang="zh-TW" sz="2600" b="1" dirty="0"/>
+              <a:rPr lang="en-US" altLang="zh-TW" sz="2600" b="1" dirty="0" smtClean="0"/>
               <a:t>  </a:t>
             </a:r>
             <a:r>
-              <a:rPr lang="en-US" altLang="zh-TW" sz="2800" b="1" dirty="0"/>
+              <a:rPr lang="en-US" altLang="zh-TW" sz="2800" b="1" dirty="0" smtClean="0"/>
               <a:t>Enterprises:</a:t>
             </a:r>
           </a:p>
@@ -7746,11 +9747,11 @@
               <a:buChar char="u"/>
             </a:pPr>
             <a:r>
-              <a:rPr lang="en-US" altLang="zh-TW" sz="2400" b="1" dirty="0"/>
+              <a:rPr lang="en-US" altLang="zh-TW" sz="2400" b="1" dirty="0" smtClean="0"/>
               <a:t>  </a:t>
             </a:r>
             <a:r>
-              <a:rPr lang="en-US" altLang="zh-TW" sz="2400" dirty="0"/>
+              <a:rPr lang="en-US" altLang="zh-TW" sz="2400" dirty="0" smtClean="0"/>
               <a:t>Funding enterprises</a:t>
             </a:r>
           </a:p>
@@ -7760,21 +9761,21 @@
               <a:buChar char="u"/>
             </a:pPr>
             <a:r>
-              <a:rPr lang="en-US" altLang="zh-TW" sz="2400" dirty="0"/>
+              <a:rPr lang="en-US" altLang="zh-TW" sz="2400" dirty="0" smtClean="0"/>
               <a:t>  Coordinate enterprises</a:t>
             </a:r>
-            <a:endParaRPr lang="en-US" altLang="zh-TW" dirty="0"/>
+            <a:endParaRPr lang="en-US" altLang="zh-TW" dirty="0" smtClean="0"/>
           </a:p>
           <a:p>
             <a:pPr lvl="1">
               <a:buFont typeface="Wingdings" panose="05000000000000000000" pitchFamily="2" charset="2"/>
               <a:buChar char="u"/>
             </a:pPr>
-            <a:endParaRPr lang="en-US" altLang="zh-TW" sz="2200" dirty="0"/>
-          </a:p>
-          <a:p>
-            <a:r>
-              <a:rPr lang="en-US" altLang="zh-TW" sz="2800" b="1" dirty="0"/>
+            <a:endParaRPr lang="en-US" altLang="zh-TW" sz="2200" dirty="0" smtClean="0"/>
+          </a:p>
+          <a:p>
+            <a:r>
+              <a:rPr lang="en-US" altLang="zh-TW" sz="2800" b="1" dirty="0" smtClean="0"/>
               <a:t>Organizations: </a:t>
             </a:r>
           </a:p>
@@ -7784,9 +9785,10 @@
               <a:buChar char="u"/>
             </a:pPr>
             <a:r>
-              <a:rPr lang="en-US" altLang="zh-TW" sz="2400" dirty="0"/>
+              <a:rPr lang="en-US" altLang="zh-TW" sz="2400" dirty="0" smtClean="0"/>
               <a:t>  Patients/ Rooms qualified organization</a:t>
             </a:r>
+            <a:endParaRPr lang="en-US" altLang="zh-TW" sz="2400" dirty="0"/>
           </a:p>
           <a:p>
             <a:pPr lvl="1">
@@ -7794,7 +9796,7 @@
               <a:buChar char="u"/>
             </a:pPr>
             <a:r>
-              <a:rPr lang="en-US" altLang="zh-TW" sz="2400" dirty="0"/>
+              <a:rPr lang="en-US" altLang="zh-TW" sz="2400" dirty="0" smtClean="0"/>
               <a:t>  Clients organization</a:t>
             </a:r>
           </a:p>
@@ -7804,7 +9806,7 @@
               <a:buChar char="u"/>
             </a:pPr>
             <a:r>
-              <a:rPr lang="en-US" altLang="zh-TW" sz="2400" dirty="0"/>
+              <a:rPr lang="en-US" altLang="zh-TW" sz="2400" dirty="0" smtClean="0"/>
               <a:t>  Matching organization</a:t>
             </a:r>
           </a:p>
@@ -7814,7 +9816,7 @@
               <a:buChar char="u"/>
             </a:pPr>
             <a:r>
-              <a:rPr lang="en-US" altLang="zh-TW" sz="2400" dirty="0"/>
+              <a:rPr lang="en-US" altLang="zh-TW" sz="2400" dirty="0" smtClean="0"/>
               <a:t>  Personal housing offers organization</a:t>
             </a:r>
           </a:p>
@@ -7824,7 +9826,7 @@
               <a:buChar char="u"/>
             </a:pPr>
             <a:r>
-              <a:rPr lang="en-US" altLang="zh-TW" sz="2400" dirty="0"/>
+              <a:rPr lang="en-US" altLang="zh-TW" sz="2400" dirty="0" smtClean="0"/>
               <a:t>  Company housing offers organization</a:t>
             </a:r>
           </a:p>
@@ -7834,7 +9836,7 @@
               <a:buChar char="u"/>
             </a:pPr>
             <a:r>
-              <a:rPr lang="en-US" altLang="zh-TW" sz="2400" dirty="0"/>
+              <a:rPr lang="en-US" altLang="zh-TW" sz="2400" dirty="0" smtClean="0"/>
               <a:t>  Admin organization</a:t>
             </a:r>
           </a:p>
@@ -7850,6 +9852,13 @@
   <p:clrMapOvr>
     <a:masterClrMapping/>
   </p:clrMapOvr>
+  <p:timing>
+    <p:tnLst>
+      <p:par>
+        <p:cTn id="1" dur="indefinite" restart="never" nodeType="tmRoot"/>
+      </p:par>
+    </p:tnLst>
+  </p:timing>
 </p:sld>
 </file>
 
@@ -7886,7 +9895,7 @@
           <a:lstStyle/>
           <a:p>
             <a:r>
-              <a:rPr lang="en-US" altLang="zh-TW" dirty="0"/>
+              <a:rPr lang="en-US" altLang="zh-TW" dirty="0" smtClean="0"/>
               <a:t>Intro to Our Application</a:t>
             </a:r>
             <a:endParaRPr lang="zh-TW" altLang="en-US" dirty="0"/>
@@ -7911,7 +9920,7 @@
           <a:lstStyle/>
           <a:p>
             <a:r>
-              <a:rPr lang="en-US" altLang="zh-TW" sz="2400" dirty="0"/>
+              <a:rPr lang="en-US" altLang="zh-TW" sz="2400" dirty="0" smtClean="0"/>
               <a:t>Key screenshots &amp; work flows/ work requests:</a:t>
             </a:r>
             <a:endParaRPr lang="zh-TW" altLang="en-US" sz="2400" dirty="0"/>
@@ -7940,7 +9949,7 @@
         </p:blipFill>
         <p:spPr>
           <a:xfrm>
-            <a:off x="1256517" y="245917"/>
+            <a:off x="1186386" y="414820"/>
             <a:ext cx="9885666" cy="5230092"/>
           </a:xfrm>
           <a:prstGeom prst="rect">
@@ -7970,7 +9979,7 @@
         </p:blipFill>
         <p:spPr>
           <a:xfrm>
-            <a:off x="1132620" y="301686"/>
+            <a:off x="1132619" y="414820"/>
             <a:ext cx="10133460" cy="5385948"/>
           </a:xfrm>
           <a:prstGeom prst="rect">
@@ -8000,8 +10009,8 @@
         </p:blipFill>
         <p:spPr>
           <a:xfrm>
-            <a:off x="1146117" y="245917"/>
-            <a:ext cx="10119963" cy="5172872"/>
+            <a:off x="1020721" y="414821"/>
+            <a:ext cx="10368600" cy="5454274"/>
           </a:xfrm>
           <a:prstGeom prst="rect">
             <a:avLst/>
@@ -8030,8 +10039,8 @@
         </p:blipFill>
         <p:spPr>
           <a:xfrm>
-            <a:off x="1035606" y="174099"/>
-            <a:ext cx="10327488" cy="5513535"/>
+            <a:off x="1020721" y="458773"/>
+            <a:ext cx="10374326" cy="5538540"/>
           </a:xfrm>
           <a:prstGeom prst="rect">
             <a:avLst/>
@@ -8060,8 +10069,8 @@
         </p:blipFill>
         <p:spPr>
           <a:xfrm>
-            <a:off x="643197" y="174099"/>
-            <a:ext cx="11361420" cy="6103620"/>
+            <a:off x="1020721" y="410491"/>
+            <a:ext cx="10967309" cy="5891894"/>
           </a:xfrm>
           <a:prstGeom prst="rect">
             <a:avLst/>

--- a/Final project/INFO 5100 Final Project.pptx
+++ b/Final project/INFO 5100 Final Project.pptx
@@ -526,6 +526,10 @@
           <a:bodyPr/>
           <a:lstStyle/>
           <a:p>
+            <a:r>
+              <a:rPr lang="en-US" altLang="zh-TW" dirty="0" smtClean="0"/>
+              <a:t>Even worse</a:t>
+            </a:r>
             <a:endParaRPr lang="zh-TW" altLang="en-US" dirty="0"/>
           </a:p>
         </p:txBody>
@@ -557,6 +561,213 @@
     <p:extLst>
       <p:ext uri="{BB962C8B-B14F-4D97-AF65-F5344CB8AC3E}">
         <p14:creationId xmlns:p14="http://schemas.microsoft.com/office/powerpoint/2010/main" val="186902730"/>
+      </p:ext>
+    </p:extLst>
+  </p:cSld>
+  <p:clrMapOvr>
+    <a:masterClrMapping/>
+  </p:clrMapOvr>
+</p:notes>
+</file>
+
+<file path=ppt/notesSlides/notesSlide10.xml><?xml version="1.0" encoding="utf-8"?>
+<p:notes xmlns:a="http://schemas.openxmlformats.org/drawingml/2006/main" xmlns:r="http://schemas.openxmlformats.org/officeDocument/2006/relationships" xmlns:p="http://schemas.openxmlformats.org/presentationml/2006/main">
+  <p:cSld>
+    <p:spTree>
+      <p:nvGrpSpPr>
+        <p:cNvPr id="1" name=""/>
+        <p:cNvGrpSpPr/>
+        <p:nvPr/>
+      </p:nvGrpSpPr>
+      <p:grpSpPr>
+        <a:xfrm>
+          <a:off x="0" y="0"/>
+          <a:ext cx="0" cy="0"/>
+          <a:chOff x="0" y="0"/>
+          <a:chExt cx="0" cy="0"/>
+        </a:xfrm>
+      </p:grpSpPr>
+      <p:sp>
+        <p:nvSpPr>
+          <p:cNvPr id="2" name="投影片圖像版面配置區 1"/>
+          <p:cNvSpPr>
+            <a:spLocks noGrp="1" noRot="1" noChangeAspect="1"/>
+          </p:cNvSpPr>
+          <p:nvPr>
+            <p:ph type="sldImg"/>
+          </p:nvPr>
+        </p:nvSpPr>
+        <p:spPr/>
+      </p:sp>
+      <p:sp>
+        <p:nvSpPr>
+          <p:cNvPr id="3" name="備忘稿版面配置區 2"/>
+          <p:cNvSpPr>
+            <a:spLocks noGrp="1"/>
+          </p:cNvSpPr>
+          <p:nvPr>
+            <p:ph type="body" idx="1"/>
+          </p:nvPr>
+        </p:nvSpPr>
+        <p:spPr/>
+        <p:txBody>
+          <a:bodyPr/>
+          <a:lstStyle/>
+          <a:p>
+            <a:r>
+              <a:rPr lang="en-US" altLang="zh-TW" dirty="0" smtClean="0"/>
+              <a:t>Room provide status</a:t>
+            </a:r>
+            <a:endParaRPr lang="zh-TW" altLang="en-US" dirty="0"/>
+          </a:p>
+        </p:txBody>
+      </p:sp>
+      <p:sp>
+        <p:nvSpPr>
+          <p:cNvPr id="4" name="投影片編號版面配置區 3"/>
+          <p:cNvSpPr>
+            <a:spLocks noGrp="1"/>
+          </p:cNvSpPr>
+          <p:nvPr>
+            <p:ph type="sldNum" sz="quarter" idx="10"/>
+          </p:nvPr>
+        </p:nvSpPr>
+        <p:spPr/>
+        <p:txBody>
+          <a:bodyPr/>
+          <a:lstStyle/>
+          <a:p>
+            <a:fld id="{6B91597D-BD06-432B-BB0D-D3E16527D949}" type="slidenum">
+              <a:rPr lang="zh-TW" altLang="en-US" smtClean="0"/>
+              <a:t>15</a:t>
+            </a:fld>
+            <a:endParaRPr lang="zh-TW" altLang="en-US"/>
+          </a:p>
+        </p:txBody>
+      </p:sp>
+    </p:spTree>
+    <p:extLst>
+      <p:ext uri="{BB962C8B-B14F-4D97-AF65-F5344CB8AC3E}">
+        <p14:creationId xmlns:p14="http://schemas.microsoft.com/office/powerpoint/2010/main" val="4124701767"/>
+      </p:ext>
+    </p:extLst>
+  </p:cSld>
+  <p:clrMapOvr>
+    <a:masterClrMapping/>
+  </p:clrMapOvr>
+</p:notes>
+</file>
+
+<file path=ppt/notesSlides/notesSlide11.xml><?xml version="1.0" encoding="utf-8"?>
+<p:notes xmlns:a="http://schemas.openxmlformats.org/drawingml/2006/main" xmlns:r="http://schemas.openxmlformats.org/officeDocument/2006/relationships" xmlns:p="http://schemas.openxmlformats.org/presentationml/2006/main">
+  <p:cSld>
+    <p:spTree>
+      <p:nvGrpSpPr>
+        <p:cNvPr id="1" name=""/>
+        <p:cNvGrpSpPr/>
+        <p:nvPr/>
+      </p:nvGrpSpPr>
+      <p:grpSpPr>
+        <a:xfrm>
+          <a:off x="0" y="0"/>
+          <a:ext cx="0" cy="0"/>
+          <a:chOff x="0" y="0"/>
+          <a:chExt cx="0" cy="0"/>
+        </a:xfrm>
+      </p:grpSpPr>
+      <p:sp>
+        <p:nvSpPr>
+          <p:cNvPr id="2" name="投影片圖像版面配置區 1"/>
+          <p:cNvSpPr>
+            <a:spLocks noGrp="1" noRot="1" noChangeAspect="1"/>
+          </p:cNvSpPr>
+          <p:nvPr>
+            <p:ph type="sldImg"/>
+          </p:nvPr>
+        </p:nvSpPr>
+        <p:spPr/>
+      </p:sp>
+      <p:sp>
+        <p:nvSpPr>
+          <p:cNvPr id="3" name="備忘稿版面配置區 2"/>
+          <p:cNvSpPr>
+            <a:spLocks noGrp="1"/>
+          </p:cNvSpPr>
+          <p:nvPr>
+            <p:ph type="body" idx="1"/>
+          </p:nvPr>
+        </p:nvSpPr>
+        <p:spPr/>
+        <p:txBody>
+          <a:bodyPr/>
+          <a:lstStyle/>
+          <a:p>
+            <a:r>
+              <a:rPr lang="en-US" altLang="zh-TW" dirty="0" smtClean="0"/>
+              <a:t>And why would a global</a:t>
+            </a:r>
+            <a:r>
+              <a:rPr lang="en-US" altLang="zh-TW" baseline="0" dirty="0" smtClean="0"/>
+              <a:t> company do it for free? </a:t>
+            </a:r>
+          </a:p>
+          <a:p>
+            <a:pPr marL="228600" indent="-228600">
+              <a:buAutoNum type="arabicPeriod"/>
+            </a:pPr>
+            <a:r>
+              <a:rPr lang="en-US" altLang="zh-TW" baseline="0" dirty="0" smtClean="0"/>
+              <a:t>It can improve the reputation of the company.</a:t>
+            </a:r>
+          </a:p>
+          <a:p>
+            <a:pPr marL="228600" indent="-228600">
+              <a:buAutoNum type="arabicPeriod"/>
+            </a:pPr>
+            <a:r>
+              <a:rPr lang="en-US" altLang="zh-TW" baseline="0" dirty="0" smtClean="0"/>
+              <a:t>They can give back to the society.</a:t>
+            </a:r>
+          </a:p>
+          <a:p>
+            <a:pPr marL="228600" indent="-228600">
+              <a:buAutoNum type="arabicPeriod"/>
+            </a:pPr>
+            <a:r>
+              <a:rPr lang="en-US" altLang="zh-TW" baseline="0" dirty="0" smtClean="0"/>
+              <a:t>It will definitely bring a great commercial effect. Maybe the money they save on advertising is less than the money they help the charity.</a:t>
+            </a:r>
+            <a:endParaRPr lang="zh-TW" altLang="en-US" dirty="0"/>
+          </a:p>
+        </p:txBody>
+      </p:sp>
+      <p:sp>
+        <p:nvSpPr>
+          <p:cNvPr id="4" name="投影片編號版面配置區 3"/>
+          <p:cNvSpPr>
+            <a:spLocks noGrp="1"/>
+          </p:cNvSpPr>
+          <p:nvPr>
+            <p:ph type="sldNum" sz="quarter" idx="10"/>
+          </p:nvPr>
+        </p:nvSpPr>
+        <p:spPr/>
+        <p:txBody>
+          <a:bodyPr/>
+          <a:lstStyle/>
+          <a:p>
+            <a:fld id="{6B91597D-BD06-432B-BB0D-D3E16527D949}" type="slidenum">
+              <a:rPr lang="zh-TW" altLang="en-US" smtClean="0"/>
+              <a:t>17</a:t>
+            </a:fld>
+            <a:endParaRPr lang="zh-TW" altLang="en-US"/>
+          </a:p>
+        </p:txBody>
+      </p:sp>
+    </p:spTree>
+    <p:extLst>
+      <p:ext uri="{BB962C8B-B14F-4D97-AF65-F5344CB8AC3E}">
+        <p14:creationId xmlns:p14="http://schemas.microsoft.com/office/powerpoint/2010/main" val="3323573384"/>
       </p:ext>
     </p:extLst>
   </p:cSld>
@@ -610,6 +821,10 @@
           <a:bodyPr/>
           <a:lstStyle/>
           <a:p>
+            <a:r>
+              <a:rPr lang="en-US" altLang="zh-TW" dirty="0" smtClean="0"/>
+              <a:t>Speech: inspired by RMHC</a:t>
+            </a:r>
             <a:endParaRPr lang="zh-TW" altLang="en-US" dirty="0"/>
           </a:p>
         </p:txBody>
@@ -715,7 +930,7 @@
           <a:p>
             <a:fld id="{6B91597D-BD06-432B-BB0D-D3E16527D949}" type="slidenum">
               <a:rPr lang="zh-TW" altLang="en-US" smtClean="0"/>
-              <a:t>7</a:t>
+              <a:t>5</a:t>
             </a:fld>
             <a:endParaRPr lang="zh-TW" altLang="en-US"/>
           </a:p>
@@ -724,7 +939,7 @@
     </p:spTree>
     <p:extLst>
       <p:ext uri="{BB962C8B-B14F-4D97-AF65-F5344CB8AC3E}">
-        <p14:creationId xmlns:p14="http://schemas.microsoft.com/office/powerpoint/2010/main" val="4119139815"/>
+        <p14:creationId xmlns:p14="http://schemas.microsoft.com/office/powerpoint/2010/main" val="4248541123"/>
       </p:ext>
     </p:extLst>
   </p:cSld>
@@ -779,8 +994,64 @@
           <a:lstStyle/>
           <a:p>
             <a:r>
-              <a:rPr lang="en-US" altLang="zh-TW" dirty="0" smtClean="0"/>
-              <a:t>screenshots</a:t>
+              <a:rPr lang="en-US" altLang="zh-TW" smtClean="0"/>
+              <a:t>Coor </a:t>
+            </a:r>
+            <a:r>
+              <a:rPr lang="en-US" altLang="zh-TW" baseline="0" smtClean="0"/>
+              <a:t>enterprise </a:t>
+            </a:r>
+            <a:r>
+              <a:rPr lang="en-US" altLang="zh-TW" baseline="0" dirty="0" smtClean="0"/>
+              <a:t>can see client, </a:t>
+            </a:r>
+            <a:r>
+              <a:rPr lang="zh-TW" altLang="en-US" baseline="0" dirty="0" smtClean="0"/>
+              <a:t>把</a:t>
+            </a:r>
+            <a:r>
+              <a:rPr lang="en-US" altLang="zh-TW" baseline="0" dirty="0" smtClean="0"/>
+              <a:t>client </a:t>
+            </a:r>
+            <a:r>
+              <a:rPr lang="zh-TW" altLang="en-US" baseline="0" dirty="0" smtClean="0"/>
+              <a:t>拉近</a:t>
+            </a:r>
+            <a:r>
+              <a:rPr lang="en-US" altLang="zh-TW" baseline="0" dirty="0" smtClean="0"/>
+              <a:t>coordinate</a:t>
+            </a:r>
+            <a:r>
+              <a:rPr lang="zh-TW" altLang="en-US" baseline="0" dirty="0" smtClean="0"/>
+              <a:t>的</a:t>
+            </a:r>
+            <a:r>
+              <a:rPr lang="en-US" altLang="zh-TW" baseline="0" dirty="0" smtClean="0"/>
+              <a:t>enterprise </a:t>
+            </a:r>
+            <a:r>
+              <a:rPr lang="zh-TW" altLang="en-US" baseline="0" dirty="0" smtClean="0"/>
+              <a:t>底下，</a:t>
+            </a:r>
+            <a:r>
+              <a:rPr lang="en-US" altLang="zh-TW" baseline="0" dirty="0" smtClean="0"/>
+              <a:t>so</a:t>
+            </a:r>
+            <a:r>
+              <a:rPr lang="zh-TW" altLang="en-US" baseline="0" dirty="0" smtClean="0"/>
+              <a:t> </a:t>
+            </a:r>
+            <a:r>
+              <a:rPr lang="en-US" altLang="zh-TW" baseline="0" dirty="0" smtClean="0"/>
+              <a:t>the</a:t>
+            </a:r>
+            <a:r>
+              <a:rPr lang="zh-TW" altLang="en-US" baseline="0" dirty="0" smtClean="0"/>
+              <a:t> </a:t>
+            </a:r>
+            <a:r>
+              <a:rPr lang="en-US" altLang="zh-TW" baseline="0" dirty="0" smtClean="0"/>
+              <a:t>matching/ patient, can do their work</a:t>
             </a:r>
             <a:endParaRPr lang="zh-TW" altLang="en-US" dirty="0"/>
           </a:p>
@@ -803,7 +1074,7 @@
           <a:p>
             <a:fld id="{6B91597D-BD06-432B-BB0D-D3E16527D949}" type="slidenum">
               <a:rPr lang="zh-TW" altLang="en-US" smtClean="0"/>
-              <a:t>9</a:t>
+              <a:t>6</a:t>
             </a:fld>
             <a:endParaRPr lang="zh-TW" altLang="en-US"/>
           </a:p>
@@ -812,7 +1083,7 @@
     </p:spTree>
     <p:extLst>
       <p:ext uri="{BB962C8B-B14F-4D97-AF65-F5344CB8AC3E}">
-        <p14:creationId xmlns:p14="http://schemas.microsoft.com/office/powerpoint/2010/main" val="2923434328"/>
+        <p14:creationId xmlns:p14="http://schemas.microsoft.com/office/powerpoint/2010/main" val="3202028687"/>
       </p:ext>
     </p:extLst>
   </p:cSld>
@@ -887,7 +1158,7 @@
           <a:p>
             <a:fld id="{6B91597D-BD06-432B-BB0D-D3E16527D949}" type="slidenum">
               <a:rPr lang="zh-TW" altLang="en-US" smtClean="0"/>
-              <a:t>10</a:t>
+              <a:t>7</a:t>
             </a:fld>
             <a:endParaRPr lang="zh-TW" altLang="en-US"/>
           </a:p>
@@ -896,7 +1167,7 @@
     </p:spTree>
     <p:extLst>
       <p:ext uri="{BB962C8B-B14F-4D97-AF65-F5344CB8AC3E}">
-        <p14:creationId xmlns:p14="http://schemas.microsoft.com/office/powerpoint/2010/main" val="1273660356"/>
+        <p14:creationId xmlns:p14="http://schemas.microsoft.com/office/powerpoint/2010/main" val="4119139815"/>
       </p:ext>
     </p:extLst>
   </p:cSld>
@@ -951,12 +1222,22 @@
           <a:lstStyle/>
           <a:p>
             <a:r>
-              <a:rPr lang="zh-TW" altLang="en-US" dirty="0" smtClean="0"/>
-              <a:t>***要加</a:t>
-            </a:r>
-            <a:r>
               <a:rPr lang="en-US" altLang="zh-TW" dirty="0" smtClean="0"/>
-              <a:t>match  &amp; check out</a:t>
+              <a:t>Red</a:t>
+            </a:r>
+            <a:r>
+              <a:rPr lang="en-US" altLang="zh-TW" baseline="0" dirty="0" smtClean="0"/>
+              <a:t> </a:t>
+            </a:r>
+            <a:r>
+              <a:rPr lang="en-US" altLang="zh-TW" dirty="0" smtClean="0"/>
+              <a:t> TREE</a:t>
+            </a:r>
+          </a:p>
+          <a:p>
+            <a:r>
+              <a:rPr lang="en-US" altLang="zh-TW" dirty="0" smtClean="0"/>
+              <a:t>Choose different roles</a:t>
             </a:r>
             <a:endParaRPr lang="zh-TW" altLang="en-US" dirty="0"/>
           </a:p>
@@ -979,7 +1260,7 @@
           <a:p>
             <a:fld id="{6B91597D-BD06-432B-BB0D-D3E16527D949}" type="slidenum">
               <a:rPr lang="zh-TW" altLang="en-US" smtClean="0"/>
-              <a:t>14</a:t>
+              <a:t>9</a:t>
             </a:fld>
             <a:endParaRPr lang="zh-TW" altLang="en-US"/>
           </a:p>
@@ -988,7 +1269,7 @@
     </p:spTree>
     <p:extLst>
       <p:ext uri="{BB962C8B-B14F-4D97-AF65-F5344CB8AC3E}">
-        <p14:creationId xmlns:p14="http://schemas.microsoft.com/office/powerpoint/2010/main" val="4222188910"/>
+        <p14:creationId xmlns:p14="http://schemas.microsoft.com/office/powerpoint/2010/main" val="2923434328"/>
       </p:ext>
     </p:extLst>
   </p:cSld>
@@ -1042,41 +1323,6 @@
           <a:bodyPr/>
           <a:lstStyle/>
           <a:p>
-            <a:r>
-              <a:rPr lang="en-US" altLang="zh-TW" dirty="0" smtClean="0"/>
-              <a:t>And why would a global</a:t>
-            </a:r>
-            <a:r>
-              <a:rPr lang="en-US" altLang="zh-TW" baseline="0" dirty="0" smtClean="0"/>
-              <a:t> company do it for free? </a:t>
-            </a:r>
-          </a:p>
-          <a:p>
-            <a:pPr marL="228600" indent="-228600">
-              <a:buAutoNum type="arabicPeriod"/>
-            </a:pPr>
-            <a:r>
-              <a:rPr lang="en-US" altLang="zh-TW" baseline="0" dirty="0" smtClean="0"/>
-              <a:t>It can improve the reputation of the company.</a:t>
-            </a:r>
-          </a:p>
-          <a:p>
-            <a:pPr marL="228600" indent="-228600">
-              <a:buAutoNum type="arabicPeriod"/>
-            </a:pPr>
-            <a:r>
-              <a:rPr lang="en-US" altLang="zh-TW" baseline="0" dirty="0" smtClean="0"/>
-              <a:t>They can give back to the society.</a:t>
-            </a:r>
-          </a:p>
-          <a:p>
-            <a:pPr marL="228600" indent="-228600">
-              <a:buAutoNum type="arabicPeriod"/>
-            </a:pPr>
-            <a:r>
-              <a:rPr lang="en-US" altLang="zh-TW" baseline="0" dirty="0" smtClean="0"/>
-              <a:t>It will definitely bring a great commercial effect. Maybe the money they save on advertising is less than the money they help the charity.</a:t>
-            </a:r>
             <a:endParaRPr lang="zh-TW" altLang="en-US" dirty="0"/>
           </a:p>
         </p:txBody>
@@ -1098,7 +1344,7 @@
           <a:p>
             <a:fld id="{6B91597D-BD06-432B-BB0D-D3E16527D949}" type="slidenum">
               <a:rPr lang="zh-TW" altLang="en-US" smtClean="0"/>
-              <a:t>17</a:t>
+              <a:t>10</a:t>
             </a:fld>
             <a:endParaRPr lang="zh-TW" altLang="en-US"/>
           </a:p>
@@ -1107,7 +1353,183 @@
     </p:spTree>
     <p:extLst>
       <p:ext uri="{BB962C8B-B14F-4D97-AF65-F5344CB8AC3E}">
-        <p14:creationId xmlns:p14="http://schemas.microsoft.com/office/powerpoint/2010/main" val="3323573384"/>
+        <p14:creationId xmlns:p14="http://schemas.microsoft.com/office/powerpoint/2010/main" val="1273660356"/>
+      </p:ext>
+    </p:extLst>
+  </p:cSld>
+  <p:clrMapOvr>
+    <a:masterClrMapping/>
+  </p:clrMapOvr>
+</p:notes>
+</file>
+
+<file path=ppt/notesSlides/notesSlide8.xml><?xml version="1.0" encoding="utf-8"?>
+<p:notes xmlns:a="http://schemas.openxmlformats.org/drawingml/2006/main" xmlns:r="http://schemas.openxmlformats.org/officeDocument/2006/relationships" xmlns:p="http://schemas.openxmlformats.org/presentationml/2006/main">
+  <p:cSld>
+    <p:spTree>
+      <p:nvGrpSpPr>
+        <p:cNvPr id="1" name=""/>
+        <p:cNvGrpSpPr/>
+        <p:nvPr/>
+      </p:nvGrpSpPr>
+      <p:grpSpPr>
+        <a:xfrm>
+          <a:off x="0" y="0"/>
+          <a:ext cx="0" cy="0"/>
+          <a:chOff x="0" y="0"/>
+          <a:chExt cx="0" cy="0"/>
+        </a:xfrm>
+      </p:grpSpPr>
+      <p:sp>
+        <p:nvSpPr>
+          <p:cNvPr id="2" name="投影片圖像版面配置區 1"/>
+          <p:cNvSpPr>
+            <a:spLocks noGrp="1" noRot="1" noChangeAspect="1"/>
+          </p:cNvSpPr>
+          <p:nvPr>
+            <p:ph type="sldImg"/>
+          </p:nvPr>
+        </p:nvSpPr>
+        <p:spPr/>
+      </p:sp>
+      <p:sp>
+        <p:nvSpPr>
+          <p:cNvPr id="3" name="備忘稿版面配置區 2"/>
+          <p:cNvSpPr>
+            <a:spLocks noGrp="1"/>
+          </p:cNvSpPr>
+          <p:nvPr>
+            <p:ph type="body" idx="1"/>
+          </p:nvPr>
+        </p:nvSpPr>
+        <p:spPr/>
+        <p:txBody>
+          <a:bodyPr/>
+          <a:lstStyle/>
+          <a:p>
+            <a:r>
+              <a:rPr lang="en-US" altLang="zh-TW" dirty="0" smtClean="0"/>
+              <a:t>7. 4members on </a:t>
+            </a:r>
+            <a:r>
+              <a:rPr lang="en-US" altLang="zh-TW" dirty="0" err="1" smtClean="0"/>
+              <a:t>saturday</a:t>
+            </a:r>
+            <a:endParaRPr lang="zh-TW" altLang="en-US" dirty="0"/>
+          </a:p>
+        </p:txBody>
+      </p:sp>
+      <p:sp>
+        <p:nvSpPr>
+          <p:cNvPr id="4" name="投影片編號版面配置區 3"/>
+          <p:cNvSpPr>
+            <a:spLocks noGrp="1"/>
+          </p:cNvSpPr>
+          <p:nvPr>
+            <p:ph type="sldNum" sz="quarter" idx="10"/>
+          </p:nvPr>
+        </p:nvSpPr>
+        <p:spPr/>
+        <p:txBody>
+          <a:bodyPr/>
+          <a:lstStyle/>
+          <a:p>
+            <a:fld id="{6B91597D-BD06-432B-BB0D-D3E16527D949}" type="slidenum">
+              <a:rPr lang="zh-TW" altLang="en-US" smtClean="0"/>
+              <a:t>13</a:t>
+            </a:fld>
+            <a:endParaRPr lang="zh-TW" altLang="en-US"/>
+          </a:p>
+        </p:txBody>
+      </p:sp>
+    </p:spTree>
+    <p:extLst>
+      <p:ext uri="{BB962C8B-B14F-4D97-AF65-F5344CB8AC3E}">
+        <p14:creationId xmlns:p14="http://schemas.microsoft.com/office/powerpoint/2010/main" val="3383943201"/>
+      </p:ext>
+    </p:extLst>
+  </p:cSld>
+  <p:clrMapOvr>
+    <a:masterClrMapping/>
+  </p:clrMapOvr>
+</p:notes>
+</file>
+
+<file path=ppt/notesSlides/notesSlide9.xml><?xml version="1.0" encoding="utf-8"?>
+<p:notes xmlns:a="http://schemas.openxmlformats.org/drawingml/2006/main" xmlns:r="http://schemas.openxmlformats.org/officeDocument/2006/relationships" xmlns:p="http://schemas.openxmlformats.org/presentationml/2006/main">
+  <p:cSld>
+    <p:spTree>
+      <p:nvGrpSpPr>
+        <p:cNvPr id="1" name=""/>
+        <p:cNvGrpSpPr/>
+        <p:nvPr/>
+      </p:nvGrpSpPr>
+      <p:grpSpPr>
+        <a:xfrm>
+          <a:off x="0" y="0"/>
+          <a:ext cx="0" cy="0"/>
+          <a:chOff x="0" y="0"/>
+          <a:chExt cx="0" cy="0"/>
+        </a:xfrm>
+      </p:grpSpPr>
+      <p:sp>
+        <p:nvSpPr>
+          <p:cNvPr id="2" name="投影片圖像版面配置區 1"/>
+          <p:cNvSpPr>
+            <a:spLocks noGrp="1" noRot="1" noChangeAspect="1"/>
+          </p:cNvSpPr>
+          <p:nvPr>
+            <p:ph type="sldImg"/>
+          </p:nvPr>
+        </p:nvSpPr>
+        <p:spPr/>
+      </p:sp>
+      <p:sp>
+        <p:nvSpPr>
+          <p:cNvPr id="3" name="備忘稿版面配置區 2"/>
+          <p:cNvSpPr>
+            <a:spLocks noGrp="1"/>
+          </p:cNvSpPr>
+          <p:nvPr>
+            <p:ph type="body" idx="1"/>
+          </p:nvPr>
+        </p:nvSpPr>
+        <p:spPr/>
+        <p:txBody>
+          <a:bodyPr/>
+          <a:lstStyle/>
+          <a:p>
+            <a:endParaRPr lang="zh-TW" altLang="en-US" dirty="0"/>
+          </a:p>
+        </p:txBody>
+      </p:sp>
+      <p:sp>
+        <p:nvSpPr>
+          <p:cNvPr id="4" name="投影片編號版面配置區 3"/>
+          <p:cNvSpPr>
+            <a:spLocks noGrp="1"/>
+          </p:cNvSpPr>
+          <p:nvPr>
+            <p:ph type="sldNum" sz="quarter" idx="10"/>
+          </p:nvPr>
+        </p:nvSpPr>
+        <p:spPr/>
+        <p:txBody>
+          <a:bodyPr/>
+          <a:lstStyle/>
+          <a:p>
+            <a:fld id="{6B91597D-BD06-432B-BB0D-D3E16527D949}" type="slidenum">
+              <a:rPr lang="zh-TW" altLang="en-US" smtClean="0"/>
+              <a:t>14</a:t>
+            </a:fld>
+            <a:endParaRPr lang="zh-TW" altLang="en-US"/>
+          </a:p>
+        </p:txBody>
+      </p:sp>
+    </p:spTree>
+    <p:extLst>
+      <p:ext uri="{BB962C8B-B14F-4D97-AF65-F5344CB8AC3E}">
+        <p14:creationId xmlns:p14="http://schemas.microsoft.com/office/powerpoint/2010/main" val="4222188910"/>
       </p:ext>
     </p:extLst>
   </p:cSld>
@@ -5031,7 +5453,7 @@
       </p:sp>
       <p:pic>
         <p:nvPicPr>
-          <p:cNvPr id="8" name="內容版面配置區 7"/>
+          <p:cNvPr id="5" name="內容版面配置區 4"/>
           <p:cNvPicPr>
             <a:picLocks noGrp="1" noChangeAspect="1"/>
           </p:cNvPicPr>
@@ -5053,14 +5475,60 @@
         </p:blipFill>
         <p:spPr>
           <a:xfrm>
-            <a:off x="1049714" y="455201"/>
-            <a:ext cx="10960806" cy="5814440"/>
+            <a:off x="1178560" y="461640"/>
+            <a:ext cx="10007600" cy="5315909"/>
           </a:xfrm>
         </p:spPr>
       </p:pic>
+      <p:sp>
+        <p:nvSpPr>
+          <p:cNvPr id="6" name="矩形 5"/>
+          <p:cNvSpPr/>
+          <p:nvPr/>
+        </p:nvSpPr>
+        <p:spPr>
+          <a:xfrm>
+            <a:off x="6004560" y="2245360"/>
+            <a:ext cx="589280" cy="223520"/>
+          </a:xfrm>
+          <a:prstGeom prst="rect">
+            <a:avLst/>
+          </a:prstGeom>
+          <a:noFill/>
+          <a:ln>
+            <a:solidFill>
+              <a:srgbClr val="FF0000"/>
+            </a:solidFill>
+          </a:ln>
+        </p:spPr>
+        <p:style>
+          <a:lnRef idx="2">
+            <a:schemeClr val="accent1">
+              <a:shade val="50000"/>
+            </a:schemeClr>
+          </a:lnRef>
+          <a:fillRef idx="1">
+            <a:schemeClr val="accent1"/>
+          </a:fillRef>
+          <a:effectRef idx="0">
+            <a:schemeClr val="accent1"/>
+          </a:effectRef>
+          <a:fontRef idx="minor">
+            <a:schemeClr val="lt1"/>
+          </a:fontRef>
+        </p:style>
+        <p:txBody>
+          <a:bodyPr rtlCol="0" anchor="ctr"/>
+          <a:lstStyle/>
+          <a:p>
+            <a:pPr algn="ctr"/>
+            <a:endParaRPr lang="zh-TW" altLang="en-US"/>
+          </a:p>
+        </p:txBody>
+      </p:sp>
       <p:pic>
         <p:nvPicPr>
-          <p:cNvPr id="10" name="圖片 9"/>
+          <p:cNvPr id="7" name="圖片 6"/>
           <p:cNvPicPr>
             <a:picLocks noChangeAspect="1"/>
           </p:cNvPicPr>
@@ -5080,8 +5548,8 @@
         </p:blipFill>
         <p:spPr>
           <a:xfrm>
-            <a:off x="717561" y="455201"/>
-            <a:ext cx="11399520" cy="6057900"/>
+            <a:off x="798195" y="245394"/>
+            <a:ext cx="10768330" cy="5748399"/>
           </a:xfrm>
           <a:prstGeom prst="rect">
             <a:avLst/>
@@ -5090,7 +5558,7 @@
       </p:pic>
       <p:pic>
         <p:nvPicPr>
-          <p:cNvPr id="9" name="圖片 8"/>
+          <p:cNvPr id="11" name="圖片 10"/>
           <p:cNvPicPr>
             <a:picLocks noChangeAspect="1"/>
           </p:cNvPicPr>
@@ -5110,14 +5578,90 @@
         </p:blipFill>
         <p:spPr>
           <a:xfrm>
-            <a:off x="717561" y="455201"/>
-            <a:ext cx="11399520" cy="6027420"/>
+            <a:off x="613727" y="245394"/>
+            <a:ext cx="11137265" cy="5927417"/>
           </a:xfrm>
           <a:prstGeom prst="rect">
             <a:avLst/>
           </a:prstGeom>
         </p:spPr>
       </p:pic>
+      <p:pic>
+        <p:nvPicPr>
+          <p:cNvPr id="12" name="圖片 11"/>
+          <p:cNvPicPr>
+            <a:picLocks noChangeAspect="1"/>
+          </p:cNvPicPr>
+          <p:nvPr/>
+        </p:nvPicPr>
+        <p:blipFill>
+          <a:blip r:embed="rId6">
+            <a:extLst>
+              <a:ext uri="{28A0092B-C50C-407E-A947-70E740481C1C}">
+                <a14:useLocalDpi xmlns:a14="http://schemas.microsoft.com/office/drawing/2010/main" val="0"/>
+              </a:ext>
+            </a:extLst>
+          </a:blip>
+          <a:stretch>
+            <a:fillRect/>
+          </a:stretch>
+        </p:blipFill>
+        <p:spPr>
+          <a:xfrm>
+            <a:off x="613726" y="245394"/>
+            <a:ext cx="11137265" cy="5937886"/>
+          </a:xfrm>
+          <a:prstGeom prst="rect">
+            <a:avLst/>
+          </a:prstGeom>
+        </p:spPr>
+      </p:pic>
+      <p:sp>
+        <p:nvSpPr>
+          <p:cNvPr id="13" name="矩形 12"/>
+          <p:cNvSpPr/>
+          <p:nvPr/>
+        </p:nvSpPr>
+        <p:spPr>
+          <a:xfrm>
+            <a:off x="6004560" y="2245360"/>
+            <a:ext cx="447040" cy="223520"/>
+          </a:xfrm>
+          <a:prstGeom prst="rect">
+            <a:avLst/>
+          </a:prstGeom>
+          <a:noFill/>
+          <a:ln>
+            <a:solidFill>
+              <a:srgbClr val="FF0000"/>
+            </a:solidFill>
+          </a:ln>
+        </p:spPr>
+        <p:style>
+          <a:lnRef idx="2">
+            <a:schemeClr val="accent1">
+              <a:shade val="50000"/>
+            </a:schemeClr>
+          </a:lnRef>
+          <a:fillRef idx="1">
+            <a:schemeClr val="accent1"/>
+          </a:fillRef>
+          <a:effectRef idx="0">
+            <a:schemeClr val="accent1"/>
+          </a:effectRef>
+          <a:fontRef idx="minor">
+            <a:schemeClr val="lt1"/>
+          </a:fontRef>
+        </p:style>
+        <p:txBody>
+          <a:bodyPr rtlCol="0" anchor="ctr"/>
+          <a:lstStyle/>
+          <a:p>
+            <a:pPr algn="ctr"/>
+            <a:endParaRPr lang="zh-TW" altLang="en-US"/>
+          </a:p>
+        </p:txBody>
+      </p:sp>
     </p:spTree>
     <p:extLst>
       <p:ext uri="{BB962C8B-B14F-4D97-AF65-F5344CB8AC3E}">
@@ -5162,7 +5706,7 @@
                                           </p:stCondLst>
                                         </p:cTn>
                                         <p:tgtEl>
-                                          <p:spTgt spid="8"/>
+                                          <p:spTgt spid="5"/>
                                         </p:tgtEl>
                                         <p:attrNameLst>
                                           <p:attrName>style.visibility</p:attrName>
@@ -5176,7 +5720,7 @@
                                       <p:cBhvr>
                                         <p:cTn id="7" dur="500"/>
                                         <p:tgtEl>
-                                          <p:spTgt spid="8"/>
+                                          <p:spTgt spid="5"/>
                                         </p:tgtEl>
                                       </p:cBhvr>
                                     </p:animEffect>
@@ -5202,7 +5746,7 @@
                             </p:stCondLst>
                             <p:childTnLst>
                               <p:par>
-                                <p:cTn id="10" presetID="2" presetClass="entr" presetSubtype="4" fill="hold" nodeType="clickEffect">
+                                <p:cTn id="10" presetID="21" presetClass="entr" presetSubtype="1" fill="hold" grpId="0" nodeType="clickEffect">
                                   <p:stCondLst>
                                     <p:cond delay="0"/>
                                   </p:stCondLst>
@@ -5215,7 +5759,212 @@
                                           </p:stCondLst>
                                         </p:cTn>
                                         <p:tgtEl>
-                                          <p:spTgt spid="10"/>
+                                          <p:spTgt spid="6"/>
+                                        </p:tgtEl>
+                                        <p:attrNameLst>
+                                          <p:attrName>style.visibility</p:attrName>
+                                        </p:attrNameLst>
+                                      </p:cBhvr>
+                                      <p:to>
+                                        <p:strVal val="visible"/>
+                                      </p:to>
+                                    </p:set>
+                                    <p:animEffect transition="in" filter="wheel(1)">
+                                      <p:cBhvr>
+                                        <p:cTn id="12" dur="750"/>
+                                        <p:tgtEl>
+                                          <p:spTgt spid="6"/>
+                                        </p:tgtEl>
+                                      </p:cBhvr>
+                                    </p:animEffect>
+                                  </p:childTnLst>
+                                </p:cTn>
+                              </p:par>
+                            </p:childTnLst>
+                          </p:cTn>
+                        </p:par>
+                      </p:childTnLst>
+                    </p:cTn>
+                  </p:par>
+                  <p:par>
+                    <p:cTn id="13" fill="hold">
+                      <p:stCondLst>
+                        <p:cond delay="indefinite"/>
+                      </p:stCondLst>
+                      <p:childTnLst>
+                        <p:par>
+                          <p:cTn id="14" fill="hold">
+                            <p:stCondLst>
+                              <p:cond delay="0"/>
+                            </p:stCondLst>
+                            <p:childTnLst>
+                              <p:par>
+                                <p:cTn id="15" presetID="42" presetClass="entr" presetSubtype="0" fill="hold" nodeType="clickEffect">
+                                  <p:stCondLst>
+                                    <p:cond delay="0"/>
+                                  </p:stCondLst>
+                                  <p:childTnLst>
+                                    <p:set>
+                                      <p:cBhvr>
+                                        <p:cTn id="16" dur="1" fill="hold">
+                                          <p:stCondLst>
+                                            <p:cond delay="0"/>
+                                          </p:stCondLst>
+                                        </p:cTn>
+                                        <p:tgtEl>
+                                          <p:spTgt spid="7"/>
+                                        </p:tgtEl>
+                                        <p:attrNameLst>
+                                          <p:attrName>style.visibility</p:attrName>
+                                        </p:attrNameLst>
+                                      </p:cBhvr>
+                                      <p:to>
+                                        <p:strVal val="visible"/>
+                                      </p:to>
+                                    </p:set>
+                                    <p:animEffect transition="in" filter="fade">
+                                      <p:cBhvr>
+                                        <p:cTn id="17" dur="1000"/>
+                                        <p:tgtEl>
+                                          <p:spTgt spid="7"/>
+                                        </p:tgtEl>
+                                      </p:cBhvr>
+                                    </p:animEffect>
+                                    <p:anim calcmode="lin" valueType="num">
+                                      <p:cBhvr>
+                                        <p:cTn id="18" dur="1000" fill="hold"/>
+                                        <p:tgtEl>
+                                          <p:spTgt spid="7"/>
+                                        </p:tgtEl>
+                                        <p:attrNameLst>
+                                          <p:attrName>ppt_x</p:attrName>
+                                        </p:attrNameLst>
+                                      </p:cBhvr>
+                                      <p:tavLst>
+                                        <p:tav tm="0">
+                                          <p:val>
+                                            <p:strVal val="#ppt_x"/>
+                                          </p:val>
+                                        </p:tav>
+                                        <p:tav tm="100000">
+                                          <p:val>
+                                            <p:strVal val="#ppt_x"/>
+                                          </p:val>
+                                        </p:tav>
+                                      </p:tavLst>
+                                    </p:anim>
+                                    <p:anim calcmode="lin" valueType="num">
+                                      <p:cBhvr>
+                                        <p:cTn id="19" dur="1000" fill="hold"/>
+                                        <p:tgtEl>
+                                          <p:spTgt spid="7"/>
+                                        </p:tgtEl>
+                                        <p:attrNameLst>
+                                          <p:attrName>ppt_y</p:attrName>
+                                        </p:attrNameLst>
+                                      </p:cBhvr>
+                                      <p:tavLst>
+                                        <p:tav tm="0">
+                                          <p:val>
+                                            <p:strVal val="#ppt_y+.1"/>
+                                          </p:val>
+                                        </p:tav>
+                                        <p:tav tm="100000">
+                                          <p:val>
+                                            <p:strVal val="#ppt_y"/>
+                                          </p:val>
+                                        </p:tav>
+                                      </p:tavLst>
+                                    </p:anim>
+                                  </p:childTnLst>
+                                </p:cTn>
+                              </p:par>
+                            </p:childTnLst>
+                          </p:cTn>
+                        </p:par>
+                      </p:childTnLst>
+                    </p:cTn>
+                  </p:par>
+                  <p:par>
+                    <p:cTn id="20" fill="hold">
+                      <p:stCondLst>
+                        <p:cond delay="indefinite"/>
+                      </p:stCondLst>
+                      <p:childTnLst>
+                        <p:par>
+                          <p:cTn id="21" fill="hold">
+                            <p:stCondLst>
+                              <p:cond delay="0"/>
+                            </p:stCondLst>
+                            <p:childTnLst>
+                              <p:par>
+                                <p:cTn id="22" presetID="14" presetClass="entr" presetSubtype="10" fill="hold" nodeType="clickEffect">
+                                  <p:stCondLst>
+                                    <p:cond delay="0"/>
+                                  </p:stCondLst>
+                                  <p:childTnLst>
+                                    <p:set>
+                                      <p:cBhvr>
+                                        <p:cTn id="23" dur="1" fill="hold">
+                                          <p:stCondLst>
+                                            <p:cond delay="0"/>
+                                          </p:stCondLst>
+                                        </p:cTn>
+                                        <p:tgtEl>
+                                          <p:spTgt spid="11"/>
+                                        </p:tgtEl>
+                                        <p:attrNameLst>
+                                          <p:attrName>style.visibility</p:attrName>
+                                        </p:attrNameLst>
+                                      </p:cBhvr>
+                                      <p:to>
+                                        <p:strVal val="visible"/>
+                                      </p:to>
+                                    </p:set>
+                                    <p:animEffect transition="in" filter="randombar(horizontal)">
+                                      <p:cBhvr>
+                                        <p:cTn id="24" dur="500"/>
+                                        <p:tgtEl>
+                                          <p:spTgt spid="11"/>
+                                        </p:tgtEl>
+                                      </p:cBhvr>
+                                    </p:animEffect>
+                                  </p:childTnLst>
+                                </p:cTn>
+                              </p:par>
+                            </p:childTnLst>
+                          </p:cTn>
+                        </p:par>
+                      </p:childTnLst>
+                    </p:cTn>
+                  </p:par>
+                  <p:par>
+                    <p:cTn id="25" fill="hold">
+                      <p:stCondLst>
+                        <p:cond delay="indefinite"/>
+                      </p:stCondLst>
+                      <p:childTnLst>
+                        <p:par>
+                          <p:cTn id="26" fill="hold">
+                            <p:stCondLst>
+                              <p:cond delay="0"/>
+                            </p:stCondLst>
+                            <p:childTnLst>
+                              <p:par>
+                                <p:cTn id="27" presetID="2" presetClass="entr" presetSubtype="4" fill="hold" nodeType="clickEffect">
+                                  <p:stCondLst>
+                                    <p:cond delay="0"/>
+                                  </p:stCondLst>
+                                  <p:childTnLst>
+                                    <p:set>
+                                      <p:cBhvr>
+                                        <p:cTn id="28" dur="1" fill="hold">
+                                          <p:stCondLst>
+                                            <p:cond delay="0"/>
+                                          </p:stCondLst>
+                                        </p:cTn>
+                                        <p:tgtEl>
+                                          <p:spTgt spid="12"/>
                                         </p:tgtEl>
                                         <p:attrNameLst>
                                           <p:attrName>style.visibility</p:attrName>
@@ -5227,9 +5976,9 @@
                                     </p:set>
                                     <p:anim calcmode="lin" valueType="num">
                                       <p:cBhvr additive="base">
-                                        <p:cTn id="12" dur="500" fill="hold"/>
+                                        <p:cTn id="29" dur="500" fill="hold"/>
                                         <p:tgtEl>
-                                          <p:spTgt spid="10"/>
+                                          <p:spTgt spid="12"/>
                                         </p:tgtEl>
                                         <p:attrNameLst>
                                           <p:attrName>ppt_x</p:attrName>
@@ -5250,9 +5999,9 @@
                                     </p:anim>
                                     <p:anim calcmode="lin" valueType="num">
                                       <p:cBhvr additive="base">
-                                        <p:cTn id="13" dur="500" fill="hold"/>
+                                        <p:cTn id="30" dur="500" fill="hold"/>
                                         <p:tgtEl>
-                                          <p:spTgt spid="10"/>
+                                          <p:spTgt spid="12"/>
                                         </p:tgtEl>
                                         <p:attrNameLst>
                                           <p:attrName>ppt_y</p:attrName>
@@ -5281,32 +6030,32 @@
                     </p:cTn>
                   </p:par>
                   <p:par>
-                    <p:cTn id="14" fill="hold">
+                    <p:cTn id="31" fill="hold">
                       <p:stCondLst>
                         <p:cond delay="indefinite"/>
                       </p:stCondLst>
                       <p:childTnLst>
                         <p:par>
-                          <p:cTn id="15" fill="hold">
+                          <p:cTn id="32" fill="hold">
                             <p:stCondLst>
                               <p:cond delay="0"/>
                             </p:stCondLst>
                             <p:childTnLst>
                               <p:par>
-                                <p:cTn id="16" presetID="42" presetClass="entr" presetSubtype="0" fill="hold" nodeType="clickEffect">
+                                <p:cTn id="33" presetID="16" presetClass="entr" presetSubtype="21" fill="hold" grpId="0" nodeType="clickEffect">
                                   <p:stCondLst>
                                     <p:cond delay="0"/>
                                   </p:stCondLst>
                                   <p:childTnLst>
                                     <p:set>
                                       <p:cBhvr>
-                                        <p:cTn id="17" dur="1" fill="hold">
+                                        <p:cTn id="34" dur="1" fill="hold">
                                           <p:stCondLst>
                                             <p:cond delay="0"/>
                                           </p:stCondLst>
                                         </p:cTn>
                                         <p:tgtEl>
-                                          <p:spTgt spid="9"/>
+                                          <p:spTgt spid="13"/>
                                         </p:tgtEl>
                                         <p:attrNameLst>
                                           <p:attrName>style.visibility</p:attrName>
@@ -5316,60 +6065,14 @@
                                         <p:strVal val="visible"/>
                                       </p:to>
                                     </p:set>
-                                    <p:animEffect transition="in" filter="fade">
+                                    <p:animEffect transition="in" filter="barn(inVertical)">
                                       <p:cBhvr>
-                                        <p:cTn id="18" dur="1000"/>
+                                        <p:cTn id="35" dur="500"/>
                                         <p:tgtEl>
-                                          <p:spTgt spid="9"/>
+                                          <p:spTgt spid="13"/>
                                         </p:tgtEl>
                                       </p:cBhvr>
                                     </p:animEffect>
-                                    <p:anim calcmode="lin" valueType="num">
-                                      <p:cBhvr>
-                                        <p:cTn id="19" dur="1000" fill="hold"/>
-                                        <p:tgtEl>
-                                          <p:spTgt spid="9"/>
-                                        </p:tgtEl>
-                                        <p:attrNameLst>
-                                          <p:attrName>ppt_x</p:attrName>
-                                        </p:attrNameLst>
-                                      </p:cBhvr>
-                                      <p:tavLst>
-                                        <p:tav tm="0">
-                                          <p:val>
-                                            <p:strVal val="#ppt_x"/>
-                                          </p:val>
-                                        </p:tav>
-                                        <p:tav tm="100000">
-                                          <p:val>
-                                            <p:strVal val="#ppt_x"/>
-                                          </p:val>
-                                        </p:tav>
-                                      </p:tavLst>
-                                    </p:anim>
-                                    <p:anim calcmode="lin" valueType="num">
-                                      <p:cBhvr>
-                                        <p:cTn id="20" dur="1000" fill="hold"/>
-                                        <p:tgtEl>
-                                          <p:spTgt spid="9"/>
-                                        </p:tgtEl>
-                                        <p:attrNameLst>
-                                          <p:attrName>ppt_y</p:attrName>
-                                        </p:attrNameLst>
-                                      </p:cBhvr>
-                                      <p:tavLst>
-                                        <p:tav tm="0">
-                                          <p:val>
-                                            <p:strVal val="#ppt_y+.1"/>
-                                          </p:val>
-                                        </p:tav>
-                                        <p:tav tm="100000">
-                                          <p:val>
-                                            <p:strVal val="#ppt_y"/>
-                                          </p:val>
-                                        </p:tav>
-                                      </p:tavLst>
-                                    </p:anim>
                                   </p:childTnLst>
                                 </p:cTn>
                               </p:par>
@@ -5400,6 +6103,10 @@
         </p:cTn>
       </p:par>
     </p:tnLst>
+    <p:bldLst>
+      <p:bldP spid="6" grpId="0" animBg="1"/>
+      <p:bldP spid="13" grpId="0" animBg="1"/>
+    </p:bldLst>
   </p:timing>
 </p:sld>
 </file>
@@ -6061,40 +6768,13 @@
       </p:sp>
       <p:pic>
         <p:nvPicPr>
-          <p:cNvPr id="4" name="內容版面配置區 3"/>
+          <p:cNvPr id="16" name="內容版面配置區 15"/>
           <p:cNvPicPr>
             <a:picLocks noGrp="1" noChangeAspect="1"/>
           </p:cNvPicPr>
           <p:nvPr>
             <p:ph idx="1"/>
           </p:nvPr>
-        </p:nvPicPr>
-        <p:blipFill>
-          <a:blip r:embed="rId2">
-            <a:extLst>
-              <a:ext uri="{28A0092B-C50C-407E-A947-70E740481C1C}">
-                <a14:useLocalDpi xmlns:a14="http://schemas.microsoft.com/office/drawing/2010/main" val="0"/>
-              </a:ext>
-            </a:extLst>
-          </a:blip>
-          <a:stretch>
-            <a:fillRect/>
-          </a:stretch>
-        </p:blipFill>
-        <p:spPr>
-          <a:xfrm>
-            <a:off x="1066891" y="498764"/>
-            <a:ext cx="10088789" cy="5382491"/>
-          </a:xfrm>
-        </p:spPr>
-      </p:pic>
-      <p:pic>
-        <p:nvPicPr>
-          <p:cNvPr id="5" name="圖片 4"/>
-          <p:cNvPicPr>
-            <a:picLocks noChangeAspect="1"/>
-          </p:cNvPicPr>
-          <p:nvPr/>
         </p:nvPicPr>
         <p:blipFill>
           <a:blip r:embed="rId3">
@@ -6110,17 +6790,14 @@
         </p:blipFill>
         <p:spPr>
           <a:xfrm>
-            <a:off x="612025" y="176299"/>
-            <a:ext cx="11361420" cy="6027420"/>
+            <a:off x="762219" y="311772"/>
+            <a:ext cx="10728522" cy="5705134"/>
           </a:xfrm>
-          <a:prstGeom prst="rect">
-            <a:avLst/>
-          </a:prstGeom>
         </p:spPr>
       </p:pic>
       <p:pic>
         <p:nvPicPr>
-          <p:cNvPr id="6" name="圖片 5"/>
+          <p:cNvPr id="5" name="圖片 4"/>
           <p:cNvPicPr>
             <a:picLocks noChangeAspect="1"/>
           </p:cNvPicPr>
@@ -6140,7 +6817,37 @@
         </p:blipFill>
         <p:spPr>
           <a:xfrm>
-            <a:off x="320032" y="176299"/>
+            <a:off x="701565" y="307433"/>
+            <a:ext cx="11361420" cy="6027420"/>
+          </a:xfrm>
+          <a:prstGeom prst="rect">
+            <a:avLst/>
+          </a:prstGeom>
+        </p:spPr>
+      </p:pic>
+      <p:pic>
+        <p:nvPicPr>
+          <p:cNvPr id="6" name="圖片 5"/>
+          <p:cNvPicPr>
+            <a:picLocks noChangeAspect="1"/>
+          </p:cNvPicPr>
+          <p:nvPr/>
+        </p:nvPicPr>
+        <p:blipFill>
+          <a:blip r:embed="rId5">
+            <a:extLst>
+              <a:ext uri="{28A0092B-C50C-407E-A947-70E740481C1C}">
+                <a14:useLocalDpi xmlns:a14="http://schemas.microsoft.com/office/drawing/2010/main" val="0"/>
+              </a:ext>
+            </a:extLst>
+          </a:blip>
+          <a:stretch>
+            <a:fillRect/>
+          </a:stretch>
+        </p:blipFill>
+        <p:spPr>
+          <a:xfrm>
+            <a:off x="686127" y="230492"/>
             <a:ext cx="11505873" cy="6128212"/>
           </a:xfrm>
           <a:prstGeom prst="rect">
@@ -6156,7 +6863,7 @@
         </p:nvSpPr>
         <p:spPr>
           <a:xfrm>
-            <a:off x="6265718" y="1922318"/>
+            <a:off x="6631478" y="1946540"/>
             <a:ext cx="665018" cy="249382"/>
           </a:xfrm>
           <a:prstGeom prst="rect">
@@ -6203,36 +6910,6 @@
           <p:nvPr/>
         </p:nvPicPr>
         <p:blipFill>
-          <a:blip r:embed="rId5">
-            <a:extLst>
-              <a:ext uri="{28A0092B-C50C-407E-A947-70E740481C1C}">
-                <a14:useLocalDpi xmlns:a14="http://schemas.microsoft.com/office/drawing/2010/main" val="0"/>
-              </a:ext>
-            </a:extLst>
-          </a:blip>
-          <a:stretch>
-            <a:fillRect/>
-          </a:stretch>
-        </p:blipFill>
-        <p:spPr>
-          <a:xfrm>
-            <a:off x="316846" y="137317"/>
-            <a:ext cx="11875154" cy="6066402"/>
-          </a:xfrm>
-          <a:prstGeom prst="rect">
-            <a:avLst/>
-          </a:prstGeom>
-        </p:spPr>
-      </p:pic>
-      <p:pic>
-        <p:nvPicPr>
-          <p:cNvPr id="8" name="圖片 7"/>
-          <p:cNvPicPr>
-            <a:picLocks noChangeAspect="1"/>
-          </p:cNvPicPr>
-          <p:nvPr/>
-        </p:nvPicPr>
-        <p:blipFill>
           <a:blip r:embed="rId6">
             <a:extLst>
               <a:ext uri="{28A0092B-C50C-407E-A947-70E740481C1C}">
@@ -6246,8 +6923,8 @@
         </p:blipFill>
         <p:spPr>
           <a:xfrm>
-            <a:off x="246597" y="77916"/>
-            <a:ext cx="11945403" cy="6226596"/>
+            <a:off x="321740" y="114452"/>
+            <a:ext cx="11875154" cy="6066402"/>
           </a:xfrm>
           <a:prstGeom prst="rect">
             <a:avLst/>
@@ -6256,7 +6933,7 @@
       </p:pic>
       <p:pic>
         <p:nvPicPr>
-          <p:cNvPr id="13" name="圖片 12"/>
+          <p:cNvPr id="8" name="圖片 7"/>
           <p:cNvPicPr>
             <a:picLocks noChangeAspect="1"/>
           </p:cNvPicPr>
@@ -6276,24 +6953,54 @@
         </p:blipFill>
         <p:spPr>
           <a:xfrm>
-            <a:off x="246596" y="0"/>
-            <a:ext cx="11945403" cy="6295325"/>
+            <a:off x="153778" y="108257"/>
+            <a:ext cx="12038222" cy="6226596"/>
           </a:xfrm>
           <a:prstGeom prst="rect">
             <a:avLst/>
           </a:prstGeom>
         </p:spPr>
       </p:pic>
-      <p:sp>
-        <p:nvSpPr>
-          <p:cNvPr id="14" name="矩形 13"/>
+      <p:pic>
+        <p:nvPicPr>
+          <p:cNvPr id="3" name="圖片 2"/>
+          <p:cNvPicPr>
+            <a:picLocks noChangeAspect="1"/>
+          </p:cNvPicPr>
+          <p:nvPr/>
+        </p:nvPicPr>
+        <p:blipFill>
+          <a:blip r:embed="rId8">
+            <a:extLst>
+              <a:ext uri="{28A0092B-C50C-407E-A947-70E740481C1C}">
+                <a14:useLocalDpi xmlns:a14="http://schemas.microsoft.com/office/drawing/2010/main" val="0"/>
+              </a:ext>
+            </a:extLst>
+          </a:blip>
+          <a:stretch>
+            <a:fillRect/>
+          </a:stretch>
+        </p:blipFill>
+        <p:spPr>
+          <a:xfrm>
+            <a:off x="135680" y="57168"/>
+            <a:ext cx="12074418" cy="6328774"/>
+          </a:xfrm>
+          <a:prstGeom prst="rect">
+            <a:avLst/>
+          </a:prstGeom>
+        </p:spPr>
+      </p:pic>
+      <p:sp>
+        <p:nvSpPr>
+          <p:cNvPr id="11" name="矩形 10"/>
           <p:cNvSpPr/>
           <p:nvPr/>
         </p:nvSpPr>
         <p:spPr>
           <a:xfrm>
-            <a:off x="6598227" y="1737360"/>
-            <a:ext cx="584893" cy="184958"/>
+            <a:off x="6560536" y="1804045"/>
+            <a:ext cx="554413" cy="208049"/>
           </a:xfrm>
           <a:prstGeom prst="rect">
             <a:avLst/>
@@ -6374,7 +7081,7 @@
                                           </p:stCondLst>
                                         </p:cTn>
                                         <p:tgtEl>
-                                          <p:spTgt spid="4"/>
+                                          <p:spTgt spid="16"/>
                                         </p:tgtEl>
                                         <p:attrNameLst>
                                           <p:attrName>style.visibility</p:attrName>
@@ -6388,7 +7095,7 @@
                                       <p:cBhvr>
                                         <p:cTn id="7" dur="500"/>
                                         <p:tgtEl>
-                                          <p:spTgt spid="4"/>
+                                          <p:spTgt spid="16"/>
                                         </p:tgtEl>
                                       </p:cBhvr>
                                     </p:animEffect>
@@ -6755,7 +7462,7 @@
                             </p:stCondLst>
                             <p:childTnLst>
                               <p:par>
-                                <p:cTn id="37" presetID="42" presetClass="entr" presetSubtype="0" fill="hold" nodeType="clickEffect">
+                                <p:cTn id="37" presetID="10" presetClass="entr" presetSubtype="0" fill="hold" nodeType="clickEffect">
                                   <p:stCondLst>
                                     <p:cond delay="0"/>
                                   </p:stCondLst>
@@ -6768,7 +7475,7 @@
                                           </p:stCondLst>
                                         </p:cTn>
                                         <p:tgtEl>
-                                          <p:spTgt spid="13"/>
+                                          <p:spTgt spid="3"/>
                                         </p:tgtEl>
                                         <p:attrNameLst>
                                           <p:attrName>style.visibility</p:attrName>
@@ -6780,58 +7487,12 @@
                                     </p:set>
                                     <p:animEffect transition="in" filter="fade">
                                       <p:cBhvr>
-                                        <p:cTn id="39" dur="1000"/>
+                                        <p:cTn id="39" dur="500"/>
                                         <p:tgtEl>
-                                          <p:spTgt spid="13"/>
+                                          <p:spTgt spid="3"/>
                                         </p:tgtEl>
                                       </p:cBhvr>
                                     </p:animEffect>
-                                    <p:anim calcmode="lin" valueType="num">
-                                      <p:cBhvr>
-                                        <p:cTn id="40" dur="1000" fill="hold"/>
-                                        <p:tgtEl>
-                                          <p:spTgt spid="13"/>
-                                        </p:tgtEl>
-                                        <p:attrNameLst>
-                                          <p:attrName>ppt_x</p:attrName>
-                                        </p:attrNameLst>
-                                      </p:cBhvr>
-                                      <p:tavLst>
-                                        <p:tav tm="0">
-                                          <p:val>
-                                            <p:strVal val="#ppt_x"/>
-                                          </p:val>
-                                        </p:tav>
-                                        <p:tav tm="100000">
-                                          <p:val>
-                                            <p:strVal val="#ppt_x"/>
-                                          </p:val>
-                                        </p:tav>
-                                      </p:tavLst>
-                                    </p:anim>
-                                    <p:anim calcmode="lin" valueType="num">
-                                      <p:cBhvr>
-                                        <p:cTn id="41" dur="1000" fill="hold"/>
-                                        <p:tgtEl>
-                                          <p:spTgt spid="13"/>
-                                        </p:tgtEl>
-                                        <p:attrNameLst>
-                                          <p:attrName>ppt_y</p:attrName>
-                                        </p:attrNameLst>
-                                      </p:cBhvr>
-                                      <p:tavLst>
-                                        <p:tav tm="0">
-                                          <p:val>
-                                            <p:strVal val="#ppt_y+.1"/>
-                                          </p:val>
-                                        </p:tav>
-                                        <p:tav tm="100000">
-                                          <p:val>
-                                            <p:strVal val="#ppt_y"/>
-                                          </p:val>
-                                        </p:tav>
-                                      </p:tavLst>
-                                    </p:anim>
                                   </p:childTnLst>
                                 </p:cTn>
                               </p:par>
@@ -6842,32 +7503,32 @@
                     </p:cTn>
                   </p:par>
                   <p:par>
-                    <p:cTn id="42" fill="hold">
+                    <p:cTn id="40" fill="hold">
                       <p:stCondLst>
                         <p:cond delay="indefinite"/>
                       </p:stCondLst>
                       <p:childTnLst>
                         <p:par>
-                          <p:cTn id="43" fill="hold">
+                          <p:cTn id="41" fill="hold">
                             <p:stCondLst>
                               <p:cond delay="0"/>
                             </p:stCondLst>
                             <p:childTnLst>
                               <p:par>
-                                <p:cTn id="44" presetID="10" presetClass="entr" presetSubtype="0" fill="hold" grpId="0" nodeType="clickEffect">
+                                <p:cTn id="42" presetID="6" presetClass="entr" presetSubtype="16" fill="hold" grpId="0" nodeType="clickEffect">
                                   <p:stCondLst>
                                     <p:cond delay="0"/>
                                   </p:stCondLst>
                                   <p:childTnLst>
                                     <p:set>
                                       <p:cBhvr>
-                                        <p:cTn id="45" dur="1" fill="hold">
+                                        <p:cTn id="43" dur="1" fill="hold">
                                           <p:stCondLst>
                                             <p:cond delay="0"/>
                                           </p:stCondLst>
                                         </p:cTn>
                                         <p:tgtEl>
-                                          <p:spTgt spid="14"/>
+                                          <p:spTgt spid="11"/>
                                         </p:tgtEl>
                                         <p:attrNameLst>
                                           <p:attrName>style.visibility</p:attrName>
@@ -6877,11 +7538,11 @@
                                         <p:strVal val="visible"/>
                                       </p:to>
                                     </p:set>
-                                    <p:animEffect transition="in" filter="fade">
+                                    <p:animEffect transition="in" filter="circle(in)">
                                       <p:cBhvr>
-                                        <p:cTn id="46" dur="500"/>
+                                        <p:cTn id="44" dur="2000"/>
                                         <p:tgtEl>
-                                          <p:spTgt spid="14"/>
+                                          <p:spTgt spid="11"/>
                                         </p:tgtEl>
                                       </p:cBhvr>
                                     </p:animEffect>
@@ -6917,7 +7578,7 @@
     </p:tnLst>
     <p:bldLst>
       <p:bldP spid="10" grpId="0" animBg="1"/>
-      <p:bldP spid="14" grpId="0" animBg="1"/>
+      <p:bldP spid="11" grpId="0" animBg="1"/>
     </p:bldLst>
   </p:timing>
 </p:sld>
@@ -6965,7 +7626,7 @@
       </p:sp>
       <p:pic>
         <p:nvPicPr>
-          <p:cNvPr id="6" name="內容版面配置區 5"/>
+          <p:cNvPr id="5" name="內容版面配置區 4"/>
           <p:cNvPicPr>
             <a:picLocks noGrp="1" noChangeAspect="1"/>
           </p:cNvPicPr>
@@ -6987,14 +7648,14 @@
         </p:blipFill>
         <p:spPr>
           <a:xfrm>
-            <a:off x="1147530" y="486011"/>
-            <a:ext cx="10008149" cy="5329190"/>
+            <a:off x="1097280" y="397214"/>
+            <a:ext cx="10266845" cy="5473362"/>
           </a:xfrm>
         </p:spPr>
       </p:pic>
       <p:pic>
         <p:nvPicPr>
-          <p:cNvPr id="7" name="圖片 6"/>
+          <p:cNvPr id="10" name="圖片 9"/>
           <p:cNvPicPr>
             <a:picLocks noChangeAspect="1"/>
           </p:cNvPicPr>
@@ -7014,8 +7675,8 @@
         </p:blipFill>
         <p:spPr>
           <a:xfrm>
-            <a:off x="859456" y="486011"/>
-            <a:ext cx="10367343" cy="5541766"/>
+            <a:off x="979714" y="286603"/>
+            <a:ext cx="10481335" cy="5583973"/>
           </a:xfrm>
           <a:prstGeom prst="rect">
             <a:avLst/>
@@ -7024,14 +7685,14 @@
       </p:pic>
       <p:sp>
         <p:nvSpPr>
-          <p:cNvPr id="8" name="矩形 7"/>
+          <p:cNvPr id="11" name="矩形 10"/>
           <p:cNvSpPr/>
           <p:nvPr/>
         </p:nvSpPr>
         <p:spPr>
           <a:xfrm>
-            <a:off x="6390640" y="2052320"/>
-            <a:ext cx="375920" cy="111760"/>
+            <a:off x="6531429" y="1828800"/>
+            <a:ext cx="391885" cy="163286"/>
           </a:xfrm>
           <a:prstGeom prst="rect">
             <a:avLst/>
@@ -7070,7 +7731,7 @@
       </p:sp>
       <p:pic>
         <p:nvPicPr>
-          <p:cNvPr id="9" name="圖片 8"/>
+          <p:cNvPr id="13" name="圖片 12"/>
           <p:cNvPicPr>
             <a:picLocks noChangeAspect="1"/>
           </p:cNvPicPr>
@@ -7090,8 +7751,8 @@
         </p:blipFill>
         <p:spPr>
           <a:xfrm>
-            <a:off x="713105" y="486011"/>
-            <a:ext cx="10826749" cy="5771852"/>
+            <a:off x="826762" y="286603"/>
+            <a:ext cx="10767752" cy="5733197"/>
           </a:xfrm>
           <a:prstGeom prst="rect">
             <a:avLst/>
@@ -7100,14 +7761,14 @@
       </p:pic>
       <p:sp>
         <p:nvSpPr>
-          <p:cNvPr id="12" name="矩形 11"/>
+          <p:cNvPr id="16" name="矩形 15"/>
           <p:cNvSpPr/>
           <p:nvPr/>
         </p:nvSpPr>
         <p:spPr>
           <a:xfrm>
-            <a:off x="7330440" y="2092960"/>
-            <a:ext cx="335280" cy="142240"/>
+            <a:off x="6020138" y="2449830"/>
+            <a:ext cx="381000" cy="140970"/>
           </a:xfrm>
           <a:prstGeom prst="rect">
             <a:avLst/>
@@ -7175,7 +7836,7 @@
                             </p:stCondLst>
                             <p:childTnLst>
                               <p:par>
-                                <p:cTn id="5" presetID="22" presetClass="entr" presetSubtype="4" fill="hold" nodeType="clickEffect">
+                                <p:cTn id="5" presetID="10" presetClass="entr" presetSubtype="0" fill="hold" nodeType="clickEffect">
                                   <p:stCondLst>
                                     <p:cond delay="0"/>
                                   </p:stCondLst>
@@ -7188,7 +7849,7 @@
                                           </p:stCondLst>
                                         </p:cTn>
                                         <p:tgtEl>
-                                          <p:spTgt spid="6"/>
+                                          <p:spTgt spid="5"/>
                                         </p:tgtEl>
                                         <p:attrNameLst>
                                           <p:attrName>style.visibility</p:attrName>
@@ -7198,11 +7859,11 @@
                                         <p:strVal val="visible"/>
                                       </p:to>
                                     </p:set>
-                                    <p:animEffect transition="in" filter="wipe(down)">
+                                    <p:animEffect transition="in" filter="fade">
                                       <p:cBhvr>
                                         <p:cTn id="7" dur="500"/>
                                         <p:tgtEl>
-                                          <p:spTgt spid="6"/>
+                                          <p:spTgt spid="5"/>
                                         </p:tgtEl>
                                       </p:cBhvr>
                                     </p:animEffect>
@@ -7228,7 +7889,7 @@
                             </p:stCondLst>
                             <p:childTnLst>
                               <p:par>
-                                <p:cTn id="10" presetID="22" presetClass="entr" presetSubtype="4" fill="hold" nodeType="clickEffect">
+                                <p:cTn id="10" presetID="2" presetClass="entr" presetSubtype="4" fill="hold" nodeType="clickEffect">
                                   <p:stCondLst>
                                     <p:cond delay="0"/>
                                   </p:stCondLst>
@@ -7241,7 +7902,7 @@
                                           </p:stCondLst>
                                         </p:cTn>
                                         <p:tgtEl>
-                                          <p:spTgt spid="7"/>
+                                          <p:spTgt spid="10"/>
                                         </p:tgtEl>
                                         <p:attrNameLst>
                                           <p:attrName>style.visibility</p:attrName>
@@ -7251,11 +7912,102 @@
                                         <p:strVal val="visible"/>
                                       </p:to>
                                     </p:set>
-                                    <p:animEffect transition="in" filter="wipe(down)">
+                                    <p:anim calcmode="lin" valueType="num">
+                                      <p:cBhvr additive="base">
+                                        <p:cTn id="12" dur="500" fill="hold"/>
+                                        <p:tgtEl>
+                                          <p:spTgt spid="10"/>
+                                        </p:tgtEl>
+                                        <p:attrNameLst>
+                                          <p:attrName>ppt_x</p:attrName>
+                                        </p:attrNameLst>
+                                      </p:cBhvr>
+                                      <p:tavLst>
+                                        <p:tav tm="0">
+                                          <p:val>
+                                            <p:strVal val="#ppt_x"/>
+                                          </p:val>
+                                        </p:tav>
+                                        <p:tav tm="100000">
+                                          <p:val>
+                                            <p:strVal val="#ppt_x"/>
+                                          </p:val>
+                                        </p:tav>
+                                      </p:tavLst>
+                                    </p:anim>
+                                    <p:anim calcmode="lin" valueType="num">
+                                      <p:cBhvr additive="base">
+                                        <p:cTn id="13" dur="500" fill="hold"/>
+                                        <p:tgtEl>
+                                          <p:spTgt spid="10"/>
+                                        </p:tgtEl>
+                                        <p:attrNameLst>
+                                          <p:attrName>ppt_y</p:attrName>
+                                        </p:attrNameLst>
+                                      </p:cBhvr>
+                                      <p:tavLst>
+                                        <p:tav tm="0">
+                                          <p:val>
+                                            <p:strVal val="1+#ppt_h/2"/>
+                                          </p:val>
+                                        </p:tav>
+                                        <p:tav tm="100000">
+                                          <p:val>
+                                            <p:strVal val="#ppt_y"/>
+                                          </p:val>
+                                        </p:tav>
+                                      </p:tavLst>
+                                    </p:anim>
+                                  </p:childTnLst>
+                                </p:cTn>
+                              </p:par>
+                            </p:childTnLst>
+                          </p:cTn>
+                        </p:par>
+                      </p:childTnLst>
+                    </p:cTn>
+                  </p:par>
+                  <p:par>
+                    <p:cTn id="14" fill="hold">
+                      <p:stCondLst>
+                        <p:cond delay="indefinite"/>
+                      </p:stCondLst>
+                      <p:childTnLst>
+                        <p:par>
+                          <p:cTn id="15" fill="hold">
+                            <p:stCondLst>
+                              <p:cond delay="0"/>
+                            </p:stCondLst>
+                            <p:childTnLst>
+                              <p:par>
+                                <p:cTn id="16" presetID="6" presetClass="entr" presetSubtype="16" fill="hold" grpId="0" nodeType="clickEffect">
+                                  <p:stCondLst>
+                                    <p:cond delay="0"/>
+                                  </p:stCondLst>
+                                  <p:childTnLst>
+                                    <p:set>
                                       <p:cBhvr>
-                                        <p:cTn id="12" dur="500"/>
+                                        <p:cTn id="17" dur="1" fill="hold">
+                                          <p:stCondLst>
+                                            <p:cond delay="0"/>
+                                          </p:stCondLst>
+                                        </p:cTn>
                                         <p:tgtEl>
-                                          <p:spTgt spid="7"/>
+                                          <p:spTgt spid="11"/>
+                                        </p:tgtEl>
+                                        <p:attrNameLst>
+                                          <p:attrName>style.visibility</p:attrName>
+                                        </p:attrNameLst>
+                                      </p:cBhvr>
+                                      <p:to>
+                                        <p:strVal val="visible"/>
+                                      </p:to>
+                                    </p:set>
+                                    <p:animEffect transition="in" filter="circle(in)">
+                                      <p:cBhvr>
+                                        <p:cTn id="18" dur="2000"/>
+                                        <p:tgtEl>
+                                          <p:spTgt spid="11"/>
                                         </p:tgtEl>
                                       </p:cBhvr>
                                     </p:animEffect>
@@ -7269,32 +8021,32 @@
                     </p:cTn>
                   </p:par>
                   <p:par>
-                    <p:cTn id="13" fill="hold">
+                    <p:cTn id="19" fill="hold">
                       <p:stCondLst>
                         <p:cond delay="indefinite"/>
                       </p:stCondLst>
                       <p:childTnLst>
                         <p:par>
-                          <p:cTn id="14" fill="hold">
+                          <p:cTn id="20" fill="hold">
                             <p:stCondLst>
                               <p:cond delay="0"/>
                             </p:stCondLst>
                             <p:childTnLst>
                               <p:par>
-                                <p:cTn id="15" presetID="21" presetClass="entr" presetSubtype="1" fill="hold" grpId="0" nodeType="clickEffect">
+                                <p:cTn id="21" presetID="10" presetClass="entr" presetSubtype="0" fill="hold" nodeType="clickEffect">
                                   <p:stCondLst>
                                     <p:cond delay="0"/>
                                   </p:stCondLst>
                                   <p:childTnLst>
                                     <p:set>
                                       <p:cBhvr>
-                                        <p:cTn id="16" dur="1" fill="hold">
+                                        <p:cTn id="22" dur="1" fill="hold">
                                           <p:stCondLst>
                                             <p:cond delay="0"/>
                                           </p:stCondLst>
                                         </p:cTn>
                                         <p:tgtEl>
-                                          <p:spTgt spid="8"/>
+                                          <p:spTgt spid="13"/>
                                         </p:tgtEl>
                                         <p:attrNameLst>
                                           <p:attrName>style.visibility</p:attrName>
@@ -7304,11 +8056,11 @@
                                         <p:strVal val="visible"/>
                                       </p:to>
                                     </p:set>
-                                    <p:animEffect transition="in" filter="wheel(1)">
+                                    <p:animEffect transition="in" filter="fade">
                                       <p:cBhvr>
-                                        <p:cTn id="17" dur="1000"/>
+                                        <p:cTn id="23" dur="500"/>
                                         <p:tgtEl>
-                                          <p:spTgt spid="8"/>
+                                          <p:spTgt spid="13"/>
                                         </p:tgtEl>
                                       </p:cBhvr>
                                     </p:animEffect>
@@ -7322,32 +8074,32 @@
                     </p:cTn>
                   </p:par>
                   <p:par>
-                    <p:cTn id="18" fill="hold">
+                    <p:cTn id="24" fill="hold">
                       <p:stCondLst>
                         <p:cond delay="indefinite"/>
                       </p:stCondLst>
                       <p:childTnLst>
                         <p:par>
-                          <p:cTn id="19" fill="hold">
+                          <p:cTn id="25" fill="hold">
                             <p:stCondLst>
                               <p:cond delay="0"/>
                             </p:stCondLst>
                             <p:childTnLst>
                               <p:par>
-                                <p:cTn id="20" presetID="14" presetClass="entr" presetSubtype="10" fill="hold" nodeType="clickEffect">
+                                <p:cTn id="26" presetID="10" presetClass="entr" presetSubtype="0" fill="hold" grpId="0" nodeType="clickEffect">
                                   <p:stCondLst>
                                     <p:cond delay="0"/>
                                   </p:stCondLst>
                                   <p:childTnLst>
                                     <p:set>
                                       <p:cBhvr>
-                                        <p:cTn id="21" dur="1" fill="hold">
+                                        <p:cTn id="27" dur="1" fill="hold">
                                           <p:stCondLst>
                                             <p:cond delay="0"/>
                                           </p:stCondLst>
                                         </p:cTn>
                                         <p:tgtEl>
-                                          <p:spTgt spid="9"/>
+                                          <p:spTgt spid="16"/>
                                         </p:tgtEl>
                                         <p:attrNameLst>
                                           <p:attrName>style.visibility</p:attrName>
@@ -7357,64 +8109,11 @@
                                         <p:strVal val="visible"/>
                                       </p:to>
                                     </p:set>
-                                    <p:animEffect transition="in" filter="randombar(horizontal)">
+                                    <p:animEffect transition="in" filter="fade">
                                       <p:cBhvr>
-                                        <p:cTn id="22" dur="500"/>
+                                        <p:cTn id="28" dur="500"/>
                                         <p:tgtEl>
-                                          <p:spTgt spid="9"/>
-                                        </p:tgtEl>
-                                      </p:cBhvr>
-                                    </p:animEffect>
-                                  </p:childTnLst>
-                                </p:cTn>
-                              </p:par>
-                            </p:childTnLst>
-                          </p:cTn>
-                        </p:par>
-                      </p:childTnLst>
-                    </p:cTn>
-                  </p:par>
-                  <p:par>
-                    <p:cTn id="23" fill="hold">
-                      <p:stCondLst>
-                        <p:cond delay="indefinite"/>
-                      </p:stCondLst>
-                      <p:childTnLst>
-                        <p:par>
-                          <p:cTn id="24" fill="hold">
-                            <p:stCondLst>
-                              <p:cond delay="0"/>
-                            </p:stCondLst>
-                            <p:childTnLst>
-                              <p:par>
-                                <p:cTn id="25" presetID="21" presetClass="entr" presetSubtype="1" fill="hold" grpId="0" nodeType="clickEffect">
-                                  <p:stCondLst>
-                                    <p:cond delay="0"/>
-                                  </p:stCondLst>
-                                  <p:childTnLst>
-                                    <p:set>
-                                      <p:cBhvr>
-                                        <p:cTn id="26" dur="1" fill="hold">
-                                          <p:stCondLst>
-                                            <p:cond delay="0"/>
-                                          </p:stCondLst>
-                                        </p:cTn>
-                                        <p:tgtEl>
-                                          <p:spTgt spid="12"/>
-                                        </p:tgtEl>
-                                        <p:attrNameLst>
-                                          <p:attrName>style.visibility</p:attrName>
-                                        </p:attrNameLst>
-                                      </p:cBhvr>
-                                      <p:to>
-                                        <p:strVal val="visible"/>
-                                      </p:to>
-                                    </p:set>
-                                    <p:animEffect transition="in" filter="wheel(1)">
-                                      <p:cBhvr>
-                                        <p:cTn id="27" dur="1000"/>
-                                        <p:tgtEl>
-                                          <p:spTgt spid="12"/>
+                                          <p:spTgt spid="16"/>
                                         </p:tgtEl>
                                       </p:cBhvr>
                                     </p:animEffect>
@@ -7449,8 +8148,8 @@
       </p:par>
     </p:tnLst>
     <p:bldLst>
-      <p:bldP spid="8" grpId="0" animBg="1"/>
-      <p:bldP spid="12" grpId="0" animBg="1"/>
+      <p:bldP spid="11" grpId="0" animBg="1"/>
+      <p:bldP spid="16" grpId="0" animBg="1"/>
     </p:bldLst>
   </p:timing>
 </p:sld>
@@ -7490,15 +8189,7 @@
           <a:p>
             <a:r>
               <a:rPr lang="en-US" altLang="zh-TW" dirty="0" smtClean="0"/>
-              <a:t>When a </a:t>
-            </a:r>
-            <a:r>
-              <a:rPr lang="en-US" altLang="zh-TW" dirty="0" smtClean="0"/>
-              <a:t>c</a:t>
-            </a:r>
-            <a:r>
-              <a:rPr lang="en-US" altLang="zh-TW" dirty="0" smtClean="0"/>
-              <a:t>lient check </a:t>
+              <a:t>When a client check </a:t>
             </a:r>
             <a:r>
               <a:rPr lang="en-US" altLang="zh-TW" dirty="0"/>
@@ -7506,11 +8197,7 @@
             </a:r>
             <a:r>
               <a:rPr lang="en-US" altLang="zh-TW" dirty="0" smtClean="0"/>
-              <a:t>ut</a:t>
-            </a:r>
-            <a:r>
-              <a:rPr lang="en-US" altLang="zh-TW" dirty="0" smtClean="0"/>
-              <a:t>:</a:t>
+              <a:t>ut:</a:t>
             </a:r>
             <a:endParaRPr lang="zh-TW" altLang="en-US" dirty="0"/>
           </a:p>
@@ -7527,7 +8214,7 @@
           </p:nvPr>
         </p:nvPicPr>
         <p:blipFill>
-          <a:blip r:embed="rId2">
+          <a:blip r:embed="rId3">
             <a:extLst>
               <a:ext uri="{28A0092B-C50C-407E-A947-70E740481C1C}">
                 <a14:useLocalDpi xmlns:a14="http://schemas.microsoft.com/office/drawing/2010/main" val="0"/>
@@ -7554,7 +8241,7 @@
           <p:nvPr/>
         </p:nvPicPr>
         <p:blipFill>
-          <a:blip r:embed="rId3">
+          <a:blip r:embed="rId4">
             <a:extLst>
               <a:ext uri="{28A0092B-C50C-407E-A947-70E740481C1C}">
                 <a14:useLocalDpi xmlns:a14="http://schemas.microsoft.com/office/drawing/2010/main" val="0"/>
@@ -7623,14 +8310,14 @@
       </p:sp>
       <p:pic>
         <p:nvPicPr>
-          <p:cNvPr id="7" name="圖片 6"/>
+          <p:cNvPr id="3" name="圖片 2"/>
           <p:cNvPicPr>
             <a:picLocks noChangeAspect="1"/>
           </p:cNvPicPr>
           <p:nvPr/>
         </p:nvPicPr>
         <p:blipFill>
-          <a:blip r:embed="rId4">
+          <a:blip r:embed="rId5">
             <a:extLst>
               <a:ext uri="{28A0092B-C50C-407E-A947-70E740481C1C}">
                 <a14:useLocalDpi xmlns:a14="http://schemas.microsoft.com/office/drawing/2010/main" val="0"/>
@@ -7643,8 +8330,8 @@
         </p:blipFill>
         <p:spPr>
           <a:xfrm>
-            <a:off x="430530" y="286603"/>
-            <a:ext cx="11064239" cy="5915313"/>
+            <a:off x="449579" y="136949"/>
+            <a:ext cx="11353800" cy="6057900"/>
           </a:xfrm>
           <a:prstGeom prst="rect">
             <a:avLst/>
@@ -7653,14 +8340,14 @@
       </p:pic>
       <p:sp>
         <p:nvSpPr>
-          <p:cNvPr id="9" name="矩形 8"/>
+          <p:cNvPr id="8" name="矩形 7"/>
           <p:cNvSpPr/>
           <p:nvPr/>
         </p:nvSpPr>
         <p:spPr>
           <a:xfrm>
-            <a:off x="7205979" y="1910080"/>
-            <a:ext cx="406400" cy="193040"/>
+            <a:off x="4076700" y="2179320"/>
+            <a:ext cx="457200" cy="152400"/>
           </a:xfrm>
           <a:prstGeom prst="rect">
             <a:avLst/>
@@ -7697,16 +8384,62 @@
           </a:p>
         </p:txBody>
       </p:sp>
+      <p:sp>
+        <p:nvSpPr>
+          <p:cNvPr id="11" name="矩形 10"/>
+          <p:cNvSpPr/>
+          <p:nvPr/>
+        </p:nvSpPr>
+        <p:spPr>
+          <a:xfrm>
+            <a:off x="5905500" y="2186940"/>
+            <a:ext cx="678180" cy="137160"/>
+          </a:xfrm>
+          <a:prstGeom prst="rect">
+            <a:avLst/>
+          </a:prstGeom>
+          <a:noFill/>
+          <a:ln>
+            <a:solidFill>
+              <a:srgbClr val="FF0000"/>
+            </a:solidFill>
+          </a:ln>
+        </p:spPr>
+        <p:style>
+          <a:lnRef idx="2">
+            <a:schemeClr val="accent1">
+              <a:shade val="50000"/>
+            </a:schemeClr>
+          </a:lnRef>
+          <a:fillRef idx="1">
+            <a:schemeClr val="accent1"/>
+          </a:fillRef>
+          <a:effectRef idx="0">
+            <a:schemeClr val="accent1"/>
+          </a:effectRef>
+          <a:fontRef idx="minor">
+            <a:schemeClr val="lt1"/>
+          </a:fontRef>
+        </p:style>
+        <p:txBody>
+          <a:bodyPr rtlCol="0" anchor="ctr"/>
+          <a:lstStyle/>
+          <a:p>
+            <a:pPr algn="ctr"/>
+            <a:endParaRPr lang="zh-TW" altLang="en-US"/>
+          </a:p>
+        </p:txBody>
+      </p:sp>
       <p:pic>
         <p:nvPicPr>
-          <p:cNvPr id="10" name="圖片 9"/>
+          <p:cNvPr id="12" name="圖片 11"/>
           <p:cNvPicPr>
             <a:picLocks noChangeAspect="1"/>
           </p:cNvPicPr>
           <p:nvPr/>
         </p:nvPicPr>
         <p:blipFill>
-          <a:blip r:embed="rId5">
+          <a:blip r:embed="rId6">
             <a:extLst>
               <a:ext uri="{28A0092B-C50C-407E-A947-70E740481C1C}">
                 <a14:useLocalDpi xmlns:a14="http://schemas.microsoft.com/office/drawing/2010/main" val="0"/>
@@ -7719,14 +8452,106 @@
         </p:blipFill>
         <p:spPr>
           <a:xfrm>
-            <a:off x="411479" y="26759"/>
-            <a:ext cx="11083290" cy="6175157"/>
+            <a:off x="411479" y="136949"/>
+            <a:ext cx="11369040" cy="6073140"/>
           </a:xfrm>
           <a:prstGeom prst="rect">
             <a:avLst/>
           </a:prstGeom>
         </p:spPr>
       </p:pic>
+      <p:sp>
+        <p:nvSpPr>
+          <p:cNvPr id="13" name="矩形 12"/>
+          <p:cNvSpPr/>
+          <p:nvPr/>
+        </p:nvSpPr>
+        <p:spPr>
+          <a:xfrm>
+            <a:off x="3952240" y="1737360"/>
+            <a:ext cx="353060" cy="193040"/>
+          </a:xfrm>
+          <a:prstGeom prst="rect">
+            <a:avLst/>
+          </a:prstGeom>
+          <a:noFill/>
+          <a:ln>
+            <a:solidFill>
+              <a:srgbClr val="FF0000"/>
+            </a:solidFill>
+          </a:ln>
+        </p:spPr>
+        <p:style>
+          <a:lnRef idx="2">
+            <a:schemeClr val="accent1">
+              <a:shade val="50000"/>
+            </a:schemeClr>
+          </a:lnRef>
+          <a:fillRef idx="1">
+            <a:schemeClr val="accent1"/>
+          </a:fillRef>
+          <a:effectRef idx="0">
+            <a:schemeClr val="accent1"/>
+          </a:effectRef>
+          <a:fontRef idx="minor">
+            <a:schemeClr val="lt1"/>
+          </a:fontRef>
+        </p:style>
+        <p:txBody>
+          <a:bodyPr rtlCol="0" anchor="ctr"/>
+          <a:lstStyle/>
+          <a:p>
+            <a:pPr algn="ctr"/>
+            <a:endParaRPr lang="zh-TW" altLang="en-US"/>
+          </a:p>
+        </p:txBody>
+      </p:sp>
+      <p:sp>
+        <p:nvSpPr>
+          <p:cNvPr id="14" name="矩形 13"/>
+          <p:cNvSpPr/>
+          <p:nvPr/>
+        </p:nvSpPr>
+        <p:spPr>
+          <a:xfrm>
+            <a:off x="5806441" y="1737360"/>
+            <a:ext cx="601979" cy="175470"/>
+          </a:xfrm>
+          <a:prstGeom prst="rect">
+            <a:avLst/>
+          </a:prstGeom>
+          <a:noFill/>
+          <a:ln>
+            <a:solidFill>
+              <a:srgbClr val="FF0000"/>
+            </a:solidFill>
+          </a:ln>
+        </p:spPr>
+        <p:style>
+          <a:lnRef idx="2">
+            <a:schemeClr val="accent1">
+              <a:shade val="50000"/>
+            </a:schemeClr>
+          </a:lnRef>
+          <a:fillRef idx="1">
+            <a:schemeClr val="accent1"/>
+          </a:fillRef>
+          <a:effectRef idx="0">
+            <a:schemeClr val="accent1"/>
+          </a:effectRef>
+          <a:fontRef idx="minor">
+            <a:schemeClr val="lt1"/>
+          </a:fontRef>
+        </p:style>
+        <p:txBody>
+          <a:bodyPr rtlCol="0" anchor="ctr"/>
+          <a:lstStyle/>
+          <a:p>
+            <a:pPr algn="ctr"/>
+            <a:endParaRPr lang="zh-TW" altLang="en-US"/>
+          </a:p>
+        </p:txBody>
+      </p:sp>
     </p:spTree>
     <p:extLst>
       <p:ext uri="{BB962C8B-B14F-4D97-AF65-F5344CB8AC3E}">
@@ -7917,7 +8742,7 @@
                             </p:stCondLst>
                             <p:childTnLst>
                               <p:par>
-                                <p:cTn id="20" presetID="42" presetClass="entr" presetSubtype="0" fill="hold" nodeType="clickEffect">
+                                <p:cTn id="20" presetID="2" presetClass="entr" presetSubtype="4" fill="hold" nodeType="clickEffect">
                                   <p:stCondLst>
                                     <p:cond delay="0"/>
                                   </p:stCondLst>
@@ -7930,7 +8755,7 @@
                                           </p:stCondLst>
                                         </p:cTn>
                                         <p:tgtEl>
-                                          <p:spTgt spid="7"/>
+                                          <p:spTgt spid="3"/>
                                         </p:tgtEl>
                                         <p:attrNameLst>
                                           <p:attrName>style.visibility</p:attrName>
@@ -7940,19 +8765,11 @@
                                         <p:strVal val="visible"/>
                                       </p:to>
                                     </p:set>
-                                    <p:animEffect transition="in" filter="fade">
-                                      <p:cBhvr>
-                                        <p:cTn id="22" dur="1000"/>
+                                    <p:anim calcmode="lin" valueType="num">
+                                      <p:cBhvr additive="base">
+                                        <p:cTn id="22" dur="500" fill="hold"/>
                                         <p:tgtEl>
-                                          <p:spTgt spid="7"/>
-                                        </p:tgtEl>
-                                      </p:cBhvr>
-                                    </p:animEffect>
-                                    <p:anim calcmode="lin" valueType="num">
-                                      <p:cBhvr>
-                                        <p:cTn id="23" dur="1000" fill="hold"/>
-                                        <p:tgtEl>
-                                          <p:spTgt spid="7"/>
+                                          <p:spTgt spid="3"/>
                                         </p:tgtEl>
                                         <p:attrNameLst>
                                           <p:attrName>ppt_x</p:attrName>
@@ -7972,10 +8789,10 @@
                                       </p:tavLst>
                                     </p:anim>
                                     <p:anim calcmode="lin" valueType="num">
-                                      <p:cBhvr>
-                                        <p:cTn id="24" dur="1000" fill="hold"/>
+                                      <p:cBhvr additive="base">
+                                        <p:cTn id="23" dur="500" fill="hold"/>
                                         <p:tgtEl>
-                                          <p:spTgt spid="7"/>
+                                          <p:spTgt spid="3"/>
                                         </p:tgtEl>
                                         <p:attrNameLst>
                                           <p:attrName>ppt_y</p:attrName>
@@ -7984,7 +8801,7 @@
                                       <p:tavLst>
                                         <p:tav tm="0">
                                           <p:val>
-                                            <p:strVal val="#ppt_y+.1"/>
+                                            <p:strVal val="1+#ppt_h/2"/>
                                           </p:val>
                                         </p:tav>
                                         <p:tav tm="100000">
@@ -8004,32 +8821,32 @@
                     </p:cTn>
                   </p:par>
                   <p:par>
-                    <p:cTn id="25" fill="hold">
+                    <p:cTn id="24" fill="hold">
                       <p:stCondLst>
                         <p:cond delay="indefinite"/>
                       </p:stCondLst>
                       <p:childTnLst>
                         <p:par>
-                          <p:cTn id="26" fill="hold">
+                          <p:cTn id="25" fill="hold">
                             <p:stCondLst>
                               <p:cond delay="0"/>
                             </p:stCondLst>
                             <p:childTnLst>
                               <p:par>
-                                <p:cTn id="27" presetID="10" presetClass="entr" presetSubtype="0" fill="hold" grpId="0" nodeType="clickEffect">
+                                <p:cTn id="26" presetID="6" presetClass="entr" presetSubtype="16" fill="hold" grpId="0" nodeType="clickEffect">
                                   <p:stCondLst>
                                     <p:cond delay="0"/>
                                   </p:stCondLst>
                                   <p:childTnLst>
                                     <p:set>
                                       <p:cBhvr>
-                                        <p:cTn id="28" dur="1" fill="hold">
+                                        <p:cTn id="27" dur="1" fill="hold">
                                           <p:stCondLst>
                                             <p:cond delay="0"/>
                                           </p:stCondLst>
                                         </p:cTn>
                                         <p:tgtEl>
-                                          <p:spTgt spid="9"/>
+                                          <p:spTgt spid="11"/>
                                         </p:tgtEl>
                                         <p:attrNameLst>
                                           <p:attrName>style.visibility</p:attrName>
@@ -8039,11 +8856,46 @@
                                         <p:strVal val="visible"/>
                                       </p:to>
                                     </p:set>
-                                    <p:animEffect transition="in" filter="fade">
+                                    <p:animEffect transition="in" filter="circle(in)">
                                       <p:cBhvr>
-                                        <p:cTn id="29" dur="500"/>
+                                        <p:cTn id="28" dur="2000"/>
                                         <p:tgtEl>
-                                          <p:spTgt spid="9"/>
+                                          <p:spTgt spid="11"/>
+                                        </p:tgtEl>
+                                      </p:cBhvr>
+                                    </p:animEffect>
+                                  </p:childTnLst>
+                                </p:cTn>
+                              </p:par>
+                              <p:par>
+                                <p:cTn id="29" presetID="6" presetClass="entr" presetSubtype="16" fill="hold" grpId="0" nodeType="withEffect">
+                                  <p:stCondLst>
+                                    <p:cond delay="0"/>
+                                  </p:stCondLst>
+                                  <p:childTnLst>
+                                    <p:set>
+                                      <p:cBhvr>
+                                        <p:cTn id="30" dur="1" fill="hold">
+                                          <p:stCondLst>
+                                            <p:cond delay="0"/>
+                                          </p:stCondLst>
+                                        </p:cTn>
+                                        <p:tgtEl>
+                                          <p:spTgt spid="8"/>
+                                        </p:tgtEl>
+                                        <p:attrNameLst>
+                                          <p:attrName>style.visibility</p:attrName>
+                                        </p:attrNameLst>
+                                      </p:cBhvr>
+                                      <p:to>
+                                        <p:strVal val="visible"/>
+                                      </p:to>
+                                    </p:set>
+                                    <p:animEffect transition="in" filter="circle(in)">
+                                      <p:cBhvr>
+                                        <p:cTn id="31" dur="2000"/>
+                                        <p:tgtEl>
+                                          <p:spTgt spid="8"/>
                                         </p:tgtEl>
                                       </p:cBhvr>
                                     </p:animEffect>
@@ -8057,32 +8909,32 @@
                     </p:cTn>
                   </p:par>
                   <p:par>
-                    <p:cTn id="30" fill="hold">
+                    <p:cTn id="32" fill="hold">
                       <p:stCondLst>
                         <p:cond delay="indefinite"/>
                       </p:stCondLst>
                       <p:childTnLst>
                         <p:par>
-                          <p:cTn id="31" fill="hold">
+                          <p:cTn id="33" fill="hold">
                             <p:stCondLst>
                               <p:cond delay="0"/>
                             </p:stCondLst>
                             <p:childTnLst>
                               <p:par>
-                                <p:cTn id="32" presetID="10" presetClass="entr" presetSubtype="0" fill="hold" nodeType="clickEffect">
+                                <p:cTn id="34" presetID="2" presetClass="entr" presetSubtype="4" fill="hold" nodeType="clickEffect">
                                   <p:stCondLst>
                                     <p:cond delay="0"/>
                                   </p:stCondLst>
                                   <p:childTnLst>
                                     <p:set>
                                       <p:cBhvr>
-                                        <p:cTn id="33" dur="1" fill="hold">
+                                        <p:cTn id="35" dur="1" fill="hold">
                                           <p:stCondLst>
                                             <p:cond delay="0"/>
                                           </p:stCondLst>
                                         </p:cTn>
                                         <p:tgtEl>
-                                          <p:spTgt spid="10"/>
+                                          <p:spTgt spid="12"/>
                                         </p:tgtEl>
                                         <p:attrNameLst>
                                           <p:attrName>style.visibility</p:attrName>
@@ -8092,11 +8944,137 @@
                                         <p:strVal val="visible"/>
                                       </p:to>
                                     </p:set>
-                                    <p:animEffect transition="in" filter="fade">
+                                    <p:anim calcmode="lin" valueType="num">
+                                      <p:cBhvr additive="base">
+                                        <p:cTn id="36" dur="500" fill="hold"/>
+                                        <p:tgtEl>
+                                          <p:spTgt spid="12"/>
+                                        </p:tgtEl>
+                                        <p:attrNameLst>
+                                          <p:attrName>ppt_x</p:attrName>
+                                        </p:attrNameLst>
+                                      </p:cBhvr>
+                                      <p:tavLst>
+                                        <p:tav tm="0">
+                                          <p:val>
+                                            <p:strVal val="#ppt_x"/>
+                                          </p:val>
+                                        </p:tav>
+                                        <p:tav tm="100000">
+                                          <p:val>
+                                            <p:strVal val="#ppt_x"/>
+                                          </p:val>
+                                        </p:tav>
+                                      </p:tavLst>
+                                    </p:anim>
+                                    <p:anim calcmode="lin" valueType="num">
+                                      <p:cBhvr additive="base">
+                                        <p:cTn id="37" dur="500" fill="hold"/>
+                                        <p:tgtEl>
+                                          <p:spTgt spid="12"/>
+                                        </p:tgtEl>
+                                        <p:attrNameLst>
+                                          <p:attrName>ppt_y</p:attrName>
+                                        </p:attrNameLst>
+                                      </p:cBhvr>
+                                      <p:tavLst>
+                                        <p:tav tm="0">
+                                          <p:val>
+                                            <p:strVal val="1+#ppt_h/2"/>
+                                          </p:val>
+                                        </p:tav>
+                                        <p:tav tm="100000">
+                                          <p:val>
+                                            <p:strVal val="#ppt_y"/>
+                                          </p:val>
+                                        </p:tav>
+                                      </p:tavLst>
+                                    </p:anim>
+                                  </p:childTnLst>
+                                </p:cTn>
+                              </p:par>
+                            </p:childTnLst>
+                          </p:cTn>
+                        </p:par>
+                      </p:childTnLst>
+                    </p:cTn>
+                  </p:par>
+                  <p:par>
+                    <p:cTn id="38" fill="hold">
+                      <p:stCondLst>
+                        <p:cond delay="indefinite"/>
+                      </p:stCondLst>
+                      <p:childTnLst>
+                        <p:par>
+                          <p:cTn id="39" fill="hold">
+                            <p:stCondLst>
+                              <p:cond delay="0"/>
+                            </p:stCondLst>
+                            <p:childTnLst>
+                              <p:par>
+                                <p:cTn id="40" presetID="21" presetClass="entr" presetSubtype="1" fill="hold" grpId="0" nodeType="clickEffect">
+                                  <p:stCondLst>
+                                    <p:cond delay="0"/>
+                                  </p:stCondLst>
+                                  <p:childTnLst>
+                                    <p:set>
                                       <p:cBhvr>
-                                        <p:cTn id="34" dur="500"/>
+                                        <p:cTn id="41" dur="1" fill="hold">
+                                          <p:stCondLst>
+                                            <p:cond delay="0"/>
+                                          </p:stCondLst>
+                                        </p:cTn>
                                         <p:tgtEl>
-                                          <p:spTgt spid="10"/>
+                                          <p:spTgt spid="14"/>
+                                        </p:tgtEl>
+                                        <p:attrNameLst>
+                                          <p:attrName>style.visibility</p:attrName>
+                                        </p:attrNameLst>
+                                      </p:cBhvr>
+                                      <p:to>
+                                        <p:strVal val="visible"/>
+                                      </p:to>
+                                    </p:set>
+                                    <p:animEffect transition="in" filter="wheel(1)">
+                                      <p:cBhvr>
+                                        <p:cTn id="42" dur="2000"/>
+                                        <p:tgtEl>
+                                          <p:spTgt spid="14"/>
+                                        </p:tgtEl>
+                                      </p:cBhvr>
+                                    </p:animEffect>
+                                  </p:childTnLst>
+                                </p:cTn>
+                              </p:par>
+                              <p:par>
+                                <p:cTn id="43" presetID="21" presetClass="entr" presetSubtype="1" fill="hold" grpId="0" nodeType="withEffect">
+                                  <p:stCondLst>
+                                    <p:cond delay="0"/>
+                                  </p:stCondLst>
+                                  <p:childTnLst>
+                                    <p:set>
+                                      <p:cBhvr>
+                                        <p:cTn id="44" dur="1" fill="hold">
+                                          <p:stCondLst>
+                                            <p:cond delay="0"/>
+                                          </p:stCondLst>
+                                        </p:cTn>
+                                        <p:tgtEl>
+                                          <p:spTgt spid="13"/>
+                                        </p:tgtEl>
+                                        <p:attrNameLst>
+                                          <p:attrName>style.visibility</p:attrName>
+                                        </p:attrNameLst>
+                                      </p:cBhvr>
+                                      <p:to>
+                                        <p:strVal val="visible"/>
+                                      </p:to>
+                                    </p:set>
+                                    <p:animEffect transition="in" filter="wheel(1)">
+                                      <p:cBhvr>
+                                        <p:cTn id="45" dur="2000"/>
+                                        <p:tgtEl>
+                                          <p:spTgt spid="13"/>
                                         </p:tgtEl>
                                       </p:cBhvr>
                                     </p:animEffect>
@@ -8132,7 +9110,10 @@
     </p:tnLst>
     <p:bldLst>
       <p:bldP spid="6" grpId="0" animBg="1"/>
-      <p:bldP spid="9" grpId="0" animBg="1"/>
+      <p:bldP spid="8" grpId="0" animBg="1"/>
+      <p:bldP spid="11" grpId="0" animBg="1"/>
+      <p:bldP spid="13" grpId="0" animBg="1"/>
+      <p:bldP spid="14" grpId="0" animBg="1"/>
     </p:bldLst>
   </p:timing>
 </p:sld>
@@ -8259,15 +9240,7 @@
             </a:pPr>
             <a:r>
               <a:rPr lang="en-US" altLang="zh-TW" dirty="0" smtClean="0"/>
-              <a:t>When successfully matched, the status becomes </a:t>
-            </a:r>
-            <a:r>
-              <a:rPr lang="en-US" altLang="zh-TW" dirty="0" smtClean="0"/>
-              <a:t>match</a:t>
-            </a:r>
-            <a:r>
-              <a:rPr lang="en-US" altLang="zh-TW" dirty="0" smtClean="0"/>
-              <a:t>!</a:t>
+              <a:t>When successfully matched, the status becomes match!</a:t>
             </a:r>
             <a:endParaRPr lang="en-US" altLang="zh-TW" dirty="0"/>
           </a:p>
@@ -8476,7 +9449,7 @@
             </a:pPr>
             <a:r>
               <a:rPr lang="en-US" altLang="zh-TW" sz="2400" dirty="0" smtClean="0"/>
-              <a:t> Global companies like Google, Facebook, Apple, they can be the funding enterprises. </a:t>
+              <a:t> Global companies like Google, Facebook, Apple, or even local company can be the funding enterprises.  Kind people in different countries can also provide their own rooms in their countries.</a:t>
             </a:r>
           </a:p>
           <a:p>
@@ -8877,21 +9850,8 @@
             </a:pPr>
             <a:r>
               <a:rPr lang="en-US" altLang="zh-TW" sz="2400" dirty="0" smtClean="0"/>
-              <a:t>Due to resource inequality, </a:t>
-            </a:r>
-            <a:r>
-              <a:rPr lang="en-US" altLang="zh-TW" sz="2400" dirty="0" smtClean="0"/>
-              <a:t>medical resources are grouped in bigger cities, </a:t>
-            </a:r>
-            <a:r>
-              <a:rPr lang="en-US" altLang="zh-TW" sz="2400" dirty="0" smtClean="0"/>
-              <a:t>people live in remote area </a:t>
-            </a:r>
-            <a:r>
-              <a:rPr lang="en-US" altLang="zh-TW" sz="2400" dirty="0" smtClean="0"/>
-              <a:t>need to search for a better medical treatment in a bigger city.</a:t>
-            </a:r>
-            <a:endParaRPr lang="en-US" altLang="zh-TW" sz="2400" dirty="0" smtClean="0"/>
+              <a:t>Due to resource inequality, medical resources are grouped in bigger cities, people live in remote area need to search for a better medical treatment in a bigger city.</a:t>
+            </a:r>
           </a:p>
           <a:p>
             <a:pPr>
@@ -8907,7 +9867,7 @@
             </a:pPr>
             <a:r>
               <a:rPr lang="en-US" altLang="zh-TW" sz="2400" dirty="0" smtClean="0"/>
-              <a:t>People who are poor can’t afford medical treatment fee, even if they can, most of them cannot afford the hotel fee when they search for a better medical treatment in a big city.</a:t>
+              <a:t>It is already a great burden for people to afford the medical fee in a big city, with the hotel fee, it’s even worse. And this is the problem we try to solve!</a:t>
             </a:r>
             <a:endParaRPr lang="zh-TW" altLang="en-US" sz="2400" dirty="0"/>
           </a:p>
@@ -8986,7 +9946,7 @@
         <p:spPr/>
         <p:txBody>
           <a:bodyPr>
-            <a:normAutofit/>
+            <a:normAutofit lnSpcReduction="10000"/>
           </a:bodyPr>
           <a:lstStyle/>
           <a:p>
@@ -8996,28 +9956,7 @@
             </a:pPr>
             <a:r>
               <a:rPr lang="en-US" altLang="zh-TW" sz="2400" dirty="0" smtClean="0"/>
-              <a:t> Ronald McDonald’s House Charities (RMHC) has solved some of the housing problems when people search for medical treatment. However, they did not allow personal housing offered.</a:t>
-            </a:r>
-          </a:p>
-          <a:p>
-            <a:pPr>
-              <a:buFont typeface="Wingdings" panose="05000000000000000000" pitchFamily="2" charset="2"/>
-              <a:buChar char="u"/>
-            </a:pPr>
-            <a:endParaRPr lang="en-US" altLang="zh-TW" sz="2400" dirty="0"/>
-          </a:p>
-          <a:p>
-            <a:pPr>
-              <a:buFont typeface="Wingdings" panose="05000000000000000000" pitchFamily="2" charset="2"/>
-              <a:buChar char="u"/>
-            </a:pPr>
-            <a:r>
-              <a:rPr lang="en-US" altLang="zh-TW" sz="2400" dirty="0"/>
-              <a:t> </a:t>
-            </a:r>
-            <a:r>
-              <a:rPr lang="en-US" altLang="zh-TW" sz="2400" dirty="0" smtClean="0"/>
-              <a:t>We believe that kind people can also provide free rooms for those who cannot afford the hotel. So we combine the idea of Airbnb and RMHC.</a:t>
+              <a:t> Ronald McDonald’s House Charities (RMHC) has solved some of the housing problems when people search for medical treatment. However, the power of a company is limited. We believed that with the help of many individual power, this will be a lot more helpful for people in need.</a:t>
             </a:r>
           </a:p>
           <a:p>
@@ -9034,7 +9973,32 @@
             </a:pPr>
             <a:r>
               <a:rPr lang="en-US" altLang="zh-TW" sz="2400" dirty="0" smtClean="0"/>
-              <a:t> With proper management, we can help a patient/ patient’s family, by providing them a suitable room.</a:t>
+              <a:t>So we </a:t>
+            </a:r>
+            <a:r>
+              <a:rPr lang="en-US" altLang="zh-TW" sz="2400" dirty="0"/>
+              <a:t>combine the idea of Airbnb and </a:t>
+            </a:r>
+            <a:r>
+              <a:rPr lang="en-US" altLang="zh-TW" sz="2400" dirty="0" smtClean="0"/>
+              <a:t>RMHC. Our system allows people to provide their personal housing for those who cannot afford the hotel. </a:t>
+            </a:r>
+          </a:p>
+          <a:p>
+            <a:pPr>
+              <a:buFont typeface="Wingdings" panose="05000000000000000000" pitchFamily="2" charset="2"/>
+              <a:buChar char="u"/>
+            </a:pPr>
+            <a:endParaRPr lang="en-US" altLang="zh-TW" sz="2400" dirty="0" smtClean="0"/>
+          </a:p>
+          <a:p>
+            <a:pPr>
+              <a:buFont typeface="Wingdings" panose="05000000000000000000" pitchFamily="2" charset="2"/>
+              <a:buChar char="u"/>
+            </a:pPr>
+            <a:r>
+              <a:rPr lang="en-US" altLang="zh-TW" sz="2400" dirty="0" smtClean="0"/>
+              <a:t> With proper management, we can help a patient/ patient’s family, by providing them a suitable room with no cost.</a:t>
             </a:r>
             <a:endParaRPr lang="zh-TW" altLang="en-US" sz="2400" dirty="0"/>
           </a:p>
@@ -9164,7 +10128,19 @@
             </a:pPr>
             <a:r>
               <a:rPr lang="en-US" altLang="zh-TW" sz="2400" dirty="0" smtClean="0"/>
-              <a:t> Coordinate enterprise can approved the rooms offered by companies/person,</a:t>
+              <a:t> Coordinate enterprise can approved the rooms offered by </a:t>
+            </a:r>
+            <a:r>
+              <a:rPr lang="en-US" altLang="zh-TW" sz="2400" smtClean="0"/>
+              <a:t>companies</a:t>
+            </a:r>
+            <a:r>
+              <a:rPr lang="en-US" altLang="zh-TW" sz="2400" smtClean="0"/>
+              <a:t>/ person</a:t>
+            </a:r>
+            <a:r>
+              <a:rPr lang="en-US" altLang="zh-TW" sz="2400" dirty="0" smtClean="0"/>
+              <a:t>,</a:t>
             </a:r>
           </a:p>
           <a:p>
@@ -9177,8 +10153,13 @@
             </a:r>
             <a:r>
               <a:rPr lang="en-US" altLang="zh-TW" sz="2400" dirty="0" smtClean="0"/>
-              <a:t>    and the applications from clients/patients.</a:t>
-            </a:r>
+              <a:t>    and the applications from </a:t>
+            </a:r>
+            <a:r>
+              <a:rPr lang="en-US" altLang="zh-TW" sz="2400" dirty="0" smtClean="0"/>
+              <a:t>clients(patients).</a:t>
+            </a:r>
+            <a:endParaRPr lang="en-US" altLang="zh-TW" sz="2400" dirty="0" smtClean="0"/>
           </a:p>
           <a:p>
             <a:pPr>
@@ -9550,7 +10531,7 @@
           <p:nvPr/>
         </p:nvPicPr>
         <p:blipFill>
-          <a:blip r:embed="rId2">
+          <a:blip r:embed="rId3">
             <a:extLst>
               <a:ext uri="{28A0092B-C50C-407E-A947-70E740481C1C}">
                 <a14:useLocalDpi xmlns:a14="http://schemas.microsoft.com/office/drawing/2010/main" val="0"/>
@@ -9788,7 +10769,6 @@
               <a:rPr lang="en-US" altLang="zh-TW" sz="2400" dirty="0" smtClean="0"/>
               <a:t>  Patients/ Rooms qualified organization</a:t>
             </a:r>
-            <a:endParaRPr lang="en-US" altLang="zh-TW" sz="2400" dirty="0"/>
           </a:p>
           <a:p>
             <a:pPr lvl="1">
@@ -9796,9 +10776,14 @@
               <a:buChar char="u"/>
             </a:pPr>
             <a:r>
+              <a:rPr lang="en-US" altLang="zh-TW" sz="2400" dirty="0"/>
+              <a:t> </a:t>
+            </a:r>
+            <a:r>
               <a:rPr lang="en-US" altLang="zh-TW" sz="2400" dirty="0" smtClean="0"/>
-              <a:t>  Clients organization</a:t>
-            </a:r>
+              <a:t> Client organization</a:t>
+            </a:r>
+            <a:endParaRPr lang="en-US" altLang="zh-TW" sz="2400" dirty="0"/>
           </a:p>
           <a:p>
             <a:pPr lvl="1">
